--- a/Java_mini_proj_home/java_proj_PPT.pptx
+++ b/Java_mini_proj_home/java_proj_PPT.pptx
@@ -6,12 +6,22 @@
   </p:sldMasterIdLst>
   <p:sldIdLst>
     <p:sldId id="256" r:id="rId2"/>
-    <p:sldId id="259" r:id="rId3"/>
-    <p:sldId id="260" r:id="rId4"/>
-    <p:sldId id="261" r:id="rId5"/>
-    <p:sldId id="257" r:id="rId6"/>
-    <p:sldId id="258" r:id="rId7"/>
-    <p:sldId id="262" r:id="rId8"/>
+    <p:sldId id="263" r:id="rId3"/>
+    <p:sldId id="259" r:id="rId4"/>
+    <p:sldId id="260" r:id="rId5"/>
+    <p:sldId id="261" r:id="rId6"/>
+    <p:sldId id="265" r:id="rId7"/>
+    <p:sldId id="264" r:id="rId8"/>
+    <p:sldId id="267" r:id="rId9"/>
+    <p:sldId id="268" r:id="rId10"/>
+    <p:sldId id="269" r:id="rId11"/>
+    <p:sldId id="270" r:id="rId12"/>
+    <p:sldId id="266" r:id="rId13"/>
+    <p:sldId id="271" r:id="rId14"/>
+    <p:sldId id="272" r:id="rId15"/>
+    <p:sldId id="257" r:id="rId16"/>
+    <p:sldId id="258" r:id="rId17"/>
+    <p:sldId id="262" r:id="rId18"/>
   </p:sldIdLst>
   <p:sldSz cx="9144000" cy="6858000" type="screen4x3"/>
   <p:notesSz cx="6858000" cy="9144000"/>
@@ -3564,7 +3574,1350 @@
 </p:sld>
 </file>
 
+<file path=ppt/slides/slide10.xml><?xml version="1.0" encoding="utf-8"?>
+<p:sld xmlns:a="http://schemas.openxmlformats.org/drawingml/2006/main" xmlns:r="http://schemas.openxmlformats.org/officeDocument/2006/relationships" xmlns:p="http://schemas.openxmlformats.org/presentationml/2006/main">
+  <p:cSld>
+    <p:spTree>
+      <p:nvGrpSpPr>
+        <p:cNvPr id="1" name=""/>
+        <p:cNvGrpSpPr/>
+        <p:nvPr/>
+      </p:nvGrpSpPr>
+      <p:grpSpPr>
+        <a:xfrm>
+          <a:off x="0" y="0"/>
+          <a:ext cx="0" cy="0"/>
+          <a:chOff x="0" y="0"/>
+          <a:chExt cx="0" cy="0"/>
+        </a:xfrm>
+      </p:grpSpPr>
+      <p:sp>
+        <p:nvSpPr>
+          <p:cNvPr id="2" name="제목 1"/>
+          <p:cNvSpPr>
+            <a:spLocks noGrp="1"/>
+          </p:cNvSpPr>
+          <p:nvPr>
+            <p:ph type="title"/>
+          </p:nvPr>
+        </p:nvSpPr>
+        <p:spPr/>
+        <p:txBody>
+          <a:bodyPr/>
+          <a:lstStyle/>
+          <a:p>
+            <a:r>
+              <a:rPr lang="ko-KR" altLang="en-US" dirty="0"/>
+              <a:t>주요기능 </a:t>
+            </a:r>
+            <a:r>
+              <a:rPr lang="en-US" altLang="ko-KR" dirty="0"/>
+              <a:t>- </a:t>
+            </a:r>
+            <a:r>
+              <a:rPr lang="ko-KR" altLang="en-US" dirty="0"/>
+              <a:t>실행화면</a:t>
+            </a:r>
+          </a:p>
+        </p:txBody>
+      </p:sp>
+      <p:sp>
+        <p:nvSpPr>
+          <p:cNvPr id="3" name="내용 개체 틀 2"/>
+          <p:cNvSpPr>
+            <a:spLocks noGrp="1"/>
+          </p:cNvSpPr>
+          <p:nvPr>
+            <p:ph idx="1"/>
+          </p:nvPr>
+        </p:nvSpPr>
+        <p:spPr/>
+        <p:txBody>
+          <a:bodyPr/>
+          <a:lstStyle/>
+          <a:p>
+            <a:r>
+              <a:rPr lang="en-US" altLang="ko-KR" dirty="0" smtClean="0"/>
+              <a:t>Flag</a:t>
+            </a:r>
+            <a:r>
+              <a:rPr lang="ko-KR" altLang="en-US" dirty="0" smtClean="0"/>
+              <a:t>를 나누어 처음 누르면 </a:t>
+            </a:r>
+            <a:r>
+              <a:rPr lang="en-US" altLang="ko-KR" dirty="0" smtClean="0"/>
+              <a:t>insert,</a:t>
+            </a:r>
+          </a:p>
+          <a:p>
+            <a:r>
+              <a:rPr lang="ko-KR" altLang="en-US" dirty="0" smtClean="0"/>
+              <a:t>그 이후로는 지속적으로 </a:t>
+            </a:r>
+            <a:r>
+              <a:rPr lang="en-US" altLang="ko-KR" dirty="0" smtClean="0"/>
+              <a:t>update </a:t>
+            </a:r>
+            <a:r>
+              <a:rPr lang="ko-KR" altLang="en-US" dirty="0" smtClean="0"/>
+              <a:t>된다</a:t>
+            </a:r>
+            <a:endParaRPr lang="ko-KR" altLang="en-US" dirty="0"/>
+          </a:p>
+        </p:txBody>
+      </p:sp>
+      <p:pic>
+        <p:nvPicPr>
+          <p:cNvPr id="4098" name="Picture 2"/>
+          <p:cNvPicPr>
+            <a:picLocks noChangeAspect="1" noChangeArrowheads="1"/>
+          </p:cNvPicPr>
+          <p:nvPr/>
+        </p:nvPicPr>
+        <p:blipFill>
+          <a:blip r:embed="rId2">
+            <a:extLst>
+              <a:ext uri="{28A0092B-C50C-407E-A947-70E740481C1C}">
+                <a14:useLocalDpi xmlns:a14="http://schemas.microsoft.com/office/drawing/2010/main" val="0"/>
+              </a:ext>
+            </a:extLst>
+          </a:blip>
+          <a:srcRect/>
+          <a:stretch>
+            <a:fillRect/>
+          </a:stretch>
+        </p:blipFill>
+        <p:spPr bwMode="auto">
+          <a:xfrm>
+            <a:off x="4716016" y="1988840"/>
+            <a:ext cx="3124200" cy="2800350"/>
+          </a:xfrm>
+          <a:prstGeom prst="rect">
+            <a:avLst/>
+          </a:prstGeom>
+          <a:noFill/>
+          <a:ln>
+            <a:noFill/>
+          </a:ln>
+          <a:effectLst/>
+          <a:extLst>
+            <a:ext uri="{909E8E84-426E-40DD-AFC4-6F175D3DCCD1}">
+              <a14:hiddenFill xmlns:a14="http://schemas.microsoft.com/office/drawing/2010/main">
+                <a:solidFill>
+                  <a:schemeClr val="accent1"/>
+                </a:solidFill>
+              </a14:hiddenFill>
+            </a:ext>
+            <a:ext uri="{91240B29-F687-4F45-9708-019B960494DF}">
+              <a14:hiddenLine xmlns:a14="http://schemas.microsoft.com/office/drawing/2010/main" w="9525">
+                <a:solidFill>
+                  <a:schemeClr val="tx1"/>
+                </a:solidFill>
+                <a:miter lim="800000"/>
+                <a:headEnd/>
+                <a:tailEnd/>
+              </a14:hiddenLine>
+            </a:ext>
+            <a:ext uri="{AF507438-7753-43E0-B8FC-AC1667EBCBE1}">
+              <a14:hiddenEffects xmlns:a14="http://schemas.microsoft.com/office/drawing/2010/main">
+                <a:effectLst>
+                  <a:outerShdw dist="35921" dir="2700000" algn="ctr" rotWithShape="0">
+                    <a:schemeClr val="bg2"/>
+                  </a:outerShdw>
+                </a:effectLst>
+              </a14:hiddenEffects>
+            </a:ext>
+          </a:extLst>
+        </p:spPr>
+      </p:pic>
+      <p:pic>
+        <p:nvPicPr>
+          <p:cNvPr id="4099" name="Picture 3"/>
+          <p:cNvPicPr>
+            <a:picLocks noChangeAspect="1" noChangeArrowheads="1"/>
+          </p:cNvPicPr>
+          <p:nvPr/>
+        </p:nvPicPr>
+        <p:blipFill>
+          <a:blip r:embed="rId3">
+            <a:extLst>
+              <a:ext uri="{28A0092B-C50C-407E-A947-70E740481C1C}">
+                <a14:useLocalDpi xmlns:a14="http://schemas.microsoft.com/office/drawing/2010/main" val="0"/>
+              </a:ext>
+            </a:extLst>
+          </a:blip>
+          <a:srcRect/>
+          <a:stretch>
+            <a:fillRect/>
+          </a:stretch>
+        </p:blipFill>
+        <p:spPr bwMode="auto">
+          <a:xfrm>
+            <a:off x="611560" y="5805264"/>
+            <a:ext cx="5219700" cy="276225"/>
+          </a:xfrm>
+          <a:prstGeom prst="rect">
+            <a:avLst/>
+          </a:prstGeom>
+          <a:noFill/>
+          <a:ln>
+            <a:noFill/>
+          </a:ln>
+          <a:effectLst/>
+          <a:extLst>
+            <a:ext uri="{909E8E84-426E-40DD-AFC4-6F175D3DCCD1}">
+              <a14:hiddenFill xmlns:a14="http://schemas.microsoft.com/office/drawing/2010/main">
+                <a:solidFill>
+                  <a:schemeClr val="accent1"/>
+                </a:solidFill>
+              </a14:hiddenFill>
+            </a:ext>
+            <a:ext uri="{91240B29-F687-4F45-9708-019B960494DF}">
+              <a14:hiddenLine xmlns:a14="http://schemas.microsoft.com/office/drawing/2010/main" w="9525">
+                <a:solidFill>
+                  <a:schemeClr val="tx1"/>
+                </a:solidFill>
+                <a:miter lim="800000"/>
+                <a:headEnd/>
+                <a:tailEnd/>
+              </a14:hiddenLine>
+            </a:ext>
+            <a:ext uri="{AF507438-7753-43E0-B8FC-AC1667EBCBE1}">
+              <a14:hiddenEffects xmlns:a14="http://schemas.microsoft.com/office/drawing/2010/main">
+                <a:effectLst>
+                  <a:outerShdw dist="35921" dir="2700000" algn="ctr" rotWithShape="0">
+                    <a:schemeClr val="bg2"/>
+                  </a:outerShdw>
+                </a:effectLst>
+              </a14:hiddenEffects>
+            </a:ext>
+          </a:extLst>
+        </p:spPr>
+      </p:pic>
+    </p:spTree>
+    <p:extLst>
+      <p:ext uri="{BB962C8B-B14F-4D97-AF65-F5344CB8AC3E}">
+        <p14:creationId xmlns:p14="http://schemas.microsoft.com/office/powerpoint/2010/main" val="4205439488"/>
+      </p:ext>
+    </p:extLst>
+  </p:cSld>
+  <p:clrMapOvr>
+    <a:masterClrMapping/>
+  </p:clrMapOvr>
+</p:sld>
+</file>
+
+<file path=ppt/slides/slide11.xml><?xml version="1.0" encoding="utf-8"?>
+<p:sld xmlns:a="http://schemas.openxmlformats.org/drawingml/2006/main" xmlns:r="http://schemas.openxmlformats.org/officeDocument/2006/relationships" xmlns:p="http://schemas.openxmlformats.org/presentationml/2006/main">
+  <p:cSld>
+    <p:spTree>
+      <p:nvGrpSpPr>
+        <p:cNvPr id="1" name=""/>
+        <p:cNvGrpSpPr/>
+        <p:nvPr/>
+      </p:nvGrpSpPr>
+      <p:grpSpPr>
+        <a:xfrm>
+          <a:off x="0" y="0"/>
+          <a:ext cx="0" cy="0"/>
+          <a:chOff x="0" y="0"/>
+          <a:chExt cx="0" cy="0"/>
+        </a:xfrm>
+      </p:grpSpPr>
+      <p:sp>
+        <p:nvSpPr>
+          <p:cNvPr id="2" name="제목 1"/>
+          <p:cNvSpPr>
+            <a:spLocks noGrp="1"/>
+          </p:cNvSpPr>
+          <p:nvPr>
+            <p:ph type="title"/>
+          </p:nvPr>
+        </p:nvSpPr>
+        <p:spPr/>
+        <p:txBody>
+          <a:bodyPr/>
+          <a:lstStyle/>
+          <a:p>
+            <a:r>
+              <a:rPr lang="ko-KR" altLang="en-US" dirty="0" smtClean="0"/>
+              <a:t>주요기능 </a:t>
+            </a:r>
+            <a:r>
+              <a:rPr lang="en-US" altLang="ko-KR" dirty="0" smtClean="0"/>
+              <a:t>- </a:t>
+            </a:r>
+            <a:r>
+              <a:rPr lang="ko-KR" altLang="en-US" dirty="0" smtClean="0"/>
+              <a:t>실행화면</a:t>
+            </a:r>
+            <a:endParaRPr lang="ko-KR" altLang="en-US" dirty="0"/>
+          </a:p>
+        </p:txBody>
+      </p:sp>
+      <p:sp>
+        <p:nvSpPr>
+          <p:cNvPr id="3" name="내용 개체 틀 2"/>
+          <p:cNvSpPr>
+            <a:spLocks noGrp="1"/>
+          </p:cNvSpPr>
+          <p:nvPr>
+            <p:ph idx="1"/>
+          </p:nvPr>
+        </p:nvSpPr>
+        <p:spPr>
+          <a:xfrm>
+            <a:off x="467544" y="4941168"/>
+            <a:ext cx="7620000" cy="1473027"/>
+          </a:xfrm>
+        </p:spPr>
+        <p:txBody>
+          <a:bodyPr/>
+          <a:lstStyle/>
+          <a:p>
+            <a:r>
+              <a:rPr lang="ko-KR" altLang="en-US" dirty="0" smtClean="0"/>
+              <a:t>타입 선택하고 </a:t>
+            </a:r>
+            <a:r>
+              <a:rPr lang="en-US" altLang="ko-KR" dirty="0" smtClean="0"/>
+              <a:t>start</a:t>
+            </a:r>
+            <a:r>
+              <a:rPr lang="ko-KR" altLang="en-US" dirty="0" smtClean="0"/>
+              <a:t>버튼을 클릭하면 서버에서 모든 클라이언트에</a:t>
+            </a:r>
+            <a:endParaRPr lang="en-US" altLang="ko-KR" dirty="0" smtClean="0"/>
+          </a:p>
+          <a:p>
+            <a:r>
+              <a:rPr lang="en-US" altLang="ko-KR" dirty="0" smtClean="0"/>
+              <a:t>DB</a:t>
+            </a:r>
+            <a:r>
+              <a:rPr lang="ko-KR" altLang="en-US" dirty="0" smtClean="0"/>
+              <a:t>에서 뽑아온 단어</a:t>
+            </a:r>
+            <a:r>
+              <a:rPr lang="en-US" altLang="ko-KR" dirty="0" smtClean="0"/>
+              <a:t>,  </a:t>
+            </a:r>
+            <a:r>
+              <a:rPr lang="en-US" altLang="ko-KR" dirty="0" err="1" smtClean="0"/>
+              <a:t>x,y</a:t>
+            </a:r>
+            <a:r>
+              <a:rPr lang="ko-KR" altLang="en-US" dirty="0" smtClean="0"/>
+              <a:t>좌표와 속도 조절을 위한 </a:t>
+            </a:r>
+            <a:r>
+              <a:rPr lang="en-US" altLang="ko-KR" dirty="0" err="1" smtClean="0"/>
+              <a:t>deltaY</a:t>
+            </a:r>
+            <a:r>
+              <a:rPr lang="ko-KR" altLang="en-US" dirty="0" smtClean="0"/>
+              <a:t>를 담은 </a:t>
+            </a:r>
+            <a:r>
+              <a:rPr lang="en-US" altLang="ko-KR" dirty="0" err="1" smtClean="0"/>
+              <a:t>ArrayList</a:t>
+            </a:r>
+            <a:r>
+              <a:rPr lang="ko-KR" altLang="en-US" dirty="0" smtClean="0"/>
+              <a:t>를 동일하게 뿌려준다</a:t>
+            </a:r>
+            <a:endParaRPr lang="ko-KR" altLang="en-US" dirty="0"/>
+          </a:p>
+        </p:txBody>
+      </p:sp>
+      <p:pic>
+        <p:nvPicPr>
+          <p:cNvPr id="5122" name="Picture 2"/>
+          <p:cNvPicPr>
+            <a:picLocks noChangeAspect="1" noChangeArrowheads="1"/>
+          </p:cNvPicPr>
+          <p:nvPr/>
+        </p:nvPicPr>
+        <p:blipFill>
+          <a:blip r:embed="rId2">
+            <a:extLst>
+              <a:ext uri="{28A0092B-C50C-407E-A947-70E740481C1C}">
+                <a14:useLocalDpi xmlns:a14="http://schemas.microsoft.com/office/drawing/2010/main" val="0"/>
+              </a:ext>
+            </a:extLst>
+          </a:blip>
+          <a:srcRect/>
+          <a:stretch>
+            <a:fillRect/>
+          </a:stretch>
+        </p:blipFill>
+        <p:spPr bwMode="auto">
+          <a:xfrm>
+            <a:off x="207548" y="1844824"/>
+            <a:ext cx="8677275" cy="2881313"/>
+          </a:xfrm>
+          <a:prstGeom prst="rect">
+            <a:avLst/>
+          </a:prstGeom>
+          <a:noFill/>
+          <a:ln>
+            <a:noFill/>
+          </a:ln>
+          <a:effectLst/>
+          <a:extLst>
+            <a:ext uri="{909E8E84-426E-40DD-AFC4-6F175D3DCCD1}">
+              <a14:hiddenFill xmlns:a14="http://schemas.microsoft.com/office/drawing/2010/main">
+                <a:solidFill>
+                  <a:schemeClr val="accent1"/>
+                </a:solidFill>
+              </a14:hiddenFill>
+            </a:ext>
+            <a:ext uri="{91240B29-F687-4F45-9708-019B960494DF}">
+              <a14:hiddenLine xmlns:a14="http://schemas.microsoft.com/office/drawing/2010/main" w="9525">
+                <a:solidFill>
+                  <a:schemeClr val="tx1"/>
+                </a:solidFill>
+                <a:miter lim="800000"/>
+                <a:headEnd/>
+                <a:tailEnd/>
+              </a14:hiddenLine>
+            </a:ext>
+            <a:ext uri="{AF507438-7753-43E0-B8FC-AC1667EBCBE1}">
+              <a14:hiddenEffects xmlns:a14="http://schemas.microsoft.com/office/drawing/2010/main">
+                <a:effectLst>
+                  <a:outerShdw dist="35921" dir="2700000" algn="ctr" rotWithShape="0">
+                    <a:schemeClr val="bg2"/>
+                  </a:outerShdw>
+                </a:effectLst>
+              </a14:hiddenEffects>
+            </a:ext>
+          </a:extLst>
+        </p:spPr>
+      </p:pic>
+    </p:spTree>
+    <p:extLst>
+      <p:ext uri="{BB962C8B-B14F-4D97-AF65-F5344CB8AC3E}">
+        <p14:creationId xmlns:p14="http://schemas.microsoft.com/office/powerpoint/2010/main" val="3661848371"/>
+      </p:ext>
+    </p:extLst>
+  </p:cSld>
+  <p:clrMapOvr>
+    <a:masterClrMapping/>
+  </p:clrMapOvr>
+</p:sld>
+</file>
+
+<file path=ppt/slides/slide12.xml><?xml version="1.0" encoding="utf-8"?>
+<p:sld xmlns:a="http://schemas.openxmlformats.org/drawingml/2006/main" xmlns:r="http://schemas.openxmlformats.org/officeDocument/2006/relationships" xmlns:p="http://schemas.openxmlformats.org/presentationml/2006/main">
+  <p:cSld>
+    <p:spTree>
+      <p:nvGrpSpPr>
+        <p:cNvPr id="1" name=""/>
+        <p:cNvGrpSpPr/>
+        <p:nvPr/>
+      </p:nvGrpSpPr>
+      <p:grpSpPr>
+        <a:xfrm>
+          <a:off x="0" y="0"/>
+          <a:ext cx="0" cy="0"/>
+          <a:chOff x="0" y="0"/>
+          <a:chExt cx="0" cy="0"/>
+        </a:xfrm>
+      </p:grpSpPr>
+      <p:sp>
+        <p:nvSpPr>
+          <p:cNvPr id="2" name="제목 1"/>
+          <p:cNvSpPr>
+            <a:spLocks noGrp="1"/>
+          </p:cNvSpPr>
+          <p:nvPr>
+            <p:ph type="title"/>
+          </p:nvPr>
+        </p:nvSpPr>
+        <p:spPr/>
+        <p:txBody>
+          <a:bodyPr/>
+          <a:lstStyle/>
+          <a:p>
+            <a:r>
+              <a:rPr lang="en-US" altLang="ko-KR" dirty="0" smtClean="0"/>
+              <a:t>Program flowchart</a:t>
+            </a:r>
+            <a:endParaRPr lang="ko-KR" altLang="en-US" dirty="0"/>
+          </a:p>
+        </p:txBody>
+      </p:sp>
+      <p:sp>
+        <p:nvSpPr>
+          <p:cNvPr id="3" name="내용 개체 틀 2"/>
+          <p:cNvSpPr>
+            <a:spLocks noGrp="1"/>
+          </p:cNvSpPr>
+          <p:nvPr>
+            <p:ph idx="1"/>
+          </p:nvPr>
+        </p:nvSpPr>
+        <p:spPr/>
+        <p:txBody>
+          <a:bodyPr/>
+          <a:lstStyle/>
+          <a:p>
+            <a:endParaRPr lang="ko-KR" altLang="en-US" dirty="0"/>
+          </a:p>
+        </p:txBody>
+      </p:sp>
+      <p:pic>
+        <p:nvPicPr>
+          <p:cNvPr id="4" name="_x132994824" descr="EMB0000256845e6"/>
+          <p:cNvPicPr>
+            <a:picLocks noChangeAspect="1" noChangeArrowheads="1"/>
+          </p:cNvPicPr>
+          <p:nvPr/>
+        </p:nvPicPr>
+        <p:blipFill>
+          <a:blip r:embed="rId2"/>
+          <a:srcRect l="18217" t="20183" r="18347" b="6595"/>
+          <a:stretch>
+            <a:fillRect/>
+          </a:stretch>
+        </p:blipFill>
+        <p:spPr bwMode="auto">
+          <a:xfrm>
+            <a:off x="827584" y="1772816"/>
+            <a:ext cx="6822353" cy="4429156"/>
+          </a:xfrm>
+          <a:prstGeom prst="rect">
+            <a:avLst/>
+          </a:prstGeom>
+          <a:noFill/>
+        </p:spPr>
+      </p:pic>
+    </p:spTree>
+    <p:extLst>
+      <p:ext uri="{BB962C8B-B14F-4D97-AF65-F5344CB8AC3E}">
+        <p14:creationId xmlns:p14="http://schemas.microsoft.com/office/powerpoint/2010/main" val="1949211382"/>
+      </p:ext>
+    </p:extLst>
+  </p:cSld>
+  <p:clrMapOvr>
+    <a:masterClrMapping/>
+  </p:clrMapOvr>
+</p:sld>
+</file>
+
+<file path=ppt/slides/slide13.xml><?xml version="1.0" encoding="utf-8"?>
+<p:sld xmlns:a="http://schemas.openxmlformats.org/drawingml/2006/main" xmlns:r="http://schemas.openxmlformats.org/officeDocument/2006/relationships" xmlns:p="http://schemas.openxmlformats.org/presentationml/2006/main">
+  <p:cSld>
+    <p:spTree>
+      <p:nvGrpSpPr>
+        <p:cNvPr id="1" name=""/>
+        <p:cNvGrpSpPr/>
+        <p:nvPr/>
+      </p:nvGrpSpPr>
+      <p:grpSpPr>
+        <a:xfrm>
+          <a:off x="0" y="0"/>
+          <a:ext cx="0" cy="0"/>
+          <a:chOff x="0" y="0"/>
+          <a:chExt cx="0" cy="0"/>
+        </a:xfrm>
+      </p:grpSpPr>
+      <p:sp>
+        <p:nvSpPr>
+          <p:cNvPr id="2" name="제목 1"/>
+          <p:cNvSpPr>
+            <a:spLocks noGrp="1"/>
+          </p:cNvSpPr>
+          <p:nvPr>
+            <p:ph type="title"/>
+          </p:nvPr>
+        </p:nvSpPr>
+        <p:spPr>
+          <a:xfrm>
+            <a:off x="457200" y="152718"/>
+            <a:ext cx="6347048" cy="1371600"/>
+          </a:xfrm>
+        </p:spPr>
+        <p:txBody>
+          <a:bodyPr/>
+          <a:lstStyle/>
+          <a:p>
+            <a:r>
+              <a:rPr lang="ko-KR" altLang="en-US" dirty="0" smtClean="0"/>
+              <a:t>주요기능 </a:t>
+            </a:r>
+            <a:r>
+              <a:rPr lang="en-US" altLang="ko-KR" dirty="0" smtClean="0"/>
+              <a:t>– </a:t>
+            </a:r>
+            <a:r>
+              <a:rPr lang="ko-KR" altLang="en-US" dirty="0" smtClean="0"/>
+              <a:t>주요 </a:t>
+            </a:r>
+            <a:r>
+              <a:rPr lang="en-US" altLang="ko-KR" dirty="0" smtClean="0"/>
+              <a:t>class </a:t>
+            </a:r>
+            <a:r>
+              <a:rPr lang="ko-KR" altLang="en-US" dirty="0" smtClean="0"/>
+              <a:t>관계</a:t>
+            </a:r>
+            <a:endParaRPr lang="ko-KR" altLang="en-US" dirty="0"/>
+          </a:p>
+        </p:txBody>
+      </p:sp>
+      <p:sp>
+        <p:nvSpPr>
+          <p:cNvPr id="3" name="내용 개체 틀 2"/>
+          <p:cNvSpPr>
+            <a:spLocks noGrp="1"/>
+          </p:cNvSpPr>
+          <p:nvPr>
+            <p:ph idx="1"/>
+          </p:nvPr>
+        </p:nvSpPr>
+        <p:spPr/>
+        <p:txBody>
+          <a:bodyPr/>
+          <a:lstStyle/>
+          <a:p>
+            <a:endParaRPr lang="ko-KR" altLang="en-US" dirty="0"/>
+          </a:p>
+        </p:txBody>
+      </p:sp>
+    </p:spTree>
+    <p:extLst>
+      <p:ext uri="{BB962C8B-B14F-4D97-AF65-F5344CB8AC3E}">
+        <p14:creationId xmlns:p14="http://schemas.microsoft.com/office/powerpoint/2010/main" val="2097562814"/>
+      </p:ext>
+    </p:extLst>
+  </p:cSld>
+  <p:clrMapOvr>
+    <a:masterClrMapping/>
+  </p:clrMapOvr>
+</p:sld>
+</file>
+
+<file path=ppt/slides/slide14.xml><?xml version="1.0" encoding="utf-8"?>
+<p:sld xmlns:a="http://schemas.openxmlformats.org/drawingml/2006/main" xmlns:r="http://schemas.openxmlformats.org/officeDocument/2006/relationships" xmlns:p="http://schemas.openxmlformats.org/presentationml/2006/main">
+  <p:cSld>
+    <p:spTree>
+      <p:nvGrpSpPr>
+        <p:cNvPr id="1" name=""/>
+        <p:cNvGrpSpPr/>
+        <p:nvPr/>
+      </p:nvGrpSpPr>
+      <p:grpSpPr>
+        <a:xfrm>
+          <a:off x="0" y="0"/>
+          <a:ext cx="0" cy="0"/>
+          <a:chOff x="0" y="0"/>
+          <a:chExt cx="0" cy="0"/>
+        </a:xfrm>
+      </p:grpSpPr>
+      <p:sp>
+        <p:nvSpPr>
+          <p:cNvPr id="2" name="제목 1"/>
+          <p:cNvSpPr>
+            <a:spLocks noGrp="1"/>
+          </p:cNvSpPr>
+          <p:nvPr>
+            <p:ph type="title"/>
+          </p:nvPr>
+        </p:nvSpPr>
+        <p:spPr>
+          <a:xfrm>
+            <a:off x="457200" y="152718"/>
+            <a:ext cx="6347048" cy="1371600"/>
+          </a:xfrm>
+        </p:spPr>
+        <p:txBody>
+          <a:bodyPr/>
+          <a:lstStyle/>
+          <a:p>
+            <a:r>
+              <a:rPr lang="ko-KR" altLang="en-US" dirty="0" smtClean="0"/>
+              <a:t>주요기능 </a:t>
+            </a:r>
+            <a:r>
+              <a:rPr lang="en-US" altLang="ko-KR" dirty="0" smtClean="0"/>
+              <a:t>– </a:t>
+            </a:r>
+            <a:r>
+              <a:rPr lang="ko-KR" altLang="en-US" dirty="0" smtClean="0"/>
+              <a:t>주요 </a:t>
+            </a:r>
+            <a:r>
+              <a:rPr lang="en-US" altLang="ko-KR" dirty="0" smtClean="0"/>
+              <a:t>class </a:t>
+            </a:r>
+            <a:r>
+              <a:rPr lang="ko-KR" altLang="en-US" dirty="0" smtClean="0"/>
+              <a:t>관계</a:t>
+            </a:r>
+            <a:endParaRPr lang="ko-KR" altLang="en-US" dirty="0"/>
+          </a:p>
+        </p:txBody>
+      </p:sp>
+      <p:sp>
+        <p:nvSpPr>
+          <p:cNvPr id="3" name="내용 개체 틀 2"/>
+          <p:cNvSpPr>
+            <a:spLocks noGrp="1"/>
+          </p:cNvSpPr>
+          <p:nvPr>
+            <p:ph idx="1"/>
+          </p:nvPr>
+        </p:nvSpPr>
+        <p:spPr/>
+        <p:txBody>
+          <a:bodyPr/>
+          <a:lstStyle/>
+          <a:p>
+            <a:endParaRPr lang="ko-KR" altLang="en-US" dirty="0"/>
+          </a:p>
+        </p:txBody>
+      </p:sp>
+    </p:spTree>
+    <p:extLst>
+      <p:ext uri="{BB962C8B-B14F-4D97-AF65-F5344CB8AC3E}">
+        <p14:creationId xmlns:p14="http://schemas.microsoft.com/office/powerpoint/2010/main" val="2969952495"/>
+      </p:ext>
+    </p:extLst>
+  </p:cSld>
+  <p:clrMapOvr>
+    <a:masterClrMapping/>
+  </p:clrMapOvr>
+</p:sld>
+</file>
+
+<file path=ppt/slides/slide15.xml><?xml version="1.0" encoding="utf-8"?>
+<p:sld xmlns:a="http://schemas.openxmlformats.org/drawingml/2006/main" xmlns:r="http://schemas.openxmlformats.org/officeDocument/2006/relationships" xmlns:p="http://schemas.openxmlformats.org/presentationml/2006/main" show="0">
+  <p:cSld>
+    <p:spTree>
+      <p:nvGrpSpPr>
+        <p:cNvPr id="1" name=""/>
+        <p:cNvGrpSpPr/>
+        <p:nvPr/>
+      </p:nvGrpSpPr>
+      <p:grpSpPr>
+        <a:xfrm>
+          <a:off x="0" y="0"/>
+          <a:ext cx="0" cy="0"/>
+          <a:chOff x="0" y="0"/>
+          <a:chExt cx="0" cy="0"/>
+        </a:xfrm>
+      </p:grpSpPr>
+      <p:sp>
+        <p:nvSpPr>
+          <p:cNvPr id="2" name="제목 1"/>
+          <p:cNvSpPr>
+            <a:spLocks noGrp="1"/>
+          </p:cNvSpPr>
+          <p:nvPr>
+            <p:ph type="title"/>
+          </p:nvPr>
+        </p:nvSpPr>
+        <p:spPr/>
+        <p:txBody>
+          <a:bodyPr>
+            <a:normAutofit/>
+          </a:bodyPr>
+          <a:lstStyle/>
+          <a:p>
+            <a:r>
+              <a:rPr lang="en-US" altLang="ko-KR" dirty="0" err="1" smtClean="0"/>
+              <a:t>JOptionPane</a:t>
+            </a:r>
+            <a:r>
+              <a:rPr lang="en-US" altLang="ko-KR" dirty="0" smtClean="0"/>
+              <a:t>__</a:t>
+            </a:r>
+            <a:r>
+              <a:rPr lang="en-US" altLang="ko-KR" dirty="0" err="1" smtClean="0"/>
+              <a:t>F.AddWindowListener</a:t>
+            </a:r>
+            <a:endParaRPr lang="ko-KR" altLang="en-US" dirty="0"/>
+          </a:p>
+        </p:txBody>
+      </p:sp>
+      <p:sp>
+        <p:nvSpPr>
+          <p:cNvPr id="3" name="내용 개체 틀 2"/>
+          <p:cNvSpPr>
+            <a:spLocks noGrp="1"/>
+          </p:cNvSpPr>
+          <p:nvPr>
+            <p:ph idx="1"/>
+          </p:nvPr>
+        </p:nvSpPr>
+        <p:spPr>
+          <a:xfrm>
+            <a:off x="822960" y="1100628"/>
+            <a:ext cx="7520940" cy="4920660"/>
+          </a:xfrm>
+        </p:spPr>
+        <p:txBody>
+          <a:bodyPr/>
+          <a:lstStyle/>
+          <a:p>
+            <a:endParaRPr lang="ko-KR" altLang="en-US"/>
+          </a:p>
+        </p:txBody>
+      </p:sp>
+    </p:spTree>
+    <p:extLst>
+      <p:ext uri="{BB962C8B-B14F-4D97-AF65-F5344CB8AC3E}">
+        <p14:creationId xmlns:p14="http://schemas.microsoft.com/office/powerpoint/2010/main" val="2180749487"/>
+      </p:ext>
+    </p:extLst>
+  </p:cSld>
+  <p:clrMapOvr>
+    <a:masterClrMapping/>
+  </p:clrMapOvr>
+  <mc:AlternateContent xmlns:mc="http://schemas.openxmlformats.org/markup-compatibility/2006" xmlns:p14="http://schemas.microsoft.com/office/powerpoint/2010/main">
+    <mc:Choice Requires="p14">
+      <p:transition spd="slow" p14:dur="2000"/>
+    </mc:Choice>
+    <mc:Fallback xmlns="">
+      <p:transition spd="slow"/>
+    </mc:Fallback>
+  </mc:AlternateContent>
+  <p:timing>
+    <p:tnLst>
+      <p:par>
+        <p:cTn id="1" dur="indefinite" restart="never" nodeType="tmRoot"/>
+      </p:par>
+    </p:tnLst>
+  </p:timing>
+</p:sld>
+</file>
+
+<file path=ppt/slides/slide16.xml><?xml version="1.0" encoding="utf-8"?>
+<p:sld xmlns:a="http://schemas.openxmlformats.org/drawingml/2006/main" xmlns:r="http://schemas.openxmlformats.org/officeDocument/2006/relationships" xmlns:p="http://schemas.openxmlformats.org/presentationml/2006/main" show="0">
+  <p:cSld>
+    <p:spTree>
+      <p:nvGrpSpPr>
+        <p:cNvPr id="1" name=""/>
+        <p:cNvGrpSpPr/>
+        <p:nvPr/>
+      </p:nvGrpSpPr>
+      <p:grpSpPr>
+        <a:xfrm>
+          <a:off x="0" y="0"/>
+          <a:ext cx="0" cy="0"/>
+          <a:chOff x="0" y="0"/>
+          <a:chExt cx="0" cy="0"/>
+        </a:xfrm>
+      </p:grpSpPr>
+      <p:sp>
+        <p:nvSpPr>
+          <p:cNvPr id="2" name="제목 1"/>
+          <p:cNvSpPr>
+            <a:spLocks noGrp="1"/>
+          </p:cNvSpPr>
+          <p:nvPr>
+            <p:ph type="title"/>
+          </p:nvPr>
+        </p:nvSpPr>
+        <p:spPr/>
+        <p:txBody>
+          <a:bodyPr/>
+          <a:lstStyle/>
+          <a:p>
+            <a:r>
+              <a:rPr lang="en-US" altLang="ko-KR" dirty="0" smtClean="0"/>
+              <a:t>Automatic cursor transfer</a:t>
+            </a:r>
+            <a:endParaRPr lang="ko-KR" altLang="en-US" dirty="0"/>
+          </a:p>
+        </p:txBody>
+      </p:sp>
+      <p:sp>
+        <p:nvSpPr>
+          <p:cNvPr id="3" name="내용 개체 틀 2"/>
+          <p:cNvSpPr>
+            <a:spLocks noGrp="1"/>
+          </p:cNvSpPr>
+          <p:nvPr>
+            <p:ph idx="1"/>
+          </p:nvPr>
+        </p:nvSpPr>
+        <p:spPr/>
+        <p:txBody>
+          <a:bodyPr/>
+          <a:lstStyle/>
+          <a:p>
+            <a:endParaRPr lang="ko-KR" altLang="en-US"/>
+          </a:p>
+        </p:txBody>
+      </p:sp>
+    </p:spTree>
+    <p:extLst>
+      <p:ext uri="{BB962C8B-B14F-4D97-AF65-F5344CB8AC3E}">
+        <p14:creationId xmlns:p14="http://schemas.microsoft.com/office/powerpoint/2010/main" val="3383701645"/>
+      </p:ext>
+    </p:extLst>
+  </p:cSld>
+  <p:clrMapOvr>
+    <a:masterClrMapping/>
+  </p:clrMapOvr>
+  <mc:AlternateContent xmlns:mc="http://schemas.openxmlformats.org/markup-compatibility/2006" xmlns:p14="http://schemas.microsoft.com/office/powerpoint/2010/main">
+    <mc:Choice Requires="p14">
+      <p:transition spd="slow" p14:dur="2000"/>
+    </mc:Choice>
+    <mc:Fallback xmlns="">
+      <p:transition spd="slow"/>
+    </mc:Fallback>
+  </mc:AlternateContent>
+  <p:timing>
+    <p:tnLst>
+      <p:par>
+        <p:cTn id="1" dur="indefinite" restart="never" nodeType="tmRoot"/>
+      </p:par>
+    </p:tnLst>
+  </p:timing>
+</p:sld>
+</file>
+
+<file path=ppt/slides/slide17.xml><?xml version="1.0" encoding="utf-8"?>
+<p:sld xmlns:a="http://schemas.openxmlformats.org/drawingml/2006/main" xmlns:r="http://schemas.openxmlformats.org/officeDocument/2006/relationships" xmlns:p="http://schemas.openxmlformats.org/presentationml/2006/main">
+  <p:cSld>
+    <p:spTree>
+      <p:nvGrpSpPr>
+        <p:cNvPr id="1" name=""/>
+        <p:cNvGrpSpPr/>
+        <p:nvPr/>
+      </p:nvGrpSpPr>
+      <p:grpSpPr>
+        <a:xfrm>
+          <a:off x="0" y="0"/>
+          <a:ext cx="0" cy="0"/>
+          <a:chOff x="0" y="0"/>
+          <a:chExt cx="0" cy="0"/>
+        </a:xfrm>
+      </p:grpSpPr>
+      <p:sp>
+        <p:nvSpPr>
+          <p:cNvPr id="2" name="제목 1"/>
+          <p:cNvSpPr>
+            <a:spLocks noGrp="1"/>
+          </p:cNvSpPr>
+          <p:nvPr>
+            <p:ph type="title"/>
+          </p:nvPr>
+        </p:nvSpPr>
+        <p:spPr/>
+        <p:txBody>
+          <a:bodyPr/>
+          <a:lstStyle/>
+          <a:p>
+            <a:r>
+              <a:rPr lang="ko-KR" altLang="en-US" dirty="0" smtClean="0"/>
+              <a:t>시연행</a:t>
+            </a:r>
+            <a:r>
+              <a:rPr lang="ko-KR" altLang="en-US" dirty="0"/>
+              <a:t>사</a:t>
+            </a:r>
+          </a:p>
+        </p:txBody>
+      </p:sp>
+      <p:sp>
+        <p:nvSpPr>
+          <p:cNvPr id="3" name="내용 개체 틀 2"/>
+          <p:cNvSpPr>
+            <a:spLocks noGrp="1"/>
+          </p:cNvSpPr>
+          <p:nvPr>
+            <p:ph idx="1"/>
+          </p:nvPr>
+        </p:nvSpPr>
+        <p:spPr/>
+        <p:txBody>
+          <a:bodyPr/>
+          <a:lstStyle/>
+          <a:p>
+            <a:endParaRPr lang="ko-KR" altLang="en-US" dirty="0"/>
+          </a:p>
+        </p:txBody>
+      </p:sp>
+      <p:pic>
+        <p:nvPicPr>
+          <p:cNvPr id="6146" name="Picture 2"/>
+          <p:cNvPicPr>
+            <a:picLocks noChangeAspect="1" noChangeArrowheads="1"/>
+          </p:cNvPicPr>
+          <p:nvPr/>
+        </p:nvPicPr>
+        <p:blipFill>
+          <a:blip r:embed="rId2">
+            <a:extLst>
+              <a:ext uri="{28A0092B-C50C-407E-A947-70E740481C1C}">
+                <a14:useLocalDpi xmlns:a14="http://schemas.microsoft.com/office/drawing/2010/main" val="0"/>
+              </a:ext>
+            </a:extLst>
+          </a:blip>
+          <a:srcRect/>
+          <a:stretch>
+            <a:fillRect/>
+          </a:stretch>
+        </p:blipFill>
+        <p:spPr bwMode="auto">
+          <a:xfrm>
+            <a:off x="2123728" y="1916832"/>
+            <a:ext cx="4845918" cy="4153644"/>
+          </a:xfrm>
+          <a:prstGeom prst="rect">
+            <a:avLst/>
+          </a:prstGeom>
+          <a:noFill/>
+          <a:ln>
+            <a:noFill/>
+          </a:ln>
+          <a:effectLst/>
+          <a:extLst>
+            <a:ext uri="{909E8E84-426E-40DD-AFC4-6F175D3DCCD1}">
+              <a14:hiddenFill xmlns:a14="http://schemas.microsoft.com/office/drawing/2010/main">
+                <a:solidFill>
+                  <a:schemeClr val="accent1"/>
+                </a:solidFill>
+              </a14:hiddenFill>
+            </a:ext>
+            <a:ext uri="{91240B29-F687-4F45-9708-019B960494DF}">
+              <a14:hiddenLine xmlns:a14="http://schemas.microsoft.com/office/drawing/2010/main" w="9525">
+                <a:solidFill>
+                  <a:schemeClr val="tx1"/>
+                </a:solidFill>
+                <a:miter lim="800000"/>
+                <a:headEnd/>
+                <a:tailEnd/>
+              </a14:hiddenLine>
+            </a:ext>
+            <a:ext uri="{AF507438-7753-43E0-B8FC-AC1667EBCBE1}">
+              <a14:hiddenEffects xmlns:a14="http://schemas.microsoft.com/office/drawing/2010/main">
+                <a:effectLst>
+                  <a:outerShdw dist="35921" dir="2700000" algn="ctr" rotWithShape="0">
+                    <a:schemeClr val="bg2"/>
+                  </a:outerShdw>
+                </a:effectLst>
+              </a14:hiddenEffects>
+            </a:ext>
+          </a:extLst>
+        </p:spPr>
+      </p:pic>
+    </p:spTree>
+    <p:extLst>
+      <p:ext uri="{BB962C8B-B14F-4D97-AF65-F5344CB8AC3E}">
+        <p14:creationId xmlns:p14="http://schemas.microsoft.com/office/powerpoint/2010/main" val="1056049080"/>
+      </p:ext>
+    </p:extLst>
+  </p:cSld>
+  <p:clrMapOvr>
+    <a:masterClrMapping/>
+  </p:clrMapOvr>
+</p:sld>
+</file>
+
 <file path=ppt/slides/slide2.xml><?xml version="1.0" encoding="utf-8"?>
+<p:sld xmlns:a="http://schemas.openxmlformats.org/drawingml/2006/main" xmlns:r="http://schemas.openxmlformats.org/officeDocument/2006/relationships" xmlns:p="http://schemas.openxmlformats.org/presentationml/2006/main">
+  <p:cSld>
+    <p:spTree>
+      <p:nvGrpSpPr>
+        <p:cNvPr id="1" name=""/>
+        <p:cNvGrpSpPr/>
+        <p:nvPr/>
+      </p:nvGrpSpPr>
+      <p:grpSpPr>
+        <a:xfrm>
+          <a:off x="0" y="0"/>
+          <a:ext cx="0" cy="0"/>
+          <a:chOff x="0" y="0"/>
+          <a:chExt cx="0" cy="0"/>
+        </a:xfrm>
+      </p:grpSpPr>
+      <p:sp>
+        <p:nvSpPr>
+          <p:cNvPr id="2" name="제목 1"/>
+          <p:cNvSpPr>
+            <a:spLocks noGrp="1"/>
+          </p:cNvSpPr>
+          <p:nvPr>
+            <p:ph type="title"/>
+          </p:nvPr>
+        </p:nvSpPr>
+        <p:spPr/>
+        <p:txBody>
+          <a:bodyPr/>
+          <a:lstStyle/>
+          <a:p>
+            <a:r>
+              <a:rPr lang="en-US" altLang="ko-KR" dirty="0" smtClean="0"/>
+              <a:t>Table of Contents</a:t>
+            </a:r>
+            <a:endParaRPr lang="ko-KR" altLang="en-US" dirty="0"/>
+          </a:p>
+        </p:txBody>
+      </p:sp>
+      <p:sp>
+        <p:nvSpPr>
+          <p:cNvPr id="4" name="내용 개체 틀 2"/>
+          <p:cNvSpPr>
+            <a:spLocks noGrp="1"/>
+          </p:cNvSpPr>
+          <p:nvPr>
+            <p:ph idx="1"/>
+          </p:nvPr>
+        </p:nvSpPr>
+        <p:spPr>
+          <a:prstGeom prst="rect">
+            <a:avLst/>
+          </a:prstGeom>
+        </p:spPr>
+        <p:txBody>
+          <a:bodyPr vert="horz" rtlCol="0">
+            <a:normAutofit/>
+          </a:bodyPr>
+          <a:lstStyle>
+            <a:lvl1pPr marL="342900" indent="-342900" algn="l" rtl="0" eaLnBrk="1" latinLnBrk="1" hangingPunct="1">
+              <a:spcBef>
+                <a:spcPct val="20000"/>
+              </a:spcBef>
+              <a:buClr>
+                <a:schemeClr val="accent2"/>
+              </a:buClr>
+              <a:buFont typeface="Wingdings 2"/>
+              <a:buChar char="õ"/>
+              <a:defRPr kumimoji="0" sz="3200" kern="1200">
+                <a:solidFill>
+                  <a:schemeClr val="tx1"/>
+                </a:solidFill>
+                <a:latin typeface="+mn-ea"/>
+                <a:ea typeface="+mn-ea"/>
+                <a:cs typeface="맑은 고딕"/>
+              </a:defRPr>
+            </a:lvl1pPr>
+            <a:lvl2pPr marL="742950" indent="-285750" algn="l" rtl="0" eaLnBrk="1" latinLnBrk="1" hangingPunct="1">
+              <a:spcBef>
+                <a:spcPct val="20000"/>
+              </a:spcBef>
+              <a:buClr>
+                <a:schemeClr val="accent1"/>
+              </a:buClr>
+              <a:buSzPct val="90000"/>
+              <a:buFont typeface="Wingdings 2"/>
+              <a:buChar char="â"/>
+              <a:defRPr kumimoji="0" sz="2800" kern="1200">
+                <a:solidFill>
+                  <a:schemeClr val="tx1"/>
+                </a:solidFill>
+                <a:latin typeface="+mn-ea"/>
+                <a:ea typeface="+mn-ea"/>
+                <a:cs typeface="맑은 고딕"/>
+              </a:defRPr>
+            </a:lvl2pPr>
+            <a:lvl3pPr marL="1143000" indent="-228600" algn="l" rtl="0" eaLnBrk="1" latinLnBrk="1" hangingPunct="1">
+              <a:spcBef>
+                <a:spcPct val="20000"/>
+              </a:spcBef>
+              <a:buClr>
+                <a:schemeClr val="accent3"/>
+              </a:buClr>
+              <a:buSzPct val="85000"/>
+              <a:buFont typeface="Wingdings 2"/>
+              <a:buChar char="Ý"/>
+              <a:defRPr kumimoji="0" sz="2400" kern="1200">
+                <a:solidFill>
+                  <a:schemeClr val="tx1"/>
+                </a:solidFill>
+                <a:latin typeface="+mn-ea"/>
+                <a:ea typeface="+mn-ea"/>
+                <a:cs typeface="맑은 고딕"/>
+              </a:defRPr>
+            </a:lvl3pPr>
+            <a:lvl4pPr marL="1600200" indent="-228600" algn="l" rtl="0" eaLnBrk="1" latinLnBrk="1" hangingPunct="1">
+              <a:spcBef>
+                <a:spcPct val="20000"/>
+              </a:spcBef>
+              <a:buClr>
+                <a:schemeClr val="accent5"/>
+              </a:buClr>
+              <a:buSzPct val="75000"/>
+              <a:buFont typeface="Wingdings 2"/>
+              <a:buChar char="×"/>
+              <a:defRPr kumimoji="0" sz="2200" kern="1200">
+                <a:solidFill>
+                  <a:schemeClr val="tx1"/>
+                </a:solidFill>
+                <a:latin typeface="+mn-ea"/>
+                <a:ea typeface="+mn-ea"/>
+                <a:cs typeface="맑은 고딕"/>
+              </a:defRPr>
+            </a:lvl4pPr>
+            <a:lvl5pPr marL="2057400" indent="-228600" algn="l" rtl="0" eaLnBrk="1" latinLnBrk="1" hangingPunct="1">
+              <a:spcBef>
+                <a:spcPct val="20000"/>
+              </a:spcBef>
+              <a:buClr>
+                <a:schemeClr val="accent6"/>
+              </a:buClr>
+              <a:buSzPct val="70000"/>
+              <a:buFont typeface="Wingdings 2"/>
+              <a:buChar char="Ð"/>
+              <a:defRPr kumimoji="0" sz="2000" kern="1200">
+                <a:solidFill>
+                  <a:schemeClr val="tx1"/>
+                </a:solidFill>
+                <a:latin typeface="+mn-ea"/>
+                <a:ea typeface="+mn-ea"/>
+                <a:cs typeface="맑은 고딕"/>
+              </a:defRPr>
+            </a:lvl5pPr>
+            <a:lvl6pPr marL="2514600" indent="-228600" algn="l" rtl="0" eaLnBrk="1" latinLnBrk="1" hangingPunct="1">
+              <a:spcBef>
+                <a:spcPct val="20000"/>
+              </a:spcBef>
+              <a:buClr>
+                <a:schemeClr val="accent4">
+                  <a:tint val="60000"/>
+                </a:schemeClr>
+              </a:buClr>
+              <a:buSzPct val="60000"/>
+              <a:buFont typeface="Wingdings 2"/>
+              <a:buChar char="×"/>
+              <a:defRPr kumimoji="0" sz="1800" kern="1200">
+                <a:solidFill>
+                  <a:schemeClr val="tx1"/>
+                </a:solidFill>
+                <a:latin typeface="+mn-lt"/>
+                <a:ea typeface="+mn-ea"/>
+                <a:cs typeface="+mn-cs"/>
+              </a:defRPr>
+            </a:lvl6pPr>
+            <a:lvl7pPr marL="2971800" indent="-228600" algn="l" rtl="0" eaLnBrk="1" latinLnBrk="1" hangingPunct="1">
+              <a:spcBef>
+                <a:spcPct val="20000"/>
+              </a:spcBef>
+              <a:buClr>
+                <a:schemeClr val="tx2"/>
+              </a:buClr>
+              <a:buSzPct val="50000"/>
+              <a:buFont typeface="Wingdings 2"/>
+              <a:buChar char="Ý"/>
+              <a:defRPr kumimoji="0" sz="1600" kern="1200">
+                <a:solidFill>
+                  <a:schemeClr val="tx1"/>
+                </a:solidFill>
+                <a:latin typeface="+mn-lt"/>
+                <a:ea typeface="+mn-ea"/>
+                <a:cs typeface="+mn-cs"/>
+              </a:defRPr>
+            </a:lvl7pPr>
+            <a:lvl8pPr marL="3429000" indent="-228600" algn="l" rtl="0" eaLnBrk="1" latinLnBrk="1" hangingPunct="1">
+              <a:spcBef>
+                <a:spcPct val="20000"/>
+              </a:spcBef>
+              <a:buClr>
+                <a:schemeClr val="accent3">
+                  <a:tint val="60000"/>
+                </a:schemeClr>
+              </a:buClr>
+              <a:buSzPct val="50000"/>
+              <a:buFont typeface="Wingdings 2"/>
+              <a:buChar char="â"/>
+              <a:defRPr kumimoji="0" sz="1400" kern="1200">
+                <a:solidFill>
+                  <a:schemeClr val="tx1"/>
+                </a:solidFill>
+                <a:latin typeface="+mn-lt"/>
+                <a:ea typeface="+mn-ea"/>
+                <a:cs typeface="+mn-cs"/>
+              </a:defRPr>
+            </a:lvl8pPr>
+            <a:lvl9pPr marL="3886200" indent="-228600" algn="l" rtl="0" eaLnBrk="1" latinLnBrk="1" hangingPunct="1">
+              <a:spcBef>
+                <a:spcPct val="20000"/>
+              </a:spcBef>
+              <a:buClr>
+                <a:schemeClr val="accent1">
+                  <a:tint val="60000"/>
+                </a:schemeClr>
+              </a:buClr>
+              <a:buSzPct val="50000"/>
+              <a:buFont typeface="Wingdings 2"/>
+              <a:buChar char="â"/>
+              <a:defRPr kumimoji="0" sz="1400" kern="1200">
+                <a:solidFill>
+                  <a:schemeClr val="tx1"/>
+                </a:solidFill>
+                <a:latin typeface="+mn-lt"/>
+                <a:ea typeface="+mn-ea"/>
+                <a:cs typeface="+mn-cs"/>
+              </a:defRPr>
+            </a:lvl9pPr>
+          </a:lstStyle>
+          <a:p>
+            <a:r>
+              <a:rPr lang="ko-KR" altLang="en-US" dirty="0" smtClean="0"/>
+              <a:t>프로젝트 소개</a:t>
+            </a:r>
+            <a:endParaRPr lang="en-US" altLang="ko-KR" dirty="0" smtClean="0"/>
+          </a:p>
+          <a:p>
+            <a:r>
+              <a:rPr lang="ko-KR" altLang="en-US" dirty="0"/>
+              <a:t>개</a:t>
+            </a:r>
+            <a:r>
+              <a:rPr lang="ko-KR" altLang="en-US" dirty="0" smtClean="0"/>
+              <a:t>발환경</a:t>
+            </a:r>
+            <a:endParaRPr lang="en-US" altLang="ko-KR" dirty="0" smtClean="0"/>
+          </a:p>
+          <a:p>
+            <a:r>
+              <a:rPr lang="ko-KR" altLang="en-US" dirty="0" smtClean="0"/>
+              <a:t>개발일정</a:t>
+            </a:r>
+            <a:endParaRPr lang="en-US" altLang="ko-KR" dirty="0" smtClean="0"/>
+          </a:p>
+          <a:p>
+            <a:r>
+              <a:rPr lang="ko-KR" altLang="en-US" dirty="0" smtClean="0"/>
+              <a:t>주요기능</a:t>
+            </a:r>
+            <a:endParaRPr lang="en-US" altLang="ko-KR" dirty="0" smtClean="0"/>
+          </a:p>
+          <a:p>
+            <a:r>
+              <a:rPr lang="ko-KR" altLang="en-US" dirty="0" smtClean="0"/>
+              <a:t>핵심소스구현</a:t>
+            </a:r>
+            <a:endParaRPr lang="en-US" altLang="ko-KR" dirty="0" smtClean="0"/>
+          </a:p>
+          <a:p>
+            <a:r>
+              <a:rPr lang="ko-KR" altLang="en-US" dirty="0" smtClean="0"/>
+              <a:t>시연행사</a:t>
+            </a:r>
+            <a:endParaRPr lang="en-US" altLang="ko-KR" dirty="0" smtClean="0"/>
+          </a:p>
+        </p:txBody>
+      </p:sp>
+    </p:spTree>
+    <p:extLst>
+      <p:ext uri="{BB962C8B-B14F-4D97-AF65-F5344CB8AC3E}">
+        <p14:creationId xmlns:p14="http://schemas.microsoft.com/office/powerpoint/2010/main" val="449341878"/>
+      </p:ext>
+    </p:extLst>
+  </p:cSld>
+  <p:clrMapOvr>
+    <a:masterClrMapping/>
+  </p:clrMapOvr>
+</p:sld>
+</file>
+
+<file path=ppt/slides/slide3.xml><?xml version="1.0" encoding="utf-8"?>
 <p:sld xmlns:a="http://schemas.openxmlformats.org/drawingml/2006/main" xmlns:r="http://schemas.openxmlformats.org/officeDocument/2006/relationships" xmlns:p="http://schemas.openxmlformats.org/presentationml/2006/main" show="0">
   <p:cSld>
     <p:spTree>
@@ -3710,11 +5063,11 @@
   <p:clrMapOvr>
     <a:masterClrMapping/>
   </p:clrMapOvr>
-  <mc:AlternateContent xmlns:mc="http://schemas.openxmlformats.org/markup-compatibility/2006">
-    <mc:Choice xmlns:p14="http://schemas.microsoft.com/office/powerpoint/2010/main" Requires="p14">
+  <mc:AlternateContent xmlns:mc="http://schemas.openxmlformats.org/markup-compatibility/2006" xmlns:p14="http://schemas.microsoft.com/office/powerpoint/2010/main">
+    <mc:Choice Requires="p14">
       <p:transition spd="slow" p14:dur="2000"/>
     </mc:Choice>
-    <mc:Fallback>
+    <mc:Fallback xmlns="">
       <p:transition spd="slow"/>
     </mc:Fallback>
   </mc:AlternateContent>
@@ -3728,7 +5081,7 @@
 </p:sld>
 </file>
 
-<file path=ppt/slides/slide3.xml><?xml version="1.0" encoding="utf-8"?>
+<file path=ppt/slides/slide4.xml><?xml version="1.0" encoding="utf-8"?>
 <p:sld xmlns:a="http://schemas.openxmlformats.org/drawingml/2006/main" xmlns:r="http://schemas.openxmlformats.org/officeDocument/2006/relationships" xmlns:p="http://schemas.openxmlformats.org/presentationml/2006/main">
   <p:cSld>
     <p:spTree>
@@ -3847,8 +5200,8 @@
           <a:lstStyle/>
           <a:p>
             <a:r>
-              <a:rPr lang="ko-KR" altLang="en-US" dirty="0" err="1" smtClean="0"/>
-              <a:t>프로젝트명</a:t>
+              <a:rPr lang="ko-KR" altLang="en-US" dirty="0" smtClean="0"/>
+              <a:t>프로젝트 소개 </a:t>
             </a:r>
             <a:r>
               <a:rPr lang="en-US" altLang="ko-KR" dirty="0" smtClean="0"/>
@@ -3946,7 +5299,7 @@
 </p:sld>
 </file>
 
-<file path=ppt/slides/slide4.xml><?xml version="1.0" encoding="utf-8"?>
+<file path=ppt/slides/slide5.xml><?xml version="1.0" encoding="utf-8"?>
 <p:sld xmlns:a="http://schemas.openxmlformats.org/drawingml/2006/main" xmlns:r="http://schemas.openxmlformats.org/officeDocument/2006/relationships" xmlns:p="http://schemas.openxmlformats.org/presentationml/2006/main">
   <p:cSld>
     <p:spTree>
@@ -4228,196 +5581,7 @@
 </p:sld>
 </file>
 
-<file path=ppt/slides/slide5.xml><?xml version="1.0" encoding="utf-8"?>
-<p:sld xmlns:a="http://schemas.openxmlformats.org/drawingml/2006/main" xmlns:r="http://schemas.openxmlformats.org/officeDocument/2006/relationships" xmlns:p="http://schemas.openxmlformats.org/presentationml/2006/main" show="0">
-  <p:cSld>
-    <p:spTree>
-      <p:nvGrpSpPr>
-        <p:cNvPr id="1" name=""/>
-        <p:cNvGrpSpPr/>
-        <p:nvPr/>
-      </p:nvGrpSpPr>
-      <p:grpSpPr>
-        <a:xfrm>
-          <a:off x="0" y="0"/>
-          <a:ext cx="0" cy="0"/>
-          <a:chOff x="0" y="0"/>
-          <a:chExt cx="0" cy="0"/>
-        </a:xfrm>
-      </p:grpSpPr>
-      <p:sp>
-        <p:nvSpPr>
-          <p:cNvPr id="2" name="제목 1"/>
-          <p:cNvSpPr>
-            <a:spLocks noGrp="1"/>
-          </p:cNvSpPr>
-          <p:nvPr>
-            <p:ph type="title"/>
-          </p:nvPr>
-        </p:nvSpPr>
-        <p:spPr/>
-        <p:txBody>
-          <a:bodyPr>
-            <a:normAutofit/>
-          </a:bodyPr>
-          <a:lstStyle/>
-          <a:p>
-            <a:r>
-              <a:rPr lang="en-US" altLang="ko-KR" dirty="0" err="1" smtClean="0"/>
-              <a:t>JOptionPane</a:t>
-            </a:r>
-            <a:r>
-              <a:rPr lang="en-US" altLang="ko-KR" dirty="0" smtClean="0"/>
-              <a:t>__</a:t>
-            </a:r>
-            <a:r>
-              <a:rPr lang="en-US" altLang="ko-KR" dirty="0" err="1" smtClean="0"/>
-              <a:t>F.AddWindowListener</a:t>
-            </a:r>
-            <a:endParaRPr lang="ko-KR" altLang="en-US" dirty="0"/>
-          </a:p>
-        </p:txBody>
-      </p:sp>
-      <p:sp>
-        <p:nvSpPr>
-          <p:cNvPr id="3" name="내용 개체 틀 2"/>
-          <p:cNvSpPr>
-            <a:spLocks noGrp="1"/>
-          </p:cNvSpPr>
-          <p:nvPr>
-            <p:ph idx="1"/>
-          </p:nvPr>
-        </p:nvSpPr>
-        <p:spPr>
-          <a:xfrm>
-            <a:off x="822960" y="1100628"/>
-            <a:ext cx="7520940" cy="4920660"/>
-          </a:xfrm>
-        </p:spPr>
-        <p:txBody>
-          <a:bodyPr/>
-          <a:lstStyle/>
-          <a:p>
-            <a:endParaRPr lang="ko-KR" altLang="en-US"/>
-          </a:p>
-        </p:txBody>
-      </p:sp>
-    </p:spTree>
-    <p:extLst>
-      <p:ext uri="{BB962C8B-B14F-4D97-AF65-F5344CB8AC3E}">
-        <p14:creationId xmlns:p14="http://schemas.microsoft.com/office/powerpoint/2010/main" val="2180749487"/>
-      </p:ext>
-    </p:extLst>
-  </p:cSld>
-  <p:clrMapOvr>
-    <a:masterClrMapping/>
-  </p:clrMapOvr>
-  <mc:AlternateContent xmlns:mc="http://schemas.openxmlformats.org/markup-compatibility/2006">
-    <mc:Choice xmlns:p14="http://schemas.microsoft.com/office/powerpoint/2010/main" Requires="p14">
-      <p:transition spd="slow" p14:dur="2000"/>
-    </mc:Choice>
-    <mc:Fallback>
-      <p:transition spd="slow"/>
-    </mc:Fallback>
-  </mc:AlternateContent>
-  <p:timing>
-    <p:tnLst>
-      <p:par>
-        <p:cTn id="1" dur="indefinite" restart="never" nodeType="tmRoot"/>
-      </p:par>
-    </p:tnLst>
-  </p:timing>
-</p:sld>
-</file>
-
 <file path=ppt/slides/slide6.xml><?xml version="1.0" encoding="utf-8"?>
-<p:sld xmlns:a="http://schemas.openxmlformats.org/drawingml/2006/main" xmlns:r="http://schemas.openxmlformats.org/officeDocument/2006/relationships" xmlns:p="http://schemas.openxmlformats.org/presentationml/2006/main" show="0">
-  <p:cSld>
-    <p:spTree>
-      <p:nvGrpSpPr>
-        <p:cNvPr id="1" name=""/>
-        <p:cNvGrpSpPr/>
-        <p:nvPr/>
-      </p:nvGrpSpPr>
-      <p:grpSpPr>
-        <a:xfrm>
-          <a:off x="0" y="0"/>
-          <a:ext cx="0" cy="0"/>
-          <a:chOff x="0" y="0"/>
-          <a:chExt cx="0" cy="0"/>
-        </a:xfrm>
-      </p:grpSpPr>
-      <p:sp>
-        <p:nvSpPr>
-          <p:cNvPr id="2" name="제목 1"/>
-          <p:cNvSpPr>
-            <a:spLocks noGrp="1"/>
-          </p:cNvSpPr>
-          <p:nvPr>
-            <p:ph type="title"/>
-          </p:nvPr>
-        </p:nvSpPr>
-        <p:spPr/>
-        <p:txBody>
-          <a:bodyPr/>
-          <a:lstStyle/>
-          <a:p>
-            <a:r>
-              <a:rPr lang="en-US" altLang="ko-KR" dirty="0" smtClean="0"/>
-              <a:t>Automatic cursor transfer</a:t>
-            </a:r>
-            <a:endParaRPr lang="ko-KR" altLang="en-US" dirty="0"/>
-          </a:p>
-        </p:txBody>
-      </p:sp>
-      <p:sp>
-        <p:nvSpPr>
-          <p:cNvPr id="3" name="내용 개체 틀 2"/>
-          <p:cNvSpPr>
-            <a:spLocks noGrp="1"/>
-          </p:cNvSpPr>
-          <p:nvPr>
-            <p:ph idx="1"/>
-          </p:nvPr>
-        </p:nvSpPr>
-        <p:spPr/>
-        <p:txBody>
-          <a:bodyPr/>
-          <a:lstStyle/>
-          <a:p>
-            <a:endParaRPr lang="ko-KR" altLang="en-US"/>
-          </a:p>
-        </p:txBody>
-      </p:sp>
-    </p:spTree>
-    <p:extLst>
-      <p:ext uri="{BB962C8B-B14F-4D97-AF65-F5344CB8AC3E}">
-        <p14:creationId xmlns:p14="http://schemas.microsoft.com/office/powerpoint/2010/main" val="3383701645"/>
-      </p:ext>
-    </p:extLst>
-  </p:cSld>
-  <p:clrMapOvr>
-    <a:masterClrMapping/>
-  </p:clrMapOvr>
-  <mc:AlternateContent xmlns:mc="http://schemas.openxmlformats.org/markup-compatibility/2006">
-    <mc:Choice xmlns:p14="http://schemas.microsoft.com/office/powerpoint/2010/main" Requires="p14">
-      <p:transition spd="slow" p14:dur="2000"/>
-    </mc:Choice>
-    <mc:Fallback>
-      <p:transition spd="slow"/>
-    </mc:Fallback>
-  </mc:AlternateContent>
-  <p:timing>
-    <p:tnLst>
-      <p:par>
-        <p:cTn id="1" dur="indefinite" restart="never" nodeType="tmRoot"/>
-      </p:par>
-    </p:tnLst>
-  </p:timing>
-</p:sld>
-</file>
-
-<file path=ppt/slides/slide7.xml><?xml version="1.0" encoding="utf-8"?>
 <p:sld xmlns:a="http://schemas.openxmlformats.org/drawingml/2006/main" xmlns:r="http://schemas.openxmlformats.org/officeDocument/2006/relationships" xmlns:p="http://schemas.openxmlformats.org/presentationml/2006/main">
   <p:cSld>
     <p:spTree>
@@ -4451,12 +5615,9 @@
           <a:p>
             <a:r>
               <a:rPr lang="ko-KR" altLang="en-US" dirty="0" smtClean="0"/>
-              <a:t>시연행</a:t>
-            </a:r>
-            <a:r>
-              <a:rPr lang="ko-KR" altLang="en-US" dirty="0"/>
-              <a:t>사</a:t>
-            </a:r>
+              <a:t>개발일정</a:t>
+            </a:r>
+            <a:endParaRPr lang="ko-KR" altLang="en-US" dirty="0"/>
           </a:p>
         </p:txBody>
       </p:sp>
@@ -4475,13 +5636,13 @@
           <a:bodyPr/>
           <a:lstStyle/>
           <a:p>
-            <a:endParaRPr lang="ko-KR" altLang="en-US" dirty="0"/>
+            <a:endParaRPr lang="ko-KR" altLang="en-US"/>
           </a:p>
         </p:txBody>
       </p:sp>
       <p:pic>
         <p:nvPicPr>
-          <p:cNvPr id="6146" name="Picture 2"/>
+          <p:cNvPr id="1026" name="Picture 2"/>
           <p:cNvPicPr>
             <a:picLocks noChangeAspect="1" noChangeArrowheads="1"/>
           </p:cNvPicPr>
@@ -4502,8 +5663,8 @@
         </p:blipFill>
         <p:spPr bwMode="auto">
           <a:xfrm>
-            <a:off x="2123728" y="1916832"/>
-            <a:ext cx="4845918" cy="4153644"/>
+            <a:off x="323528" y="2204864"/>
+            <a:ext cx="8261601" cy="3024336"/>
           </a:xfrm>
           <a:prstGeom prst="rect">
             <a:avLst/>
@@ -4546,7 +5707,717 @@
     </p:spTree>
     <p:extLst>
       <p:ext uri="{BB962C8B-B14F-4D97-AF65-F5344CB8AC3E}">
-        <p14:creationId xmlns:p14="http://schemas.microsoft.com/office/powerpoint/2010/main" val="1056049080"/>
+        <p14:creationId xmlns:p14="http://schemas.microsoft.com/office/powerpoint/2010/main" val="2574367653"/>
+      </p:ext>
+    </p:extLst>
+  </p:cSld>
+  <p:clrMapOvr>
+    <a:masterClrMapping/>
+  </p:clrMapOvr>
+</p:sld>
+</file>
+
+<file path=ppt/slides/slide7.xml><?xml version="1.0" encoding="utf-8"?>
+<p:sld xmlns:a="http://schemas.openxmlformats.org/drawingml/2006/main" xmlns:r="http://schemas.openxmlformats.org/officeDocument/2006/relationships" xmlns:p="http://schemas.openxmlformats.org/presentationml/2006/main">
+  <p:cSld>
+    <p:spTree>
+      <p:nvGrpSpPr>
+        <p:cNvPr id="1" name=""/>
+        <p:cNvGrpSpPr/>
+        <p:nvPr/>
+      </p:nvGrpSpPr>
+      <p:grpSpPr>
+        <a:xfrm>
+          <a:off x="0" y="0"/>
+          <a:ext cx="0" cy="0"/>
+          <a:chOff x="0" y="0"/>
+          <a:chExt cx="0" cy="0"/>
+        </a:xfrm>
+      </p:grpSpPr>
+      <p:sp>
+        <p:nvSpPr>
+          <p:cNvPr id="2" name="제목 1"/>
+          <p:cNvSpPr>
+            <a:spLocks noGrp="1"/>
+          </p:cNvSpPr>
+          <p:nvPr>
+            <p:ph type="title"/>
+          </p:nvPr>
+        </p:nvSpPr>
+        <p:spPr/>
+        <p:txBody>
+          <a:bodyPr/>
+          <a:lstStyle/>
+          <a:p>
+            <a:r>
+              <a:rPr lang="ko-KR" altLang="en-US" dirty="0" smtClean="0"/>
+              <a:t>개발환경</a:t>
+            </a:r>
+            <a:endParaRPr lang="ko-KR" altLang="en-US" dirty="0"/>
+          </a:p>
+        </p:txBody>
+      </p:sp>
+      <p:sp>
+        <p:nvSpPr>
+          <p:cNvPr id="3" name="내용 개체 틀 2"/>
+          <p:cNvSpPr>
+            <a:spLocks noGrp="1"/>
+          </p:cNvSpPr>
+          <p:nvPr>
+            <p:ph idx="1"/>
+          </p:nvPr>
+        </p:nvSpPr>
+        <p:spPr/>
+        <p:txBody>
+          <a:bodyPr/>
+          <a:lstStyle/>
+          <a:p>
+            <a:r>
+              <a:rPr lang="ko-KR" altLang="en-US" dirty="0" smtClean="0"/>
+              <a:t>자바</a:t>
+            </a:r>
+            <a:endParaRPr lang="en-US" altLang="ko-KR" dirty="0" smtClean="0"/>
+          </a:p>
+          <a:p>
+            <a:r>
+              <a:rPr lang="ko-KR" altLang="en-US" dirty="0" smtClean="0"/>
+              <a:t>                                             </a:t>
+            </a:r>
+            <a:r>
+              <a:rPr lang="ko-KR" altLang="en-US" dirty="0" err="1" smtClean="0"/>
+              <a:t>이클립스</a:t>
+            </a:r>
+            <a:endParaRPr lang="en-US" altLang="ko-KR" dirty="0" smtClean="0"/>
+          </a:p>
+          <a:p>
+            <a:endParaRPr lang="en-US" altLang="ko-KR" dirty="0" smtClean="0"/>
+          </a:p>
+          <a:p>
+            <a:endParaRPr lang="en-US" altLang="ko-KR" dirty="0"/>
+          </a:p>
+          <a:p>
+            <a:endParaRPr lang="en-US" altLang="ko-KR" dirty="0" smtClean="0"/>
+          </a:p>
+          <a:p>
+            <a:r>
+              <a:rPr lang="en-US" altLang="ko-KR" dirty="0" smtClean="0"/>
+              <a:t>		</a:t>
+            </a:r>
+            <a:r>
+              <a:rPr lang="ko-KR" altLang="en-US" dirty="0" smtClean="0"/>
+              <a:t>깃</a:t>
+            </a:r>
+            <a:endParaRPr lang="ko-KR" altLang="en-US" dirty="0"/>
+          </a:p>
+        </p:txBody>
+      </p:sp>
+      <p:pic>
+        <p:nvPicPr>
+          <p:cNvPr id="4" name="_x132804408" descr="EMB0000256845de"/>
+          <p:cNvPicPr>
+            <a:picLocks noChangeAspect="1" noChangeArrowheads="1"/>
+          </p:cNvPicPr>
+          <p:nvPr/>
+        </p:nvPicPr>
+        <p:blipFill>
+          <a:blip r:embed="rId2"/>
+          <a:srcRect l="39427" t="29942" r="54169" b="61066"/>
+          <a:stretch>
+            <a:fillRect/>
+          </a:stretch>
+        </p:blipFill>
+        <p:spPr bwMode="auto">
+          <a:xfrm>
+            <a:off x="611560" y="2204864"/>
+            <a:ext cx="1958975" cy="1547812"/>
+          </a:xfrm>
+          <a:prstGeom prst="rect">
+            <a:avLst/>
+          </a:prstGeom>
+          <a:noFill/>
+        </p:spPr>
+      </p:pic>
+      <p:pic>
+        <p:nvPicPr>
+          <p:cNvPr id="5" name="_x133002616" descr="EMB0000256845df"/>
+          <p:cNvPicPr>
+            <a:picLocks noChangeAspect="1" noChangeArrowheads="1"/>
+          </p:cNvPicPr>
+          <p:nvPr/>
+        </p:nvPicPr>
+        <p:blipFill>
+          <a:blip r:embed="rId3"/>
+          <a:srcRect l="11835" t="50485" r="46875" b="32840"/>
+          <a:stretch>
+            <a:fillRect/>
+          </a:stretch>
+        </p:blipFill>
+        <p:spPr bwMode="auto">
+          <a:xfrm>
+            <a:off x="4067944" y="2817604"/>
+            <a:ext cx="4087422" cy="928694"/>
+          </a:xfrm>
+          <a:prstGeom prst="rect">
+            <a:avLst/>
+          </a:prstGeom>
+          <a:noFill/>
+        </p:spPr>
+      </p:pic>
+      <p:pic>
+        <p:nvPicPr>
+          <p:cNvPr id="6" name="_x132791880" descr="EMB0000256845e0"/>
+          <p:cNvPicPr>
+            <a:picLocks noChangeAspect="1" noChangeArrowheads="1"/>
+          </p:cNvPicPr>
+          <p:nvPr/>
+        </p:nvPicPr>
+        <p:blipFill>
+          <a:blip r:embed="rId4"/>
+          <a:srcRect l="632" t="8801" r="80090" b="75450"/>
+          <a:stretch>
+            <a:fillRect/>
+          </a:stretch>
+        </p:blipFill>
+        <p:spPr bwMode="auto">
+          <a:xfrm>
+            <a:off x="2433175" y="4509120"/>
+            <a:ext cx="3269538" cy="1500198"/>
+          </a:xfrm>
+          <a:prstGeom prst="rect">
+            <a:avLst/>
+          </a:prstGeom>
+          <a:noFill/>
+        </p:spPr>
+      </p:pic>
+    </p:spTree>
+    <p:extLst>
+      <p:ext uri="{BB962C8B-B14F-4D97-AF65-F5344CB8AC3E}">
+        <p14:creationId xmlns:p14="http://schemas.microsoft.com/office/powerpoint/2010/main" val="2556381479"/>
+      </p:ext>
+    </p:extLst>
+  </p:cSld>
+  <p:clrMapOvr>
+    <a:masterClrMapping/>
+  </p:clrMapOvr>
+</p:sld>
+</file>
+
+<file path=ppt/slides/slide8.xml><?xml version="1.0" encoding="utf-8"?>
+<p:sld xmlns:a="http://schemas.openxmlformats.org/drawingml/2006/main" xmlns:r="http://schemas.openxmlformats.org/officeDocument/2006/relationships" xmlns:p="http://schemas.openxmlformats.org/presentationml/2006/main">
+  <p:cSld>
+    <p:spTree>
+      <p:nvGrpSpPr>
+        <p:cNvPr id="1" name=""/>
+        <p:cNvGrpSpPr/>
+        <p:nvPr/>
+      </p:nvGrpSpPr>
+      <p:grpSpPr>
+        <a:xfrm>
+          <a:off x="0" y="0"/>
+          <a:ext cx="0" cy="0"/>
+          <a:chOff x="0" y="0"/>
+          <a:chExt cx="0" cy="0"/>
+        </a:xfrm>
+      </p:grpSpPr>
+      <p:sp>
+        <p:nvSpPr>
+          <p:cNvPr id="2" name="제목 1"/>
+          <p:cNvSpPr>
+            <a:spLocks noGrp="1"/>
+          </p:cNvSpPr>
+          <p:nvPr>
+            <p:ph type="title"/>
+          </p:nvPr>
+        </p:nvSpPr>
+        <p:spPr/>
+        <p:txBody>
+          <a:bodyPr/>
+          <a:lstStyle/>
+          <a:p>
+            <a:r>
+              <a:rPr lang="ko-KR" altLang="en-US" dirty="0" smtClean="0"/>
+              <a:t>주요기능 </a:t>
+            </a:r>
+            <a:r>
+              <a:rPr lang="en-US" altLang="ko-KR" dirty="0" smtClean="0"/>
+              <a:t>- </a:t>
+            </a:r>
+            <a:r>
+              <a:rPr lang="ko-KR" altLang="en-US" dirty="0" smtClean="0"/>
+              <a:t>실행화면</a:t>
+            </a:r>
+            <a:endParaRPr lang="ko-KR" altLang="en-US" dirty="0"/>
+          </a:p>
+        </p:txBody>
+      </p:sp>
+      <p:sp>
+        <p:nvSpPr>
+          <p:cNvPr id="3" name="내용 개체 틀 2"/>
+          <p:cNvSpPr>
+            <a:spLocks noGrp="1"/>
+          </p:cNvSpPr>
+          <p:nvPr>
+            <p:ph idx="1"/>
+          </p:nvPr>
+        </p:nvSpPr>
+        <p:spPr/>
+        <p:txBody>
+          <a:bodyPr/>
+          <a:lstStyle/>
+          <a:p>
+            <a:r>
+              <a:rPr lang="en-US" altLang="ko-KR" dirty="0" smtClean="0"/>
+              <a:t>                                                                </a:t>
+            </a:r>
+            <a:r>
+              <a:rPr lang="ko-KR" altLang="en-US" dirty="0" smtClean="0"/>
+              <a:t>서버는 별개의 </a:t>
+            </a:r>
+            <a:r>
+              <a:rPr lang="en-US" altLang="ko-KR" dirty="0" smtClean="0"/>
+              <a:t>GUI </a:t>
+            </a:r>
+            <a:r>
+              <a:rPr lang="ko-KR" altLang="en-US" dirty="0" smtClean="0"/>
+              <a:t>없음</a:t>
+            </a:r>
+            <a:endParaRPr lang="en-US" altLang="ko-KR" dirty="0" smtClean="0"/>
+          </a:p>
+          <a:p>
+            <a:endParaRPr lang="en-US" altLang="ko-KR" dirty="0"/>
+          </a:p>
+          <a:p>
+            <a:endParaRPr lang="en-US" altLang="ko-KR" dirty="0" smtClean="0"/>
+          </a:p>
+          <a:p>
+            <a:r>
+              <a:rPr lang="en-US" altLang="ko-KR" dirty="0"/>
+              <a:t> </a:t>
+            </a:r>
+            <a:r>
+              <a:rPr lang="en-US" altLang="ko-KR" dirty="0" smtClean="0"/>
+              <a:t>       </a:t>
+            </a:r>
+            <a:r>
+              <a:rPr lang="ko-KR" altLang="en-US" dirty="0" smtClean="0"/>
+              <a:t>클라이언트는</a:t>
+            </a:r>
+            <a:endParaRPr lang="en-US" altLang="ko-KR" dirty="0" smtClean="0"/>
+          </a:p>
+          <a:p>
+            <a:r>
+              <a:rPr lang="en-US" altLang="ko-KR" dirty="0"/>
+              <a:t> </a:t>
+            </a:r>
+            <a:r>
+              <a:rPr lang="en-US" altLang="ko-KR" dirty="0" smtClean="0"/>
+              <a:t>       </a:t>
+            </a:r>
+            <a:r>
+              <a:rPr lang="ko-KR" altLang="en-US" dirty="0" smtClean="0"/>
+              <a:t>시작과 동시에 서버에</a:t>
+            </a:r>
+            <a:endParaRPr lang="en-US" altLang="ko-KR" dirty="0" smtClean="0"/>
+          </a:p>
+          <a:p>
+            <a:r>
+              <a:rPr lang="en-US" altLang="ko-KR" dirty="0"/>
+              <a:t> </a:t>
+            </a:r>
+            <a:r>
+              <a:rPr lang="en-US" altLang="ko-KR" dirty="0" smtClean="0"/>
+              <a:t>       </a:t>
+            </a:r>
+            <a:r>
+              <a:rPr lang="ko-KR" altLang="en-US" dirty="0" smtClean="0"/>
+              <a:t>접속하여 네 종류의</a:t>
+            </a:r>
+            <a:endParaRPr lang="en-US" altLang="ko-KR" dirty="0" smtClean="0"/>
+          </a:p>
+          <a:p>
+            <a:r>
+              <a:rPr lang="en-US" altLang="ko-KR" dirty="0"/>
+              <a:t> </a:t>
+            </a:r>
+            <a:r>
+              <a:rPr lang="en-US" altLang="ko-KR" dirty="0" smtClean="0"/>
+              <a:t>       </a:t>
+            </a:r>
+            <a:r>
+              <a:rPr lang="ko-KR" altLang="en-US" dirty="0" smtClean="0"/>
+              <a:t>테마를 받아온다</a:t>
+            </a:r>
+            <a:endParaRPr lang="ko-KR" altLang="en-US" dirty="0"/>
+          </a:p>
+        </p:txBody>
+      </p:sp>
+      <p:pic>
+        <p:nvPicPr>
+          <p:cNvPr id="2050" name="Picture 2"/>
+          <p:cNvPicPr>
+            <a:picLocks noChangeAspect="1" noChangeArrowheads="1"/>
+          </p:cNvPicPr>
+          <p:nvPr/>
+        </p:nvPicPr>
+        <p:blipFill>
+          <a:blip r:embed="rId2">
+            <a:extLst>
+              <a:ext uri="{28A0092B-C50C-407E-A947-70E740481C1C}">
+                <a14:useLocalDpi xmlns:a14="http://schemas.microsoft.com/office/drawing/2010/main" val="0"/>
+              </a:ext>
+            </a:extLst>
+          </a:blip>
+          <a:srcRect/>
+          <a:stretch>
+            <a:fillRect/>
+          </a:stretch>
+        </p:blipFill>
+        <p:spPr bwMode="auto">
+          <a:xfrm>
+            <a:off x="251521" y="1724025"/>
+            <a:ext cx="4540550" cy="1056903"/>
+          </a:xfrm>
+          <a:prstGeom prst="rect">
+            <a:avLst/>
+          </a:prstGeom>
+          <a:noFill/>
+          <a:ln>
+            <a:noFill/>
+          </a:ln>
+          <a:effectLst/>
+          <a:extLst>
+            <a:ext uri="{909E8E84-426E-40DD-AFC4-6F175D3DCCD1}">
+              <a14:hiddenFill xmlns:a14="http://schemas.microsoft.com/office/drawing/2010/main">
+                <a:solidFill>
+                  <a:schemeClr val="accent1"/>
+                </a:solidFill>
+              </a14:hiddenFill>
+            </a:ext>
+            <a:ext uri="{91240B29-F687-4F45-9708-019B960494DF}">
+              <a14:hiddenLine xmlns:a14="http://schemas.microsoft.com/office/drawing/2010/main" w="9525">
+                <a:solidFill>
+                  <a:schemeClr val="tx1"/>
+                </a:solidFill>
+                <a:miter lim="800000"/>
+                <a:headEnd/>
+                <a:tailEnd/>
+              </a14:hiddenLine>
+            </a:ext>
+            <a:ext uri="{AF507438-7753-43E0-B8FC-AC1667EBCBE1}">
+              <a14:hiddenEffects xmlns:a14="http://schemas.microsoft.com/office/drawing/2010/main">
+                <a:effectLst>
+                  <a:outerShdw dist="35921" dir="2700000" algn="ctr" rotWithShape="0">
+                    <a:schemeClr val="bg2"/>
+                  </a:outerShdw>
+                </a:effectLst>
+              </a14:hiddenEffects>
+            </a:ext>
+          </a:extLst>
+        </p:spPr>
+      </p:pic>
+      <p:pic>
+        <p:nvPicPr>
+          <p:cNvPr id="2051" name="Picture 3"/>
+          <p:cNvPicPr>
+            <a:picLocks noChangeAspect="1" noChangeArrowheads="1"/>
+          </p:cNvPicPr>
+          <p:nvPr/>
+        </p:nvPicPr>
+        <p:blipFill>
+          <a:blip r:embed="rId3">
+            <a:extLst>
+              <a:ext uri="{28A0092B-C50C-407E-A947-70E740481C1C}">
+                <a14:useLocalDpi xmlns:a14="http://schemas.microsoft.com/office/drawing/2010/main" val="0"/>
+              </a:ext>
+            </a:extLst>
+          </a:blip>
+          <a:srcRect/>
+          <a:stretch>
+            <a:fillRect/>
+          </a:stretch>
+        </p:blipFill>
+        <p:spPr bwMode="auto">
+          <a:xfrm>
+            <a:off x="3563888" y="2564904"/>
+            <a:ext cx="4341862" cy="3721596"/>
+          </a:xfrm>
+          <a:prstGeom prst="rect">
+            <a:avLst/>
+          </a:prstGeom>
+          <a:noFill/>
+          <a:ln>
+            <a:noFill/>
+          </a:ln>
+          <a:effectLst/>
+          <a:extLst>
+            <a:ext uri="{909E8E84-426E-40DD-AFC4-6F175D3DCCD1}">
+              <a14:hiddenFill xmlns:a14="http://schemas.microsoft.com/office/drawing/2010/main">
+                <a:solidFill>
+                  <a:schemeClr val="accent1"/>
+                </a:solidFill>
+              </a14:hiddenFill>
+            </a:ext>
+            <a:ext uri="{91240B29-F687-4F45-9708-019B960494DF}">
+              <a14:hiddenLine xmlns:a14="http://schemas.microsoft.com/office/drawing/2010/main" w="9525">
+                <a:solidFill>
+                  <a:schemeClr val="tx1"/>
+                </a:solidFill>
+                <a:miter lim="800000"/>
+                <a:headEnd/>
+                <a:tailEnd/>
+              </a14:hiddenLine>
+            </a:ext>
+            <a:ext uri="{AF507438-7753-43E0-B8FC-AC1667EBCBE1}">
+              <a14:hiddenEffects xmlns:a14="http://schemas.microsoft.com/office/drawing/2010/main">
+                <a:effectLst>
+                  <a:outerShdw dist="35921" dir="2700000" algn="ctr" rotWithShape="0">
+                    <a:schemeClr val="bg2"/>
+                  </a:outerShdw>
+                </a:effectLst>
+              </a14:hiddenEffects>
+            </a:ext>
+          </a:extLst>
+        </p:spPr>
+      </p:pic>
+    </p:spTree>
+    <p:extLst>
+      <p:ext uri="{BB962C8B-B14F-4D97-AF65-F5344CB8AC3E}">
+        <p14:creationId xmlns:p14="http://schemas.microsoft.com/office/powerpoint/2010/main" val="1441885679"/>
+      </p:ext>
+    </p:extLst>
+  </p:cSld>
+  <p:clrMapOvr>
+    <a:masterClrMapping/>
+  </p:clrMapOvr>
+</p:sld>
+</file>
+
+<file path=ppt/slides/slide9.xml><?xml version="1.0" encoding="utf-8"?>
+<p:sld xmlns:a="http://schemas.openxmlformats.org/drawingml/2006/main" xmlns:r="http://schemas.openxmlformats.org/officeDocument/2006/relationships" xmlns:p="http://schemas.openxmlformats.org/presentationml/2006/main">
+  <p:cSld>
+    <p:spTree>
+      <p:nvGrpSpPr>
+        <p:cNvPr id="1" name=""/>
+        <p:cNvGrpSpPr/>
+        <p:nvPr/>
+      </p:nvGrpSpPr>
+      <p:grpSpPr>
+        <a:xfrm>
+          <a:off x="0" y="0"/>
+          <a:ext cx="0" cy="0"/>
+          <a:chOff x="0" y="0"/>
+          <a:chExt cx="0" cy="0"/>
+        </a:xfrm>
+      </p:grpSpPr>
+      <p:sp>
+        <p:nvSpPr>
+          <p:cNvPr id="2" name="제목 1"/>
+          <p:cNvSpPr>
+            <a:spLocks noGrp="1"/>
+          </p:cNvSpPr>
+          <p:nvPr>
+            <p:ph type="title"/>
+          </p:nvPr>
+        </p:nvSpPr>
+        <p:spPr/>
+        <p:txBody>
+          <a:bodyPr/>
+          <a:lstStyle/>
+          <a:p>
+            <a:r>
+              <a:rPr lang="ko-KR" altLang="en-US" dirty="0"/>
+              <a:t>주요기능 </a:t>
+            </a:r>
+            <a:r>
+              <a:rPr lang="en-US" altLang="ko-KR" dirty="0"/>
+              <a:t>- </a:t>
+            </a:r>
+            <a:r>
+              <a:rPr lang="ko-KR" altLang="en-US" dirty="0"/>
+              <a:t>실행화면</a:t>
+            </a:r>
+          </a:p>
+        </p:txBody>
+      </p:sp>
+      <p:sp>
+        <p:nvSpPr>
+          <p:cNvPr id="3" name="내용 개체 틀 2"/>
+          <p:cNvSpPr>
+            <a:spLocks noGrp="1"/>
+          </p:cNvSpPr>
+          <p:nvPr>
+            <p:ph idx="1"/>
+          </p:nvPr>
+        </p:nvSpPr>
+        <p:spPr/>
+        <p:txBody>
+          <a:bodyPr/>
+          <a:lstStyle/>
+          <a:p>
+            <a:r>
+              <a:rPr lang="en-US" altLang="ko-KR" dirty="0" smtClean="0"/>
+              <a:t> 				</a:t>
+            </a:r>
+            <a:r>
+              <a:rPr lang="en-US" altLang="ko-KR" dirty="0"/>
+              <a:t> </a:t>
+            </a:r>
+            <a:r>
+              <a:rPr lang="en-US" altLang="ko-KR" dirty="0" smtClean="0"/>
+              <a:t>     </a:t>
+            </a:r>
+            <a:r>
+              <a:rPr lang="ko-KR" altLang="en-US" dirty="0" smtClean="0"/>
+              <a:t>정상적으로 </a:t>
+            </a:r>
+            <a:r>
+              <a:rPr lang="en-US" altLang="ko-KR" dirty="0" smtClean="0"/>
+              <a:t>insert</a:t>
+            </a:r>
+            <a:r>
+              <a:rPr lang="ko-KR" altLang="en-US" dirty="0"/>
+              <a:t> </a:t>
+            </a:r>
+            <a:r>
+              <a:rPr lang="ko-KR" altLang="en-US" dirty="0" smtClean="0"/>
+              <a:t>되었다</a:t>
+            </a:r>
+            <a:endParaRPr lang="ko-KR" altLang="en-US" dirty="0"/>
+          </a:p>
+        </p:txBody>
+      </p:sp>
+      <p:pic>
+        <p:nvPicPr>
+          <p:cNvPr id="3074" name="Picture 2"/>
+          <p:cNvPicPr>
+            <a:picLocks noChangeAspect="1" noChangeArrowheads="1"/>
+          </p:cNvPicPr>
+          <p:nvPr/>
+        </p:nvPicPr>
+        <p:blipFill>
+          <a:blip r:embed="rId2">
+            <a:extLst>
+              <a:ext uri="{28A0092B-C50C-407E-A947-70E740481C1C}">
+                <a14:useLocalDpi xmlns:a14="http://schemas.microsoft.com/office/drawing/2010/main" val="0"/>
+              </a:ext>
+            </a:extLst>
+          </a:blip>
+          <a:srcRect/>
+          <a:stretch>
+            <a:fillRect/>
+          </a:stretch>
+        </p:blipFill>
+        <p:spPr bwMode="auto">
+          <a:xfrm>
+            <a:off x="476895" y="1700808"/>
+            <a:ext cx="4086225" cy="3162300"/>
+          </a:xfrm>
+          <a:prstGeom prst="rect">
+            <a:avLst/>
+          </a:prstGeom>
+          <a:noFill/>
+          <a:ln>
+            <a:noFill/>
+          </a:ln>
+          <a:effectLst/>
+          <a:extLst>
+            <a:ext uri="{909E8E84-426E-40DD-AFC4-6F175D3DCCD1}">
+              <a14:hiddenFill xmlns:a14="http://schemas.microsoft.com/office/drawing/2010/main">
+                <a:solidFill>
+                  <a:schemeClr val="accent1"/>
+                </a:solidFill>
+              </a14:hiddenFill>
+            </a:ext>
+            <a:ext uri="{91240B29-F687-4F45-9708-019B960494DF}">
+              <a14:hiddenLine xmlns:a14="http://schemas.microsoft.com/office/drawing/2010/main" w="9525">
+                <a:solidFill>
+                  <a:schemeClr val="tx1"/>
+                </a:solidFill>
+                <a:miter lim="800000"/>
+                <a:headEnd/>
+                <a:tailEnd/>
+              </a14:hiddenLine>
+            </a:ext>
+            <a:ext uri="{AF507438-7753-43E0-B8FC-AC1667EBCBE1}">
+              <a14:hiddenEffects xmlns:a14="http://schemas.microsoft.com/office/drawing/2010/main">
+                <a:effectLst>
+                  <a:outerShdw dist="35921" dir="2700000" algn="ctr" rotWithShape="0">
+                    <a:schemeClr val="bg2"/>
+                  </a:outerShdw>
+                </a:effectLst>
+              </a14:hiddenEffects>
+            </a:ext>
+          </a:extLst>
+        </p:spPr>
+      </p:pic>
+      <p:pic>
+        <p:nvPicPr>
+          <p:cNvPr id="3075" name="Picture 3"/>
+          <p:cNvPicPr>
+            <a:picLocks noChangeAspect="1" noChangeArrowheads="1"/>
+          </p:cNvPicPr>
+          <p:nvPr/>
+        </p:nvPicPr>
+        <p:blipFill>
+          <a:blip r:embed="rId3">
+            <a:extLst>
+              <a:ext uri="{28A0092B-C50C-407E-A947-70E740481C1C}">
+                <a14:useLocalDpi xmlns:a14="http://schemas.microsoft.com/office/drawing/2010/main" val="0"/>
+              </a:ext>
+            </a:extLst>
+          </a:blip>
+          <a:srcRect/>
+          <a:stretch>
+            <a:fillRect/>
+          </a:stretch>
+        </p:blipFill>
+        <p:spPr bwMode="auto">
+          <a:xfrm>
+            <a:off x="2843808" y="5346415"/>
+            <a:ext cx="4838700" cy="257175"/>
+          </a:xfrm>
+          <a:prstGeom prst="rect">
+            <a:avLst/>
+          </a:prstGeom>
+          <a:noFill/>
+          <a:ln>
+            <a:noFill/>
+          </a:ln>
+          <a:effectLst/>
+          <a:extLst>
+            <a:ext uri="{909E8E84-426E-40DD-AFC4-6F175D3DCCD1}">
+              <a14:hiddenFill xmlns:a14="http://schemas.microsoft.com/office/drawing/2010/main">
+                <a:solidFill>
+                  <a:schemeClr val="accent1"/>
+                </a:solidFill>
+              </a14:hiddenFill>
+            </a:ext>
+            <a:ext uri="{91240B29-F687-4F45-9708-019B960494DF}">
+              <a14:hiddenLine xmlns:a14="http://schemas.microsoft.com/office/drawing/2010/main" w="9525">
+                <a:solidFill>
+                  <a:schemeClr val="tx1"/>
+                </a:solidFill>
+                <a:miter lim="800000"/>
+                <a:headEnd/>
+                <a:tailEnd/>
+              </a14:hiddenLine>
+            </a:ext>
+            <a:ext uri="{AF507438-7753-43E0-B8FC-AC1667EBCBE1}">
+              <a14:hiddenEffects xmlns:a14="http://schemas.microsoft.com/office/drawing/2010/main">
+                <a:effectLst>
+                  <a:outerShdw dist="35921" dir="2700000" algn="ctr" rotWithShape="0">
+                    <a:schemeClr val="bg2"/>
+                  </a:outerShdw>
+                </a:effectLst>
+              </a14:hiddenEffects>
+            </a:ext>
+          </a:extLst>
+        </p:spPr>
+      </p:pic>
+    </p:spTree>
+    <p:extLst>
+      <p:ext uri="{BB962C8B-B14F-4D97-AF65-F5344CB8AC3E}">
+        <p14:creationId xmlns:p14="http://schemas.microsoft.com/office/powerpoint/2010/main" val="4042713725"/>
       </p:ext>
     </p:extLst>
   </p:cSld>

--- a/Java_mini_proj_home/java_proj_PPT.pptx
+++ b/Java_mini_proj_home/java_proj_PPT.pptx
@@ -11,17 +11,21 @@
     <p:sldId id="260" r:id="rId5"/>
     <p:sldId id="261" r:id="rId6"/>
     <p:sldId id="265" r:id="rId7"/>
-    <p:sldId id="264" r:id="rId8"/>
-    <p:sldId id="267" r:id="rId9"/>
-    <p:sldId id="268" r:id="rId10"/>
-    <p:sldId id="269" r:id="rId11"/>
-    <p:sldId id="270" r:id="rId12"/>
-    <p:sldId id="266" r:id="rId13"/>
+    <p:sldId id="267" r:id="rId8"/>
+    <p:sldId id="268" r:id="rId9"/>
+    <p:sldId id="269" r:id="rId10"/>
+    <p:sldId id="270" r:id="rId11"/>
+    <p:sldId id="266" r:id="rId12"/>
+    <p:sldId id="272" r:id="rId13"/>
     <p:sldId id="271" r:id="rId14"/>
-    <p:sldId id="272" r:id="rId15"/>
-    <p:sldId id="257" r:id="rId16"/>
-    <p:sldId id="258" r:id="rId17"/>
+    <p:sldId id="257" r:id="rId15"/>
+    <p:sldId id="258" r:id="rId16"/>
+    <p:sldId id="276" r:id="rId17"/>
     <p:sldId id="262" r:id="rId18"/>
+    <p:sldId id="264" r:id="rId19"/>
+    <p:sldId id="274" r:id="rId20"/>
+    <p:sldId id="275" r:id="rId21"/>
+    <p:sldId id="273" r:id="rId22"/>
   </p:sldIdLst>
   <p:sldSz cx="9144000" cy="6858000" type="screen4x3"/>
   <p:notesSz cx="6858000" cy="9144000"/>
@@ -3536,7 +3540,7 @@
         </p:blipFill>
         <p:spPr bwMode="auto">
           <a:xfrm>
-            <a:off x="251520" y="3429000"/>
+            <a:off x="611560" y="3433936"/>
             <a:ext cx="4762500" cy="3152775"/>
           </a:xfrm>
           <a:prstGeom prst="rect">
@@ -3575,239 +3579,6 @@
 </file>
 
 <file path=ppt/slides/slide10.xml><?xml version="1.0" encoding="utf-8"?>
-<p:sld xmlns:a="http://schemas.openxmlformats.org/drawingml/2006/main" xmlns:r="http://schemas.openxmlformats.org/officeDocument/2006/relationships" xmlns:p="http://schemas.openxmlformats.org/presentationml/2006/main">
-  <p:cSld>
-    <p:spTree>
-      <p:nvGrpSpPr>
-        <p:cNvPr id="1" name=""/>
-        <p:cNvGrpSpPr/>
-        <p:nvPr/>
-      </p:nvGrpSpPr>
-      <p:grpSpPr>
-        <a:xfrm>
-          <a:off x="0" y="0"/>
-          <a:ext cx="0" cy="0"/>
-          <a:chOff x="0" y="0"/>
-          <a:chExt cx="0" cy="0"/>
-        </a:xfrm>
-      </p:grpSpPr>
-      <p:sp>
-        <p:nvSpPr>
-          <p:cNvPr id="2" name="제목 1"/>
-          <p:cNvSpPr>
-            <a:spLocks noGrp="1"/>
-          </p:cNvSpPr>
-          <p:nvPr>
-            <p:ph type="title"/>
-          </p:nvPr>
-        </p:nvSpPr>
-        <p:spPr/>
-        <p:txBody>
-          <a:bodyPr/>
-          <a:lstStyle/>
-          <a:p>
-            <a:r>
-              <a:rPr lang="ko-KR" altLang="en-US" dirty="0"/>
-              <a:t>주요기능 </a:t>
-            </a:r>
-            <a:r>
-              <a:rPr lang="en-US" altLang="ko-KR" dirty="0"/>
-              <a:t>- </a:t>
-            </a:r>
-            <a:r>
-              <a:rPr lang="ko-KR" altLang="en-US" dirty="0"/>
-              <a:t>실행화면</a:t>
-            </a:r>
-          </a:p>
-        </p:txBody>
-      </p:sp>
-      <p:sp>
-        <p:nvSpPr>
-          <p:cNvPr id="3" name="내용 개체 틀 2"/>
-          <p:cNvSpPr>
-            <a:spLocks noGrp="1"/>
-          </p:cNvSpPr>
-          <p:nvPr>
-            <p:ph idx="1"/>
-          </p:nvPr>
-        </p:nvSpPr>
-        <p:spPr/>
-        <p:txBody>
-          <a:bodyPr/>
-          <a:lstStyle/>
-          <a:p>
-            <a:r>
-              <a:rPr lang="en-US" altLang="ko-KR" dirty="0" smtClean="0"/>
-              <a:t>Flag</a:t>
-            </a:r>
-            <a:r>
-              <a:rPr lang="ko-KR" altLang="en-US" dirty="0" smtClean="0"/>
-              <a:t>를 나누어 처음 누르면 </a:t>
-            </a:r>
-            <a:r>
-              <a:rPr lang="en-US" altLang="ko-KR" dirty="0" smtClean="0"/>
-              <a:t>insert,</a:t>
-            </a:r>
-          </a:p>
-          <a:p>
-            <a:r>
-              <a:rPr lang="ko-KR" altLang="en-US" dirty="0" smtClean="0"/>
-              <a:t>그 이후로는 지속적으로 </a:t>
-            </a:r>
-            <a:r>
-              <a:rPr lang="en-US" altLang="ko-KR" dirty="0" smtClean="0"/>
-              <a:t>update </a:t>
-            </a:r>
-            <a:r>
-              <a:rPr lang="ko-KR" altLang="en-US" dirty="0" smtClean="0"/>
-              <a:t>된다</a:t>
-            </a:r>
-            <a:endParaRPr lang="ko-KR" altLang="en-US" dirty="0"/>
-          </a:p>
-        </p:txBody>
-      </p:sp>
-      <p:pic>
-        <p:nvPicPr>
-          <p:cNvPr id="4098" name="Picture 2"/>
-          <p:cNvPicPr>
-            <a:picLocks noChangeAspect="1" noChangeArrowheads="1"/>
-          </p:cNvPicPr>
-          <p:nvPr/>
-        </p:nvPicPr>
-        <p:blipFill>
-          <a:blip r:embed="rId2">
-            <a:extLst>
-              <a:ext uri="{28A0092B-C50C-407E-A947-70E740481C1C}">
-                <a14:useLocalDpi xmlns:a14="http://schemas.microsoft.com/office/drawing/2010/main" val="0"/>
-              </a:ext>
-            </a:extLst>
-          </a:blip>
-          <a:srcRect/>
-          <a:stretch>
-            <a:fillRect/>
-          </a:stretch>
-        </p:blipFill>
-        <p:spPr bwMode="auto">
-          <a:xfrm>
-            <a:off x="4716016" y="1988840"/>
-            <a:ext cx="3124200" cy="2800350"/>
-          </a:xfrm>
-          <a:prstGeom prst="rect">
-            <a:avLst/>
-          </a:prstGeom>
-          <a:noFill/>
-          <a:ln>
-            <a:noFill/>
-          </a:ln>
-          <a:effectLst/>
-          <a:extLst>
-            <a:ext uri="{909E8E84-426E-40DD-AFC4-6F175D3DCCD1}">
-              <a14:hiddenFill xmlns:a14="http://schemas.microsoft.com/office/drawing/2010/main">
-                <a:solidFill>
-                  <a:schemeClr val="accent1"/>
-                </a:solidFill>
-              </a14:hiddenFill>
-            </a:ext>
-            <a:ext uri="{91240B29-F687-4F45-9708-019B960494DF}">
-              <a14:hiddenLine xmlns:a14="http://schemas.microsoft.com/office/drawing/2010/main" w="9525">
-                <a:solidFill>
-                  <a:schemeClr val="tx1"/>
-                </a:solidFill>
-                <a:miter lim="800000"/>
-                <a:headEnd/>
-                <a:tailEnd/>
-              </a14:hiddenLine>
-            </a:ext>
-            <a:ext uri="{AF507438-7753-43E0-B8FC-AC1667EBCBE1}">
-              <a14:hiddenEffects xmlns:a14="http://schemas.microsoft.com/office/drawing/2010/main">
-                <a:effectLst>
-                  <a:outerShdw dist="35921" dir="2700000" algn="ctr" rotWithShape="0">
-                    <a:schemeClr val="bg2"/>
-                  </a:outerShdw>
-                </a:effectLst>
-              </a14:hiddenEffects>
-            </a:ext>
-          </a:extLst>
-        </p:spPr>
-      </p:pic>
-      <p:pic>
-        <p:nvPicPr>
-          <p:cNvPr id="4099" name="Picture 3"/>
-          <p:cNvPicPr>
-            <a:picLocks noChangeAspect="1" noChangeArrowheads="1"/>
-          </p:cNvPicPr>
-          <p:nvPr/>
-        </p:nvPicPr>
-        <p:blipFill>
-          <a:blip r:embed="rId3">
-            <a:extLst>
-              <a:ext uri="{28A0092B-C50C-407E-A947-70E740481C1C}">
-                <a14:useLocalDpi xmlns:a14="http://schemas.microsoft.com/office/drawing/2010/main" val="0"/>
-              </a:ext>
-            </a:extLst>
-          </a:blip>
-          <a:srcRect/>
-          <a:stretch>
-            <a:fillRect/>
-          </a:stretch>
-        </p:blipFill>
-        <p:spPr bwMode="auto">
-          <a:xfrm>
-            <a:off x="611560" y="5805264"/>
-            <a:ext cx="5219700" cy="276225"/>
-          </a:xfrm>
-          <a:prstGeom prst="rect">
-            <a:avLst/>
-          </a:prstGeom>
-          <a:noFill/>
-          <a:ln>
-            <a:noFill/>
-          </a:ln>
-          <a:effectLst/>
-          <a:extLst>
-            <a:ext uri="{909E8E84-426E-40DD-AFC4-6F175D3DCCD1}">
-              <a14:hiddenFill xmlns:a14="http://schemas.microsoft.com/office/drawing/2010/main">
-                <a:solidFill>
-                  <a:schemeClr val="accent1"/>
-                </a:solidFill>
-              </a14:hiddenFill>
-            </a:ext>
-            <a:ext uri="{91240B29-F687-4F45-9708-019B960494DF}">
-              <a14:hiddenLine xmlns:a14="http://schemas.microsoft.com/office/drawing/2010/main" w="9525">
-                <a:solidFill>
-                  <a:schemeClr val="tx1"/>
-                </a:solidFill>
-                <a:miter lim="800000"/>
-                <a:headEnd/>
-                <a:tailEnd/>
-              </a14:hiddenLine>
-            </a:ext>
-            <a:ext uri="{AF507438-7753-43E0-B8FC-AC1667EBCBE1}">
-              <a14:hiddenEffects xmlns:a14="http://schemas.microsoft.com/office/drawing/2010/main">
-                <a:effectLst>
-                  <a:outerShdw dist="35921" dir="2700000" algn="ctr" rotWithShape="0">
-                    <a:schemeClr val="bg2"/>
-                  </a:outerShdw>
-                </a:effectLst>
-              </a14:hiddenEffects>
-            </a:ext>
-          </a:extLst>
-        </p:spPr>
-      </p:pic>
-    </p:spTree>
-    <p:extLst>
-      <p:ext uri="{BB962C8B-B14F-4D97-AF65-F5344CB8AC3E}">
-        <p14:creationId xmlns:p14="http://schemas.microsoft.com/office/powerpoint/2010/main" val="4205439488"/>
-      </p:ext>
-    </p:extLst>
-  </p:cSld>
-  <p:clrMapOvr>
-    <a:masterClrMapping/>
-  </p:clrMapOvr>
-</p:sld>
-</file>
-
-<file path=ppt/slides/slide11.xml><?xml version="1.0" encoding="utf-8"?>
 <p:sld xmlns:a="http://schemas.openxmlformats.org/drawingml/2006/main" xmlns:r="http://schemas.openxmlformats.org/officeDocument/2006/relationships" xmlns:p="http://schemas.openxmlformats.org/presentationml/2006/main">
   <p:cSld>
     <p:spTree>
@@ -4004,10 +3775,17 @@
   <p:clrMapOvr>
     <a:masterClrMapping/>
   </p:clrMapOvr>
+  <p:timing>
+    <p:tnLst>
+      <p:par>
+        <p:cTn id="1" dur="indefinite" restart="never" nodeType="tmRoot"/>
+      </p:par>
+    </p:tnLst>
+  </p:timing>
 </p:sld>
 </file>
 
-<file path=ppt/slides/slide12.xml><?xml version="1.0" encoding="utf-8"?>
+<file path=ppt/slides/slide11.xml><?xml version="1.0" encoding="utf-8"?>
 <p:sld xmlns:a="http://schemas.openxmlformats.org/drawingml/2006/main" xmlns:r="http://schemas.openxmlformats.org/officeDocument/2006/relationships" xmlns:p="http://schemas.openxmlformats.org/presentationml/2006/main">
   <p:cSld>
     <p:spTree>
@@ -4102,6 +3880,113 @@
   <p:clrMapOvr>
     <a:masterClrMapping/>
   </p:clrMapOvr>
+  <p:timing>
+    <p:tnLst>
+      <p:par>
+        <p:cTn id="1" dur="indefinite" restart="never" nodeType="tmRoot"/>
+      </p:par>
+    </p:tnLst>
+  </p:timing>
+</p:sld>
+</file>
+
+<file path=ppt/slides/slide12.xml><?xml version="1.0" encoding="utf-8"?>
+<p:sld xmlns:a="http://schemas.openxmlformats.org/drawingml/2006/main" xmlns:r="http://schemas.openxmlformats.org/officeDocument/2006/relationships" xmlns:p="http://schemas.openxmlformats.org/presentationml/2006/main">
+  <p:cSld>
+    <p:spTree>
+      <p:nvGrpSpPr>
+        <p:cNvPr id="1" name=""/>
+        <p:cNvGrpSpPr/>
+        <p:nvPr/>
+      </p:nvGrpSpPr>
+      <p:grpSpPr>
+        <a:xfrm>
+          <a:off x="0" y="0"/>
+          <a:ext cx="0" cy="0"/>
+          <a:chOff x="0" y="0"/>
+          <a:chExt cx="0" cy="0"/>
+        </a:xfrm>
+      </p:grpSpPr>
+      <p:sp>
+        <p:nvSpPr>
+          <p:cNvPr id="2" name="제목 1"/>
+          <p:cNvSpPr>
+            <a:spLocks noGrp="1"/>
+          </p:cNvSpPr>
+          <p:nvPr>
+            <p:ph type="title"/>
+          </p:nvPr>
+        </p:nvSpPr>
+        <p:spPr>
+          <a:xfrm>
+            <a:off x="457200" y="152718"/>
+            <a:ext cx="6347048" cy="1371600"/>
+          </a:xfrm>
+        </p:spPr>
+        <p:txBody>
+          <a:bodyPr/>
+          <a:lstStyle/>
+          <a:p>
+            <a:r>
+              <a:rPr lang="ko-KR" altLang="en-US" dirty="0" smtClean="0"/>
+              <a:t>주요기능 </a:t>
+            </a:r>
+            <a:r>
+              <a:rPr lang="en-US" altLang="ko-KR" dirty="0" smtClean="0"/>
+              <a:t>– </a:t>
+            </a:r>
+            <a:r>
+              <a:rPr lang="ko-KR" altLang="en-US" dirty="0" smtClean="0"/>
+              <a:t>주요 </a:t>
+            </a:r>
+            <a:r>
+              <a:rPr lang="en-US" altLang="ko-KR" dirty="0" smtClean="0"/>
+              <a:t>class </a:t>
+            </a:r>
+            <a:r>
+              <a:rPr lang="ko-KR" altLang="en-US" dirty="0" smtClean="0"/>
+              <a:t>관계</a:t>
+            </a:r>
+            <a:endParaRPr lang="ko-KR" altLang="en-US" dirty="0"/>
+          </a:p>
+        </p:txBody>
+      </p:sp>
+      <p:sp>
+        <p:nvSpPr>
+          <p:cNvPr id="3" name="내용 개체 틀 2"/>
+          <p:cNvSpPr>
+            <a:spLocks noGrp="1"/>
+          </p:cNvSpPr>
+          <p:nvPr>
+            <p:ph idx="1"/>
+          </p:nvPr>
+        </p:nvSpPr>
+        <p:spPr/>
+        <p:txBody>
+          <a:bodyPr/>
+          <a:lstStyle/>
+          <a:p>
+            <a:endParaRPr lang="ko-KR" altLang="en-US" dirty="0"/>
+          </a:p>
+        </p:txBody>
+      </p:sp>
+    </p:spTree>
+    <p:extLst>
+      <p:ext uri="{BB962C8B-B14F-4D97-AF65-F5344CB8AC3E}">
+        <p14:creationId xmlns:p14="http://schemas.microsoft.com/office/powerpoint/2010/main" val="2969952495"/>
+      </p:ext>
+    </p:extLst>
+  </p:cSld>
+  <p:clrMapOvr>
+    <a:masterClrMapping/>
+  </p:clrMapOvr>
+  <p:timing>
+    <p:tnLst>
+      <p:par>
+        <p:cTn id="1" dur="indefinite" restart="never" nodeType="tmRoot"/>
+      </p:par>
+    </p:tnLst>
+  </p:timing>
 </p:sld>
 </file>
 
@@ -4148,40 +4033,54 @@
             </a:r>
             <a:r>
               <a:rPr lang="en-US" altLang="ko-KR" dirty="0" smtClean="0"/>
-              <a:t>– </a:t>
+              <a:t>– VALUE </a:t>
             </a:r>
             <a:r>
               <a:rPr lang="ko-KR" altLang="en-US" dirty="0" smtClean="0"/>
-              <a:t>주요 </a:t>
-            </a:r>
+              <a:t>전달</a:t>
+            </a:r>
+            <a:endParaRPr lang="ko-KR" altLang="en-US" dirty="0"/>
+          </a:p>
+        </p:txBody>
+      </p:sp>
+      <p:sp>
+        <p:nvSpPr>
+          <p:cNvPr id="3" name="내용 개체 틀 2"/>
+          <p:cNvSpPr>
+            <a:spLocks noGrp="1"/>
+          </p:cNvSpPr>
+          <p:nvPr>
+            <p:ph idx="1"/>
+          </p:nvPr>
+        </p:nvSpPr>
+        <p:spPr/>
+        <p:txBody>
+          <a:bodyPr/>
+          <a:lstStyle/>
+          <a:p>
             <a:r>
               <a:rPr lang="en-US" altLang="ko-KR" dirty="0" smtClean="0"/>
-              <a:t>class </a:t>
+              <a:t>MESSAGE</a:t>
             </a:r>
             <a:r>
               <a:rPr lang="ko-KR" altLang="en-US" dirty="0" smtClean="0"/>
-              <a:t>관계</a:t>
-            </a:r>
-            <a:endParaRPr lang="ko-KR" altLang="en-US" dirty="0"/>
-          </a:p>
-        </p:txBody>
-      </p:sp>
-      <p:sp>
-        <p:nvSpPr>
-          <p:cNvPr id="3" name="내용 개체 틀 2"/>
-          <p:cNvSpPr>
-            <a:spLocks noGrp="1"/>
-          </p:cNvSpPr>
-          <p:nvPr>
-            <p:ph idx="1"/>
-          </p:nvPr>
-        </p:nvSpPr>
-        <p:spPr/>
-        <p:txBody>
-          <a:bodyPr/>
-          <a:lstStyle/>
-          <a:p>
-            <a:endParaRPr lang="ko-KR" altLang="en-US" dirty="0"/>
+              <a:t> 객체를 이용하여 네트워크 상의 값을 전달</a:t>
+            </a:r>
+            <a:endParaRPr lang="en-US" altLang="ko-KR" dirty="0" smtClean="0"/>
+          </a:p>
+          <a:p>
+            <a:r>
+              <a:rPr lang="en-US" altLang="ko-KR" dirty="0" smtClean="0"/>
+              <a:t>MESSAGE</a:t>
+            </a:r>
+            <a:r>
+              <a:rPr lang="ko-KR" altLang="en-US" dirty="0" smtClean="0"/>
+              <a:t> 타</a:t>
+            </a:r>
+            <a:r>
+              <a:rPr lang="ko-KR" altLang="en-US" dirty="0"/>
+              <a:t>입</a:t>
+            </a:r>
           </a:p>
         </p:txBody>
       </p:sp>
@@ -4195,103 +4094,17 @@
   <p:clrMapOvr>
     <a:masterClrMapping/>
   </p:clrMapOvr>
+  <p:timing>
+    <p:tnLst>
+      <p:par>
+        <p:cTn id="1" dur="indefinite" restart="never" nodeType="tmRoot"/>
+      </p:par>
+    </p:tnLst>
+  </p:timing>
 </p:sld>
 </file>
 
 <file path=ppt/slides/slide14.xml><?xml version="1.0" encoding="utf-8"?>
-<p:sld xmlns:a="http://schemas.openxmlformats.org/drawingml/2006/main" xmlns:r="http://schemas.openxmlformats.org/officeDocument/2006/relationships" xmlns:p="http://schemas.openxmlformats.org/presentationml/2006/main">
-  <p:cSld>
-    <p:spTree>
-      <p:nvGrpSpPr>
-        <p:cNvPr id="1" name=""/>
-        <p:cNvGrpSpPr/>
-        <p:nvPr/>
-      </p:nvGrpSpPr>
-      <p:grpSpPr>
-        <a:xfrm>
-          <a:off x="0" y="0"/>
-          <a:ext cx="0" cy="0"/>
-          <a:chOff x="0" y="0"/>
-          <a:chExt cx="0" cy="0"/>
-        </a:xfrm>
-      </p:grpSpPr>
-      <p:sp>
-        <p:nvSpPr>
-          <p:cNvPr id="2" name="제목 1"/>
-          <p:cNvSpPr>
-            <a:spLocks noGrp="1"/>
-          </p:cNvSpPr>
-          <p:nvPr>
-            <p:ph type="title"/>
-          </p:nvPr>
-        </p:nvSpPr>
-        <p:spPr>
-          <a:xfrm>
-            <a:off x="457200" y="152718"/>
-            <a:ext cx="6347048" cy="1371600"/>
-          </a:xfrm>
-        </p:spPr>
-        <p:txBody>
-          <a:bodyPr/>
-          <a:lstStyle/>
-          <a:p>
-            <a:r>
-              <a:rPr lang="ko-KR" altLang="en-US" dirty="0" smtClean="0"/>
-              <a:t>주요기능 </a:t>
-            </a:r>
-            <a:r>
-              <a:rPr lang="en-US" altLang="ko-KR" dirty="0" smtClean="0"/>
-              <a:t>– </a:t>
-            </a:r>
-            <a:r>
-              <a:rPr lang="ko-KR" altLang="en-US" dirty="0" smtClean="0"/>
-              <a:t>주요 </a:t>
-            </a:r>
-            <a:r>
-              <a:rPr lang="en-US" altLang="ko-KR" dirty="0" smtClean="0"/>
-              <a:t>class </a:t>
-            </a:r>
-            <a:r>
-              <a:rPr lang="ko-KR" altLang="en-US" dirty="0" smtClean="0"/>
-              <a:t>관계</a:t>
-            </a:r>
-            <a:endParaRPr lang="ko-KR" altLang="en-US" dirty="0"/>
-          </a:p>
-        </p:txBody>
-      </p:sp>
-      <p:sp>
-        <p:nvSpPr>
-          <p:cNvPr id="3" name="내용 개체 틀 2"/>
-          <p:cNvSpPr>
-            <a:spLocks noGrp="1"/>
-          </p:cNvSpPr>
-          <p:nvPr>
-            <p:ph idx="1"/>
-          </p:nvPr>
-        </p:nvSpPr>
-        <p:spPr/>
-        <p:txBody>
-          <a:bodyPr/>
-          <a:lstStyle/>
-          <a:p>
-            <a:endParaRPr lang="ko-KR" altLang="en-US" dirty="0"/>
-          </a:p>
-        </p:txBody>
-      </p:sp>
-    </p:spTree>
-    <p:extLst>
-      <p:ext uri="{BB962C8B-B14F-4D97-AF65-F5344CB8AC3E}">
-        <p14:creationId xmlns:p14="http://schemas.microsoft.com/office/powerpoint/2010/main" val="2969952495"/>
-      </p:ext>
-    </p:extLst>
-  </p:cSld>
-  <p:clrMapOvr>
-    <a:masterClrMapping/>
-  </p:clrMapOvr>
-</p:sld>
-</file>
-
-<file path=ppt/slides/slide15.xml><?xml version="1.0" encoding="utf-8"?>
 <p:sld xmlns:a="http://schemas.openxmlformats.org/drawingml/2006/main" xmlns:r="http://schemas.openxmlformats.org/officeDocument/2006/relationships" xmlns:p="http://schemas.openxmlformats.org/presentationml/2006/main" show="0">
   <p:cSld>
     <p:spTree>
@@ -4393,7 +4206,7 @@
 </p:sld>
 </file>
 
-<file path=ppt/slides/slide16.xml><?xml version="1.0" encoding="utf-8"?>
+<file path=ppt/slides/slide15.xml><?xml version="1.0" encoding="utf-8"?>
 <p:sld xmlns:a="http://schemas.openxmlformats.org/drawingml/2006/main" xmlns:r="http://schemas.openxmlformats.org/officeDocument/2006/relationships" xmlns:p="http://schemas.openxmlformats.org/presentationml/2006/main" show="0">
   <p:cSld>
     <p:spTree>
@@ -4477,6 +4290,78 @@
       </p:par>
     </p:tnLst>
   </p:timing>
+</p:sld>
+</file>
+
+<file path=ppt/slides/slide16.xml><?xml version="1.0" encoding="utf-8"?>
+<p:sld xmlns:a="http://schemas.openxmlformats.org/drawingml/2006/main" xmlns:r="http://schemas.openxmlformats.org/officeDocument/2006/relationships" xmlns:p="http://schemas.openxmlformats.org/presentationml/2006/main">
+  <p:cSld>
+    <p:spTree>
+      <p:nvGrpSpPr>
+        <p:cNvPr id="1" name=""/>
+        <p:cNvGrpSpPr/>
+        <p:nvPr/>
+      </p:nvGrpSpPr>
+      <p:grpSpPr>
+        <a:xfrm>
+          <a:off x="0" y="0"/>
+          <a:ext cx="0" cy="0"/>
+          <a:chOff x="0" y="0"/>
+          <a:chExt cx="0" cy="0"/>
+        </a:xfrm>
+      </p:grpSpPr>
+      <p:sp>
+        <p:nvSpPr>
+          <p:cNvPr id="2" name="제목 1"/>
+          <p:cNvSpPr>
+            <a:spLocks noGrp="1"/>
+          </p:cNvSpPr>
+          <p:nvPr>
+            <p:ph type="title"/>
+          </p:nvPr>
+        </p:nvSpPr>
+        <p:spPr/>
+        <p:txBody>
+          <a:bodyPr/>
+          <a:lstStyle/>
+          <a:p>
+            <a:r>
+              <a:rPr lang="ko-KR" altLang="en-US" smtClean="0"/>
+              <a:t>핵심소스구현</a:t>
+            </a:r>
+            <a:endParaRPr lang="ko-KR" altLang="en-US"/>
+          </a:p>
+        </p:txBody>
+      </p:sp>
+      <p:sp>
+        <p:nvSpPr>
+          <p:cNvPr id="3" name="내용 개체 틀 2"/>
+          <p:cNvSpPr>
+            <a:spLocks noGrp="1"/>
+          </p:cNvSpPr>
+          <p:nvPr>
+            <p:ph idx="1"/>
+          </p:nvPr>
+        </p:nvSpPr>
+        <p:spPr/>
+        <p:txBody>
+          <a:bodyPr/>
+          <a:lstStyle/>
+          <a:p>
+            <a:endParaRPr lang="ko-KR" altLang="en-US"/>
+          </a:p>
+        </p:txBody>
+      </p:sp>
+    </p:spTree>
+    <p:extLst>
+      <p:ext uri="{BB962C8B-B14F-4D97-AF65-F5344CB8AC3E}">
+        <p14:creationId xmlns:p14="http://schemas.microsoft.com/office/powerpoint/2010/main" val="824570909"/>
+      </p:ext>
+    </p:extLst>
+  </p:cSld>
+  <p:clrMapOvr>
+    <a:masterClrMapping/>
+  </p:clrMapOvr>
 </p:sld>
 </file>
 
@@ -4610,6 +4495,277 @@
     <p:extLst>
       <p:ext uri="{BB962C8B-B14F-4D97-AF65-F5344CB8AC3E}">
         <p14:creationId xmlns:p14="http://schemas.microsoft.com/office/powerpoint/2010/main" val="1056049080"/>
+      </p:ext>
+    </p:extLst>
+  </p:cSld>
+  <p:clrMapOvr>
+    <a:masterClrMapping/>
+  </p:clrMapOvr>
+  <p:timing>
+    <p:tnLst>
+      <p:par>
+        <p:cTn id="1" dur="indefinite" restart="never" nodeType="tmRoot"/>
+      </p:par>
+    </p:tnLst>
+  </p:timing>
+</p:sld>
+</file>
+
+<file path=ppt/slides/slide18.xml><?xml version="1.0" encoding="utf-8"?>
+<p:sld xmlns:a="http://schemas.openxmlformats.org/drawingml/2006/main" xmlns:r="http://schemas.openxmlformats.org/officeDocument/2006/relationships" xmlns:p="http://schemas.openxmlformats.org/presentationml/2006/main">
+  <p:cSld>
+    <p:spTree>
+      <p:nvGrpSpPr>
+        <p:cNvPr id="1" name=""/>
+        <p:cNvGrpSpPr/>
+        <p:nvPr/>
+      </p:nvGrpSpPr>
+      <p:grpSpPr>
+        <a:xfrm>
+          <a:off x="0" y="0"/>
+          <a:ext cx="0" cy="0"/>
+          <a:chOff x="0" y="0"/>
+          <a:chExt cx="0" cy="0"/>
+        </a:xfrm>
+      </p:grpSpPr>
+      <p:sp>
+        <p:nvSpPr>
+          <p:cNvPr id="2" name="제목 1"/>
+          <p:cNvSpPr>
+            <a:spLocks noGrp="1"/>
+          </p:cNvSpPr>
+          <p:nvPr>
+            <p:ph type="title"/>
+          </p:nvPr>
+        </p:nvSpPr>
+        <p:spPr/>
+        <p:txBody>
+          <a:bodyPr/>
+          <a:lstStyle/>
+          <a:p>
+            <a:r>
+              <a:rPr lang="ko-KR" altLang="en-US" dirty="0" smtClean="0"/>
+              <a:t>개발환경</a:t>
+            </a:r>
+            <a:endParaRPr lang="ko-KR" altLang="en-US" dirty="0"/>
+          </a:p>
+        </p:txBody>
+      </p:sp>
+      <p:sp>
+        <p:nvSpPr>
+          <p:cNvPr id="3" name="내용 개체 틀 2"/>
+          <p:cNvSpPr>
+            <a:spLocks noGrp="1"/>
+          </p:cNvSpPr>
+          <p:nvPr>
+            <p:ph idx="1"/>
+          </p:nvPr>
+        </p:nvSpPr>
+        <p:spPr/>
+        <p:txBody>
+          <a:bodyPr/>
+          <a:lstStyle/>
+          <a:p>
+            <a:r>
+              <a:rPr lang="ko-KR" altLang="en-US" dirty="0" smtClean="0"/>
+              <a:t>자바</a:t>
+            </a:r>
+            <a:endParaRPr lang="en-US" altLang="ko-KR" dirty="0" smtClean="0"/>
+          </a:p>
+          <a:p>
+            <a:r>
+              <a:rPr lang="ko-KR" altLang="en-US" dirty="0" smtClean="0"/>
+              <a:t>                                             </a:t>
+            </a:r>
+            <a:r>
+              <a:rPr lang="ko-KR" altLang="en-US" dirty="0" err="1" smtClean="0"/>
+              <a:t>이클립스</a:t>
+            </a:r>
+            <a:endParaRPr lang="en-US" altLang="ko-KR" dirty="0" smtClean="0"/>
+          </a:p>
+          <a:p>
+            <a:endParaRPr lang="en-US" altLang="ko-KR" dirty="0" smtClean="0"/>
+          </a:p>
+          <a:p>
+            <a:endParaRPr lang="en-US" altLang="ko-KR" dirty="0"/>
+          </a:p>
+          <a:p>
+            <a:endParaRPr lang="en-US" altLang="ko-KR" dirty="0" smtClean="0"/>
+          </a:p>
+          <a:p>
+            <a:r>
+              <a:rPr lang="en-US" altLang="ko-KR" dirty="0" smtClean="0"/>
+              <a:t>		</a:t>
+            </a:r>
+            <a:r>
+              <a:rPr lang="ko-KR" altLang="en-US" dirty="0" smtClean="0"/>
+              <a:t>깃</a:t>
+            </a:r>
+            <a:endParaRPr lang="ko-KR" altLang="en-US" dirty="0"/>
+          </a:p>
+        </p:txBody>
+      </p:sp>
+      <p:pic>
+        <p:nvPicPr>
+          <p:cNvPr id="4" name="_x132804408" descr="EMB0000256845de"/>
+          <p:cNvPicPr>
+            <a:picLocks noChangeAspect="1" noChangeArrowheads="1"/>
+          </p:cNvPicPr>
+          <p:nvPr/>
+        </p:nvPicPr>
+        <p:blipFill>
+          <a:blip r:embed="rId2"/>
+          <a:srcRect l="39427" t="29942" r="54169" b="61066"/>
+          <a:stretch>
+            <a:fillRect/>
+          </a:stretch>
+        </p:blipFill>
+        <p:spPr bwMode="auto">
+          <a:xfrm>
+            <a:off x="611560" y="2204864"/>
+            <a:ext cx="1958975" cy="1547812"/>
+          </a:xfrm>
+          <a:prstGeom prst="rect">
+            <a:avLst/>
+          </a:prstGeom>
+          <a:noFill/>
+        </p:spPr>
+      </p:pic>
+      <p:pic>
+        <p:nvPicPr>
+          <p:cNvPr id="5" name="_x133002616" descr="EMB0000256845df"/>
+          <p:cNvPicPr>
+            <a:picLocks noChangeAspect="1" noChangeArrowheads="1"/>
+          </p:cNvPicPr>
+          <p:nvPr/>
+        </p:nvPicPr>
+        <p:blipFill>
+          <a:blip r:embed="rId3"/>
+          <a:srcRect l="11835" t="50485" r="46875" b="32840"/>
+          <a:stretch>
+            <a:fillRect/>
+          </a:stretch>
+        </p:blipFill>
+        <p:spPr bwMode="auto">
+          <a:xfrm>
+            <a:off x="4067944" y="2817604"/>
+            <a:ext cx="4087422" cy="928694"/>
+          </a:xfrm>
+          <a:prstGeom prst="rect">
+            <a:avLst/>
+          </a:prstGeom>
+          <a:noFill/>
+        </p:spPr>
+      </p:pic>
+      <p:pic>
+        <p:nvPicPr>
+          <p:cNvPr id="6" name="_x132791880" descr="EMB0000256845e0"/>
+          <p:cNvPicPr>
+            <a:picLocks noChangeAspect="1" noChangeArrowheads="1"/>
+          </p:cNvPicPr>
+          <p:nvPr/>
+        </p:nvPicPr>
+        <p:blipFill>
+          <a:blip r:embed="rId4"/>
+          <a:srcRect l="632" t="8801" r="80090" b="75450"/>
+          <a:stretch>
+            <a:fillRect/>
+          </a:stretch>
+        </p:blipFill>
+        <p:spPr bwMode="auto">
+          <a:xfrm>
+            <a:off x="2433175" y="4509120"/>
+            <a:ext cx="3269538" cy="1500198"/>
+          </a:xfrm>
+          <a:prstGeom prst="rect">
+            <a:avLst/>
+          </a:prstGeom>
+          <a:noFill/>
+        </p:spPr>
+      </p:pic>
+    </p:spTree>
+    <p:extLst>
+      <p:ext uri="{BB962C8B-B14F-4D97-AF65-F5344CB8AC3E}">
+        <p14:creationId xmlns:p14="http://schemas.microsoft.com/office/powerpoint/2010/main" val="2556381479"/>
+      </p:ext>
+    </p:extLst>
+  </p:cSld>
+  <p:clrMapOvr>
+    <a:masterClrMapping/>
+  </p:clrMapOvr>
+  <p:timing>
+    <p:tnLst>
+      <p:par>
+        <p:cTn id="1" dur="indefinite" restart="never" nodeType="tmRoot"/>
+      </p:par>
+    </p:tnLst>
+  </p:timing>
+</p:sld>
+</file>
+
+<file path=ppt/slides/slide19.xml><?xml version="1.0" encoding="utf-8"?>
+<p:sld xmlns:a="http://schemas.openxmlformats.org/drawingml/2006/main" xmlns:r="http://schemas.openxmlformats.org/officeDocument/2006/relationships" xmlns:p="http://schemas.openxmlformats.org/presentationml/2006/main">
+  <p:cSld>
+    <p:spTree>
+      <p:nvGrpSpPr>
+        <p:cNvPr id="1" name=""/>
+        <p:cNvGrpSpPr/>
+        <p:nvPr/>
+      </p:nvGrpSpPr>
+      <p:grpSpPr>
+        <a:xfrm>
+          <a:off x="0" y="0"/>
+          <a:ext cx="0" cy="0"/>
+          <a:chOff x="0" y="0"/>
+          <a:chExt cx="0" cy="0"/>
+        </a:xfrm>
+      </p:grpSpPr>
+      <p:sp>
+        <p:nvSpPr>
+          <p:cNvPr id="2" name="제목 1"/>
+          <p:cNvSpPr>
+            <a:spLocks noGrp="1"/>
+          </p:cNvSpPr>
+          <p:nvPr>
+            <p:ph type="title"/>
+          </p:nvPr>
+        </p:nvSpPr>
+        <p:spPr/>
+        <p:txBody>
+          <a:bodyPr/>
+          <a:lstStyle/>
+          <a:p>
+            <a:r>
+              <a:rPr lang="ko-KR" altLang="en-US" dirty="0" smtClean="0"/>
+              <a:t>소감</a:t>
+            </a:r>
+            <a:endParaRPr lang="ko-KR" altLang="en-US" dirty="0"/>
+          </a:p>
+        </p:txBody>
+      </p:sp>
+      <p:sp>
+        <p:nvSpPr>
+          <p:cNvPr id="3" name="내용 개체 틀 2"/>
+          <p:cNvSpPr>
+            <a:spLocks noGrp="1"/>
+          </p:cNvSpPr>
+          <p:nvPr>
+            <p:ph idx="1"/>
+          </p:nvPr>
+        </p:nvSpPr>
+        <p:spPr/>
+        <p:txBody>
+          <a:bodyPr/>
+          <a:lstStyle/>
+          <a:p>
+            <a:endParaRPr lang="ko-KR" altLang="en-US" dirty="0"/>
+          </a:p>
+        </p:txBody>
+      </p:sp>
+    </p:spTree>
+    <p:extLst>
+      <p:ext uri="{BB962C8B-B14F-4D97-AF65-F5344CB8AC3E}">
+        <p14:creationId xmlns:p14="http://schemas.microsoft.com/office/powerpoint/2010/main" val="367682305"/>
       </p:ext>
     </p:extLst>
   </p:cSld>
@@ -4914,6 +5070,205 @@
   <p:clrMapOvr>
     <a:masterClrMapping/>
   </p:clrMapOvr>
+  <p:timing>
+    <p:tnLst>
+      <p:par>
+        <p:cTn id="1" dur="indefinite" restart="never" nodeType="tmRoot"/>
+      </p:par>
+    </p:tnLst>
+  </p:timing>
+</p:sld>
+</file>
+
+<file path=ppt/slides/slide20.xml><?xml version="1.0" encoding="utf-8"?>
+<p:sld xmlns:a="http://schemas.openxmlformats.org/drawingml/2006/main" xmlns:r="http://schemas.openxmlformats.org/officeDocument/2006/relationships" xmlns:p="http://schemas.openxmlformats.org/presentationml/2006/main">
+  <p:cSld>
+    <p:spTree>
+      <p:nvGrpSpPr>
+        <p:cNvPr id="1" name=""/>
+        <p:cNvGrpSpPr/>
+        <p:nvPr/>
+      </p:nvGrpSpPr>
+      <p:grpSpPr>
+        <a:xfrm>
+          <a:off x="0" y="0"/>
+          <a:ext cx="0" cy="0"/>
+          <a:chOff x="0" y="0"/>
+          <a:chExt cx="0" cy="0"/>
+        </a:xfrm>
+      </p:grpSpPr>
+      <p:sp>
+        <p:nvSpPr>
+          <p:cNvPr id="2" name="제목 1"/>
+          <p:cNvSpPr>
+            <a:spLocks noGrp="1"/>
+          </p:cNvSpPr>
+          <p:nvPr>
+            <p:ph type="title"/>
+          </p:nvPr>
+        </p:nvSpPr>
+        <p:spPr/>
+        <p:txBody>
+          <a:bodyPr/>
+          <a:lstStyle/>
+          <a:p>
+            <a:r>
+              <a:rPr lang="en-US" altLang="ko-KR" dirty="0" smtClean="0"/>
+              <a:t>Special thanks to:</a:t>
+            </a:r>
+            <a:endParaRPr lang="ko-KR" altLang="en-US" dirty="0"/>
+          </a:p>
+        </p:txBody>
+      </p:sp>
+      <p:sp>
+        <p:nvSpPr>
+          <p:cNvPr id="3" name="내용 개체 틀 2"/>
+          <p:cNvSpPr>
+            <a:spLocks noGrp="1"/>
+          </p:cNvSpPr>
+          <p:nvPr>
+            <p:ph idx="1"/>
+          </p:nvPr>
+        </p:nvSpPr>
+        <p:spPr/>
+        <p:txBody>
+          <a:bodyPr/>
+          <a:lstStyle/>
+          <a:p>
+            <a:endParaRPr lang="ko-KR" altLang="en-US" dirty="0"/>
+          </a:p>
+        </p:txBody>
+      </p:sp>
+    </p:spTree>
+    <p:extLst>
+      <p:ext uri="{BB962C8B-B14F-4D97-AF65-F5344CB8AC3E}">
+        <p14:creationId xmlns:p14="http://schemas.microsoft.com/office/powerpoint/2010/main" val="2110693140"/>
+      </p:ext>
+    </p:extLst>
+  </p:cSld>
+  <p:clrMapOvr>
+    <a:masterClrMapping/>
+  </p:clrMapOvr>
+</p:sld>
+</file>
+
+<file path=ppt/slides/slide21.xml><?xml version="1.0" encoding="utf-8"?>
+<p:sld xmlns:a="http://schemas.openxmlformats.org/drawingml/2006/main" xmlns:r="http://schemas.openxmlformats.org/officeDocument/2006/relationships" xmlns:p="http://schemas.openxmlformats.org/presentationml/2006/main">
+  <p:cSld>
+    <p:spTree>
+      <p:nvGrpSpPr>
+        <p:cNvPr id="1" name=""/>
+        <p:cNvGrpSpPr/>
+        <p:nvPr/>
+      </p:nvGrpSpPr>
+      <p:grpSpPr>
+        <a:xfrm>
+          <a:off x="0" y="0"/>
+          <a:ext cx="0" cy="0"/>
+          <a:chOff x="0" y="0"/>
+          <a:chExt cx="0" cy="0"/>
+        </a:xfrm>
+      </p:grpSpPr>
+      <p:sp>
+        <p:nvSpPr>
+          <p:cNvPr id="2" name="제목 1"/>
+          <p:cNvSpPr>
+            <a:spLocks noGrp="1"/>
+          </p:cNvSpPr>
+          <p:nvPr>
+            <p:ph type="title"/>
+          </p:nvPr>
+        </p:nvSpPr>
+        <p:spPr/>
+        <p:txBody>
+          <a:bodyPr/>
+          <a:lstStyle/>
+          <a:p>
+            <a:r>
+              <a:rPr lang="en-US" altLang="ko-KR" dirty="0" smtClean="0"/>
+              <a:t>Q&amp;A</a:t>
+            </a:r>
+            <a:endParaRPr lang="ko-KR" altLang="en-US" dirty="0"/>
+          </a:p>
+        </p:txBody>
+      </p:sp>
+      <p:sp>
+        <p:nvSpPr>
+          <p:cNvPr id="3" name="내용 개체 틀 2"/>
+          <p:cNvSpPr>
+            <a:spLocks noGrp="1"/>
+          </p:cNvSpPr>
+          <p:nvPr>
+            <p:ph idx="1"/>
+          </p:nvPr>
+        </p:nvSpPr>
+        <p:spPr/>
+        <p:txBody>
+          <a:bodyPr/>
+          <a:lstStyle/>
+          <a:p>
+            <a:endParaRPr lang="ko-KR" altLang="en-US" dirty="0"/>
+          </a:p>
+        </p:txBody>
+      </p:sp>
+      <p:pic>
+        <p:nvPicPr>
+          <p:cNvPr id="1026" name="Picture 2" descr="관련 이미지"/>
+          <p:cNvPicPr>
+            <a:picLocks noChangeAspect="1" noChangeArrowheads="1"/>
+          </p:cNvPicPr>
+          <p:nvPr/>
+        </p:nvPicPr>
+        <p:blipFill>
+          <a:blip r:embed="rId2">
+            <a:extLst>
+              <a:ext uri="{28A0092B-C50C-407E-A947-70E740481C1C}">
+                <a14:useLocalDpi xmlns:a14="http://schemas.microsoft.com/office/drawing/2010/main" val="0"/>
+              </a:ext>
+            </a:extLst>
+          </a:blip>
+          <a:srcRect/>
+          <a:stretch>
+            <a:fillRect/>
+          </a:stretch>
+        </p:blipFill>
+        <p:spPr bwMode="auto">
+          <a:xfrm>
+            <a:off x="2111747" y="2276872"/>
+            <a:ext cx="4327449" cy="3240360"/>
+          </a:xfrm>
+          <a:prstGeom prst="rect">
+            <a:avLst/>
+          </a:prstGeom>
+          <a:noFill/>
+          <a:extLst>
+            <a:ext uri="{909E8E84-426E-40DD-AFC4-6F175D3DCCD1}">
+              <a14:hiddenFill xmlns:a14="http://schemas.microsoft.com/office/drawing/2010/main">
+                <a:solidFill>
+                  <a:srgbClr val="FFFFFF"/>
+                </a:solidFill>
+              </a14:hiddenFill>
+            </a:ext>
+          </a:extLst>
+        </p:spPr>
+      </p:pic>
+    </p:spTree>
+    <p:extLst>
+      <p:ext uri="{BB962C8B-B14F-4D97-AF65-F5344CB8AC3E}">
+        <p14:creationId xmlns:p14="http://schemas.microsoft.com/office/powerpoint/2010/main" val="2990835546"/>
+      </p:ext>
+    </p:extLst>
+  </p:cSld>
+  <p:clrMapOvr>
+    <a:masterClrMapping/>
+  </p:clrMapOvr>
+  <p:timing>
+    <p:tnLst>
+      <p:par>
+        <p:cTn id="1" dur="indefinite" restart="never" nodeType="tmRoot"/>
+      </p:par>
+    </p:tnLst>
+  </p:timing>
 </p:sld>
 </file>
 
@@ -5714,195 +6069,17 @@
   <p:clrMapOvr>
     <a:masterClrMapping/>
   </p:clrMapOvr>
+  <p:timing>
+    <p:tnLst>
+      <p:par>
+        <p:cTn id="1" dur="indefinite" restart="never" nodeType="tmRoot"/>
+      </p:par>
+    </p:tnLst>
+  </p:timing>
 </p:sld>
 </file>
 
 <file path=ppt/slides/slide7.xml><?xml version="1.0" encoding="utf-8"?>
-<p:sld xmlns:a="http://schemas.openxmlformats.org/drawingml/2006/main" xmlns:r="http://schemas.openxmlformats.org/officeDocument/2006/relationships" xmlns:p="http://schemas.openxmlformats.org/presentationml/2006/main">
-  <p:cSld>
-    <p:spTree>
-      <p:nvGrpSpPr>
-        <p:cNvPr id="1" name=""/>
-        <p:cNvGrpSpPr/>
-        <p:nvPr/>
-      </p:nvGrpSpPr>
-      <p:grpSpPr>
-        <a:xfrm>
-          <a:off x="0" y="0"/>
-          <a:ext cx="0" cy="0"/>
-          <a:chOff x="0" y="0"/>
-          <a:chExt cx="0" cy="0"/>
-        </a:xfrm>
-      </p:grpSpPr>
-      <p:sp>
-        <p:nvSpPr>
-          <p:cNvPr id="2" name="제목 1"/>
-          <p:cNvSpPr>
-            <a:spLocks noGrp="1"/>
-          </p:cNvSpPr>
-          <p:nvPr>
-            <p:ph type="title"/>
-          </p:nvPr>
-        </p:nvSpPr>
-        <p:spPr/>
-        <p:txBody>
-          <a:bodyPr/>
-          <a:lstStyle/>
-          <a:p>
-            <a:r>
-              <a:rPr lang="ko-KR" altLang="en-US" dirty="0" smtClean="0"/>
-              <a:t>개발환경</a:t>
-            </a:r>
-            <a:endParaRPr lang="ko-KR" altLang="en-US" dirty="0"/>
-          </a:p>
-        </p:txBody>
-      </p:sp>
-      <p:sp>
-        <p:nvSpPr>
-          <p:cNvPr id="3" name="내용 개체 틀 2"/>
-          <p:cNvSpPr>
-            <a:spLocks noGrp="1"/>
-          </p:cNvSpPr>
-          <p:nvPr>
-            <p:ph idx="1"/>
-          </p:nvPr>
-        </p:nvSpPr>
-        <p:spPr/>
-        <p:txBody>
-          <a:bodyPr/>
-          <a:lstStyle/>
-          <a:p>
-            <a:r>
-              <a:rPr lang="ko-KR" altLang="en-US" dirty="0" smtClean="0"/>
-              <a:t>자바</a:t>
-            </a:r>
-            <a:endParaRPr lang="en-US" altLang="ko-KR" dirty="0" smtClean="0"/>
-          </a:p>
-          <a:p>
-            <a:r>
-              <a:rPr lang="ko-KR" altLang="en-US" dirty="0" smtClean="0"/>
-              <a:t>                                             </a:t>
-            </a:r>
-            <a:r>
-              <a:rPr lang="ko-KR" altLang="en-US" dirty="0" err="1" smtClean="0"/>
-              <a:t>이클립스</a:t>
-            </a:r>
-            <a:endParaRPr lang="en-US" altLang="ko-KR" dirty="0" smtClean="0"/>
-          </a:p>
-          <a:p>
-            <a:endParaRPr lang="en-US" altLang="ko-KR" dirty="0" smtClean="0"/>
-          </a:p>
-          <a:p>
-            <a:endParaRPr lang="en-US" altLang="ko-KR" dirty="0"/>
-          </a:p>
-          <a:p>
-            <a:endParaRPr lang="en-US" altLang="ko-KR" dirty="0" smtClean="0"/>
-          </a:p>
-          <a:p>
-            <a:r>
-              <a:rPr lang="en-US" altLang="ko-KR" dirty="0" smtClean="0"/>
-              <a:t>		</a:t>
-            </a:r>
-            <a:r>
-              <a:rPr lang="ko-KR" altLang="en-US" dirty="0" smtClean="0"/>
-              <a:t>깃</a:t>
-            </a:r>
-            <a:endParaRPr lang="ko-KR" altLang="en-US" dirty="0"/>
-          </a:p>
-        </p:txBody>
-      </p:sp>
-      <p:pic>
-        <p:nvPicPr>
-          <p:cNvPr id="4" name="_x132804408" descr="EMB0000256845de"/>
-          <p:cNvPicPr>
-            <a:picLocks noChangeAspect="1" noChangeArrowheads="1"/>
-          </p:cNvPicPr>
-          <p:nvPr/>
-        </p:nvPicPr>
-        <p:blipFill>
-          <a:blip r:embed="rId2"/>
-          <a:srcRect l="39427" t="29942" r="54169" b="61066"/>
-          <a:stretch>
-            <a:fillRect/>
-          </a:stretch>
-        </p:blipFill>
-        <p:spPr bwMode="auto">
-          <a:xfrm>
-            <a:off x="611560" y="2204864"/>
-            <a:ext cx="1958975" cy="1547812"/>
-          </a:xfrm>
-          <a:prstGeom prst="rect">
-            <a:avLst/>
-          </a:prstGeom>
-          <a:noFill/>
-        </p:spPr>
-      </p:pic>
-      <p:pic>
-        <p:nvPicPr>
-          <p:cNvPr id="5" name="_x133002616" descr="EMB0000256845df"/>
-          <p:cNvPicPr>
-            <a:picLocks noChangeAspect="1" noChangeArrowheads="1"/>
-          </p:cNvPicPr>
-          <p:nvPr/>
-        </p:nvPicPr>
-        <p:blipFill>
-          <a:blip r:embed="rId3"/>
-          <a:srcRect l="11835" t="50485" r="46875" b="32840"/>
-          <a:stretch>
-            <a:fillRect/>
-          </a:stretch>
-        </p:blipFill>
-        <p:spPr bwMode="auto">
-          <a:xfrm>
-            <a:off x="4067944" y="2817604"/>
-            <a:ext cx="4087422" cy="928694"/>
-          </a:xfrm>
-          <a:prstGeom prst="rect">
-            <a:avLst/>
-          </a:prstGeom>
-          <a:noFill/>
-        </p:spPr>
-      </p:pic>
-      <p:pic>
-        <p:nvPicPr>
-          <p:cNvPr id="6" name="_x132791880" descr="EMB0000256845e0"/>
-          <p:cNvPicPr>
-            <a:picLocks noChangeAspect="1" noChangeArrowheads="1"/>
-          </p:cNvPicPr>
-          <p:nvPr/>
-        </p:nvPicPr>
-        <p:blipFill>
-          <a:blip r:embed="rId4"/>
-          <a:srcRect l="632" t="8801" r="80090" b="75450"/>
-          <a:stretch>
-            <a:fillRect/>
-          </a:stretch>
-        </p:blipFill>
-        <p:spPr bwMode="auto">
-          <a:xfrm>
-            <a:off x="2433175" y="4509120"/>
-            <a:ext cx="3269538" cy="1500198"/>
-          </a:xfrm>
-          <a:prstGeom prst="rect">
-            <a:avLst/>
-          </a:prstGeom>
-          <a:noFill/>
-        </p:spPr>
-      </p:pic>
-    </p:spTree>
-    <p:extLst>
-      <p:ext uri="{BB962C8B-B14F-4D97-AF65-F5344CB8AC3E}">
-        <p14:creationId xmlns:p14="http://schemas.microsoft.com/office/powerpoint/2010/main" val="2556381479"/>
-      </p:ext>
-    </p:extLst>
-  </p:cSld>
-  <p:clrMapOvr>
-    <a:masterClrMapping/>
-  </p:clrMapOvr>
-</p:sld>
-</file>
-
-<file path=ppt/slides/slide8.xml><?xml version="1.0" encoding="utf-8"?>
 <p:sld xmlns:a="http://schemas.openxmlformats.org/drawingml/2006/main" xmlns:r="http://schemas.openxmlformats.org/officeDocument/2006/relationships" xmlns:p="http://schemas.openxmlformats.org/presentationml/2006/main">
   <p:cSld>
     <p:spTree>
@@ -6189,10 +6366,17 @@
   <p:clrMapOvr>
     <a:masterClrMapping/>
   </p:clrMapOvr>
+  <p:timing>
+    <p:tnLst>
+      <p:par>
+        <p:cTn id="1" dur="indefinite" restart="never" nodeType="tmRoot"/>
+      </p:par>
+    </p:tnLst>
+  </p:timing>
 </p:sld>
 </file>
 
-<file path=ppt/slides/slide9.xml><?xml version="1.0" encoding="utf-8"?>
+<file path=ppt/slides/slide8.xml><?xml version="1.0" encoding="utf-8"?>
 <p:sld xmlns:a="http://schemas.openxmlformats.org/drawingml/2006/main" xmlns:r="http://schemas.openxmlformats.org/officeDocument/2006/relationships" xmlns:p="http://schemas.openxmlformats.org/presentationml/2006/main">
   <p:cSld>
     <p:spTree>
@@ -6424,6 +6608,253 @@
   <p:clrMapOvr>
     <a:masterClrMapping/>
   </p:clrMapOvr>
+  <p:timing>
+    <p:tnLst>
+      <p:par>
+        <p:cTn id="1" dur="indefinite" restart="never" nodeType="tmRoot"/>
+      </p:par>
+    </p:tnLst>
+  </p:timing>
+</p:sld>
+</file>
+
+<file path=ppt/slides/slide9.xml><?xml version="1.0" encoding="utf-8"?>
+<p:sld xmlns:a="http://schemas.openxmlformats.org/drawingml/2006/main" xmlns:r="http://schemas.openxmlformats.org/officeDocument/2006/relationships" xmlns:p="http://schemas.openxmlformats.org/presentationml/2006/main">
+  <p:cSld>
+    <p:spTree>
+      <p:nvGrpSpPr>
+        <p:cNvPr id="1" name=""/>
+        <p:cNvGrpSpPr/>
+        <p:nvPr/>
+      </p:nvGrpSpPr>
+      <p:grpSpPr>
+        <a:xfrm>
+          <a:off x="0" y="0"/>
+          <a:ext cx="0" cy="0"/>
+          <a:chOff x="0" y="0"/>
+          <a:chExt cx="0" cy="0"/>
+        </a:xfrm>
+      </p:grpSpPr>
+      <p:sp>
+        <p:nvSpPr>
+          <p:cNvPr id="2" name="제목 1"/>
+          <p:cNvSpPr>
+            <a:spLocks noGrp="1"/>
+          </p:cNvSpPr>
+          <p:nvPr>
+            <p:ph type="title"/>
+          </p:nvPr>
+        </p:nvSpPr>
+        <p:spPr/>
+        <p:txBody>
+          <a:bodyPr/>
+          <a:lstStyle/>
+          <a:p>
+            <a:r>
+              <a:rPr lang="ko-KR" altLang="en-US" dirty="0"/>
+              <a:t>주요기능 </a:t>
+            </a:r>
+            <a:r>
+              <a:rPr lang="en-US" altLang="ko-KR" dirty="0"/>
+              <a:t>- </a:t>
+            </a:r>
+            <a:r>
+              <a:rPr lang="ko-KR" altLang="en-US" dirty="0"/>
+              <a:t>실행화면</a:t>
+            </a:r>
+          </a:p>
+        </p:txBody>
+      </p:sp>
+      <p:sp>
+        <p:nvSpPr>
+          <p:cNvPr id="3" name="내용 개체 틀 2"/>
+          <p:cNvSpPr>
+            <a:spLocks noGrp="1"/>
+          </p:cNvSpPr>
+          <p:nvPr>
+            <p:ph idx="1"/>
+          </p:nvPr>
+        </p:nvSpPr>
+        <p:spPr/>
+        <p:txBody>
+          <a:bodyPr/>
+          <a:lstStyle/>
+          <a:p>
+            <a:r>
+              <a:rPr lang="en-US" altLang="ko-KR" dirty="0" smtClean="0"/>
+              <a:t>Flag</a:t>
+            </a:r>
+            <a:r>
+              <a:rPr lang="ko-KR" altLang="en-US" dirty="0" smtClean="0"/>
+              <a:t>를 나누어 처음 누르면 </a:t>
+            </a:r>
+            <a:r>
+              <a:rPr lang="en-US" altLang="ko-KR" dirty="0" smtClean="0"/>
+              <a:t>insert,</a:t>
+            </a:r>
+          </a:p>
+          <a:p>
+            <a:r>
+              <a:rPr lang="ko-KR" altLang="en-US" dirty="0" smtClean="0"/>
+              <a:t>그 이후로는 지속적으로 </a:t>
+            </a:r>
+            <a:r>
+              <a:rPr lang="en-US" altLang="ko-KR" dirty="0" smtClean="0"/>
+              <a:t>update </a:t>
+            </a:r>
+            <a:r>
+              <a:rPr lang="ko-KR" altLang="en-US" dirty="0" smtClean="0"/>
+              <a:t>된다</a:t>
+            </a:r>
+            <a:endParaRPr lang="ko-KR" altLang="en-US" dirty="0"/>
+          </a:p>
+        </p:txBody>
+      </p:sp>
+      <p:pic>
+        <p:nvPicPr>
+          <p:cNvPr id="4098" name="Picture 2"/>
+          <p:cNvPicPr>
+            <a:picLocks noChangeAspect="1" noChangeArrowheads="1"/>
+          </p:cNvPicPr>
+          <p:nvPr/>
+        </p:nvPicPr>
+        <p:blipFill>
+          <a:blip r:embed="rId2">
+            <a:extLst>
+              <a:ext uri="{28A0092B-C50C-407E-A947-70E740481C1C}">
+                <a14:useLocalDpi xmlns:a14="http://schemas.microsoft.com/office/drawing/2010/main" val="0"/>
+              </a:ext>
+            </a:extLst>
+          </a:blip>
+          <a:srcRect/>
+          <a:stretch>
+            <a:fillRect/>
+          </a:stretch>
+        </p:blipFill>
+        <p:spPr bwMode="auto">
+          <a:xfrm>
+            <a:off x="4716016" y="1988840"/>
+            <a:ext cx="3124200" cy="2800350"/>
+          </a:xfrm>
+          <a:prstGeom prst="rect">
+            <a:avLst/>
+          </a:prstGeom>
+          <a:noFill/>
+          <a:ln>
+            <a:noFill/>
+          </a:ln>
+          <a:effectLst/>
+          <a:extLst>
+            <a:ext uri="{909E8E84-426E-40DD-AFC4-6F175D3DCCD1}">
+              <a14:hiddenFill xmlns:a14="http://schemas.microsoft.com/office/drawing/2010/main">
+                <a:solidFill>
+                  <a:schemeClr val="accent1"/>
+                </a:solidFill>
+              </a14:hiddenFill>
+            </a:ext>
+            <a:ext uri="{91240B29-F687-4F45-9708-019B960494DF}">
+              <a14:hiddenLine xmlns:a14="http://schemas.microsoft.com/office/drawing/2010/main" w="9525">
+                <a:solidFill>
+                  <a:schemeClr val="tx1"/>
+                </a:solidFill>
+                <a:miter lim="800000"/>
+                <a:headEnd/>
+                <a:tailEnd/>
+              </a14:hiddenLine>
+            </a:ext>
+            <a:ext uri="{AF507438-7753-43E0-B8FC-AC1667EBCBE1}">
+              <a14:hiddenEffects xmlns:a14="http://schemas.microsoft.com/office/drawing/2010/main">
+                <a:effectLst>
+                  <a:outerShdw dist="35921" dir="2700000" algn="ctr" rotWithShape="0">
+                    <a:schemeClr val="bg2"/>
+                  </a:outerShdw>
+                </a:effectLst>
+              </a14:hiddenEffects>
+            </a:ext>
+          </a:extLst>
+        </p:spPr>
+      </p:pic>
+      <p:pic>
+        <p:nvPicPr>
+          <p:cNvPr id="4099" name="Picture 3"/>
+          <p:cNvPicPr>
+            <a:picLocks noChangeAspect="1" noChangeArrowheads="1"/>
+          </p:cNvPicPr>
+          <p:nvPr/>
+        </p:nvPicPr>
+        <p:blipFill>
+          <a:blip r:embed="rId3">
+            <a:extLst>
+              <a:ext uri="{28A0092B-C50C-407E-A947-70E740481C1C}">
+                <a14:useLocalDpi xmlns:a14="http://schemas.microsoft.com/office/drawing/2010/main" val="0"/>
+              </a:ext>
+            </a:extLst>
+          </a:blip>
+          <a:srcRect/>
+          <a:stretch>
+            <a:fillRect/>
+          </a:stretch>
+        </p:blipFill>
+        <p:spPr bwMode="auto">
+          <a:xfrm>
+            <a:off x="611560" y="5805264"/>
+            <a:ext cx="5219700" cy="276225"/>
+          </a:xfrm>
+          <a:prstGeom prst="rect">
+            <a:avLst/>
+          </a:prstGeom>
+          <a:noFill/>
+          <a:ln>
+            <a:noFill/>
+          </a:ln>
+          <a:effectLst/>
+          <a:extLst>
+            <a:ext uri="{909E8E84-426E-40DD-AFC4-6F175D3DCCD1}">
+              <a14:hiddenFill xmlns:a14="http://schemas.microsoft.com/office/drawing/2010/main">
+                <a:solidFill>
+                  <a:schemeClr val="accent1"/>
+                </a:solidFill>
+              </a14:hiddenFill>
+            </a:ext>
+            <a:ext uri="{91240B29-F687-4F45-9708-019B960494DF}">
+              <a14:hiddenLine xmlns:a14="http://schemas.microsoft.com/office/drawing/2010/main" w="9525">
+                <a:solidFill>
+                  <a:schemeClr val="tx1"/>
+                </a:solidFill>
+                <a:miter lim="800000"/>
+                <a:headEnd/>
+                <a:tailEnd/>
+              </a14:hiddenLine>
+            </a:ext>
+            <a:ext uri="{AF507438-7753-43E0-B8FC-AC1667EBCBE1}">
+              <a14:hiddenEffects xmlns:a14="http://schemas.microsoft.com/office/drawing/2010/main">
+                <a:effectLst>
+                  <a:outerShdw dist="35921" dir="2700000" algn="ctr" rotWithShape="0">
+                    <a:schemeClr val="bg2"/>
+                  </a:outerShdw>
+                </a:effectLst>
+              </a14:hiddenEffects>
+            </a:ext>
+          </a:extLst>
+        </p:spPr>
+      </p:pic>
+    </p:spTree>
+    <p:extLst>
+      <p:ext uri="{BB962C8B-B14F-4D97-AF65-F5344CB8AC3E}">
+        <p14:creationId xmlns:p14="http://schemas.microsoft.com/office/powerpoint/2010/main" val="4205439488"/>
+      </p:ext>
+    </p:extLst>
+  </p:cSld>
+  <p:clrMapOvr>
+    <a:masterClrMapping/>
+  </p:clrMapOvr>
+  <p:timing>
+    <p:tnLst>
+      <p:par>
+        <p:cTn id="1" dur="indefinite" restart="never" nodeType="tmRoot"/>
+      </p:par>
+    </p:tnLst>
+  </p:timing>
 </p:sld>
 </file>
 

--- a/Java_mini_proj_home/java_proj_PPT.pptx
+++ b/Java_mini_proj_home/java_proj_PPT.pptx
@@ -320,7 +320,7 @@
           <a:p>
             <a:fld id="{FE7A0661-92A3-482A-B733-715728D41759}" type="datetimeFigureOut">
               <a:rPr lang="ko-KR" altLang="en-US" smtClean="0"/>
-              <a:t>2017-07-19</a:t>
+              <a:t>2017-07-20</a:t>
             </a:fld>
             <a:endParaRPr lang="ko-KR" altLang="en-US"/>
           </a:p>
@@ -585,7 +585,7 @@
           <a:p>
             <a:fld id="{FE7A0661-92A3-482A-B733-715728D41759}" type="datetimeFigureOut">
               <a:rPr lang="ko-KR" altLang="en-US" smtClean="0"/>
-              <a:t>2017-07-19</a:t>
+              <a:t>2017-07-20</a:t>
             </a:fld>
             <a:endParaRPr lang="ko-KR" altLang="en-US"/>
           </a:p>
@@ -760,7 +760,7 @@
           <a:p>
             <a:fld id="{FE7A0661-92A3-482A-B733-715728D41759}" type="datetimeFigureOut">
               <a:rPr lang="ko-KR" altLang="en-US" smtClean="0"/>
-              <a:t>2017-07-19</a:t>
+              <a:t>2017-07-20</a:t>
             </a:fld>
             <a:endParaRPr lang="ko-KR" altLang="en-US"/>
           </a:p>
@@ -925,7 +925,7 @@
           <a:p>
             <a:fld id="{FE7A0661-92A3-482A-B733-715728D41759}" type="datetimeFigureOut">
               <a:rPr lang="ko-KR" altLang="en-US" smtClean="0"/>
-              <a:t>2017-07-19</a:t>
+              <a:t>2017-07-20</a:t>
             </a:fld>
             <a:endParaRPr lang="ko-KR" altLang="en-US"/>
           </a:p>
@@ -1174,7 +1174,7 @@
           <a:p>
             <a:fld id="{FE7A0661-92A3-482A-B733-715728D41759}" type="datetimeFigureOut">
               <a:rPr lang="ko-KR" altLang="en-US" smtClean="0"/>
-              <a:t>2017-07-19</a:t>
+              <a:t>2017-07-20</a:t>
             </a:fld>
             <a:endParaRPr lang="ko-KR" altLang="en-US"/>
           </a:p>
@@ -1457,7 +1457,7 @@
           <a:p>
             <a:fld id="{FE7A0661-92A3-482A-B733-715728D41759}" type="datetimeFigureOut">
               <a:rPr lang="ko-KR" altLang="en-US" smtClean="0"/>
-              <a:t>2017-07-19</a:t>
+              <a:t>2017-07-20</a:t>
             </a:fld>
             <a:endParaRPr lang="ko-KR" altLang="en-US"/>
           </a:p>
@@ -1896,7 +1896,7 @@
           <a:p>
             <a:fld id="{FE7A0661-92A3-482A-B733-715728D41759}" type="datetimeFigureOut">
               <a:rPr lang="ko-KR" altLang="en-US" smtClean="0"/>
-              <a:t>2017-07-19</a:t>
+              <a:t>2017-07-20</a:t>
             </a:fld>
             <a:endParaRPr lang="ko-KR" altLang="en-US"/>
           </a:p>
@@ -2009,7 +2009,7 @@
           <a:p>
             <a:fld id="{FE7A0661-92A3-482A-B733-715728D41759}" type="datetimeFigureOut">
               <a:rPr lang="ko-KR" altLang="en-US" smtClean="0"/>
-              <a:t>2017-07-19</a:t>
+              <a:t>2017-07-20</a:t>
             </a:fld>
             <a:endParaRPr lang="ko-KR" altLang="en-US"/>
           </a:p>
@@ -2099,7 +2099,7 @@
           <a:p>
             <a:fld id="{FE7A0661-92A3-482A-B733-715728D41759}" type="datetimeFigureOut">
               <a:rPr lang="ko-KR" altLang="en-US" smtClean="0"/>
-              <a:t>2017-07-19</a:t>
+              <a:t>2017-07-20</a:t>
             </a:fld>
             <a:endParaRPr lang="ko-KR" altLang="en-US"/>
           </a:p>
@@ -2341,7 +2341,7 @@
           <a:p>
             <a:fld id="{FE7A0661-92A3-482A-B733-715728D41759}" type="datetimeFigureOut">
               <a:rPr lang="ko-KR" altLang="en-US" smtClean="0"/>
-              <a:t>2017-07-19</a:t>
+              <a:t>2017-07-20</a:t>
             </a:fld>
             <a:endParaRPr lang="ko-KR" altLang="en-US"/>
           </a:p>
@@ -2635,7 +2635,7 @@
           <a:p>
             <a:fld id="{FE7A0661-92A3-482A-B733-715728D41759}" type="datetimeFigureOut">
               <a:rPr lang="ko-KR" altLang="en-US" smtClean="0"/>
-              <a:t>2017-07-19</a:t>
+              <a:t>2017-07-20</a:t>
             </a:fld>
             <a:endParaRPr lang="ko-KR" altLang="en-US"/>
           </a:p>
@@ -2929,7 +2929,7 @@
           <a:p>
             <a:fld id="{FE7A0661-92A3-482A-B733-715728D41759}" type="datetimeFigureOut">
               <a:rPr lang="ko-KR" altLang="en-US" smtClean="0"/>
-              <a:t>2017-07-19</a:t>
+              <a:t>2017-07-20</a:t>
             </a:fld>
             <a:endParaRPr lang="ko-KR" altLang="en-US"/>
           </a:p>
@@ -6681,12 +6681,36 @@
           <a:lstStyle/>
           <a:p>
             <a:r>
+              <a:rPr lang="ko-KR" altLang="en-US" dirty="0" smtClean="0"/>
+              <a:t>동일한 버튼에 </a:t>
+            </a:r>
+            <a:r>
               <a:rPr lang="en-US" altLang="ko-KR" dirty="0" smtClean="0"/>
               <a:t>Flag</a:t>
             </a:r>
             <a:r>
               <a:rPr lang="ko-KR" altLang="en-US" dirty="0" smtClean="0"/>
-              <a:t>를 나누어 처음 누르면 </a:t>
+              <a:t>를 나누어 </a:t>
+            </a:r>
+            <a:r>
+              <a:rPr lang="ko-KR" altLang="en-US" dirty="0" smtClean="0"/>
+              <a:t>처음 </a:t>
+            </a:r>
+            <a:r>
+              <a:rPr lang="ko-KR" altLang="en-US" dirty="0" err="1" smtClean="0"/>
+              <a:t>눌렀을시</a:t>
+            </a:r>
+            <a:r>
+              <a:rPr lang="ko-KR" altLang="en-US" dirty="0" smtClean="0"/>
+              <a:t> </a:t>
+            </a:r>
+            <a:r>
+              <a:rPr lang="en-US" altLang="ko-KR" dirty="0" smtClean="0"/>
+              <a:t>DB</a:t>
+            </a:r>
+            <a:r>
+              <a:rPr lang="ko-KR" altLang="en-US" dirty="0" smtClean="0"/>
+              <a:t>에 </a:t>
             </a:r>
             <a:r>
               <a:rPr lang="en-US" altLang="ko-KR" dirty="0" smtClean="0"/>
@@ -6700,11 +6724,18 @@
             </a:r>
             <a:r>
               <a:rPr lang="en-US" altLang="ko-KR" dirty="0" smtClean="0"/>
-              <a:t>update </a:t>
+              <a:t>update</a:t>
             </a:r>
             <a:r>
               <a:rPr lang="ko-KR" altLang="en-US" dirty="0" smtClean="0"/>
-              <a:t>된다</a:t>
+              <a:t>가</a:t>
+            </a:r>
+            <a:endParaRPr lang="en-US" altLang="ko-KR" dirty="0" smtClean="0"/>
+          </a:p>
+          <a:p>
+            <a:r>
+              <a:rPr lang="ko-KR" altLang="en-US" dirty="0" smtClean="0"/>
+              <a:t>되도록  구현</a:t>
             </a:r>
             <a:endParaRPr lang="ko-KR" altLang="en-US" dirty="0"/>
           </a:p>
@@ -6733,7 +6764,7 @@
         </p:blipFill>
         <p:spPr bwMode="auto">
           <a:xfrm>
-            <a:off x="4716016" y="1988840"/>
+            <a:off x="5373960" y="2459125"/>
             <a:ext cx="3124200" cy="2800350"/>
           </a:xfrm>
           <a:prstGeom prst="rect">
@@ -6797,8 +6828,200 @@
         </p:blipFill>
         <p:spPr bwMode="auto">
           <a:xfrm>
-            <a:off x="611560" y="5805264"/>
+            <a:off x="3419872" y="6084873"/>
             <a:ext cx="5219700" cy="276225"/>
+          </a:xfrm>
+          <a:prstGeom prst="rect">
+            <a:avLst/>
+          </a:prstGeom>
+          <a:noFill/>
+          <a:ln>
+            <a:noFill/>
+          </a:ln>
+          <a:effectLst/>
+          <a:extLst>
+            <a:ext uri="{909E8E84-426E-40DD-AFC4-6F175D3DCCD1}">
+              <a14:hiddenFill xmlns:a14="http://schemas.microsoft.com/office/drawing/2010/main">
+                <a:solidFill>
+                  <a:schemeClr val="accent1"/>
+                </a:solidFill>
+              </a14:hiddenFill>
+            </a:ext>
+            <a:ext uri="{91240B29-F687-4F45-9708-019B960494DF}">
+              <a14:hiddenLine xmlns:a14="http://schemas.microsoft.com/office/drawing/2010/main" w="9525">
+                <a:solidFill>
+                  <a:schemeClr val="tx1"/>
+                </a:solidFill>
+                <a:miter lim="800000"/>
+                <a:headEnd/>
+                <a:tailEnd/>
+              </a14:hiddenLine>
+            </a:ext>
+            <a:ext uri="{AF507438-7753-43E0-B8FC-AC1667EBCBE1}">
+              <a14:hiddenEffects xmlns:a14="http://schemas.microsoft.com/office/drawing/2010/main">
+                <a:effectLst>
+                  <a:outerShdw dist="35921" dir="2700000" algn="ctr" rotWithShape="0">
+                    <a:schemeClr val="bg2"/>
+                  </a:outerShdw>
+                </a:effectLst>
+              </a14:hiddenEffects>
+            </a:ext>
+          </a:extLst>
+        </p:spPr>
+      </p:pic>
+      <p:pic>
+        <p:nvPicPr>
+          <p:cNvPr id="1026" name="Picture 2"/>
+          <p:cNvPicPr>
+            <a:picLocks noChangeAspect="1" noChangeArrowheads="1"/>
+          </p:cNvPicPr>
+          <p:nvPr/>
+        </p:nvPicPr>
+        <p:blipFill>
+          <a:blip r:embed="rId4">
+            <a:extLst>
+              <a:ext uri="{28A0092B-C50C-407E-A947-70E740481C1C}">
+                <a14:useLocalDpi xmlns:a14="http://schemas.microsoft.com/office/drawing/2010/main" val="0"/>
+              </a:ext>
+            </a:extLst>
+          </a:blip>
+          <a:srcRect/>
+          <a:stretch>
+            <a:fillRect/>
+          </a:stretch>
+        </p:blipFill>
+        <p:spPr bwMode="auto">
+          <a:xfrm>
+            <a:off x="573460" y="3173048"/>
+            <a:ext cx="4430588" cy="216714"/>
+          </a:xfrm>
+          <a:prstGeom prst="rect">
+            <a:avLst/>
+          </a:prstGeom>
+          <a:noFill/>
+          <a:ln>
+            <a:noFill/>
+          </a:ln>
+          <a:effectLst/>
+          <a:extLst>
+            <a:ext uri="{909E8E84-426E-40DD-AFC4-6F175D3DCCD1}">
+              <a14:hiddenFill xmlns:a14="http://schemas.microsoft.com/office/drawing/2010/main">
+                <a:solidFill>
+                  <a:schemeClr val="accent1"/>
+                </a:solidFill>
+              </a14:hiddenFill>
+            </a:ext>
+            <a:ext uri="{91240B29-F687-4F45-9708-019B960494DF}">
+              <a14:hiddenLine xmlns:a14="http://schemas.microsoft.com/office/drawing/2010/main" w="9525">
+                <a:solidFill>
+                  <a:schemeClr val="tx1"/>
+                </a:solidFill>
+                <a:miter lim="800000"/>
+                <a:headEnd/>
+                <a:tailEnd/>
+              </a14:hiddenLine>
+            </a:ext>
+            <a:ext uri="{AF507438-7753-43E0-B8FC-AC1667EBCBE1}">
+              <a14:hiddenEffects xmlns:a14="http://schemas.microsoft.com/office/drawing/2010/main">
+                <a:effectLst>
+                  <a:outerShdw dist="35921" dir="2700000" algn="ctr" rotWithShape="0">
+                    <a:schemeClr val="bg2"/>
+                  </a:outerShdw>
+                </a:effectLst>
+              </a14:hiddenEffects>
+            </a:ext>
+          </a:extLst>
+        </p:spPr>
+      </p:pic>
+      <p:pic>
+        <p:nvPicPr>
+          <p:cNvPr id="1027" name="Picture 3"/>
+          <p:cNvPicPr>
+            <a:picLocks noChangeAspect="1" noChangeArrowheads="1"/>
+          </p:cNvPicPr>
+          <p:nvPr/>
+        </p:nvPicPr>
+        <p:blipFill>
+          <a:blip r:embed="rId5">
+            <a:extLst>
+              <a:ext uri="{28A0092B-C50C-407E-A947-70E740481C1C}">
+                <a14:useLocalDpi xmlns:a14="http://schemas.microsoft.com/office/drawing/2010/main" val="0"/>
+              </a:ext>
+            </a:extLst>
+          </a:blip>
+          <a:srcRect/>
+          <a:stretch>
+            <a:fillRect/>
+          </a:stretch>
+        </p:blipFill>
+        <p:spPr bwMode="auto">
+          <a:xfrm>
+            <a:off x="573461" y="3439747"/>
+            <a:ext cx="2990428" cy="419553"/>
+          </a:xfrm>
+          <a:prstGeom prst="rect">
+            <a:avLst/>
+          </a:prstGeom>
+          <a:noFill/>
+          <a:ln>
+            <a:noFill/>
+          </a:ln>
+          <a:effectLst/>
+          <a:extLst>
+            <a:ext uri="{909E8E84-426E-40DD-AFC4-6F175D3DCCD1}">
+              <a14:hiddenFill xmlns:a14="http://schemas.microsoft.com/office/drawing/2010/main">
+                <a:solidFill>
+                  <a:schemeClr val="accent1"/>
+                </a:solidFill>
+              </a14:hiddenFill>
+            </a:ext>
+            <a:ext uri="{91240B29-F687-4F45-9708-019B960494DF}">
+              <a14:hiddenLine xmlns:a14="http://schemas.microsoft.com/office/drawing/2010/main" w="9525">
+                <a:solidFill>
+                  <a:schemeClr val="tx1"/>
+                </a:solidFill>
+                <a:miter lim="800000"/>
+                <a:headEnd/>
+                <a:tailEnd/>
+              </a14:hiddenLine>
+            </a:ext>
+            <a:ext uri="{AF507438-7753-43E0-B8FC-AC1667EBCBE1}">
+              <a14:hiddenEffects xmlns:a14="http://schemas.microsoft.com/office/drawing/2010/main">
+                <a:effectLst>
+                  <a:outerShdw dist="35921" dir="2700000" algn="ctr" rotWithShape="0">
+                    <a:schemeClr val="bg2"/>
+                  </a:outerShdw>
+                </a:effectLst>
+              </a14:hiddenEffects>
+            </a:ext>
+          </a:extLst>
+        </p:spPr>
+      </p:pic>
+      <p:pic>
+        <p:nvPicPr>
+          <p:cNvPr id="1028" name="Picture 4"/>
+          <p:cNvPicPr>
+            <a:picLocks noChangeAspect="1" noChangeArrowheads="1"/>
+          </p:cNvPicPr>
+          <p:nvPr/>
+        </p:nvPicPr>
+        <p:blipFill>
+          <a:blip r:embed="rId6">
+            <a:extLst>
+              <a:ext uri="{28A0092B-C50C-407E-A947-70E740481C1C}">
+                <a14:useLocalDpi xmlns:a14="http://schemas.microsoft.com/office/drawing/2010/main" val="0"/>
+              </a:ext>
+            </a:extLst>
+          </a:blip>
+          <a:srcRect/>
+          <a:stretch>
+            <a:fillRect/>
+          </a:stretch>
+        </p:blipFill>
+        <p:spPr bwMode="auto">
+          <a:xfrm>
+            <a:off x="573461" y="3922116"/>
+            <a:ext cx="3096344" cy="1994255"/>
           </a:xfrm>
           <a:prstGeom prst="rect">
             <a:avLst/>

--- a/Java_mini_proj_home/java_proj_PPT.pptx
+++ b/Java_mini_proj_home/java_proj_PPT.pptx
@@ -17,15 +17,14 @@
     <p:sldId id="270" r:id="rId11"/>
     <p:sldId id="266" r:id="rId12"/>
     <p:sldId id="272" r:id="rId13"/>
-    <p:sldId id="271" r:id="rId14"/>
-    <p:sldId id="257" r:id="rId15"/>
-    <p:sldId id="258" r:id="rId16"/>
-    <p:sldId id="276" r:id="rId17"/>
-    <p:sldId id="262" r:id="rId18"/>
-    <p:sldId id="264" r:id="rId19"/>
-    <p:sldId id="274" r:id="rId20"/>
-    <p:sldId id="275" r:id="rId21"/>
-    <p:sldId id="273" r:id="rId22"/>
+    <p:sldId id="257" r:id="rId14"/>
+    <p:sldId id="258" r:id="rId15"/>
+    <p:sldId id="276" r:id="rId16"/>
+    <p:sldId id="262" r:id="rId17"/>
+    <p:sldId id="264" r:id="rId18"/>
+    <p:sldId id="274" r:id="rId19"/>
+    <p:sldId id="275" r:id="rId20"/>
+    <p:sldId id="273" r:id="rId21"/>
   </p:sldIdLst>
   <p:sldSz cx="9144000" cy="6858000" type="screen4x3"/>
   <p:notesSz cx="6858000" cy="9144000"/>
@@ -3909,6 +3908,44 @@
       </p:grpSpPr>
       <p:sp>
         <p:nvSpPr>
+          <p:cNvPr id="2074" name="모서리가 둥근 직사각형 2073"/>
+          <p:cNvSpPr/>
+          <p:nvPr/>
+        </p:nvSpPr>
+        <p:spPr>
+          <a:xfrm>
+            <a:off x="611560" y="1736812"/>
+            <a:ext cx="6306566" cy="1224136"/>
+          </a:xfrm>
+          <a:prstGeom prst="roundRect">
+            <a:avLst/>
+          </a:prstGeom>
+        </p:spPr>
+        <p:style>
+          <a:lnRef idx="1">
+            <a:schemeClr val="accent3"/>
+          </a:lnRef>
+          <a:fillRef idx="2">
+            <a:schemeClr val="accent3"/>
+          </a:fillRef>
+          <a:effectRef idx="1">
+            <a:schemeClr val="accent3"/>
+          </a:effectRef>
+          <a:fontRef idx="minor">
+            <a:schemeClr val="dk1"/>
+          </a:fontRef>
+        </p:style>
+        <p:txBody>
+          <a:bodyPr rtlCol="0" anchor="ctr"/>
+          <a:lstStyle/>
+          <a:p>
+            <a:pPr algn="ctr"/>
+            <a:endParaRPr lang="ko-KR" altLang="en-US"/>
+          </a:p>
+        </p:txBody>
+      </p:sp>
+      <p:sp>
+        <p:nvSpPr>
           <p:cNvPr id="2" name="제목 1"/>
           <p:cNvSpPr>
             <a:spLocks noGrp="1"/>
@@ -3937,15 +3974,7 @@
             </a:r>
             <a:r>
               <a:rPr lang="ko-KR" altLang="en-US" dirty="0" smtClean="0"/>
-              <a:t>주요 </a:t>
-            </a:r>
-            <a:r>
-              <a:rPr lang="en-US" altLang="ko-KR" dirty="0" smtClean="0"/>
-              <a:t>class </a:t>
-            </a:r>
-            <a:r>
-              <a:rPr lang="ko-KR" altLang="en-US" dirty="0" smtClean="0"/>
-              <a:t>관계</a:t>
+              <a:t>구조도 및 관계도</a:t>
             </a:r>
             <a:endParaRPr lang="ko-KR" altLang="en-US" dirty="0"/>
           </a:p>
@@ -3970,6 +3999,733 @@
           </a:p>
         </p:txBody>
       </p:sp>
+      <p:pic>
+        <p:nvPicPr>
+          <p:cNvPr id="2051" name="Picture 3"/>
+          <p:cNvPicPr>
+            <a:picLocks noChangeAspect="1" noChangeArrowheads="1"/>
+          </p:cNvPicPr>
+          <p:nvPr/>
+        </p:nvPicPr>
+        <p:blipFill>
+          <a:blip r:embed="rId2">
+            <a:extLst>
+              <a:ext uri="{28A0092B-C50C-407E-A947-70E740481C1C}">
+                <a14:useLocalDpi xmlns:a14="http://schemas.microsoft.com/office/drawing/2010/main" val="0"/>
+              </a:ext>
+            </a:extLst>
+          </a:blip>
+          <a:srcRect/>
+          <a:stretch>
+            <a:fillRect/>
+          </a:stretch>
+        </p:blipFill>
+        <p:spPr bwMode="auto">
+          <a:xfrm>
+            <a:off x="7080423" y="980728"/>
+            <a:ext cx="1800225" cy="2781300"/>
+          </a:xfrm>
+          <a:prstGeom prst="rect">
+            <a:avLst/>
+          </a:prstGeom>
+          <a:noFill/>
+          <a:ln>
+            <a:noFill/>
+          </a:ln>
+          <a:effectLst/>
+          <a:extLst>
+            <a:ext uri="{909E8E84-426E-40DD-AFC4-6F175D3DCCD1}">
+              <a14:hiddenFill xmlns:a14="http://schemas.microsoft.com/office/drawing/2010/main">
+                <a:solidFill>
+                  <a:schemeClr val="accent1"/>
+                </a:solidFill>
+              </a14:hiddenFill>
+            </a:ext>
+            <a:ext uri="{91240B29-F687-4F45-9708-019B960494DF}">
+              <a14:hiddenLine xmlns:a14="http://schemas.microsoft.com/office/drawing/2010/main" w="9525">
+                <a:solidFill>
+                  <a:schemeClr val="tx1"/>
+                </a:solidFill>
+                <a:miter lim="800000"/>
+                <a:headEnd/>
+                <a:tailEnd/>
+              </a14:hiddenLine>
+            </a:ext>
+            <a:ext uri="{AF507438-7753-43E0-B8FC-AC1667EBCBE1}">
+              <a14:hiddenEffects xmlns:a14="http://schemas.microsoft.com/office/drawing/2010/main">
+                <a:effectLst>
+                  <a:outerShdw dist="35921" dir="2700000" algn="ctr" rotWithShape="0">
+                    <a:schemeClr val="bg2"/>
+                  </a:outerShdw>
+                </a:effectLst>
+              </a14:hiddenEffects>
+            </a:ext>
+          </a:extLst>
+        </p:spPr>
+      </p:pic>
+      <p:sp>
+        <p:nvSpPr>
+          <p:cNvPr id="5" name="순서도: 처리 4"/>
+          <p:cNvSpPr/>
+          <p:nvPr/>
+        </p:nvSpPr>
+        <p:spPr>
+          <a:xfrm>
+            <a:off x="725438" y="1844824"/>
+            <a:ext cx="1728192" cy="1008112"/>
+          </a:xfrm>
+          <a:prstGeom prst="flowChartProcess">
+            <a:avLst/>
+          </a:prstGeom>
+        </p:spPr>
+        <p:style>
+          <a:lnRef idx="2">
+            <a:schemeClr val="accent3">
+              <a:shade val="50000"/>
+            </a:schemeClr>
+          </a:lnRef>
+          <a:fillRef idx="1">
+            <a:schemeClr val="accent3"/>
+          </a:fillRef>
+          <a:effectRef idx="0">
+            <a:schemeClr val="accent3"/>
+          </a:effectRef>
+          <a:fontRef idx="minor">
+            <a:schemeClr val="lt1"/>
+          </a:fontRef>
+        </p:style>
+        <p:txBody>
+          <a:bodyPr rtlCol="0" anchor="ctr"/>
+          <a:lstStyle/>
+          <a:p>
+            <a:pPr algn="ctr"/>
+            <a:r>
+              <a:rPr lang="ko-KR" altLang="en-US" sz="2800" dirty="0" smtClean="0">
+                <a:latin typeface="배달의민족 주아" pitchFamily="18" charset="-127"/>
+                <a:ea typeface="배달의민족 주아" pitchFamily="18" charset="-127"/>
+              </a:rPr>
+              <a:t>클라이언트</a:t>
+            </a:r>
+            <a:endParaRPr lang="ko-KR" altLang="en-US" sz="2800" dirty="0">
+              <a:latin typeface="배달의민족 주아" pitchFamily="18" charset="-127"/>
+              <a:ea typeface="배달의민족 주아" pitchFamily="18" charset="-127"/>
+            </a:endParaRPr>
+          </a:p>
+        </p:txBody>
+      </p:sp>
+      <p:sp>
+        <p:nvSpPr>
+          <p:cNvPr id="6" name="모서리가 둥근 직사각형 5"/>
+          <p:cNvSpPr/>
+          <p:nvPr/>
+        </p:nvSpPr>
+        <p:spPr>
+          <a:xfrm>
+            <a:off x="2838636" y="2024844"/>
+            <a:ext cx="1728192" cy="648072"/>
+          </a:xfrm>
+          <a:prstGeom prst="roundRect">
+            <a:avLst/>
+          </a:prstGeom>
+        </p:spPr>
+        <p:style>
+          <a:lnRef idx="2">
+            <a:schemeClr val="accent3"/>
+          </a:lnRef>
+          <a:fillRef idx="1">
+            <a:schemeClr val="lt1"/>
+          </a:fillRef>
+          <a:effectRef idx="0">
+            <a:schemeClr val="accent3"/>
+          </a:effectRef>
+          <a:fontRef idx="minor">
+            <a:schemeClr val="dk1"/>
+          </a:fontRef>
+        </p:style>
+        <p:txBody>
+          <a:bodyPr rtlCol="0" anchor="ctr"/>
+          <a:lstStyle/>
+          <a:p>
+            <a:pPr algn="ctr"/>
+            <a:r>
+              <a:rPr lang="ko-KR" altLang="en-US" dirty="0" smtClean="0">
+                <a:latin typeface="배달의민족 주아" pitchFamily="18" charset="-127"/>
+                <a:ea typeface="배달의민족 주아" pitchFamily="18" charset="-127"/>
+              </a:rPr>
+              <a:t>애니메이션 </a:t>
+            </a:r>
+            <a:endParaRPr lang="en-US" altLang="ko-KR" dirty="0" smtClean="0">
+              <a:latin typeface="배달의민족 주아" pitchFamily="18" charset="-127"/>
+              <a:ea typeface="배달의민족 주아" pitchFamily="18" charset="-127"/>
+            </a:endParaRPr>
+          </a:p>
+          <a:p>
+            <a:pPr algn="ctr"/>
+            <a:r>
+              <a:rPr lang="ko-KR" altLang="en-US" dirty="0" smtClean="0">
+                <a:latin typeface="배달의민족 주아" pitchFamily="18" charset="-127"/>
+                <a:ea typeface="배달의민족 주아" pitchFamily="18" charset="-127"/>
+              </a:rPr>
+              <a:t>패널 </a:t>
+            </a:r>
+            <a:r>
+              <a:rPr lang="ko-KR" altLang="en-US" dirty="0" err="1" smtClean="0">
+                <a:latin typeface="배달의민족 주아" pitchFamily="18" charset="-127"/>
+                <a:ea typeface="배달의민족 주아" pitchFamily="18" charset="-127"/>
+              </a:rPr>
+              <a:t>쓰레</a:t>
+            </a:r>
+            <a:r>
+              <a:rPr lang="ko-KR" altLang="en-US" dirty="0" err="1">
+                <a:latin typeface="배달의민족 주아" pitchFamily="18" charset="-127"/>
+                <a:ea typeface="배달의민족 주아" pitchFamily="18" charset="-127"/>
+              </a:rPr>
+              <a:t>드</a:t>
+            </a:r>
+            <a:endParaRPr lang="ko-KR" altLang="en-US" dirty="0">
+              <a:latin typeface="배달의민족 주아" pitchFamily="18" charset="-127"/>
+              <a:ea typeface="배달의민족 주아" pitchFamily="18" charset="-127"/>
+            </a:endParaRPr>
+          </a:p>
+        </p:txBody>
+      </p:sp>
+      <p:sp>
+        <p:nvSpPr>
+          <p:cNvPr id="9" name="모서리가 둥근 직사각형 8"/>
+          <p:cNvSpPr/>
+          <p:nvPr/>
+        </p:nvSpPr>
+        <p:spPr>
+          <a:xfrm>
+            <a:off x="4993332" y="2024844"/>
+            <a:ext cx="1728192" cy="648072"/>
+          </a:xfrm>
+          <a:prstGeom prst="roundRect">
+            <a:avLst/>
+          </a:prstGeom>
+        </p:spPr>
+        <p:style>
+          <a:lnRef idx="2">
+            <a:schemeClr val="accent3"/>
+          </a:lnRef>
+          <a:fillRef idx="1">
+            <a:schemeClr val="lt1"/>
+          </a:fillRef>
+          <a:effectRef idx="0">
+            <a:schemeClr val="accent3"/>
+          </a:effectRef>
+          <a:fontRef idx="minor">
+            <a:schemeClr val="dk1"/>
+          </a:fontRef>
+        </p:style>
+        <p:txBody>
+          <a:bodyPr rtlCol="0" anchor="ctr"/>
+          <a:lstStyle/>
+          <a:p>
+            <a:pPr algn="ctr"/>
+            <a:r>
+              <a:rPr lang="en-US" altLang="ko-KR" dirty="0" smtClean="0">
+                <a:latin typeface="배달의민족 주아" pitchFamily="18" charset="-127"/>
+                <a:ea typeface="배달의민족 주아" pitchFamily="18" charset="-127"/>
+              </a:rPr>
+              <a:t>Reader</a:t>
+            </a:r>
+          </a:p>
+          <a:p>
+            <a:pPr algn="ctr"/>
+            <a:r>
+              <a:rPr lang="en-US" altLang="ko-KR" dirty="0" smtClean="0">
+                <a:latin typeface="배달의민족 주아" pitchFamily="18" charset="-127"/>
+                <a:ea typeface="배달의민족 주아" pitchFamily="18" charset="-127"/>
+              </a:rPr>
+              <a:t>Thread</a:t>
+            </a:r>
+            <a:endParaRPr lang="ko-KR" altLang="en-US" dirty="0">
+              <a:latin typeface="배달의민족 주아" pitchFamily="18" charset="-127"/>
+              <a:ea typeface="배달의민족 주아" pitchFamily="18" charset="-127"/>
+            </a:endParaRPr>
+          </a:p>
+        </p:txBody>
+      </p:sp>
+      <p:sp>
+        <p:nvSpPr>
+          <p:cNvPr id="7" name="직사각형 6"/>
+          <p:cNvSpPr/>
+          <p:nvPr/>
+        </p:nvSpPr>
+        <p:spPr>
+          <a:xfrm>
+            <a:off x="2992735" y="3616263"/>
+            <a:ext cx="1944216" cy="864096"/>
+          </a:xfrm>
+          <a:prstGeom prst="rect">
+            <a:avLst/>
+          </a:prstGeom>
+        </p:spPr>
+        <p:style>
+          <a:lnRef idx="2">
+            <a:schemeClr val="accent6">
+              <a:shade val="50000"/>
+            </a:schemeClr>
+          </a:lnRef>
+          <a:fillRef idx="1">
+            <a:schemeClr val="accent6"/>
+          </a:fillRef>
+          <a:effectRef idx="0">
+            <a:schemeClr val="accent6"/>
+          </a:effectRef>
+          <a:fontRef idx="minor">
+            <a:schemeClr val="lt1"/>
+          </a:fontRef>
+        </p:style>
+        <p:txBody>
+          <a:bodyPr rtlCol="0" anchor="ctr"/>
+          <a:lstStyle/>
+          <a:p>
+            <a:pPr algn="ctr"/>
+            <a:r>
+              <a:rPr lang="en-US" altLang="ko-KR" sz="2800" dirty="0" smtClean="0">
+                <a:latin typeface="배달의민족 주아" pitchFamily="18" charset="-127"/>
+                <a:ea typeface="배달의민족 주아" pitchFamily="18" charset="-127"/>
+              </a:rPr>
+              <a:t>Message</a:t>
+            </a:r>
+          </a:p>
+          <a:p>
+            <a:pPr algn="ctr"/>
+            <a:r>
+              <a:rPr lang="en-US" altLang="ko-KR" dirty="0" smtClean="0">
+                <a:solidFill>
+                  <a:schemeClr val="bg1">
+                    <a:lumMod val="95000"/>
+                  </a:schemeClr>
+                </a:solidFill>
+                <a:latin typeface="배달의민족 주아" pitchFamily="18" charset="-127"/>
+                <a:ea typeface="배달의민족 주아" pitchFamily="18" charset="-127"/>
+              </a:rPr>
+              <a:t>Object </a:t>
+            </a:r>
+            <a:r>
+              <a:rPr lang="ko-KR" altLang="en-US" dirty="0" smtClean="0">
+                <a:solidFill>
+                  <a:schemeClr val="bg1">
+                    <a:lumMod val="95000"/>
+                  </a:schemeClr>
+                </a:solidFill>
+                <a:latin typeface="배달의민족 주아" pitchFamily="18" charset="-127"/>
+                <a:ea typeface="배달의민족 주아" pitchFamily="18" charset="-127"/>
+              </a:rPr>
+              <a:t>전달 객체</a:t>
+            </a:r>
+            <a:endParaRPr lang="ko-KR" altLang="en-US" dirty="0">
+              <a:solidFill>
+                <a:schemeClr val="bg1">
+                  <a:lumMod val="95000"/>
+                </a:schemeClr>
+              </a:solidFill>
+              <a:latin typeface="배달의민족 주아" pitchFamily="18" charset="-127"/>
+              <a:ea typeface="배달의민족 주아" pitchFamily="18" charset="-127"/>
+            </a:endParaRPr>
+          </a:p>
+        </p:txBody>
+      </p:sp>
+      <p:sp>
+        <p:nvSpPr>
+          <p:cNvPr id="8" name="직사각형 7"/>
+          <p:cNvSpPr/>
+          <p:nvPr/>
+        </p:nvSpPr>
+        <p:spPr>
+          <a:xfrm>
+            <a:off x="725438" y="5008599"/>
+            <a:ext cx="1728192" cy="1008112"/>
+          </a:xfrm>
+          <a:prstGeom prst="rect">
+            <a:avLst/>
+          </a:prstGeom>
+        </p:spPr>
+        <p:style>
+          <a:lnRef idx="2">
+            <a:schemeClr val="accent1">
+              <a:shade val="50000"/>
+            </a:schemeClr>
+          </a:lnRef>
+          <a:fillRef idx="1">
+            <a:schemeClr val="accent1"/>
+          </a:fillRef>
+          <a:effectRef idx="0">
+            <a:schemeClr val="accent1"/>
+          </a:effectRef>
+          <a:fontRef idx="minor">
+            <a:schemeClr val="lt1"/>
+          </a:fontRef>
+        </p:style>
+        <p:txBody>
+          <a:bodyPr rtlCol="0" anchor="ctr"/>
+          <a:lstStyle/>
+          <a:p>
+            <a:pPr algn="ctr"/>
+            <a:r>
+              <a:rPr lang="ko-KR" altLang="en-US" sz="2800" dirty="0" smtClean="0">
+                <a:latin typeface="배달의민족 주아" pitchFamily="18" charset="-127"/>
+                <a:ea typeface="배달의민족 주아" pitchFamily="18" charset="-127"/>
+              </a:rPr>
+              <a:t>서버</a:t>
+            </a:r>
+            <a:endParaRPr lang="ko-KR" altLang="en-US" sz="2800" dirty="0">
+              <a:latin typeface="배달의민족 주아" pitchFamily="18" charset="-127"/>
+              <a:ea typeface="배달의민족 주아" pitchFamily="18" charset="-127"/>
+            </a:endParaRPr>
+          </a:p>
+        </p:txBody>
+      </p:sp>
+      <p:sp>
+        <p:nvSpPr>
+          <p:cNvPr id="12" name="모서리가 둥근 직사각형 11"/>
+          <p:cNvSpPr/>
+          <p:nvPr/>
+        </p:nvSpPr>
+        <p:spPr>
+          <a:xfrm>
+            <a:off x="3208759" y="5238700"/>
+            <a:ext cx="1728192" cy="648072"/>
+          </a:xfrm>
+          <a:prstGeom prst="roundRect">
+            <a:avLst/>
+          </a:prstGeom>
+        </p:spPr>
+        <p:style>
+          <a:lnRef idx="2">
+            <a:schemeClr val="accent1"/>
+          </a:lnRef>
+          <a:fillRef idx="1">
+            <a:schemeClr val="lt1"/>
+          </a:fillRef>
+          <a:effectRef idx="0">
+            <a:schemeClr val="accent1"/>
+          </a:effectRef>
+          <a:fontRef idx="minor">
+            <a:schemeClr val="dk1"/>
+          </a:fontRef>
+        </p:style>
+        <p:txBody>
+          <a:bodyPr rtlCol="0" anchor="ctr"/>
+          <a:lstStyle/>
+          <a:p>
+            <a:pPr algn="ctr"/>
+            <a:r>
+              <a:rPr lang="ko-KR" altLang="en-US" dirty="0" smtClean="0">
+                <a:latin typeface="배달의민족 주아" pitchFamily="18" charset="-127"/>
+                <a:ea typeface="배달의민족 주아" pitchFamily="18" charset="-127"/>
+              </a:rPr>
+              <a:t>클라이언트 통신 </a:t>
+            </a:r>
+            <a:r>
+              <a:rPr lang="en-US" altLang="ko-KR" dirty="0" smtClean="0">
+                <a:latin typeface="배달의민족 주아" pitchFamily="18" charset="-127"/>
+                <a:ea typeface="배달의민족 주아" pitchFamily="18" charset="-127"/>
+              </a:rPr>
+              <a:t>Com </a:t>
+            </a:r>
+            <a:r>
+              <a:rPr lang="ko-KR" altLang="en-US" dirty="0" smtClean="0">
+                <a:latin typeface="배달의민족 주아" pitchFamily="18" charset="-127"/>
+                <a:ea typeface="배달의민족 주아" pitchFamily="18" charset="-127"/>
+              </a:rPr>
+              <a:t>클래스</a:t>
+            </a:r>
+            <a:endParaRPr lang="ko-KR" altLang="en-US" dirty="0">
+              <a:latin typeface="배달의민족 주아" pitchFamily="18" charset="-127"/>
+              <a:ea typeface="배달의민족 주아" pitchFamily="18" charset="-127"/>
+            </a:endParaRPr>
+          </a:p>
+        </p:txBody>
+      </p:sp>
+      <p:sp>
+        <p:nvSpPr>
+          <p:cNvPr id="13" name="직사각형 12"/>
+          <p:cNvSpPr/>
+          <p:nvPr/>
+        </p:nvSpPr>
+        <p:spPr>
+          <a:xfrm>
+            <a:off x="6588224" y="5373216"/>
+            <a:ext cx="1728192" cy="1008112"/>
+          </a:xfrm>
+          <a:prstGeom prst="rect">
+            <a:avLst/>
+          </a:prstGeom>
+        </p:spPr>
+        <p:style>
+          <a:lnRef idx="2">
+            <a:schemeClr val="accent2">
+              <a:shade val="50000"/>
+            </a:schemeClr>
+          </a:lnRef>
+          <a:fillRef idx="1">
+            <a:schemeClr val="accent2"/>
+          </a:fillRef>
+          <a:effectRef idx="0">
+            <a:schemeClr val="accent2"/>
+          </a:effectRef>
+          <a:fontRef idx="minor">
+            <a:schemeClr val="lt1"/>
+          </a:fontRef>
+        </p:style>
+        <p:txBody>
+          <a:bodyPr rtlCol="0" anchor="ctr"/>
+          <a:lstStyle/>
+          <a:p>
+            <a:pPr algn="ctr"/>
+            <a:r>
+              <a:rPr lang="en-US" altLang="ko-KR" sz="2800" dirty="0" smtClean="0">
+                <a:latin typeface="배달의민족 주아" pitchFamily="18" charset="-127"/>
+                <a:ea typeface="배달의민족 주아" pitchFamily="18" charset="-127"/>
+              </a:rPr>
+              <a:t>DB</a:t>
+            </a:r>
+          </a:p>
+        </p:txBody>
+      </p:sp>
+      <p:sp>
+        <p:nvSpPr>
+          <p:cNvPr id="15" name="직사각형 14"/>
+          <p:cNvSpPr/>
+          <p:nvPr/>
+        </p:nvSpPr>
+        <p:spPr>
+          <a:xfrm>
+            <a:off x="6707621" y="4121621"/>
+            <a:ext cx="1503784" cy="665684"/>
+          </a:xfrm>
+          <a:prstGeom prst="rect">
+            <a:avLst/>
+          </a:prstGeom>
+        </p:spPr>
+        <p:style>
+          <a:lnRef idx="2">
+            <a:schemeClr val="accent5">
+              <a:shade val="50000"/>
+            </a:schemeClr>
+          </a:lnRef>
+          <a:fillRef idx="1">
+            <a:schemeClr val="accent5"/>
+          </a:fillRef>
+          <a:effectRef idx="0">
+            <a:schemeClr val="accent5"/>
+          </a:effectRef>
+          <a:fontRef idx="minor">
+            <a:schemeClr val="lt1"/>
+          </a:fontRef>
+        </p:style>
+        <p:txBody>
+          <a:bodyPr rtlCol="0" anchor="ctr"/>
+          <a:lstStyle/>
+          <a:p>
+            <a:pPr algn="ctr"/>
+            <a:r>
+              <a:rPr lang="en-US" altLang="ko-KR" sz="3200" dirty="0" smtClean="0">
+                <a:solidFill>
+                  <a:schemeClr val="bg1">
+                    <a:lumMod val="95000"/>
+                  </a:schemeClr>
+                </a:solidFill>
+                <a:latin typeface="배달의민족 주아" pitchFamily="18" charset="-127"/>
+                <a:ea typeface="배달의민족 주아" pitchFamily="18" charset="-127"/>
+              </a:rPr>
+              <a:t>DAO</a:t>
+            </a:r>
+            <a:endParaRPr lang="ko-KR" altLang="en-US" sz="3200" dirty="0">
+              <a:solidFill>
+                <a:schemeClr val="bg1">
+                  <a:lumMod val="95000"/>
+                </a:schemeClr>
+              </a:solidFill>
+              <a:latin typeface="배달의민족 주아" pitchFamily="18" charset="-127"/>
+              <a:ea typeface="배달의민족 주아" pitchFamily="18" charset="-127"/>
+            </a:endParaRPr>
+          </a:p>
+        </p:txBody>
+      </p:sp>
+      <p:cxnSp>
+        <p:nvCxnSpPr>
+          <p:cNvPr id="11" name="직선 화살표 연결선 10"/>
+          <p:cNvCxnSpPr>
+            <a:stCxn id="15" idx="2"/>
+            <a:endCxn id="13" idx="0"/>
+          </p:cNvCxnSpPr>
+          <p:nvPr/>
+        </p:nvCxnSpPr>
+        <p:spPr>
+          <a:xfrm flipH="1">
+            <a:off x="7452320" y="4787305"/>
+            <a:ext cx="7193" cy="585911"/>
+          </a:xfrm>
+          <a:prstGeom prst="straightConnector1">
+            <a:avLst/>
+          </a:prstGeom>
+          <a:ln>
+            <a:headEnd type="arrow"/>
+            <a:tailEnd type="arrow"/>
+          </a:ln>
+        </p:spPr>
+        <p:style>
+          <a:lnRef idx="2">
+            <a:schemeClr val="accent5"/>
+          </a:lnRef>
+          <a:fillRef idx="0">
+            <a:schemeClr val="accent5"/>
+          </a:fillRef>
+          <a:effectRef idx="1">
+            <a:schemeClr val="accent5"/>
+          </a:effectRef>
+          <a:fontRef idx="minor">
+            <a:schemeClr val="tx1"/>
+          </a:fontRef>
+        </p:style>
+      </p:cxnSp>
+      <p:cxnSp>
+        <p:nvCxnSpPr>
+          <p:cNvPr id="2067" name="직선 화살표 연결선 2066"/>
+          <p:cNvCxnSpPr>
+            <a:stCxn id="7" idx="2"/>
+          </p:cNvCxnSpPr>
+          <p:nvPr/>
+        </p:nvCxnSpPr>
+        <p:spPr>
+          <a:xfrm>
+            <a:off x="3964843" y="4480359"/>
+            <a:ext cx="0" cy="758341"/>
+          </a:xfrm>
+          <a:prstGeom prst="straightConnector1">
+            <a:avLst/>
+          </a:prstGeom>
+          <a:ln w="28575">
+            <a:tailEnd type="arrow"/>
+          </a:ln>
+        </p:spPr>
+        <p:style>
+          <a:lnRef idx="1">
+            <a:schemeClr val="accent6"/>
+          </a:lnRef>
+          <a:fillRef idx="0">
+            <a:schemeClr val="accent6"/>
+          </a:fillRef>
+          <a:effectRef idx="0">
+            <a:schemeClr val="accent6"/>
+          </a:effectRef>
+          <a:fontRef idx="minor">
+            <a:schemeClr val="tx1"/>
+          </a:fontRef>
+        </p:style>
+      </p:cxnSp>
+      <p:cxnSp>
+        <p:nvCxnSpPr>
+          <p:cNvPr id="2069" name="직선 화살표 연결선 2068"/>
+          <p:cNvCxnSpPr/>
+          <p:nvPr/>
+        </p:nvCxnSpPr>
+        <p:spPr>
+          <a:xfrm>
+            <a:off x="2225874" y="5592452"/>
+            <a:ext cx="970930" cy="0"/>
+          </a:xfrm>
+          <a:prstGeom prst="straightConnector1">
+            <a:avLst/>
+          </a:prstGeom>
+          <a:ln w="28575">
+            <a:headEnd type="arrow"/>
+            <a:tailEnd type="arrow"/>
+          </a:ln>
+        </p:spPr>
+        <p:style>
+          <a:lnRef idx="1">
+            <a:schemeClr val="accent1"/>
+          </a:lnRef>
+          <a:fillRef idx="0">
+            <a:schemeClr val="accent1"/>
+          </a:fillRef>
+          <a:effectRef idx="0">
+            <a:schemeClr val="accent1"/>
+          </a:effectRef>
+          <a:fontRef idx="minor">
+            <a:schemeClr val="tx1"/>
+          </a:fontRef>
+        </p:style>
+      </p:cxnSp>
+      <p:cxnSp>
+        <p:nvCxnSpPr>
+          <p:cNvPr id="57" name="직선 화살표 연결선 56"/>
+          <p:cNvCxnSpPr>
+            <a:stCxn id="12" idx="3"/>
+            <a:endCxn id="15" idx="1"/>
+          </p:cNvCxnSpPr>
+          <p:nvPr/>
+        </p:nvCxnSpPr>
+        <p:spPr>
+          <a:xfrm flipV="1">
+            <a:off x="4936951" y="4454463"/>
+            <a:ext cx="1770670" cy="1108273"/>
+          </a:xfrm>
+          <a:prstGeom prst="straightConnector1">
+            <a:avLst/>
+          </a:prstGeom>
+          <a:ln w="28575">
+            <a:headEnd type="arrow"/>
+            <a:tailEnd type="arrow"/>
+          </a:ln>
+        </p:spPr>
+        <p:style>
+          <a:lnRef idx="1">
+            <a:schemeClr val="accent1"/>
+          </a:lnRef>
+          <a:fillRef idx="0">
+            <a:schemeClr val="accent1"/>
+          </a:fillRef>
+          <a:effectRef idx="0">
+            <a:schemeClr val="accent1"/>
+          </a:effectRef>
+          <a:fontRef idx="minor">
+            <a:schemeClr val="tx1"/>
+          </a:fontRef>
+        </p:style>
+      </p:cxnSp>
+      <p:cxnSp>
+        <p:nvCxnSpPr>
+          <p:cNvPr id="2076" name="직선 화살표 연결선 2075"/>
+          <p:cNvCxnSpPr>
+            <a:endCxn id="7" idx="0"/>
+          </p:cNvCxnSpPr>
+          <p:nvPr/>
+        </p:nvCxnSpPr>
+        <p:spPr>
+          <a:xfrm>
+            <a:off x="3964843" y="2960948"/>
+            <a:ext cx="0" cy="655315"/>
+          </a:xfrm>
+          <a:prstGeom prst="straightConnector1">
+            <a:avLst/>
+          </a:prstGeom>
+          <a:ln w="28575">
+            <a:headEnd type="arrow"/>
+            <a:tailEnd type="arrow"/>
+          </a:ln>
+        </p:spPr>
+        <p:style>
+          <a:lnRef idx="1">
+            <a:schemeClr val="accent3"/>
+          </a:lnRef>
+          <a:fillRef idx="0">
+            <a:schemeClr val="accent3"/>
+          </a:fillRef>
+          <a:effectRef idx="0">
+            <a:schemeClr val="accent3"/>
+          </a:effectRef>
+          <a:fontRef idx="minor">
+            <a:schemeClr val="tx1"/>
+          </a:fontRef>
+        </p:style>
+      </p:cxnSp>
     </p:spTree>
     <p:extLst>
       <p:ext uri="{BB962C8B-B14F-4D97-AF65-F5344CB8AC3E}">
@@ -3991,120 +4747,6 @@
 </file>
 
 <file path=ppt/slides/slide13.xml><?xml version="1.0" encoding="utf-8"?>
-<p:sld xmlns:a="http://schemas.openxmlformats.org/drawingml/2006/main" xmlns:r="http://schemas.openxmlformats.org/officeDocument/2006/relationships" xmlns:p="http://schemas.openxmlformats.org/presentationml/2006/main">
-  <p:cSld>
-    <p:spTree>
-      <p:nvGrpSpPr>
-        <p:cNvPr id="1" name=""/>
-        <p:cNvGrpSpPr/>
-        <p:nvPr/>
-      </p:nvGrpSpPr>
-      <p:grpSpPr>
-        <a:xfrm>
-          <a:off x="0" y="0"/>
-          <a:ext cx="0" cy="0"/>
-          <a:chOff x="0" y="0"/>
-          <a:chExt cx="0" cy="0"/>
-        </a:xfrm>
-      </p:grpSpPr>
-      <p:sp>
-        <p:nvSpPr>
-          <p:cNvPr id="2" name="제목 1"/>
-          <p:cNvSpPr>
-            <a:spLocks noGrp="1"/>
-          </p:cNvSpPr>
-          <p:nvPr>
-            <p:ph type="title"/>
-          </p:nvPr>
-        </p:nvSpPr>
-        <p:spPr>
-          <a:xfrm>
-            <a:off x="457200" y="152718"/>
-            <a:ext cx="6347048" cy="1371600"/>
-          </a:xfrm>
-        </p:spPr>
-        <p:txBody>
-          <a:bodyPr/>
-          <a:lstStyle/>
-          <a:p>
-            <a:r>
-              <a:rPr lang="ko-KR" altLang="en-US" dirty="0" smtClean="0"/>
-              <a:t>주요기능 </a:t>
-            </a:r>
-            <a:r>
-              <a:rPr lang="en-US" altLang="ko-KR" dirty="0" smtClean="0"/>
-              <a:t>– VALUE </a:t>
-            </a:r>
-            <a:r>
-              <a:rPr lang="ko-KR" altLang="en-US" dirty="0" smtClean="0"/>
-              <a:t>전달</a:t>
-            </a:r>
-            <a:endParaRPr lang="ko-KR" altLang="en-US" dirty="0"/>
-          </a:p>
-        </p:txBody>
-      </p:sp>
-      <p:sp>
-        <p:nvSpPr>
-          <p:cNvPr id="3" name="내용 개체 틀 2"/>
-          <p:cNvSpPr>
-            <a:spLocks noGrp="1"/>
-          </p:cNvSpPr>
-          <p:nvPr>
-            <p:ph idx="1"/>
-          </p:nvPr>
-        </p:nvSpPr>
-        <p:spPr/>
-        <p:txBody>
-          <a:bodyPr/>
-          <a:lstStyle/>
-          <a:p>
-            <a:r>
-              <a:rPr lang="en-US" altLang="ko-KR" dirty="0" smtClean="0"/>
-              <a:t>MESSAGE</a:t>
-            </a:r>
-            <a:r>
-              <a:rPr lang="ko-KR" altLang="en-US" dirty="0" smtClean="0"/>
-              <a:t> 객체를 이용하여 네트워크 상의 값을 전달</a:t>
-            </a:r>
-            <a:endParaRPr lang="en-US" altLang="ko-KR" dirty="0" smtClean="0"/>
-          </a:p>
-          <a:p>
-            <a:r>
-              <a:rPr lang="en-US" altLang="ko-KR" dirty="0" smtClean="0"/>
-              <a:t>MESSAGE</a:t>
-            </a:r>
-            <a:r>
-              <a:rPr lang="ko-KR" altLang="en-US" dirty="0" smtClean="0"/>
-              <a:t> 타</a:t>
-            </a:r>
-            <a:r>
-              <a:rPr lang="ko-KR" altLang="en-US" dirty="0"/>
-              <a:t>입</a:t>
-            </a:r>
-          </a:p>
-        </p:txBody>
-      </p:sp>
-    </p:spTree>
-    <p:extLst>
-      <p:ext uri="{BB962C8B-B14F-4D97-AF65-F5344CB8AC3E}">
-        <p14:creationId xmlns:p14="http://schemas.microsoft.com/office/powerpoint/2010/main" val="2097562814"/>
-      </p:ext>
-    </p:extLst>
-  </p:cSld>
-  <p:clrMapOvr>
-    <a:masterClrMapping/>
-  </p:clrMapOvr>
-  <p:timing>
-    <p:tnLst>
-      <p:par>
-        <p:cTn id="1" dur="indefinite" restart="never" nodeType="tmRoot"/>
-      </p:par>
-    </p:tnLst>
-  </p:timing>
-</p:sld>
-</file>
-
-<file path=ppt/slides/slide14.xml><?xml version="1.0" encoding="utf-8"?>
 <p:sld xmlns:a="http://schemas.openxmlformats.org/drawingml/2006/main" xmlns:r="http://schemas.openxmlformats.org/officeDocument/2006/relationships" xmlns:p="http://schemas.openxmlformats.org/presentationml/2006/main" show="0">
   <p:cSld>
     <p:spTree>
@@ -4206,7 +4848,7 @@
 </p:sld>
 </file>
 
-<file path=ppt/slides/slide15.xml><?xml version="1.0" encoding="utf-8"?>
+<file path=ppt/slides/slide14.xml><?xml version="1.0" encoding="utf-8"?>
 <p:sld xmlns:a="http://schemas.openxmlformats.org/drawingml/2006/main" xmlns:r="http://schemas.openxmlformats.org/officeDocument/2006/relationships" xmlns:p="http://schemas.openxmlformats.org/presentationml/2006/main" show="0">
   <p:cSld>
     <p:spTree>
@@ -4293,7 +4935,7 @@
 </p:sld>
 </file>
 
-<file path=ppt/slides/slide16.xml><?xml version="1.0" encoding="utf-8"?>
+<file path=ppt/slides/slide15.xml><?xml version="1.0" encoding="utf-8"?>
 <p:sld xmlns:a="http://schemas.openxmlformats.org/drawingml/2006/main" xmlns:r="http://schemas.openxmlformats.org/officeDocument/2006/relationships" xmlns:p="http://schemas.openxmlformats.org/presentationml/2006/main">
   <p:cSld>
     <p:spTree>
@@ -4326,10 +4968,10 @@
           <a:lstStyle/>
           <a:p>
             <a:r>
-              <a:rPr lang="ko-KR" altLang="en-US" smtClean="0"/>
-              <a:t>핵심소스구현</a:t>
-            </a:r>
-            <a:endParaRPr lang="ko-KR" altLang="en-US"/>
+              <a:rPr lang="ko-KR" altLang="en-US" dirty="0" smtClean="0"/>
+              <a:t>핵심구현내용</a:t>
+            </a:r>
+            <a:endParaRPr lang="ko-KR" altLang="en-US" dirty="0"/>
           </a:p>
         </p:txBody>
       </p:sp>
@@ -4365,7 +5007,7 @@
 </p:sld>
 </file>
 
-<file path=ppt/slides/slide17.xml><?xml version="1.0" encoding="utf-8"?>
+<file path=ppt/slides/slide16.xml><?xml version="1.0" encoding="utf-8"?>
 <p:sld xmlns:a="http://schemas.openxmlformats.org/drawingml/2006/main" xmlns:r="http://schemas.openxmlformats.org/officeDocument/2006/relationships" xmlns:p="http://schemas.openxmlformats.org/presentationml/2006/main">
   <p:cSld>
     <p:spTree>
@@ -4511,7 +5153,7 @@
 </p:sld>
 </file>
 
-<file path=ppt/slides/slide18.xml><?xml version="1.0" encoding="utf-8"?>
+<file path=ppt/slides/slide17.xml><?xml version="1.0" encoding="utf-8"?>
 <p:sld xmlns:a="http://schemas.openxmlformats.org/drawingml/2006/main" xmlns:r="http://schemas.openxmlformats.org/officeDocument/2006/relationships" xmlns:p="http://schemas.openxmlformats.org/presentationml/2006/main">
   <p:cSld>
     <p:spTree>
@@ -4703,6 +5345,96 @@
 </p:sld>
 </file>
 
+<file path=ppt/slides/slide18.xml><?xml version="1.0" encoding="utf-8"?>
+<p:sld xmlns:a="http://schemas.openxmlformats.org/drawingml/2006/main" xmlns:r="http://schemas.openxmlformats.org/officeDocument/2006/relationships" xmlns:p="http://schemas.openxmlformats.org/presentationml/2006/main">
+  <p:cSld>
+    <p:spTree>
+      <p:nvGrpSpPr>
+        <p:cNvPr id="1" name=""/>
+        <p:cNvGrpSpPr/>
+        <p:nvPr/>
+      </p:nvGrpSpPr>
+      <p:grpSpPr>
+        <a:xfrm>
+          <a:off x="0" y="0"/>
+          <a:ext cx="0" cy="0"/>
+          <a:chOff x="0" y="0"/>
+          <a:chExt cx="0" cy="0"/>
+        </a:xfrm>
+      </p:grpSpPr>
+      <p:sp>
+        <p:nvSpPr>
+          <p:cNvPr id="2" name="제목 1"/>
+          <p:cNvSpPr>
+            <a:spLocks noGrp="1"/>
+          </p:cNvSpPr>
+          <p:nvPr>
+            <p:ph type="title"/>
+          </p:nvPr>
+        </p:nvSpPr>
+        <p:spPr/>
+        <p:txBody>
+          <a:bodyPr/>
+          <a:lstStyle/>
+          <a:p>
+            <a:r>
+              <a:rPr lang="ko-KR" altLang="en-US" dirty="0" smtClean="0"/>
+              <a:t>소감</a:t>
+            </a:r>
+            <a:endParaRPr lang="ko-KR" altLang="en-US" dirty="0"/>
+          </a:p>
+        </p:txBody>
+      </p:sp>
+      <p:sp>
+        <p:nvSpPr>
+          <p:cNvPr id="3" name="내용 개체 틀 2"/>
+          <p:cNvSpPr>
+            <a:spLocks noGrp="1"/>
+          </p:cNvSpPr>
+          <p:nvPr>
+            <p:ph idx="1"/>
+          </p:nvPr>
+        </p:nvSpPr>
+        <p:spPr/>
+        <p:txBody>
+          <a:bodyPr/>
+          <a:lstStyle/>
+          <a:p>
+            <a:r>
+              <a:rPr lang="ko-KR" altLang="en-US" dirty="0" smtClean="0"/>
+              <a:t>에러와의 지속되는 싸움으로 지쳤지만 뭐가 하나 구현될 때마다 카타르시스를 느꼈습니다</a:t>
+            </a:r>
+            <a:r>
+              <a:rPr lang="en-US" altLang="ko-KR" dirty="0" smtClean="0"/>
+              <a:t>.</a:t>
+            </a:r>
+          </a:p>
+          <a:p>
+            <a:r>
+              <a:rPr lang="ko-KR" altLang="en-US" dirty="0" smtClean="0"/>
+              <a:t>건강관리를 잘 해야겠습니다</a:t>
+            </a:r>
+            <a:r>
+              <a:rPr lang="en-US" altLang="ko-KR" dirty="0" smtClean="0"/>
+              <a:t>.</a:t>
+            </a:r>
+            <a:endParaRPr lang="ko-KR" altLang="en-US" dirty="0"/>
+          </a:p>
+        </p:txBody>
+      </p:sp>
+    </p:spTree>
+    <p:extLst>
+      <p:ext uri="{BB962C8B-B14F-4D97-AF65-F5344CB8AC3E}">
+        <p14:creationId xmlns:p14="http://schemas.microsoft.com/office/powerpoint/2010/main" val="367682305"/>
+      </p:ext>
+    </p:extLst>
+  </p:cSld>
+  <p:clrMapOvr>
+    <a:masterClrMapping/>
+  </p:clrMapOvr>
+</p:sld>
+</file>
+
 <file path=ppt/slides/slide19.xml><?xml version="1.0" encoding="utf-8"?>
 <p:sld xmlns:a="http://schemas.openxmlformats.org/drawingml/2006/main" xmlns:r="http://schemas.openxmlformats.org/officeDocument/2006/relationships" xmlns:p="http://schemas.openxmlformats.org/presentationml/2006/main">
   <p:cSld>
@@ -4736,8 +5468,8 @@
           <a:lstStyle/>
           <a:p>
             <a:r>
-              <a:rPr lang="ko-KR" altLang="en-US" dirty="0" smtClean="0"/>
-              <a:t>소감</a:t>
+              <a:rPr lang="en-US" altLang="ko-KR" dirty="0" smtClean="0"/>
+              <a:t>Special thanks to:</a:t>
             </a:r>
             <a:endParaRPr lang="ko-KR" altLang="en-US" dirty="0"/>
           </a:p>
@@ -4762,10 +5494,458 @@
           </a:p>
         </p:txBody>
       </p:sp>
+      <p:pic>
+        <p:nvPicPr>
+          <p:cNvPr id="3074" name="Picture 2"/>
+          <p:cNvPicPr>
+            <a:picLocks noChangeAspect="1" noChangeArrowheads="1"/>
+          </p:cNvPicPr>
+          <p:nvPr/>
+        </p:nvPicPr>
+        <p:blipFill>
+          <a:blip r:embed="rId2">
+            <a:extLst>
+              <a:ext uri="{28A0092B-C50C-407E-A947-70E740481C1C}">
+                <a14:useLocalDpi xmlns:a14="http://schemas.microsoft.com/office/drawing/2010/main" val="0"/>
+              </a:ext>
+            </a:extLst>
+          </a:blip>
+          <a:srcRect/>
+          <a:stretch>
+            <a:fillRect/>
+          </a:stretch>
+        </p:blipFill>
+        <p:spPr bwMode="auto">
+          <a:xfrm>
+            <a:off x="485875" y="1556792"/>
+            <a:ext cx="6263672" cy="1512168"/>
+          </a:xfrm>
+          <a:prstGeom prst="rect">
+            <a:avLst/>
+          </a:prstGeom>
+          <a:noFill/>
+          <a:ln>
+            <a:noFill/>
+          </a:ln>
+          <a:effectLst/>
+          <a:extLst>
+            <a:ext uri="{909E8E84-426E-40DD-AFC4-6F175D3DCCD1}">
+              <a14:hiddenFill xmlns:a14="http://schemas.microsoft.com/office/drawing/2010/main">
+                <a:solidFill>
+                  <a:schemeClr val="accent1"/>
+                </a:solidFill>
+              </a14:hiddenFill>
+            </a:ext>
+            <a:ext uri="{91240B29-F687-4F45-9708-019B960494DF}">
+              <a14:hiddenLine xmlns:a14="http://schemas.microsoft.com/office/drawing/2010/main" w="9525">
+                <a:solidFill>
+                  <a:schemeClr val="tx1"/>
+                </a:solidFill>
+                <a:miter lim="800000"/>
+                <a:headEnd/>
+                <a:tailEnd/>
+              </a14:hiddenLine>
+            </a:ext>
+            <a:ext uri="{AF507438-7753-43E0-B8FC-AC1667EBCBE1}">
+              <a14:hiddenEffects xmlns:a14="http://schemas.microsoft.com/office/drawing/2010/main">
+                <a:effectLst>
+                  <a:outerShdw dist="35921" dir="2700000" algn="ctr" rotWithShape="0">
+                    <a:schemeClr val="bg2"/>
+                  </a:outerShdw>
+                </a:effectLst>
+              </a14:hiddenEffects>
+            </a:ext>
+          </a:extLst>
+        </p:spPr>
+      </p:pic>
+      <p:pic>
+        <p:nvPicPr>
+          <p:cNvPr id="3075" name="Picture 3"/>
+          <p:cNvPicPr>
+            <a:picLocks noChangeAspect="1" noChangeArrowheads="1"/>
+          </p:cNvPicPr>
+          <p:nvPr/>
+        </p:nvPicPr>
+        <p:blipFill>
+          <a:blip r:embed="rId3">
+            <a:extLst>
+              <a:ext uri="{28A0092B-C50C-407E-A947-70E740481C1C}">
+                <a14:useLocalDpi xmlns:a14="http://schemas.microsoft.com/office/drawing/2010/main" val="0"/>
+              </a:ext>
+            </a:extLst>
+          </a:blip>
+          <a:srcRect/>
+          <a:stretch>
+            <a:fillRect/>
+          </a:stretch>
+        </p:blipFill>
+        <p:spPr bwMode="auto">
+          <a:xfrm>
+            <a:off x="485875" y="3068960"/>
+            <a:ext cx="6726138" cy="581176"/>
+          </a:xfrm>
+          <a:prstGeom prst="rect">
+            <a:avLst/>
+          </a:prstGeom>
+          <a:noFill/>
+          <a:ln>
+            <a:noFill/>
+          </a:ln>
+          <a:effectLst/>
+          <a:extLst>
+            <a:ext uri="{909E8E84-426E-40DD-AFC4-6F175D3DCCD1}">
+              <a14:hiddenFill xmlns:a14="http://schemas.microsoft.com/office/drawing/2010/main">
+                <a:solidFill>
+                  <a:schemeClr val="accent1"/>
+                </a:solidFill>
+              </a14:hiddenFill>
+            </a:ext>
+            <a:ext uri="{91240B29-F687-4F45-9708-019B960494DF}">
+              <a14:hiddenLine xmlns:a14="http://schemas.microsoft.com/office/drawing/2010/main" w="9525">
+                <a:solidFill>
+                  <a:schemeClr val="tx1"/>
+                </a:solidFill>
+                <a:miter lim="800000"/>
+                <a:headEnd/>
+                <a:tailEnd/>
+              </a14:hiddenLine>
+            </a:ext>
+            <a:ext uri="{AF507438-7753-43E0-B8FC-AC1667EBCBE1}">
+              <a14:hiddenEffects xmlns:a14="http://schemas.microsoft.com/office/drawing/2010/main">
+                <a:effectLst>
+                  <a:outerShdw dist="35921" dir="2700000" algn="ctr" rotWithShape="0">
+                    <a:schemeClr val="bg2"/>
+                  </a:outerShdw>
+                </a:effectLst>
+              </a14:hiddenEffects>
+            </a:ext>
+          </a:extLst>
+        </p:spPr>
+      </p:pic>
+      <p:pic>
+        <p:nvPicPr>
+          <p:cNvPr id="3076" name="Picture 4"/>
+          <p:cNvPicPr>
+            <a:picLocks noChangeAspect="1" noChangeArrowheads="1"/>
+          </p:cNvPicPr>
+          <p:nvPr/>
+        </p:nvPicPr>
+        <p:blipFill>
+          <a:blip r:embed="rId4">
+            <a:extLst>
+              <a:ext uri="{28A0092B-C50C-407E-A947-70E740481C1C}">
+                <a14:useLocalDpi xmlns:a14="http://schemas.microsoft.com/office/drawing/2010/main" val="0"/>
+              </a:ext>
+            </a:extLst>
+          </a:blip>
+          <a:srcRect/>
+          <a:stretch>
+            <a:fillRect/>
+          </a:stretch>
+        </p:blipFill>
+        <p:spPr bwMode="auto">
+          <a:xfrm>
+            <a:off x="485875" y="3635629"/>
+            <a:ext cx="5616624" cy="509178"/>
+          </a:xfrm>
+          <a:prstGeom prst="rect">
+            <a:avLst/>
+          </a:prstGeom>
+          <a:noFill/>
+          <a:ln>
+            <a:noFill/>
+          </a:ln>
+          <a:effectLst/>
+          <a:extLst>
+            <a:ext uri="{909E8E84-426E-40DD-AFC4-6F175D3DCCD1}">
+              <a14:hiddenFill xmlns:a14="http://schemas.microsoft.com/office/drawing/2010/main">
+                <a:solidFill>
+                  <a:schemeClr val="accent1"/>
+                </a:solidFill>
+              </a14:hiddenFill>
+            </a:ext>
+            <a:ext uri="{91240B29-F687-4F45-9708-019B960494DF}">
+              <a14:hiddenLine xmlns:a14="http://schemas.microsoft.com/office/drawing/2010/main" w="9525">
+                <a:solidFill>
+                  <a:schemeClr val="tx1"/>
+                </a:solidFill>
+                <a:miter lim="800000"/>
+                <a:headEnd/>
+                <a:tailEnd/>
+              </a14:hiddenLine>
+            </a:ext>
+            <a:ext uri="{AF507438-7753-43E0-B8FC-AC1667EBCBE1}">
+              <a14:hiddenEffects xmlns:a14="http://schemas.microsoft.com/office/drawing/2010/main">
+                <a:effectLst>
+                  <a:outerShdw dist="35921" dir="2700000" algn="ctr" rotWithShape="0">
+                    <a:schemeClr val="bg2"/>
+                  </a:outerShdw>
+                </a:effectLst>
+              </a14:hiddenEffects>
+            </a:ext>
+          </a:extLst>
+        </p:spPr>
+      </p:pic>
+      <p:pic>
+        <p:nvPicPr>
+          <p:cNvPr id="3077" name="Picture 5"/>
+          <p:cNvPicPr>
+            <a:picLocks noChangeAspect="1" noChangeArrowheads="1"/>
+          </p:cNvPicPr>
+          <p:nvPr/>
+        </p:nvPicPr>
+        <p:blipFill>
+          <a:blip r:embed="rId5">
+            <a:extLst>
+              <a:ext uri="{28A0092B-C50C-407E-A947-70E740481C1C}">
+                <a14:useLocalDpi xmlns:a14="http://schemas.microsoft.com/office/drawing/2010/main" val="0"/>
+              </a:ext>
+            </a:extLst>
+          </a:blip>
+          <a:srcRect/>
+          <a:stretch>
+            <a:fillRect/>
+          </a:stretch>
+        </p:blipFill>
+        <p:spPr bwMode="auto">
+          <a:xfrm>
+            <a:off x="485875" y="4145551"/>
+            <a:ext cx="6263672" cy="490138"/>
+          </a:xfrm>
+          <a:prstGeom prst="rect">
+            <a:avLst/>
+          </a:prstGeom>
+          <a:noFill/>
+          <a:ln>
+            <a:noFill/>
+          </a:ln>
+          <a:effectLst/>
+          <a:extLst>
+            <a:ext uri="{909E8E84-426E-40DD-AFC4-6F175D3DCCD1}">
+              <a14:hiddenFill xmlns:a14="http://schemas.microsoft.com/office/drawing/2010/main">
+                <a:solidFill>
+                  <a:schemeClr val="accent1"/>
+                </a:solidFill>
+              </a14:hiddenFill>
+            </a:ext>
+            <a:ext uri="{91240B29-F687-4F45-9708-019B960494DF}">
+              <a14:hiddenLine xmlns:a14="http://schemas.microsoft.com/office/drawing/2010/main" w="9525">
+                <a:solidFill>
+                  <a:schemeClr val="tx1"/>
+                </a:solidFill>
+                <a:miter lim="800000"/>
+                <a:headEnd/>
+                <a:tailEnd/>
+              </a14:hiddenLine>
+            </a:ext>
+            <a:ext uri="{AF507438-7753-43E0-B8FC-AC1667EBCBE1}">
+              <a14:hiddenEffects xmlns:a14="http://schemas.microsoft.com/office/drawing/2010/main">
+                <a:effectLst>
+                  <a:outerShdw dist="35921" dir="2700000" algn="ctr" rotWithShape="0">
+                    <a:schemeClr val="bg2"/>
+                  </a:outerShdw>
+                </a:effectLst>
+              </a14:hiddenEffects>
+            </a:ext>
+          </a:extLst>
+        </p:spPr>
+      </p:pic>
+      <p:pic>
+        <p:nvPicPr>
+          <p:cNvPr id="3078" name="Picture 6"/>
+          <p:cNvPicPr>
+            <a:picLocks noChangeAspect="1" noChangeArrowheads="1"/>
+          </p:cNvPicPr>
+          <p:nvPr/>
+        </p:nvPicPr>
+        <p:blipFill>
+          <a:blip r:embed="rId6">
+            <a:extLst>
+              <a:ext uri="{28A0092B-C50C-407E-A947-70E740481C1C}">
+                <a14:useLocalDpi xmlns:a14="http://schemas.microsoft.com/office/drawing/2010/main" val="0"/>
+              </a:ext>
+            </a:extLst>
+          </a:blip>
+          <a:srcRect/>
+          <a:stretch>
+            <a:fillRect/>
+          </a:stretch>
+        </p:blipFill>
+        <p:spPr bwMode="auto">
+          <a:xfrm>
+            <a:off x="485875" y="4635689"/>
+            <a:ext cx="5184575" cy="613368"/>
+          </a:xfrm>
+          <a:prstGeom prst="rect">
+            <a:avLst/>
+          </a:prstGeom>
+          <a:noFill/>
+          <a:ln>
+            <a:noFill/>
+          </a:ln>
+          <a:effectLst/>
+          <a:extLst>
+            <a:ext uri="{909E8E84-426E-40DD-AFC4-6F175D3DCCD1}">
+              <a14:hiddenFill xmlns:a14="http://schemas.microsoft.com/office/drawing/2010/main">
+                <a:solidFill>
+                  <a:schemeClr val="accent1"/>
+                </a:solidFill>
+              </a14:hiddenFill>
+            </a:ext>
+            <a:ext uri="{91240B29-F687-4F45-9708-019B960494DF}">
+              <a14:hiddenLine xmlns:a14="http://schemas.microsoft.com/office/drawing/2010/main" w="9525">
+                <a:solidFill>
+                  <a:schemeClr val="tx1"/>
+                </a:solidFill>
+                <a:miter lim="800000"/>
+                <a:headEnd/>
+                <a:tailEnd/>
+              </a14:hiddenLine>
+            </a:ext>
+            <a:ext uri="{AF507438-7753-43E0-B8FC-AC1667EBCBE1}">
+              <a14:hiddenEffects xmlns:a14="http://schemas.microsoft.com/office/drawing/2010/main">
+                <a:effectLst>
+                  <a:outerShdw dist="35921" dir="2700000" algn="ctr" rotWithShape="0">
+                    <a:schemeClr val="bg2"/>
+                  </a:outerShdw>
+                </a:effectLst>
+              </a14:hiddenEffects>
+            </a:ext>
+          </a:extLst>
+        </p:spPr>
+      </p:pic>
+      <p:pic>
+        <p:nvPicPr>
+          <p:cNvPr id="3079" name="Picture 7"/>
+          <p:cNvPicPr>
+            <a:picLocks noChangeAspect="1" noChangeArrowheads="1"/>
+          </p:cNvPicPr>
+          <p:nvPr/>
+        </p:nvPicPr>
+        <p:blipFill>
+          <a:blip r:embed="rId7">
+            <a:extLst>
+              <a:ext uri="{28A0092B-C50C-407E-A947-70E740481C1C}">
+                <a14:useLocalDpi xmlns:a14="http://schemas.microsoft.com/office/drawing/2010/main" val="0"/>
+              </a:ext>
+            </a:extLst>
+          </a:blip>
+          <a:srcRect/>
+          <a:stretch>
+            <a:fillRect/>
+          </a:stretch>
+        </p:blipFill>
+        <p:spPr bwMode="auto">
+          <a:xfrm>
+            <a:off x="485875" y="5244334"/>
+            <a:ext cx="5184576" cy="511039"/>
+          </a:xfrm>
+          <a:prstGeom prst="rect">
+            <a:avLst/>
+          </a:prstGeom>
+          <a:noFill/>
+          <a:ln>
+            <a:noFill/>
+          </a:ln>
+          <a:effectLst/>
+          <a:extLst>
+            <a:ext uri="{909E8E84-426E-40DD-AFC4-6F175D3DCCD1}">
+              <a14:hiddenFill xmlns:a14="http://schemas.microsoft.com/office/drawing/2010/main">
+                <a:solidFill>
+                  <a:schemeClr val="accent1"/>
+                </a:solidFill>
+              </a14:hiddenFill>
+            </a:ext>
+            <a:ext uri="{91240B29-F687-4F45-9708-019B960494DF}">
+              <a14:hiddenLine xmlns:a14="http://schemas.microsoft.com/office/drawing/2010/main" w="9525">
+                <a:solidFill>
+                  <a:schemeClr val="tx1"/>
+                </a:solidFill>
+                <a:miter lim="800000"/>
+                <a:headEnd/>
+                <a:tailEnd/>
+              </a14:hiddenLine>
+            </a:ext>
+            <a:ext uri="{AF507438-7753-43E0-B8FC-AC1667EBCBE1}">
+              <a14:hiddenEffects xmlns:a14="http://schemas.microsoft.com/office/drawing/2010/main">
+                <a:effectLst>
+                  <a:outerShdw dist="35921" dir="2700000" algn="ctr" rotWithShape="0">
+                    <a:schemeClr val="bg2"/>
+                  </a:outerShdw>
+                </a:effectLst>
+              </a14:hiddenEffects>
+            </a:ext>
+          </a:extLst>
+        </p:spPr>
+      </p:pic>
+      <p:pic>
+        <p:nvPicPr>
+          <p:cNvPr id="3080" name="Picture 8"/>
+          <p:cNvPicPr>
+            <a:picLocks noChangeAspect="1" noChangeArrowheads="1"/>
+          </p:cNvPicPr>
+          <p:nvPr/>
+        </p:nvPicPr>
+        <p:blipFill>
+          <a:blip r:embed="rId8">
+            <a:extLst>
+              <a:ext uri="{28A0092B-C50C-407E-A947-70E740481C1C}">
+                <a14:useLocalDpi xmlns:a14="http://schemas.microsoft.com/office/drawing/2010/main" val="0"/>
+              </a:ext>
+            </a:extLst>
+          </a:blip>
+          <a:srcRect/>
+          <a:stretch>
+            <a:fillRect/>
+          </a:stretch>
+        </p:blipFill>
+        <p:spPr bwMode="auto">
+          <a:xfrm>
+            <a:off x="485875" y="5755373"/>
+            <a:ext cx="4968551" cy="809145"/>
+          </a:xfrm>
+          <a:prstGeom prst="rect">
+            <a:avLst/>
+          </a:prstGeom>
+          <a:noFill/>
+          <a:ln>
+            <a:noFill/>
+          </a:ln>
+          <a:effectLst/>
+          <a:extLst>
+            <a:ext uri="{909E8E84-426E-40DD-AFC4-6F175D3DCCD1}">
+              <a14:hiddenFill xmlns:a14="http://schemas.microsoft.com/office/drawing/2010/main">
+                <a:solidFill>
+                  <a:schemeClr val="accent1"/>
+                </a:solidFill>
+              </a14:hiddenFill>
+            </a:ext>
+            <a:ext uri="{91240B29-F687-4F45-9708-019B960494DF}">
+              <a14:hiddenLine xmlns:a14="http://schemas.microsoft.com/office/drawing/2010/main" w="9525">
+                <a:solidFill>
+                  <a:schemeClr val="tx1"/>
+                </a:solidFill>
+                <a:miter lim="800000"/>
+                <a:headEnd/>
+                <a:tailEnd/>
+              </a14:hiddenLine>
+            </a:ext>
+            <a:ext uri="{AF507438-7753-43E0-B8FC-AC1667EBCBE1}">
+              <a14:hiddenEffects xmlns:a14="http://schemas.microsoft.com/office/drawing/2010/main">
+                <a:effectLst>
+                  <a:outerShdw dist="35921" dir="2700000" algn="ctr" rotWithShape="0">
+                    <a:schemeClr val="bg2"/>
+                  </a:outerShdw>
+                </a:effectLst>
+              </a14:hiddenEffects>
+            </a:ext>
+          </a:extLst>
+        </p:spPr>
+      </p:pic>
     </p:spTree>
     <p:extLst>
       <p:ext uri="{BB962C8B-B14F-4D97-AF65-F5344CB8AC3E}">
-        <p14:creationId xmlns:p14="http://schemas.microsoft.com/office/powerpoint/2010/main" val="367682305"/>
+        <p14:creationId xmlns:p14="http://schemas.microsoft.com/office/powerpoint/2010/main" val="2110693140"/>
       </p:ext>
     </p:extLst>
   </p:cSld>
@@ -5081,78 +6261,6 @@
 </file>
 
 <file path=ppt/slides/slide20.xml><?xml version="1.0" encoding="utf-8"?>
-<p:sld xmlns:a="http://schemas.openxmlformats.org/drawingml/2006/main" xmlns:r="http://schemas.openxmlformats.org/officeDocument/2006/relationships" xmlns:p="http://schemas.openxmlformats.org/presentationml/2006/main">
-  <p:cSld>
-    <p:spTree>
-      <p:nvGrpSpPr>
-        <p:cNvPr id="1" name=""/>
-        <p:cNvGrpSpPr/>
-        <p:nvPr/>
-      </p:nvGrpSpPr>
-      <p:grpSpPr>
-        <a:xfrm>
-          <a:off x="0" y="0"/>
-          <a:ext cx="0" cy="0"/>
-          <a:chOff x="0" y="0"/>
-          <a:chExt cx="0" cy="0"/>
-        </a:xfrm>
-      </p:grpSpPr>
-      <p:sp>
-        <p:nvSpPr>
-          <p:cNvPr id="2" name="제목 1"/>
-          <p:cNvSpPr>
-            <a:spLocks noGrp="1"/>
-          </p:cNvSpPr>
-          <p:nvPr>
-            <p:ph type="title"/>
-          </p:nvPr>
-        </p:nvSpPr>
-        <p:spPr/>
-        <p:txBody>
-          <a:bodyPr/>
-          <a:lstStyle/>
-          <a:p>
-            <a:r>
-              <a:rPr lang="en-US" altLang="ko-KR" dirty="0" smtClean="0"/>
-              <a:t>Special thanks to:</a:t>
-            </a:r>
-            <a:endParaRPr lang="ko-KR" altLang="en-US" dirty="0"/>
-          </a:p>
-        </p:txBody>
-      </p:sp>
-      <p:sp>
-        <p:nvSpPr>
-          <p:cNvPr id="3" name="내용 개체 틀 2"/>
-          <p:cNvSpPr>
-            <a:spLocks noGrp="1"/>
-          </p:cNvSpPr>
-          <p:nvPr>
-            <p:ph idx="1"/>
-          </p:nvPr>
-        </p:nvSpPr>
-        <p:spPr/>
-        <p:txBody>
-          <a:bodyPr/>
-          <a:lstStyle/>
-          <a:p>
-            <a:endParaRPr lang="ko-KR" altLang="en-US" dirty="0"/>
-          </a:p>
-        </p:txBody>
-      </p:sp>
-    </p:spTree>
-    <p:extLst>
-      <p:ext uri="{BB962C8B-B14F-4D97-AF65-F5344CB8AC3E}">
-        <p14:creationId xmlns:p14="http://schemas.microsoft.com/office/powerpoint/2010/main" val="2110693140"/>
-      </p:ext>
-    </p:extLst>
-  </p:cSld>
-  <p:clrMapOvr>
-    <a:masterClrMapping/>
-  </p:clrMapOvr>
-</p:sld>
-</file>
-
-<file path=ppt/slides/slide21.xml><?xml version="1.0" encoding="utf-8"?>
 <p:sld xmlns:a="http://schemas.openxmlformats.org/drawingml/2006/main" xmlns:r="http://schemas.openxmlformats.org/officeDocument/2006/relationships" xmlns:p="http://schemas.openxmlformats.org/presentationml/2006/main">
   <p:cSld>
     <p:spTree>

--- a/Java_mini_proj_home/java_proj_PPT.pptx
+++ b/Java_mini_proj_home/java_proj_PPT.pptx
@@ -25,6 +25,7 @@
     <p:sldId id="274" r:id="rId19"/>
     <p:sldId id="275" r:id="rId20"/>
     <p:sldId id="273" r:id="rId21"/>
+    <p:sldId id="277" r:id="rId22"/>
   </p:sldIdLst>
   <p:sldSz cx="9144000" cy="6858000" type="screen4x3"/>
   <p:notesSz cx="6858000" cy="9144000"/>
@@ -5004,6 +5005,13 @@
   <p:clrMapOvr>
     <a:masterClrMapping/>
   </p:clrMapOvr>
+  <p:timing>
+    <p:tnLst>
+      <p:par>
+        <p:cTn id="1" dur="indefinite" restart="never" nodeType="tmRoot"/>
+      </p:par>
+    </p:tnLst>
+  </p:timing>
 </p:sld>
 </file>
 
@@ -5208,41 +5216,6 @@
           <a:bodyPr/>
           <a:lstStyle/>
           <a:p>
-            <a:r>
-              <a:rPr lang="ko-KR" altLang="en-US" dirty="0" smtClean="0"/>
-              <a:t>자바</a:t>
-            </a:r>
-            <a:endParaRPr lang="en-US" altLang="ko-KR" dirty="0" smtClean="0"/>
-          </a:p>
-          <a:p>
-            <a:r>
-              <a:rPr lang="ko-KR" altLang="en-US" dirty="0" smtClean="0"/>
-              <a:t>                                             </a:t>
-            </a:r>
-            <a:r>
-              <a:rPr lang="ko-KR" altLang="en-US" dirty="0" err="1" smtClean="0"/>
-              <a:t>이클립스</a:t>
-            </a:r>
-            <a:endParaRPr lang="en-US" altLang="ko-KR" dirty="0" smtClean="0"/>
-          </a:p>
-          <a:p>
-            <a:endParaRPr lang="en-US" altLang="ko-KR" dirty="0" smtClean="0"/>
-          </a:p>
-          <a:p>
-            <a:endParaRPr lang="en-US" altLang="ko-KR" dirty="0"/>
-          </a:p>
-          <a:p>
-            <a:endParaRPr lang="en-US" altLang="ko-KR" dirty="0" smtClean="0"/>
-          </a:p>
-          <a:p>
-            <a:r>
-              <a:rPr lang="en-US" altLang="ko-KR" dirty="0" smtClean="0"/>
-              <a:t>		</a:t>
-            </a:r>
-            <a:r>
-              <a:rPr lang="ko-KR" altLang="en-US" dirty="0" smtClean="0"/>
-              <a:t>깃</a:t>
-            </a:r>
             <a:endParaRPr lang="ko-KR" altLang="en-US" dirty="0"/>
           </a:p>
         </p:txBody>
@@ -5264,7 +5237,7 @@
         </p:blipFill>
         <p:spPr bwMode="auto">
           <a:xfrm>
-            <a:off x="611560" y="2204864"/>
+            <a:off x="683568" y="1700808"/>
             <a:ext cx="1958975" cy="1547812"/>
           </a:xfrm>
           <a:prstGeom prst="rect">
@@ -5290,7 +5263,7 @@
         </p:blipFill>
         <p:spPr bwMode="auto">
           <a:xfrm>
-            <a:off x="4067944" y="2817604"/>
+            <a:off x="3995936" y="1380477"/>
             <a:ext cx="4087422" cy="928694"/>
           </a:xfrm>
           <a:prstGeom prst="rect">
@@ -5316,13 +5289,95 @@
         </p:blipFill>
         <p:spPr bwMode="auto">
           <a:xfrm>
-            <a:off x="2433175" y="4509120"/>
-            <a:ext cx="3269538" cy="1500198"/>
+            <a:off x="683568" y="4581128"/>
+            <a:ext cx="2667887" cy="1224136"/>
           </a:xfrm>
           <a:prstGeom prst="rect">
             <a:avLst/>
           </a:prstGeom>
           <a:noFill/>
+        </p:spPr>
+      </p:pic>
+      <p:pic>
+        <p:nvPicPr>
+          <p:cNvPr id="1026" name="Picture 2" descr="mysql에 대한 이미지 검색결과"/>
+          <p:cNvPicPr>
+            <a:picLocks noChangeAspect="1" noChangeArrowheads="1"/>
+          </p:cNvPicPr>
+          <p:nvPr/>
+        </p:nvPicPr>
+        <p:blipFill>
+          <a:blip r:embed="rId5">
+            <a:extLst>
+              <a:ext uri="{28A0092B-C50C-407E-A947-70E740481C1C}">
+                <a14:useLocalDpi xmlns:a14="http://schemas.microsoft.com/office/drawing/2010/main" val="0"/>
+              </a:ext>
+            </a:extLst>
+          </a:blip>
+          <a:srcRect/>
+          <a:stretch>
+            <a:fillRect/>
+          </a:stretch>
+        </p:blipFill>
+        <p:spPr bwMode="auto">
+          <a:xfrm>
+            <a:off x="4722521" y="3429000"/>
+            <a:ext cx="3333750" cy="2505076"/>
+          </a:xfrm>
+          <a:prstGeom prst="rect">
+            <a:avLst/>
+          </a:prstGeom>
+          <a:noFill/>
+          <a:extLst>
+            <a:ext uri="{909E8E84-426E-40DD-AFC4-6F175D3DCCD1}">
+              <a14:hiddenFill xmlns:a14="http://schemas.microsoft.com/office/drawing/2010/main">
+                <a:solidFill>
+                  <a:srgbClr val="FFFFFF"/>
+                </a:solidFill>
+              </a14:hiddenFill>
+            </a:ext>
+          </a:extLst>
+        </p:spPr>
+      </p:pic>
+      <p:pic>
+        <p:nvPicPr>
+          <p:cNvPr id="1028" name="Picture 4" descr="heidisql에 대한 이미지 검색결과"/>
+          <p:cNvPicPr>
+            <a:picLocks noChangeAspect="1" noChangeArrowheads="1"/>
+          </p:cNvPicPr>
+          <p:nvPr/>
+        </p:nvPicPr>
+        <p:blipFill>
+          <a:blip r:embed="rId6">
+            <a:extLst>
+              <a:ext uri="{28A0092B-C50C-407E-A947-70E740481C1C}">
+                <a14:useLocalDpi xmlns:a14="http://schemas.microsoft.com/office/drawing/2010/main" val="0"/>
+              </a:ext>
+            </a:extLst>
+          </a:blip>
+          <a:srcRect/>
+          <a:stretch>
+            <a:fillRect/>
+          </a:stretch>
+        </p:blipFill>
+        <p:spPr bwMode="auto">
+          <a:xfrm>
+            <a:off x="3563147" y="3300188"/>
+            <a:ext cx="2476500" cy="628651"/>
+          </a:xfrm>
+          <a:prstGeom prst="rect">
+            <a:avLst/>
+          </a:prstGeom>
+          <a:noFill/>
+          <a:extLst>
+            <a:ext uri="{909E8E84-426E-40DD-AFC4-6F175D3DCCD1}">
+              <a14:hiddenFill xmlns:a14="http://schemas.microsoft.com/office/drawing/2010/main">
+                <a:solidFill>
+                  <a:srgbClr val="FFFFFF"/>
+                </a:solidFill>
+              </a14:hiddenFill>
+            </a:ext>
+          </a:extLst>
         </p:spPr>
       </p:pic>
     </p:spTree>
@@ -5432,6 +5487,13 @@
   <p:clrMapOvr>
     <a:masterClrMapping/>
   </p:clrMapOvr>
+  <p:timing>
+    <p:tnLst>
+      <p:par>
+        <p:cTn id="1" dur="indefinite" restart="never" nodeType="tmRoot"/>
+      </p:par>
+    </p:tnLst>
+  </p:timing>
 </p:sld>
 </file>
 
@@ -5952,6 +6014,13 @@
   <p:clrMapOvr>
     <a:masterClrMapping/>
   </p:clrMapOvr>
+  <p:timing>
+    <p:tnLst>
+      <p:par>
+        <p:cTn id="1" dur="indefinite" restart="never" nodeType="tmRoot"/>
+      </p:par>
+    </p:tnLst>
+  </p:timing>
 </p:sld>
 </file>
 
@@ -6012,7 +6081,7 @@
         </p:spPr>
         <p:txBody>
           <a:bodyPr vert="horz" rtlCol="0">
-            <a:normAutofit/>
+            <a:normAutofit lnSpcReduction="10000"/>
           </a:bodyPr>
           <a:lstStyle>
             <a:lvl1pPr marL="342900" indent="-342900" algn="l" rtl="0" eaLnBrk="1" latinLnBrk="1" hangingPunct="1">
@@ -6195,46 +6264,49 @@
           <a:p>
             <a:r>
               <a:rPr lang="ko-KR" altLang="en-US" dirty="0" smtClean="0"/>
-              <a:t>프로젝트 소개</a:t>
+              <a:t> 프로젝트 소개</a:t>
             </a:r>
             <a:endParaRPr lang="en-US" altLang="ko-KR" dirty="0" smtClean="0"/>
           </a:p>
           <a:p>
             <a:r>
-              <a:rPr lang="ko-KR" altLang="en-US" dirty="0"/>
-              <a:t>개</a:t>
-            </a:r>
-            <a:r>
               <a:rPr lang="ko-KR" altLang="en-US" dirty="0" smtClean="0"/>
-              <a:t>발환경</a:t>
+              <a:t> 개발일정</a:t>
             </a:r>
             <a:endParaRPr lang="en-US" altLang="ko-KR" dirty="0" smtClean="0"/>
           </a:p>
           <a:p>
             <a:r>
               <a:rPr lang="ko-KR" altLang="en-US" dirty="0" smtClean="0"/>
-              <a:t>개발일정</a:t>
+              <a:t> 주요기능</a:t>
             </a:r>
             <a:endParaRPr lang="en-US" altLang="ko-KR" dirty="0" smtClean="0"/>
           </a:p>
           <a:p>
             <a:r>
               <a:rPr lang="ko-KR" altLang="en-US" dirty="0" smtClean="0"/>
-              <a:t>주요기능</a:t>
+              <a:t> 핵심소스구현</a:t>
+            </a:r>
+            <a:endParaRPr lang="en-US" altLang="ko-KR" dirty="0"/>
+          </a:p>
+          <a:p>
+            <a:r>
+              <a:rPr lang="ko-KR" altLang="en-US" dirty="0" smtClean="0"/>
+              <a:t> 개발환경</a:t>
             </a:r>
             <a:endParaRPr lang="en-US" altLang="ko-KR" dirty="0" smtClean="0"/>
           </a:p>
           <a:p>
             <a:r>
               <a:rPr lang="ko-KR" altLang="en-US" dirty="0" smtClean="0"/>
-              <a:t>핵심소스구현</a:t>
+              <a:t> 시연행사</a:t>
             </a:r>
             <a:endParaRPr lang="en-US" altLang="ko-KR" dirty="0" smtClean="0"/>
           </a:p>
           <a:p>
             <a:r>
-              <a:rPr lang="ko-KR" altLang="en-US" dirty="0" smtClean="0"/>
-              <a:t>시연행사</a:t>
+              <a:rPr lang="en-US" altLang="ko-KR" dirty="0" smtClean="0"/>
+              <a:t> Q&amp;A</a:t>
             </a:r>
             <a:endParaRPr lang="en-US" altLang="ko-KR" dirty="0" smtClean="0"/>
           </a:p>
@@ -6380,6 +6452,117 @@
 </p:sld>
 </file>
 
+<file path=ppt/slides/slide21.xml><?xml version="1.0" encoding="utf-8"?>
+<p:sld xmlns:a="http://schemas.openxmlformats.org/drawingml/2006/main" xmlns:r="http://schemas.openxmlformats.org/officeDocument/2006/relationships" xmlns:p="http://schemas.openxmlformats.org/presentationml/2006/main">
+  <p:cSld>
+    <p:spTree>
+      <p:nvGrpSpPr>
+        <p:cNvPr id="1" name=""/>
+        <p:cNvGrpSpPr/>
+        <p:nvPr/>
+      </p:nvGrpSpPr>
+      <p:grpSpPr>
+        <a:xfrm>
+          <a:off x="0" y="0"/>
+          <a:ext cx="0" cy="0"/>
+          <a:chOff x="0" y="0"/>
+          <a:chExt cx="0" cy="0"/>
+        </a:xfrm>
+      </p:grpSpPr>
+      <p:sp>
+        <p:nvSpPr>
+          <p:cNvPr id="2" name="제목 1"/>
+          <p:cNvSpPr>
+            <a:spLocks noGrp="1"/>
+          </p:cNvSpPr>
+          <p:nvPr>
+            <p:ph type="title"/>
+          </p:nvPr>
+        </p:nvSpPr>
+        <p:spPr>
+          <a:xfrm>
+            <a:off x="1691680" y="2420888"/>
+            <a:ext cx="5791200" cy="1371600"/>
+          </a:xfrm>
+        </p:spPr>
+        <p:txBody>
+          <a:bodyPr>
+            <a:noAutofit/>
+          </a:bodyPr>
+          <a:lstStyle/>
+          <a:p>
+            <a:pPr algn="ctr"/>
+            <a:r>
+              <a:rPr lang="ko-KR" altLang="en-US" sz="8000" spc="600" dirty="0" smtClean="0">
+                <a:latin typeface="배달의민족 주아" pitchFamily="18" charset="-127"/>
+                <a:ea typeface="배달의민족 주아" pitchFamily="18" charset="-127"/>
+              </a:rPr>
+              <a:t>감사합니</a:t>
+            </a:r>
+            <a:r>
+              <a:rPr lang="ko-KR" altLang="en-US" sz="8000" spc="600" dirty="0">
+                <a:latin typeface="배달의민족 주아" pitchFamily="18" charset="-127"/>
+                <a:ea typeface="배달의민족 주아" pitchFamily="18" charset="-127"/>
+              </a:rPr>
+              <a:t>다</a:t>
+            </a:r>
+          </a:p>
+        </p:txBody>
+      </p:sp>
+      <p:pic>
+        <p:nvPicPr>
+          <p:cNvPr id="1026" name="Picture 2" descr="thank you for listening to my presentation에 대한 이미지 검색결과"/>
+          <p:cNvPicPr>
+            <a:picLocks noChangeAspect="1" noChangeArrowheads="1"/>
+          </p:cNvPicPr>
+          <p:nvPr/>
+        </p:nvPicPr>
+        <p:blipFill>
+          <a:blip r:embed="rId2" cstate="print">
+            <a:extLst>
+              <a:ext uri="{28A0092B-C50C-407E-A947-70E740481C1C}">
+                <a14:useLocalDpi xmlns:a14="http://schemas.microsoft.com/office/drawing/2010/main" val="0"/>
+              </a:ext>
+            </a:extLst>
+          </a:blip>
+          <a:srcRect/>
+          <a:stretch>
+            <a:fillRect/>
+          </a:stretch>
+        </p:blipFill>
+        <p:spPr bwMode="auto">
+          <a:xfrm>
+            <a:off x="6012160" y="4685658"/>
+            <a:ext cx="2607820" cy="1892819"/>
+          </a:xfrm>
+          <a:prstGeom prst="rect">
+            <a:avLst/>
+          </a:prstGeom>
+          <a:noFill/>
+          <a:extLst>
+            <a:ext uri="{909E8E84-426E-40DD-AFC4-6F175D3DCCD1}">
+              <a14:hiddenFill xmlns:a14="http://schemas.microsoft.com/office/drawing/2010/main">
+                <a:solidFill>
+                  <a:srgbClr val="FFFFFF"/>
+                </a:solidFill>
+              </a14:hiddenFill>
+            </a:ext>
+          </a:extLst>
+        </p:spPr>
+      </p:pic>
+    </p:spTree>
+    <p:extLst>
+      <p:ext uri="{BB962C8B-B14F-4D97-AF65-F5344CB8AC3E}">
+        <p14:creationId xmlns:p14="http://schemas.microsoft.com/office/powerpoint/2010/main" val="3546569912"/>
+      </p:ext>
+    </p:extLst>
+  </p:cSld>
+  <p:clrMapOvr>
+    <a:masterClrMapping/>
+  </p:clrMapOvr>
+</p:sld>
+</file>
+
 <file path=ppt/slides/slide3.xml><?xml version="1.0" encoding="utf-8"?>
 <p:sld xmlns:a="http://schemas.openxmlformats.org/drawingml/2006/main" xmlns:r="http://schemas.openxmlformats.org/officeDocument/2006/relationships" xmlns:p="http://schemas.openxmlformats.org/presentationml/2006/main" show="0">
   <p:cSld>
@@ -6418,8 +6601,8 @@
           <a:lstStyle/>
           <a:p>
             <a:r>
-              <a:rPr lang="ko-KR" altLang="en-US" dirty="0" err="1" smtClean="0"/>
-              <a:t>프로젝트명</a:t>
+              <a:rPr lang="ko-KR" altLang="en-US" dirty="0"/>
+              <a:t>프로젝트 소개 </a:t>
             </a:r>
             <a:r>
               <a:rPr lang="en-US" altLang="ko-KR" dirty="0" smtClean="0"/>
@@ -7798,11 +7981,7 @@
             </a:r>
             <a:r>
               <a:rPr lang="ko-KR" altLang="en-US" dirty="0" smtClean="0"/>
-              <a:t>를 나누어 </a:t>
-            </a:r>
-            <a:r>
-              <a:rPr lang="ko-KR" altLang="en-US" dirty="0" smtClean="0"/>
-              <a:t>처음 </a:t>
+              <a:t>를 나누어 처음 </a:t>
             </a:r>
             <a:r>
               <a:rPr lang="ko-KR" altLang="en-US" dirty="0" err="1" smtClean="0"/>

--- a/Java_mini_proj_home/java_proj_PPT.pptx
+++ b/Java_mini_proj_home/java_proj_PPT.pptx
@@ -4,28 +4,34 @@
   <p:sldMasterIdLst>
     <p:sldMasterId id="2147483708" r:id="rId1"/>
   </p:sldMasterIdLst>
+  <p:notesMasterIdLst>
+    <p:notesMasterId r:id="rId26"/>
+  </p:notesMasterIdLst>
   <p:sldIdLst>
     <p:sldId id="256" r:id="rId2"/>
     <p:sldId id="263" r:id="rId3"/>
     <p:sldId id="259" r:id="rId4"/>
     <p:sldId id="260" r:id="rId5"/>
     <p:sldId id="261" r:id="rId6"/>
-    <p:sldId id="265" r:id="rId7"/>
-    <p:sldId id="267" r:id="rId8"/>
-    <p:sldId id="268" r:id="rId9"/>
-    <p:sldId id="269" r:id="rId10"/>
-    <p:sldId id="270" r:id="rId11"/>
-    <p:sldId id="266" r:id="rId12"/>
-    <p:sldId id="272" r:id="rId13"/>
-    <p:sldId id="257" r:id="rId14"/>
-    <p:sldId id="258" r:id="rId15"/>
-    <p:sldId id="276" r:id="rId16"/>
-    <p:sldId id="262" r:id="rId17"/>
-    <p:sldId id="264" r:id="rId18"/>
-    <p:sldId id="274" r:id="rId19"/>
-    <p:sldId id="275" r:id="rId20"/>
-    <p:sldId id="273" r:id="rId21"/>
-    <p:sldId id="277" r:id="rId22"/>
+    <p:sldId id="278" r:id="rId7"/>
+    <p:sldId id="265" r:id="rId8"/>
+    <p:sldId id="267" r:id="rId9"/>
+    <p:sldId id="268" r:id="rId10"/>
+    <p:sldId id="269" r:id="rId11"/>
+    <p:sldId id="270" r:id="rId12"/>
+    <p:sldId id="266" r:id="rId13"/>
+    <p:sldId id="272" r:id="rId14"/>
+    <p:sldId id="257" r:id="rId15"/>
+    <p:sldId id="258" r:id="rId16"/>
+    <p:sldId id="276" r:id="rId17"/>
+    <p:sldId id="280" r:id="rId18"/>
+    <p:sldId id="279" r:id="rId19"/>
+    <p:sldId id="262" r:id="rId20"/>
+    <p:sldId id="264" r:id="rId21"/>
+    <p:sldId id="274" r:id="rId22"/>
+    <p:sldId id="275" r:id="rId23"/>
+    <p:sldId id="273" r:id="rId24"/>
+    <p:sldId id="277" r:id="rId25"/>
   </p:sldIdLst>
   <p:sldSz cx="9144000" cy="6858000" type="screen4x3"/>
   <p:notesSz cx="6858000" cy="9144000"/>
@@ -125,6 +131,440 @@
     </a:lvl9pPr>
   </p:defaultTextStyle>
 </p:presentation>
+</file>
+
+<file path=ppt/notesMasters/notesMaster1.xml><?xml version="1.0" encoding="utf-8"?>
+<p:notesMaster xmlns:a="http://schemas.openxmlformats.org/drawingml/2006/main" xmlns:r="http://schemas.openxmlformats.org/officeDocument/2006/relationships" xmlns:p="http://schemas.openxmlformats.org/presentationml/2006/main">
+  <p:cSld>
+    <p:bg>
+      <p:bgRef idx="1001">
+        <a:schemeClr val="bg1"/>
+      </p:bgRef>
+    </p:bg>
+    <p:spTree>
+      <p:nvGrpSpPr>
+        <p:cNvPr id="1" name=""/>
+        <p:cNvGrpSpPr/>
+        <p:nvPr/>
+      </p:nvGrpSpPr>
+      <p:grpSpPr>
+        <a:xfrm>
+          <a:off x="0" y="0"/>
+          <a:ext cx="0" cy="0"/>
+          <a:chOff x="0" y="0"/>
+          <a:chExt cx="0" cy="0"/>
+        </a:xfrm>
+      </p:grpSpPr>
+      <p:sp>
+        <p:nvSpPr>
+          <p:cNvPr id="2" name="머리글 개체 틀 1"/>
+          <p:cNvSpPr>
+            <a:spLocks noGrp="1"/>
+          </p:cNvSpPr>
+          <p:nvPr>
+            <p:ph type="hdr" sz="quarter"/>
+          </p:nvPr>
+        </p:nvSpPr>
+        <p:spPr>
+          <a:xfrm>
+            <a:off x="0" y="0"/>
+            <a:ext cx="2971800" cy="457200"/>
+          </a:xfrm>
+          <a:prstGeom prst="rect">
+            <a:avLst/>
+          </a:prstGeom>
+        </p:spPr>
+        <p:txBody>
+          <a:bodyPr vert="horz" lIns="91440" tIns="45720" rIns="91440" bIns="45720" rtlCol="0"/>
+          <a:lstStyle>
+            <a:lvl1pPr algn="l">
+              <a:defRPr sz="1200"/>
+            </a:lvl1pPr>
+          </a:lstStyle>
+          <a:p>
+            <a:endParaRPr lang="ko-KR" altLang="en-US"/>
+          </a:p>
+        </p:txBody>
+      </p:sp>
+      <p:sp>
+        <p:nvSpPr>
+          <p:cNvPr id="3" name="날짜 개체 틀 2"/>
+          <p:cNvSpPr>
+            <a:spLocks noGrp="1"/>
+          </p:cNvSpPr>
+          <p:nvPr>
+            <p:ph type="dt" idx="1"/>
+          </p:nvPr>
+        </p:nvSpPr>
+        <p:spPr>
+          <a:xfrm>
+            <a:off x="3884613" y="0"/>
+            <a:ext cx="2971800" cy="457200"/>
+          </a:xfrm>
+          <a:prstGeom prst="rect">
+            <a:avLst/>
+          </a:prstGeom>
+        </p:spPr>
+        <p:txBody>
+          <a:bodyPr vert="horz" lIns="91440" tIns="45720" rIns="91440" bIns="45720" rtlCol="0"/>
+          <a:lstStyle>
+            <a:lvl1pPr algn="r">
+              <a:defRPr sz="1200"/>
+            </a:lvl1pPr>
+          </a:lstStyle>
+          <a:p>
+            <a:fld id="{4B873013-7079-4F4B-B755-59FA6674D111}" type="datetimeFigureOut">
+              <a:rPr lang="ko-KR" altLang="en-US" smtClean="0"/>
+              <a:t>2017-07-20</a:t>
+            </a:fld>
+            <a:endParaRPr lang="ko-KR" altLang="en-US"/>
+          </a:p>
+        </p:txBody>
+      </p:sp>
+      <p:sp>
+        <p:nvSpPr>
+          <p:cNvPr id="4" name="슬라이드 이미지 개체 틀 3"/>
+          <p:cNvSpPr>
+            <a:spLocks noGrp="1" noRot="1" noChangeAspect="1"/>
+          </p:cNvSpPr>
+          <p:nvPr>
+            <p:ph type="sldImg" idx="2"/>
+          </p:nvPr>
+        </p:nvSpPr>
+        <p:spPr>
+          <a:xfrm>
+            <a:off x="1143000" y="685800"/>
+            <a:ext cx="4572000" cy="3429000"/>
+          </a:xfrm>
+          <a:prstGeom prst="rect">
+            <a:avLst/>
+          </a:prstGeom>
+          <a:noFill/>
+          <a:ln w="12700">
+            <a:solidFill>
+              <a:prstClr val="black"/>
+            </a:solidFill>
+          </a:ln>
+        </p:spPr>
+        <p:txBody>
+          <a:bodyPr vert="horz" lIns="91440" tIns="45720" rIns="91440" bIns="45720" rtlCol="0" anchor="ctr"/>
+          <a:lstStyle/>
+          <a:p>
+            <a:endParaRPr lang="ko-KR" altLang="en-US"/>
+          </a:p>
+        </p:txBody>
+      </p:sp>
+      <p:sp>
+        <p:nvSpPr>
+          <p:cNvPr id="5" name="슬라이드 노트 개체 틀 4"/>
+          <p:cNvSpPr>
+            <a:spLocks noGrp="1"/>
+          </p:cNvSpPr>
+          <p:nvPr>
+            <p:ph type="body" sz="quarter" idx="3"/>
+          </p:nvPr>
+        </p:nvSpPr>
+        <p:spPr>
+          <a:xfrm>
+            <a:off x="685800" y="4343400"/>
+            <a:ext cx="5486400" cy="4114800"/>
+          </a:xfrm>
+          <a:prstGeom prst="rect">
+            <a:avLst/>
+          </a:prstGeom>
+        </p:spPr>
+        <p:txBody>
+          <a:bodyPr vert="horz" lIns="91440" tIns="45720" rIns="91440" bIns="45720" rtlCol="0"/>
+          <a:lstStyle/>
+          <a:p>
+            <a:pPr lvl="0"/>
+            <a:r>
+              <a:rPr lang="ko-KR" altLang="en-US" smtClean="0"/>
+              <a:t>마스터 텍스트 스타일을 편집합니다</a:t>
+            </a:r>
+          </a:p>
+          <a:p>
+            <a:pPr lvl="1"/>
+            <a:r>
+              <a:rPr lang="ko-KR" altLang="en-US" smtClean="0"/>
+              <a:t>둘째 수준</a:t>
+            </a:r>
+          </a:p>
+          <a:p>
+            <a:pPr lvl="2"/>
+            <a:r>
+              <a:rPr lang="ko-KR" altLang="en-US" smtClean="0"/>
+              <a:t>셋째 수준</a:t>
+            </a:r>
+          </a:p>
+          <a:p>
+            <a:pPr lvl="3"/>
+            <a:r>
+              <a:rPr lang="ko-KR" altLang="en-US" smtClean="0"/>
+              <a:t>넷째 수준</a:t>
+            </a:r>
+          </a:p>
+          <a:p>
+            <a:pPr lvl="4"/>
+            <a:r>
+              <a:rPr lang="ko-KR" altLang="en-US" smtClean="0"/>
+              <a:t>다섯째 수준</a:t>
+            </a:r>
+            <a:endParaRPr lang="ko-KR" altLang="en-US"/>
+          </a:p>
+        </p:txBody>
+      </p:sp>
+      <p:sp>
+        <p:nvSpPr>
+          <p:cNvPr id="6" name="바닥글 개체 틀 5"/>
+          <p:cNvSpPr>
+            <a:spLocks noGrp="1"/>
+          </p:cNvSpPr>
+          <p:nvPr>
+            <p:ph type="ftr" sz="quarter" idx="4"/>
+          </p:nvPr>
+        </p:nvSpPr>
+        <p:spPr>
+          <a:xfrm>
+            <a:off x="0" y="8685213"/>
+            <a:ext cx="2971800" cy="457200"/>
+          </a:xfrm>
+          <a:prstGeom prst="rect">
+            <a:avLst/>
+          </a:prstGeom>
+        </p:spPr>
+        <p:txBody>
+          <a:bodyPr vert="horz" lIns="91440" tIns="45720" rIns="91440" bIns="45720" rtlCol="0" anchor="b"/>
+          <a:lstStyle>
+            <a:lvl1pPr algn="l">
+              <a:defRPr sz="1200"/>
+            </a:lvl1pPr>
+          </a:lstStyle>
+          <a:p>
+            <a:endParaRPr lang="ko-KR" altLang="en-US"/>
+          </a:p>
+        </p:txBody>
+      </p:sp>
+      <p:sp>
+        <p:nvSpPr>
+          <p:cNvPr id="7" name="슬라이드 번호 개체 틀 6"/>
+          <p:cNvSpPr>
+            <a:spLocks noGrp="1"/>
+          </p:cNvSpPr>
+          <p:nvPr>
+            <p:ph type="sldNum" sz="quarter" idx="5"/>
+          </p:nvPr>
+        </p:nvSpPr>
+        <p:spPr>
+          <a:xfrm>
+            <a:off x="3884613" y="8685213"/>
+            <a:ext cx="2971800" cy="457200"/>
+          </a:xfrm>
+          <a:prstGeom prst="rect">
+            <a:avLst/>
+          </a:prstGeom>
+        </p:spPr>
+        <p:txBody>
+          <a:bodyPr vert="horz" lIns="91440" tIns="45720" rIns="91440" bIns="45720" rtlCol="0" anchor="b"/>
+          <a:lstStyle>
+            <a:lvl1pPr algn="r">
+              <a:defRPr sz="1200"/>
+            </a:lvl1pPr>
+          </a:lstStyle>
+          <a:p>
+            <a:fld id="{8BE060FD-E6E8-45D8-AE86-7BFFEEA2B2AE}" type="slidenum">
+              <a:rPr lang="ko-KR" altLang="en-US" smtClean="0"/>
+              <a:t>‹#›</a:t>
+            </a:fld>
+            <a:endParaRPr lang="ko-KR" altLang="en-US"/>
+          </a:p>
+        </p:txBody>
+      </p:sp>
+    </p:spTree>
+    <p:extLst>
+      <p:ext uri="{BB962C8B-B14F-4D97-AF65-F5344CB8AC3E}">
+        <p14:creationId xmlns:p14="http://schemas.microsoft.com/office/powerpoint/2010/main" val="3882731855"/>
+      </p:ext>
+    </p:extLst>
+  </p:cSld>
+  <p:clrMap bg1="lt1" tx1="dk1" bg2="lt2" tx2="dk2" accent1="accent1" accent2="accent2" accent3="accent3" accent4="accent4" accent5="accent5" accent6="accent6" hlink="hlink" folHlink="folHlink"/>
+  <p:notesStyle>
+    <a:lvl1pPr marL="0" algn="l" defTabSz="914400" rtl="0" eaLnBrk="1" latinLnBrk="1" hangingPunct="1">
+      <a:defRPr sz="1200" kern="1200">
+        <a:solidFill>
+          <a:schemeClr val="tx1"/>
+        </a:solidFill>
+        <a:latin typeface="+mn-lt"/>
+        <a:ea typeface="+mn-ea"/>
+        <a:cs typeface="+mn-cs"/>
+      </a:defRPr>
+    </a:lvl1pPr>
+    <a:lvl2pPr marL="457200" algn="l" defTabSz="914400" rtl="0" eaLnBrk="1" latinLnBrk="1" hangingPunct="1">
+      <a:defRPr sz="1200" kern="1200">
+        <a:solidFill>
+          <a:schemeClr val="tx1"/>
+        </a:solidFill>
+        <a:latin typeface="+mn-lt"/>
+        <a:ea typeface="+mn-ea"/>
+        <a:cs typeface="+mn-cs"/>
+      </a:defRPr>
+    </a:lvl2pPr>
+    <a:lvl3pPr marL="914400" algn="l" defTabSz="914400" rtl="0" eaLnBrk="1" latinLnBrk="1" hangingPunct="1">
+      <a:defRPr sz="1200" kern="1200">
+        <a:solidFill>
+          <a:schemeClr val="tx1"/>
+        </a:solidFill>
+        <a:latin typeface="+mn-lt"/>
+        <a:ea typeface="+mn-ea"/>
+        <a:cs typeface="+mn-cs"/>
+      </a:defRPr>
+    </a:lvl3pPr>
+    <a:lvl4pPr marL="1371600" algn="l" defTabSz="914400" rtl="0" eaLnBrk="1" latinLnBrk="1" hangingPunct="1">
+      <a:defRPr sz="1200" kern="1200">
+        <a:solidFill>
+          <a:schemeClr val="tx1"/>
+        </a:solidFill>
+        <a:latin typeface="+mn-lt"/>
+        <a:ea typeface="+mn-ea"/>
+        <a:cs typeface="+mn-cs"/>
+      </a:defRPr>
+    </a:lvl4pPr>
+    <a:lvl5pPr marL="1828800" algn="l" defTabSz="914400" rtl="0" eaLnBrk="1" latinLnBrk="1" hangingPunct="1">
+      <a:defRPr sz="1200" kern="1200">
+        <a:solidFill>
+          <a:schemeClr val="tx1"/>
+        </a:solidFill>
+        <a:latin typeface="+mn-lt"/>
+        <a:ea typeface="+mn-ea"/>
+        <a:cs typeface="+mn-cs"/>
+      </a:defRPr>
+    </a:lvl5pPr>
+    <a:lvl6pPr marL="2286000" algn="l" defTabSz="914400" rtl="0" eaLnBrk="1" latinLnBrk="1" hangingPunct="1">
+      <a:defRPr sz="1200" kern="1200">
+        <a:solidFill>
+          <a:schemeClr val="tx1"/>
+        </a:solidFill>
+        <a:latin typeface="+mn-lt"/>
+        <a:ea typeface="+mn-ea"/>
+        <a:cs typeface="+mn-cs"/>
+      </a:defRPr>
+    </a:lvl6pPr>
+    <a:lvl7pPr marL="2743200" algn="l" defTabSz="914400" rtl="0" eaLnBrk="1" latinLnBrk="1" hangingPunct="1">
+      <a:defRPr sz="1200" kern="1200">
+        <a:solidFill>
+          <a:schemeClr val="tx1"/>
+        </a:solidFill>
+        <a:latin typeface="+mn-lt"/>
+        <a:ea typeface="+mn-ea"/>
+        <a:cs typeface="+mn-cs"/>
+      </a:defRPr>
+    </a:lvl7pPr>
+    <a:lvl8pPr marL="3200400" algn="l" defTabSz="914400" rtl="0" eaLnBrk="1" latinLnBrk="1" hangingPunct="1">
+      <a:defRPr sz="1200" kern="1200">
+        <a:solidFill>
+          <a:schemeClr val="tx1"/>
+        </a:solidFill>
+        <a:latin typeface="+mn-lt"/>
+        <a:ea typeface="+mn-ea"/>
+        <a:cs typeface="+mn-cs"/>
+      </a:defRPr>
+    </a:lvl8pPr>
+    <a:lvl9pPr marL="3657600" algn="l" defTabSz="914400" rtl="0" eaLnBrk="1" latinLnBrk="1" hangingPunct="1">
+      <a:defRPr sz="1200" kern="1200">
+        <a:solidFill>
+          <a:schemeClr val="tx1"/>
+        </a:solidFill>
+        <a:latin typeface="+mn-lt"/>
+        <a:ea typeface="+mn-ea"/>
+        <a:cs typeface="+mn-cs"/>
+      </a:defRPr>
+    </a:lvl9pPr>
+  </p:notesStyle>
+</p:notesMaster>
+</file>
+
+<file path=ppt/notesSlides/notesSlide1.xml><?xml version="1.0" encoding="utf-8"?>
+<p:notes xmlns:a="http://schemas.openxmlformats.org/drawingml/2006/main" xmlns:r="http://schemas.openxmlformats.org/officeDocument/2006/relationships" xmlns:p="http://schemas.openxmlformats.org/presentationml/2006/main">
+  <p:cSld>
+    <p:spTree>
+      <p:nvGrpSpPr>
+        <p:cNvPr id="1" name=""/>
+        <p:cNvGrpSpPr/>
+        <p:nvPr/>
+      </p:nvGrpSpPr>
+      <p:grpSpPr>
+        <a:xfrm>
+          <a:off x="0" y="0"/>
+          <a:ext cx="0" cy="0"/>
+          <a:chOff x="0" y="0"/>
+          <a:chExt cx="0" cy="0"/>
+        </a:xfrm>
+      </p:grpSpPr>
+      <p:sp>
+        <p:nvSpPr>
+          <p:cNvPr id="2" name="슬라이드 이미지 개체 틀 1"/>
+          <p:cNvSpPr>
+            <a:spLocks noGrp="1" noRot="1" noChangeAspect="1"/>
+          </p:cNvSpPr>
+          <p:nvPr>
+            <p:ph type="sldImg"/>
+          </p:nvPr>
+        </p:nvSpPr>
+        <p:spPr/>
+      </p:sp>
+      <p:sp>
+        <p:nvSpPr>
+          <p:cNvPr id="3" name="슬라이드 노트 개체 틀 2"/>
+          <p:cNvSpPr>
+            <a:spLocks noGrp="1"/>
+          </p:cNvSpPr>
+          <p:nvPr>
+            <p:ph type="body" idx="1"/>
+          </p:nvPr>
+        </p:nvSpPr>
+        <p:spPr/>
+        <p:txBody>
+          <a:bodyPr/>
+          <a:lstStyle/>
+          <a:p>
+            <a:endParaRPr lang="ko-KR" altLang="en-US" dirty="0"/>
+          </a:p>
+        </p:txBody>
+      </p:sp>
+      <p:sp>
+        <p:nvSpPr>
+          <p:cNvPr id="4" name="슬라이드 번호 개체 틀 3"/>
+          <p:cNvSpPr>
+            <a:spLocks noGrp="1"/>
+          </p:cNvSpPr>
+          <p:nvPr>
+            <p:ph type="sldNum" sz="quarter" idx="10"/>
+          </p:nvPr>
+        </p:nvSpPr>
+        <p:spPr/>
+        <p:txBody>
+          <a:bodyPr/>
+          <a:lstStyle/>
+          <a:p>
+            <a:fld id="{8BE060FD-E6E8-45D8-AE86-7BFFEEA2B2AE}" type="slidenum">
+              <a:rPr lang="ko-KR" altLang="en-US" smtClean="0"/>
+              <a:t>17</a:t>
+            </a:fld>
+            <a:endParaRPr lang="ko-KR" altLang="en-US"/>
+          </a:p>
+        </p:txBody>
+      </p:sp>
+    </p:spTree>
+    <p:extLst>
+      <p:ext uri="{BB962C8B-B14F-4D97-AF65-F5344CB8AC3E}">
+        <p14:creationId xmlns:p14="http://schemas.microsoft.com/office/powerpoint/2010/main" val="3775281097"/>
+      </p:ext>
+    </p:extLst>
+  </p:cSld>
+  <p:clrMapOvr>
+    <a:masterClrMapping/>
+  </p:clrMapOvr>
+</p:notes>
 </file>
 
 <file path=ppt/slideLayouts/slideLayout1.xml><?xml version="1.0" encoding="utf-8"?>
@@ -3611,91 +4051,87 @@
           <a:lstStyle/>
           <a:p>
             <a:r>
+              <a:rPr lang="ko-KR" altLang="en-US" dirty="0"/>
+              <a:t>주요기능 </a:t>
+            </a:r>
+            <a:r>
+              <a:rPr lang="en-US" altLang="ko-KR" dirty="0"/>
+              <a:t>- </a:t>
+            </a:r>
+            <a:r>
+              <a:rPr lang="ko-KR" altLang="en-US" dirty="0"/>
+              <a:t>실행화면</a:t>
+            </a:r>
+          </a:p>
+        </p:txBody>
+      </p:sp>
+      <p:sp>
+        <p:nvSpPr>
+          <p:cNvPr id="3" name="내용 개체 틀 2"/>
+          <p:cNvSpPr>
+            <a:spLocks noGrp="1"/>
+          </p:cNvSpPr>
+          <p:nvPr>
+            <p:ph idx="1"/>
+          </p:nvPr>
+        </p:nvSpPr>
+        <p:spPr/>
+        <p:txBody>
+          <a:bodyPr/>
+          <a:lstStyle/>
+          <a:p>
+            <a:r>
               <a:rPr lang="ko-KR" altLang="en-US" dirty="0" smtClean="0"/>
-              <a:t>주요기능 </a:t>
+              <a:t>동일한 버튼에 </a:t>
             </a:r>
             <a:r>
               <a:rPr lang="en-US" altLang="ko-KR" dirty="0" smtClean="0"/>
-              <a:t>- </a:t>
+              <a:t>Flag</a:t>
             </a:r>
             <a:r>
               <a:rPr lang="ko-KR" altLang="en-US" dirty="0" smtClean="0"/>
-              <a:t>실행화면</a:t>
-            </a:r>
-            <a:endParaRPr lang="ko-KR" altLang="en-US" dirty="0"/>
-          </a:p>
-        </p:txBody>
-      </p:sp>
-      <p:sp>
-        <p:nvSpPr>
-          <p:cNvPr id="3" name="내용 개체 틀 2"/>
-          <p:cNvSpPr>
-            <a:spLocks noGrp="1"/>
-          </p:cNvSpPr>
-          <p:nvPr>
-            <p:ph idx="1"/>
-          </p:nvPr>
-        </p:nvSpPr>
-        <p:spPr>
-          <a:xfrm>
-            <a:off x="467544" y="4941168"/>
-            <a:ext cx="7620000" cy="1473027"/>
-          </a:xfrm>
-        </p:spPr>
-        <p:txBody>
-          <a:bodyPr/>
-          <a:lstStyle/>
-          <a:p>
+              <a:t>를 나누어 처음 </a:t>
+            </a:r>
+            <a:r>
+              <a:rPr lang="ko-KR" altLang="en-US" dirty="0" err="1" smtClean="0"/>
+              <a:t>눌렀을시</a:t>
+            </a:r>
             <a:r>
               <a:rPr lang="ko-KR" altLang="en-US" dirty="0" smtClean="0"/>
-              <a:t>타입 선택하고 </a:t>
-            </a:r>
-            <a:r>
-              <a:rPr lang="en-US" altLang="ko-KR" dirty="0" smtClean="0"/>
-              <a:t>start</a:t>
-            </a:r>
-            <a:r>
-              <a:rPr lang="ko-KR" altLang="en-US" dirty="0" smtClean="0"/>
-              <a:t>버튼을 클릭하면 서버에서 모든 클라이언트에</a:t>
-            </a:r>
-            <a:endParaRPr lang="en-US" altLang="ko-KR" dirty="0" smtClean="0"/>
-          </a:p>
-          <a:p>
+              <a:t> </a:t>
+            </a:r>
             <a:r>
               <a:rPr lang="en-US" altLang="ko-KR" dirty="0" smtClean="0"/>
               <a:t>DB</a:t>
             </a:r>
             <a:r>
               <a:rPr lang="ko-KR" altLang="en-US" dirty="0" smtClean="0"/>
-              <a:t>에서 뽑아온 단어</a:t>
+              <a:t>에 </a:t>
             </a:r>
             <a:r>
               <a:rPr lang="en-US" altLang="ko-KR" dirty="0" smtClean="0"/>
-              <a:t>,  </a:t>
-            </a:r>
-            <a:r>
-              <a:rPr lang="en-US" altLang="ko-KR" dirty="0" err="1" smtClean="0"/>
-              <a:t>x,y</a:t>
-            </a:r>
+              <a:t>insert,</a:t>
+            </a:r>
+          </a:p>
+          <a:p>
             <a:r>
               <a:rPr lang="ko-KR" altLang="en-US" dirty="0" smtClean="0"/>
-              <a:t>좌표와 속도 조절을 위한 </a:t>
-            </a:r>
-            <a:r>
-              <a:rPr lang="en-US" altLang="ko-KR" dirty="0" err="1" smtClean="0"/>
-              <a:t>deltaY</a:t>
+              <a:t>그 이후로는 지속적으로 </a:t>
+            </a:r>
+            <a:r>
+              <a:rPr lang="en-US" altLang="ko-KR" dirty="0" smtClean="0"/>
+              <a:t>update</a:t>
             </a:r>
             <a:r>
               <a:rPr lang="ko-KR" altLang="en-US" dirty="0" smtClean="0"/>
-              <a:t>를 담은 </a:t>
-            </a:r>
-            <a:r>
-              <a:rPr lang="en-US" altLang="ko-KR" dirty="0" err="1" smtClean="0"/>
-              <a:t>ArrayList</a:t>
-            </a:r>
+              <a:t>가</a:t>
+            </a:r>
+            <a:endParaRPr lang="en-US" altLang="ko-KR" dirty="0" smtClean="0"/>
+          </a:p>
+          <a:p>
             <a:r>
               <a:rPr lang="ko-KR" altLang="en-US" dirty="0" smtClean="0"/>
-              <a:t>를 동일하게 뿌려준다</a:t>
+              <a:t>되도록  구현</a:t>
             </a:r>
             <a:endParaRPr lang="ko-KR" altLang="en-US" dirty="0"/>
           </a:p>
@@ -3703,7 +4139,7 @@
       </p:sp>
       <p:pic>
         <p:nvPicPr>
-          <p:cNvPr id="5122" name="Picture 2"/>
+          <p:cNvPr id="4098" name="Picture 2"/>
           <p:cNvPicPr>
             <a:picLocks noChangeAspect="1" noChangeArrowheads="1"/>
           </p:cNvPicPr>
@@ -3724,8 +4160,8 @@
         </p:blipFill>
         <p:spPr bwMode="auto">
           <a:xfrm>
-            <a:off x="207548" y="1844824"/>
-            <a:ext cx="8677275" cy="2881313"/>
+            <a:off x="5373960" y="2459125"/>
+            <a:ext cx="3124200" cy="2800350"/>
           </a:xfrm>
           <a:prstGeom prst="rect">
             <a:avLst/>
@@ -3765,251 +4201,16 @@
           </a:extLst>
         </p:spPr>
       </p:pic>
-    </p:spTree>
-    <p:extLst>
-      <p:ext uri="{BB962C8B-B14F-4D97-AF65-F5344CB8AC3E}">
-        <p14:creationId xmlns:p14="http://schemas.microsoft.com/office/powerpoint/2010/main" val="3661848371"/>
-      </p:ext>
-    </p:extLst>
-  </p:cSld>
-  <p:clrMapOvr>
-    <a:masterClrMapping/>
-  </p:clrMapOvr>
-  <p:timing>
-    <p:tnLst>
-      <p:par>
-        <p:cTn id="1" dur="indefinite" restart="never" nodeType="tmRoot"/>
-      </p:par>
-    </p:tnLst>
-  </p:timing>
-</p:sld>
-</file>
-
-<file path=ppt/slides/slide11.xml><?xml version="1.0" encoding="utf-8"?>
-<p:sld xmlns:a="http://schemas.openxmlformats.org/drawingml/2006/main" xmlns:r="http://schemas.openxmlformats.org/officeDocument/2006/relationships" xmlns:p="http://schemas.openxmlformats.org/presentationml/2006/main">
-  <p:cSld>
-    <p:spTree>
-      <p:nvGrpSpPr>
-        <p:cNvPr id="1" name=""/>
-        <p:cNvGrpSpPr/>
-        <p:nvPr/>
-      </p:nvGrpSpPr>
-      <p:grpSpPr>
-        <a:xfrm>
-          <a:off x="0" y="0"/>
-          <a:ext cx="0" cy="0"/>
-          <a:chOff x="0" y="0"/>
-          <a:chExt cx="0" cy="0"/>
-        </a:xfrm>
-      </p:grpSpPr>
-      <p:sp>
-        <p:nvSpPr>
-          <p:cNvPr id="2" name="제목 1"/>
-          <p:cNvSpPr>
-            <a:spLocks noGrp="1"/>
-          </p:cNvSpPr>
-          <p:nvPr>
-            <p:ph type="title"/>
-          </p:nvPr>
-        </p:nvSpPr>
-        <p:spPr/>
-        <p:txBody>
-          <a:bodyPr/>
-          <a:lstStyle/>
-          <a:p>
-            <a:r>
-              <a:rPr lang="en-US" altLang="ko-KR" dirty="0" smtClean="0"/>
-              <a:t>Program flowchart</a:t>
-            </a:r>
-            <a:endParaRPr lang="ko-KR" altLang="en-US" dirty="0"/>
-          </a:p>
-        </p:txBody>
-      </p:sp>
-      <p:sp>
-        <p:nvSpPr>
-          <p:cNvPr id="3" name="내용 개체 틀 2"/>
-          <p:cNvSpPr>
-            <a:spLocks noGrp="1"/>
-          </p:cNvSpPr>
-          <p:nvPr>
-            <p:ph idx="1"/>
-          </p:nvPr>
-        </p:nvSpPr>
-        <p:spPr/>
-        <p:txBody>
-          <a:bodyPr/>
-          <a:lstStyle/>
-          <a:p>
-            <a:endParaRPr lang="ko-KR" altLang="en-US" dirty="0"/>
-          </a:p>
-        </p:txBody>
-      </p:sp>
       <p:pic>
         <p:nvPicPr>
-          <p:cNvPr id="4" name="_x132994824" descr="EMB0000256845e6"/>
+          <p:cNvPr id="4099" name="Picture 3"/>
           <p:cNvPicPr>
             <a:picLocks noChangeAspect="1" noChangeArrowheads="1"/>
           </p:cNvPicPr>
           <p:nvPr/>
         </p:nvPicPr>
         <p:blipFill>
-          <a:blip r:embed="rId2"/>
-          <a:srcRect l="18217" t="20183" r="18347" b="6595"/>
-          <a:stretch>
-            <a:fillRect/>
-          </a:stretch>
-        </p:blipFill>
-        <p:spPr bwMode="auto">
-          <a:xfrm>
-            <a:off x="827584" y="1772816"/>
-            <a:ext cx="6822353" cy="4429156"/>
-          </a:xfrm>
-          <a:prstGeom prst="rect">
-            <a:avLst/>
-          </a:prstGeom>
-          <a:noFill/>
-        </p:spPr>
-      </p:pic>
-    </p:spTree>
-    <p:extLst>
-      <p:ext uri="{BB962C8B-B14F-4D97-AF65-F5344CB8AC3E}">
-        <p14:creationId xmlns:p14="http://schemas.microsoft.com/office/powerpoint/2010/main" val="1949211382"/>
-      </p:ext>
-    </p:extLst>
-  </p:cSld>
-  <p:clrMapOvr>
-    <a:masterClrMapping/>
-  </p:clrMapOvr>
-  <p:timing>
-    <p:tnLst>
-      <p:par>
-        <p:cTn id="1" dur="indefinite" restart="never" nodeType="tmRoot"/>
-      </p:par>
-    </p:tnLst>
-  </p:timing>
-</p:sld>
-</file>
-
-<file path=ppt/slides/slide12.xml><?xml version="1.0" encoding="utf-8"?>
-<p:sld xmlns:a="http://schemas.openxmlformats.org/drawingml/2006/main" xmlns:r="http://schemas.openxmlformats.org/officeDocument/2006/relationships" xmlns:p="http://schemas.openxmlformats.org/presentationml/2006/main">
-  <p:cSld>
-    <p:spTree>
-      <p:nvGrpSpPr>
-        <p:cNvPr id="1" name=""/>
-        <p:cNvGrpSpPr/>
-        <p:nvPr/>
-      </p:nvGrpSpPr>
-      <p:grpSpPr>
-        <a:xfrm>
-          <a:off x="0" y="0"/>
-          <a:ext cx="0" cy="0"/>
-          <a:chOff x="0" y="0"/>
-          <a:chExt cx="0" cy="0"/>
-        </a:xfrm>
-      </p:grpSpPr>
-      <p:sp>
-        <p:nvSpPr>
-          <p:cNvPr id="2074" name="모서리가 둥근 직사각형 2073"/>
-          <p:cNvSpPr/>
-          <p:nvPr/>
-        </p:nvSpPr>
-        <p:spPr>
-          <a:xfrm>
-            <a:off x="611560" y="1736812"/>
-            <a:ext cx="6306566" cy="1224136"/>
-          </a:xfrm>
-          <a:prstGeom prst="roundRect">
-            <a:avLst/>
-          </a:prstGeom>
-        </p:spPr>
-        <p:style>
-          <a:lnRef idx="1">
-            <a:schemeClr val="accent3"/>
-          </a:lnRef>
-          <a:fillRef idx="2">
-            <a:schemeClr val="accent3"/>
-          </a:fillRef>
-          <a:effectRef idx="1">
-            <a:schemeClr val="accent3"/>
-          </a:effectRef>
-          <a:fontRef idx="minor">
-            <a:schemeClr val="dk1"/>
-          </a:fontRef>
-        </p:style>
-        <p:txBody>
-          <a:bodyPr rtlCol="0" anchor="ctr"/>
-          <a:lstStyle/>
-          <a:p>
-            <a:pPr algn="ctr"/>
-            <a:endParaRPr lang="ko-KR" altLang="en-US"/>
-          </a:p>
-        </p:txBody>
-      </p:sp>
-      <p:sp>
-        <p:nvSpPr>
-          <p:cNvPr id="2" name="제목 1"/>
-          <p:cNvSpPr>
-            <a:spLocks noGrp="1"/>
-          </p:cNvSpPr>
-          <p:nvPr>
-            <p:ph type="title"/>
-          </p:nvPr>
-        </p:nvSpPr>
-        <p:spPr>
-          <a:xfrm>
-            <a:off x="457200" y="152718"/>
-            <a:ext cx="6347048" cy="1371600"/>
-          </a:xfrm>
-        </p:spPr>
-        <p:txBody>
-          <a:bodyPr/>
-          <a:lstStyle/>
-          <a:p>
-            <a:r>
-              <a:rPr lang="ko-KR" altLang="en-US" dirty="0" smtClean="0"/>
-              <a:t>주요기능 </a:t>
-            </a:r>
-            <a:r>
-              <a:rPr lang="en-US" altLang="ko-KR" dirty="0" smtClean="0"/>
-              <a:t>– </a:t>
-            </a:r>
-            <a:r>
-              <a:rPr lang="ko-KR" altLang="en-US" dirty="0" smtClean="0"/>
-              <a:t>구조도 및 관계도</a:t>
-            </a:r>
-            <a:endParaRPr lang="ko-KR" altLang="en-US" dirty="0"/>
-          </a:p>
-        </p:txBody>
-      </p:sp>
-      <p:sp>
-        <p:nvSpPr>
-          <p:cNvPr id="3" name="내용 개체 틀 2"/>
-          <p:cNvSpPr>
-            <a:spLocks noGrp="1"/>
-          </p:cNvSpPr>
-          <p:nvPr>
-            <p:ph idx="1"/>
-          </p:nvPr>
-        </p:nvSpPr>
-        <p:spPr/>
-        <p:txBody>
-          <a:bodyPr/>
-          <a:lstStyle/>
-          <a:p>
-            <a:endParaRPr lang="ko-KR" altLang="en-US" dirty="0"/>
-          </a:p>
-        </p:txBody>
-      </p:sp>
-      <p:pic>
-        <p:nvPicPr>
-          <p:cNvPr id="2051" name="Picture 3"/>
-          <p:cNvPicPr>
-            <a:picLocks noChangeAspect="1" noChangeArrowheads="1"/>
-          </p:cNvPicPr>
-          <p:nvPr/>
-        </p:nvPicPr>
-        <p:blipFill>
-          <a:blip r:embed="rId2">
+          <a:blip r:embed="rId3">
             <a:extLst>
               <a:ext uri="{28A0092B-C50C-407E-A947-70E740481C1C}">
                 <a14:useLocalDpi xmlns:a14="http://schemas.microsoft.com/office/drawing/2010/main" val="0"/>
@@ -4023,8 +4224,8 @@
         </p:blipFill>
         <p:spPr bwMode="auto">
           <a:xfrm>
-            <a:off x="7080423" y="980728"/>
-            <a:ext cx="1800225" cy="2781300"/>
+            <a:off x="320778" y="6237312"/>
+            <a:ext cx="8323383" cy="440471"/>
           </a:xfrm>
           <a:prstGeom prst="rect">
             <a:avLst/>
@@ -4064,1029 +4265,16 @@
           </a:extLst>
         </p:spPr>
       </p:pic>
-      <p:sp>
-        <p:nvSpPr>
-          <p:cNvPr id="5" name="순서도: 처리 4"/>
-          <p:cNvSpPr/>
-          <p:nvPr/>
-        </p:nvSpPr>
-        <p:spPr>
-          <a:xfrm>
-            <a:off x="725438" y="1844824"/>
-            <a:ext cx="1728192" cy="1008112"/>
-          </a:xfrm>
-          <a:prstGeom prst="flowChartProcess">
-            <a:avLst/>
-          </a:prstGeom>
-        </p:spPr>
-        <p:style>
-          <a:lnRef idx="2">
-            <a:schemeClr val="accent3">
-              <a:shade val="50000"/>
-            </a:schemeClr>
-          </a:lnRef>
-          <a:fillRef idx="1">
-            <a:schemeClr val="accent3"/>
-          </a:fillRef>
-          <a:effectRef idx="0">
-            <a:schemeClr val="accent3"/>
-          </a:effectRef>
-          <a:fontRef idx="minor">
-            <a:schemeClr val="lt1"/>
-          </a:fontRef>
-        </p:style>
-        <p:txBody>
-          <a:bodyPr rtlCol="0" anchor="ctr"/>
-          <a:lstStyle/>
-          <a:p>
-            <a:pPr algn="ctr"/>
-            <a:r>
-              <a:rPr lang="ko-KR" altLang="en-US" sz="2800" dirty="0" smtClean="0">
-                <a:latin typeface="배달의민족 주아" pitchFamily="18" charset="-127"/>
-                <a:ea typeface="배달의민족 주아" pitchFamily="18" charset="-127"/>
-              </a:rPr>
-              <a:t>클라이언트</a:t>
-            </a:r>
-            <a:endParaRPr lang="ko-KR" altLang="en-US" sz="2800" dirty="0">
-              <a:latin typeface="배달의민족 주아" pitchFamily="18" charset="-127"/>
-              <a:ea typeface="배달의민족 주아" pitchFamily="18" charset="-127"/>
-            </a:endParaRPr>
-          </a:p>
-        </p:txBody>
-      </p:sp>
-      <p:sp>
-        <p:nvSpPr>
-          <p:cNvPr id="6" name="모서리가 둥근 직사각형 5"/>
-          <p:cNvSpPr/>
-          <p:nvPr/>
-        </p:nvSpPr>
-        <p:spPr>
-          <a:xfrm>
-            <a:off x="2838636" y="2024844"/>
-            <a:ext cx="1728192" cy="648072"/>
-          </a:xfrm>
-          <a:prstGeom prst="roundRect">
-            <a:avLst/>
-          </a:prstGeom>
-        </p:spPr>
-        <p:style>
-          <a:lnRef idx="2">
-            <a:schemeClr val="accent3"/>
-          </a:lnRef>
-          <a:fillRef idx="1">
-            <a:schemeClr val="lt1"/>
-          </a:fillRef>
-          <a:effectRef idx="0">
-            <a:schemeClr val="accent3"/>
-          </a:effectRef>
-          <a:fontRef idx="minor">
-            <a:schemeClr val="dk1"/>
-          </a:fontRef>
-        </p:style>
-        <p:txBody>
-          <a:bodyPr rtlCol="0" anchor="ctr"/>
-          <a:lstStyle/>
-          <a:p>
-            <a:pPr algn="ctr"/>
-            <a:r>
-              <a:rPr lang="ko-KR" altLang="en-US" dirty="0" smtClean="0">
-                <a:latin typeface="배달의민족 주아" pitchFamily="18" charset="-127"/>
-                <a:ea typeface="배달의민족 주아" pitchFamily="18" charset="-127"/>
-              </a:rPr>
-              <a:t>애니메이션 </a:t>
-            </a:r>
-            <a:endParaRPr lang="en-US" altLang="ko-KR" dirty="0" smtClean="0">
-              <a:latin typeface="배달의민족 주아" pitchFamily="18" charset="-127"/>
-              <a:ea typeface="배달의민족 주아" pitchFamily="18" charset="-127"/>
-            </a:endParaRPr>
-          </a:p>
-          <a:p>
-            <a:pPr algn="ctr"/>
-            <a:r>
-              <a:rPr lang="ko-KR" altLang="en-US" dirty="0" smtClean="0">
-                <a:latin typeface="배달의민족 주아" pitchFamily="18" charset="-127"/>
-                <a:ea typeface="배달의민족 주아" pitchFamily="18" charset="-127"/>
-              </a:rPr>
-              <a:t>패널 </a:t>
-            </a:r>
-            <a:r>
-              <a:rPr lang="ko-KR" altLang="en-US" dirty="0" err="1" smtClean="0">
-                <a:latin typeface="배달의민족 주아" pitchFamily="18" charset="-127"/>
-                <a:ea typeface="배달의민족 주아" pitchFamily="18" charset="-127"/>
-              </a:rPr>
-              <a:t>쓰레</a:t>
-            </a:r>
-            <a:r>
-              <a:rPr lang="ko-KR" altLang="en-US" dirty="0" err="1">
-                <a:latin typeface="배달의민족 주아" pitchFamily="18" charset="-127"/>
-                <a:ea typeface="배달의민족 주아" pitchFamily="18" charset="-127"/>
-              </a:rPr>
-              <a:t>드</a:t>
-            </a:r>
-            <a:endParaRPr lang="ko-KR" altLang="en-US" dirty="0">
-              <a:latin typeface="배달의민족 주아" pitchFamily="18" charset="-127"/>
-              <a:ea typeface="배달의민족 주아" pitchFamily="18" charset="-127"/>
-            </a:endParaRPr>
-          </a:p>
-        </p:txBody>
-      </p:sp>
-      <p:sp>
-        <p:nvSpPr>
-          <p:cNvPr id="9" name="모서리가 둥근 직사각형 8"/>
-          <p:cNvSpPr/>
-          <p:nvPr/>
-        </p:nvSpPr>
-        <p:spPr>
-          <a:xfrm>
-            <a:off x="4993332" y="2024844"/>
-            <a:ext cx="1728192" cy="648072"/>
-          </a:xfrm>
-          <a:prstGeom prst="roundRect">
-            <a:avLst/>
-          </a:prstGeom>
-        </p:spPr>
-        <p:style>
-          <a:lnRef idx="2">
-            <a:schemeClr val="accent3"/>
-          </a:lnRef>
-          <a:fillRef idx="1">
-            <a:schemeClr val="lt1"/>
-          </a:fillRef>
-          <a:effectRef idx="0">
-            <a:schemeClr val="accent3"/>
-          </a:effectRef>
-          <a:fontRef idx="minor">
-            <a:schemeClr val="dk1"/>
-          </a:fontRef>
-        </p:style>
-        <p:txBody>
-          <a:bodyPr rtlCol="0" anchor="ctr"/>
-          <a:lstStyle/>
-          <a:p>
-            <a:pPr algn="ctr"/>
-            <a:r>
-              <a:rPr lang="en-US" altLang="ko-KR" dirty="0" smtClean="0">
-                <a:latin typeface="배달의민족 주아" pitchFamily="18" charset="-127"/>
-                <a:ea typeface="배달의민족 주아" pitchFamily="18" charset="-127"/>
-              </a:rPr>
-              <a:t>Reader</a:t>
-            </a:r>
-          </a:p>
-          <a:p>
-            <a:pPr algn="ctr"/>
-            <a:r>
-              <a:rPr lang="en-US" altLang="ko-KR" dirty="0" smtClean="0">
-                <a:latin typeface="배달의민족 주아" pitchFamily="18" charset="-127"/>
-                <a:ea typeface="배달의민족 주아" pitchFamily="18" charset="-127"/>
-              </a:rPr>
-              <a:t>Thread</a:t>
-            </a:r>
-            <a:endParaRPr lang="ko-KR" altLang="en-US" dirty="0">
-              <a:latin typeface="배달의민족 주아" pitchFamily="18" charset="-127"/>
-              <a:ea typeface="배달의민족 주아" pitchFamily="18" charset="-127"/>
-            </a:endParaRPr>
-          </a:p>
-        </p:txBody>
-      </p:sp>
-      <p:sp>
-        <p:nvSpPr>
-          <p:cNvPr id="7" name="직사각형 6"/>
-          <p:cNvSpPr/>
-          <p:nvPr/>
-        </p:nvSpPr>
-        <p:spPr>
-          <a:xfrm>
-            <a:off x="2992735" y="3616263"/>
-            <a:ext cx="1944216" cy="864096"/>
-          </a:xfrm>
-          <a:prstGeom prst="rect">
-            <a:avLst/>
-          </a:prstGeom>
-        </p:spPr>
-        <p:style>
-          <a:lnRef idx="2">
-            <a:schemeClr val="accent6">
-              <a:shade val="50000"/>
-            </a:schemeClr>
-          </a:lnRef>
-          <a:fillRef idx="1">
-            <a:schemeClr val="accent6"/>
-          </a:fillRef>
-          <a:effectRef idx="0">
-            <a:schemeClr val="accent6"/>
-          </a:effectRef>
-          <a:fontRef idx="minor">
-            <a:schemeClr val="lt1"/>
-          </a:fontRef>
-        </p:style>
-        <p:txBody>
-          <a:bodyPr rtlCol="0" anchor="ctr"/>
-          <a:lstStyle/>
-          <a:p>
-            <a:pPr algn="ctr"/>
-            <a:r>
-              <a:rPr lang="en-US" altLang="ko-KR" sz="2800" dirty="0" smtClean="0">
-                <a:latin typeface="배달의민족 주아" pitchFamily="18" charset="-127"/>
-                <a:ea typeface="배달의민족 주아" pitchFamily="18" charset="-127"/>
-              </a:rPr>
-              <a:t>Message</a:t>
-            </a:r>
-          </a:p>
-          <a:p>
-            <a:pPr algn="ctr"/>
-            <a:r>
-              <a:rPr lang="en-US" altLang="ko-KR" dirty="0" smtClean="0">
-                <a:solidFill>
-                  <a:schemeClr val="bg1">
-                    <a:lumMod val="95000"/>
-                  </a:schemeClr>
-                </a:solidFill>
-                <a:latin typeface="배달의민족 주아" pitchFamily="18" charset="-127"/>
-                <a:ea typeface="배달의민족 주아" pitchFamily="18" charset="-127"/>
-              </a:rPr>
-              <a:t>Object </a:t>
-            </a:r>
-            <a:r>
-              <a:rPr lang="ko-KR" altLang="en-US" dirty="0" smtClean="0">
-                <a:solidFill>
-                  <a:schemeClr val="bg1">
-                    <a:lumMod val="95000"/>
-                  </a:schemeClr>
-                </a:solidFill>
-                <a:latin typeface="배달의민족 주아" pitchFamily="18" charset="-127"/>
-                <a:ea typeface="배달의민족 주아" pitchFamily="18" charset="-127"/>
-              </a:rPr>
-              <a:t>전달 객체</a:t>
-            </a:r>
-            <a:endParaRPr lang="ko-KR" altLang="en-US" dirty="0">
-              <a:solidFill>
-                <a:schemeClr val="bg1">
-                  <a:lumMod val="95000"/>
-                </a:schemeClr>
-              </a:solidFill>
-              <a:latin typeface="배달의민족 주아" pitchFamily="18" charset="-127"/>
-              <a:ea typeface="배달의민족 주아" pitchFamily="18" charset="-127"/>
-            </a:endParaRPr>
-          </a:p>
-        </p:txBody>
-      </p:sp>
-      <p:sp>
-        <p:nvSpPr>
-          <p:cNvPr id="8" name="직사각형 7"/>
-          <p:cNvSpPr/>
-          <p:nvPr/>
-        </p:nvSpPr>
-        <p:spPr>
-          <a:xfrm>
-            <a:off x="725438" y="5008599"/>
-            <a:ext cx="1728192" cy="1008112"/>
-          </a:xfrm>
-          <a:prstGeom prst="rect">
-            <a:avLst/>
-          </a:prstGeom>
-        </p:spPr>
-        <p:style>
-          <a:lnRef idx="2">
-            <a:schemeClr val="accent1">
-              <a:shade val="50000"/>
-            </a:schemeClr>
-          </a:lnRef>
-          <a:fillRef idx="1">
-            <a:schemeClr val="accent1"/>
-          </a:fillRef>
-          <a:effectRef idx="0">
-            <a:schemeClr val="accent1"/>
-          </a:effectRef>
-          <a:fontRef idx="minor">
-            <a:schemeClr val="lt1"/>
-          </a:fontRef>
-        </p:style>
-        <p:txBody>
-          <a:bodyPr rtlCol="0" anchor="ctr"/>
-          <a:lstStyle/>
-          <a:p>
-            <a:pPr algn="ctr"/>
-            <a:r>
-              <a:rPr lang="ko-KR" altLang="en-US" sz="2800" dirty="0" smtClean="0">
-                <a:latin typeface="배달의민족 주아" pitchFamily="18" charset="-127"/>
-                <a:ea typeface="배달의민족 주아" pitchFamily="18" charset="-127"/>
-              </a:rPr>
-              <a:t>서버</a:t>
-            </a:r>
-            <a:endParaRPr lang="ko-KR" altLang="en-US" sz="2800" dirty="0">
-              <a:latin typeface="배달의민족 주아" pitchFamily="18" charset="-127"/>
-              <a:ea typeface="배달의민족 주아" pitchFamily="18" charset="-127"/>
-            </a:endParaRPr>
-          </a:p>
-        </p:txBody>
-      </p:sp>
-      <p:sp>
-        <p:nvSpPr>
-          <p:cNvPr id="12" name="모서리가 둥근 직사각형 11"/>
-          <p:cNvSpPr/>
-          <p:nvPr/>
-        </p:nvSpPr>
-        <p:spPr>
-          <a:xfrm>
-            <a:off x="3208759" y="5238700"/>
-            <a:ext cx="1728192" cy="648072"/>
-          </a:xfrm>
-          <a:prstGeom prst="roundRect">
-            <a:avLst/>
-          </a:prstGeom>
-        </p:spPr>
-        <p:style>
-          <a:lnRef idx="2">
-            <a:schemeClr val="accent1"/>
-          </a:lnRef>
-          <a:fillRef idx="1">
-            <a:schemeClr val="lt1"/>
-          </a:fillRef>
-          <a:effectRef idx="0">
-            <a:schemeClr val="accent1"/>
-          </a:effectRef>
-          <a:fontRef idx="minor">
-            <a:schemeClr val="dk1"/>
-          </a:fontRef>
-        </p:style>
-        <p:txBody>
-          <a:bodyPr rtlCol="0" anchor="ctr"/>
-          <a:lstStyle/>
-          <a:p>
-            <a:pPr algn="ctr"/>
-            <a:r>
-              <a:rPr lang="ko-KR" altLang="en-US" dirty="0" smtClean="0">
-                <a:latin typeface="배달의민족 주아" pitchFamily="18" charset="-127"/>
-                <a:ea typeface="배달의민족 주아" pitchFamily="18" charset="-127"/>
-              </a:rPr>
-              <a:t>클라이언트 통신 </a:t>
-            </a:r>
-            <a:r>
-              <a:rPr lang="en-US" altLang="ko-KR" dirty="0" smtClean="0">
-                <a:latin typeface="배달의민족 주아" pitchFamily="18" charset="-127"/>
-                <a:ea typeface="배달의민족 주아" pitchFamily="18" charset="-127"/>
-              </a:rPr>
-              <a:t>Com </a:t>
-            </a:r>
-            <a:r>
-              <a:rPr lang="ko-KR" altLang="en-US" dirty="0" smtClean="0">
-                <a:latin typeface="배달의민족 주아" pitchFamily="18" charset="-127"/>
-                <a:ea typeface="배달의민족 주아" pitchFamily="18" charset="-127"/>
-              </a:rPr>
-              <a:t>클래스</a:t>
-            </a:r>
-            <a:endParaRPr lang="ko-KR" altLang="en-US" dirty="0">
-              <a:latin typeface="배달의민족 주아" pitchFamily="18" charset="-127"/>
-              <a:ea typeface="배달의민족 주아" pitchFamily="18" charset="-127"/>
-            </a:endParaRPr>
-          </a:p>
-        </p:txBody>
-      </p:sp>
-      <p:sp>
-        <p:nvSpPr>
-          <p:cNvPr id="13" name="직사각형 12"/>
-          <p:cNvSpPr/>
-          <p:nvPr/>
-        </p:nvSpPr>
-        <p:spPr>
-          <a:xfrm>
-            <a:off x="6588224" y="5373216"/>
-            <a:ext cx="1728192" cy="1008112"/>
-          </a:xfrm>
-          <a:prstGeom prst="rect">
-            <a:avLst/>
-          </a:prstGeom>
-        </p:spPr>
-        <p:style>
-          <a:lnRef idx="2">
-            <a:schemeClr val="accent2">
-              <a:shade val="50000"/>
-            </a:schemeClr>
-          </a:lnRef>
-          <a:fillRef idx="1">
-            <a:schemeClr val="accent2"/>
-          </a:fillRef>
-          <a:effectRef idx="0">
-            <a:schemeClr val="accent2"/>
-          </a:effectRef>
-          <a:fontRef idx="minor">
-            <a:schemeClr val="lt1"/>
-          </a:fontRef>
-        </p:style>
-        <p:txBody>
-          <a:bodyPr rtlCol="0" anchor="ctr"/>
-          <a:lstStyle/>
-          <a:p>
-            <a:pPr algn="ctr"/>
-            <a:r>
-              <a:rPr lang="en-US" altLang="ko-KR" sz="2800" dirty="0" smtClean="0">
-                <a:latin typeface="배달의민족 주아" pitchFamily="18" charset="-127"/>
-                <a:ea typeface="배달의민족 주아" pitchFamily="18" charset="-127"/>
-              </a:rPr>
-              <a:t>DB</a:t>
-            </a:r>
-          </a:p>
-        </p:txBody>
-      </p:sp>
-      <p:sp>
-        <p:nvSpPr>
-          <p:cNvPr id="15" name="직사각형 14"/>
-          <p:cNvSpPr/>
-          <p:nvPr/>
-        </p:nvSpPr>
-        <p:spPr>
-          <a:xfrm>
-            <a:off x="6707621" y="4121621"/>
-            <a:ext cx="1503784" cy="665684"/>
-          </a:xfrm>
-          <a:prstGeom prst="rect">
-            <a:avLst/>
-          </a:prstGeom>
-        </p:spPr>
-        <p:style>
-          <a:lnRef idx="2">
-            <a:schemeClr val="accent5">
-              <a:shade val="50000"/>
-            </a:schemeClr>
-          </a:lnRef>
-          <a:fillRef idx="1">
-            <a:schemeClr val="accent5"/>
-          </a:fillRef>
-          <a:effectRef idx="0">
-            <a:schemeClr val="accent5"/>
-          </a:effectRef>
-          <a:fontRef idx="minor">
-            <a:schemeClr val="lt1"/>
-          </a:fontRef>
-        </p:style>
-        <p:txBody>
-          <a:bodyPr rtlCol="0" anchor="ctr"/>
-          <a:lstStyle/>
-          <a:p>
-            <a:pPr algn="ctr"/>
-            <a:r>
-              <a:rPr lang="en-US" altLang="ko-KR" sz="3200" dirty="0" smtClean="0">
-                <a:solidFill>
-                  <a:schemeClr val="bg1">
-                    <a:lumMod val="95000"/>
-                  </a:schemeClr>
-                </a:solidFill>
-                <a:latin typeface="배달의민족 주아" pitchFamily="18" charset="-127"/>
-                <a:ea typeface="배달의민족 주아" pitchFamily="18" charset="-127"/>
-              </a:rPr>
-              <a:t>DAO</a:t>
-            </a:r>
-            <a:endParaRPr lang="ko-KR" altLang="en-US" sz="3200" dirty="0">
-              <a:solidFill>
-                <a:schemeClr val="bg1">
-                  <a:lumMod val="95000"/>
-                </a:schemeClr>
-              </a:solidFill>
-              <a:latin typeface="배달의민족 주아" pitchFamily="18" charset="-127"/>
-              <a:ea typeface="배달의민족 주아" pitchFamily="18" charset="-127"/>
-            </a:endParaRPr>
-          </a:p>
-        </p:txBody>
-      </p:sp>
-      <p:cxnSp>
-        <p:nvCxnSpPr>
-          <p:cNvPr id="11" name="직선 화살표 연결선 10"/>
-          <p:cNvCxnSpPr>
-            <a:stCxn id="15" idx="2"/>
-            <a:endCxn id="13" idx="0"/>
-          </p:cNvCxnSpPr>
-          <p:nvPr/>
-        </p:nvCxnSpPr>
-        <p:spPr>
-          <a:xfrm flipH="1">
-            <a:off x="7452320" y="4787305"/>
-            <a:ext cx="7193" cy="585911"/>
-          </a:xfrm>
-          <a:prstGeom prst="straightConnector1">
-            <a:avLst/>
-          </a:prstGeom>
-          <a:ln>
-            <a:headEnd type="arrow"/>
-            <a:tailEnd type="arrow"/>
-          </a:ln>
-        </p:spPr>
-        <p:style>
-          <a:lnRef idx="2">
-            <a:schemeClr val="accent5"/>
-          </a:lnRef>
-          <a:fillRef idx="0">
-            <a:schemeClr val="accent5"/>
-          </a:fillRef>
-          <a:effectRef idx="1">
-            <a:schemeClr val="accent5"/>
-          </a:effectRef>
-          <a:fontRef idx="minor">
-            <a:schemeClr val="tx1"/>
-          </a:fontRef>
-        </p:style>
-      </p:cxnSp>
-      <p:cxnSp>
-        <p:nvCxnSpPr>
-          <p:cNvPr id="2067" name="직선 화살표 연결선 2066"/>
-          <p:cNvCxnSpPr>
-            <a:stCxn id="7" idx="2"/>
-          </p:cNvCxnSpPr>
-          <p:nvPr/>
-        </p:nvCxnSpPr>
-        <p:spPr>
-          <a:xfrm>
-            <a:off x="3964843" y="4480359"/>
-            <a:ext cx="0" cy="758341"/>
-          </a:xfrm>
-          <a:prstGeom prst="straightConnector1">
-            <a:avLst/>
-          </a:prstGeom>
-          <a:ln w="28575">
-            <a:tailEnd type="arrow"/>
-          </a:ln>
-        </p:spPr>
-        <p:style>
-          <a:lnRef idx="1">
-            <a:schemeClr val="accent6"/>
-          </a:lnRef>
-          <a:fillRef idx="0">
-            <a:schemeClr val="accent6"/>
-          </a:fillRef>
-          <a:effectRef idx="0">
-            <a:schemeClr val="accent6"/>
-          </a:effectRef>
-          <a:fontRef idx="minor">
-            <a:schemeClr val="tx1"/>
-          </a:fontRef>
-        </p:style>
-      </p:cxnSp>
-      <p:cxnSp>
-        <p:nvCxnSpPr>
-          <p:cNvPr id="2069" name="직선 화살표 연결선 2068"/>
-          <p:cNvCxnSpPr/>
-          <p:nvPr/>
-        </p:nvCxnSpPr>
-        <p:spPr>
-          <a:xfrm>
-            <a:off x="2225874" y="5592452"/>
-            <a:ext cx="970930" cy="0"/>
-          </a:xfrm>
-          <a:prstGeom prst="straightConnector1">
-            <a:avLst/>
-          </a:prstGeom>
-          <a:ln w="28575">
-            <a:headEnd type="arrow"/>
-            <a:tailEnd type="arrow"/>
-          </a:ln>
-        </p:spPr>
-        <p:style>
-          <a:lnRef idx="1">
-            <a:schemeClr val="accent1"/>
-          </a:lnRef>
-          <a:fillRef idx="0">
-            <a:schemeClr val="accent1"/>
-          </a:fillRef>
-          <a:effectRef idx="0">
-            <a:schemeClr val="accent1"/>
-          </a:effectRef>
-          <a:fontRef idx="minor">
-            <a:schemeClr val="tx1"/>
-          </a:fontRef>
-        </p:style>
-      </p:cxnSp>
-      <p:cxnSp>
-        <p:nvCxnSpPr>
-          <p:cNvPr id="57" name="직선 화살표 연결선 56"/>
-          <p:cNvCxnSpPr>
-            <a:stCxn id="12" idx="3"/>
-            <a:endCxn id="15" idx="1"/>
-          </p:cNvCxnSpPr>
-          <p:nvPr/>
-        </p:nvCxnSpPr>
-        <p:spPr>
-          <a:xfrm flipV="1">
-            <a:off x="4936951" y="4454463"/>
-            <a:ext cx="1770670" cy="1108273"/>
-          </a:xfrm>
-          <a:prstGeom prst="straightConnector1">
-            <a:avLst/>
-          </a:prstGeom>
-          <a:ln w="28575">
-            <a:headEnd type="arrow"/>
-            <a:tailEnd type="arrow"/>
-          </a:ln>
-        </p:spPr>
-        <p:style>
-          <a:lnRef idx="1">
-            <a:schemeClr val="accent1"/>
-          </a:lnRef>
-          <a:fillRef idx="0">
-            <a:schemeClr val="accent1"/>
-          </a:fillRef>
-          <a:effectRef idx="0">
-            <a:schemeClr val="accent1"/>
-          </a:effectRef>
-          <a:fontRef idx="minor">
-            <a:schemeClr val="tx1"/>
-          </a:fontRef>
-        </p:style>
-      </p:cxnSp>
-      <p:cxnSp>
-        <p:nvCxnSpPr>
-          <p:cNvPr id="2076" name="직선 화살표 연결선 2075"/>
-          <p:cNvCxnSpPr>
-            <a:endCxn id="7" idx="0"/>
-          </p:cNvCxnSpPr>
-          <p:nvPr/>
-        </p:nvCxnSpPr>
-        <p:spPr>
-          <a:xfrm>
-            <a:off x="3964843" y="2960948"/>
-            <a:ext cx="0" cy="655315"/>
-          </a:xfrm>
-          <a:prstGeom prst="straightConnector1">
-            <a:avLst/>
-          </a:prstGeom>
-          <a:ln w="28575">
-            <a:headEnd type="arrow"/>
-            <a:tailEnd type="arrow"/>
-          </a:ln>
-        </p:spPr>
-        <p:style>
-          <a:lnRef idx="1">
-            <a:schemeClr val="accent3"/>
-          </a:lnRef>
-          <a:fillRef idx="0">
-            <a:schemeClr val="accent3"/>
-          </a:fillRef>
-          <a:effectRef idx="0">
-            <a:schemeClr val="accent3"/>
-          </a:effectRef>
-          <a:fontRef idx="minor">
-            <a:schemeClr val="tx1"/>
-          </a:fontRef>
-        </p:style>
-      </p:cxnSp>
-    </p:spTree>
-    <p:extLst>
-      <p:ext uri="{BB962C8B-B14F-4D97-AF65-F5344CB8AC3E}">
-        <p14:creationId xmlns:p14="http://schemas.microsoft.com/office/powerpoint/2010/main" val="2969952495"/>
-      </p:ext>
-    </p:extLst>
-  </p:cSld>
-  <p:clrMapOvr>
-    <a:masterClrMapping/>
-  </p:clrMapOvr>
-  <p:timing>
-    <p:tnLst>
-      <p:par>
-        <p:cTn id="1" dur="indefinite" restart="never" nodeType="tmRoot"/>
-      </p:par>
-    </p:tnLst>
-  </p:timing>
-</p:sld>
-</file>
-
-<file path=ppt/slides/slide13.xml><?xml version="1.0" encoding="utf-8"?>
-<p:sld xmlns:a="http://schemas.openxmlformats.org/drawingml/2006/main" xmlns:r="http://schemas.openxmlformats.org/officeDocument/2006/relationships" xmlns:p="http://schemas.openxmlformats.org/presentationml/2006/main" show="0">
-  <p:cSld>
-    <p:spTree>
-      <p:nvGrpSpPr>
-        <p:cNvPr id="1" name=""/>
-        <p:cNvGrpSpPr/>
-        <p:nvPr/>
-      </p:nvGrpSpPr>
-      <p:grpSpPr>
-        <a:xfrm>
-          <a:off x="0" y="0"/>
-          <a:ext cx="0" cy="0"/>
-          <a:chOff x="0" y="0"/>
-          <a:chExt cx="0" cy="0"/>
-        </a:xfrm>
-      </p:grpSpPr>
-      <p:sp>
-        <p:nvSpPr>
-          <p:cNvPr id="2" name="제목 1"/>
-          <p:cNvSpPr>
-            <a:spLocks noGrp="1"/>
-          </p:cNvSpPr>
-          <p:nvPr>
-            <p:ph type="title"/>
-          </p:nvPr>
-        </p:nvSpPr>
-        <p:spPr/>
-        <p:txBody>
-          <a:bodyPr>
-            <a:normAutofit/>
-          </a:bodyPr>
-          <a:lstStyle/>
-          <a:p>
-            <a:r>
-              <a:rPr lang="en-US" altLang="ko-KR" dirty="0" err="1" smtClean="0"/>
-              <a:t>JOptionPane</a:t>
-            </a:r>
-            <a:r>
-              <a:rPr lang="en-US" altLang="ko-KR" dirty="0" smtClean="0"/>
-              <a:t>__</a:t>
-            </a:r>
-            <a:r>
-              <a:rPr lang="en-US" altLang="ko-KR" dirty="0" err="1" smtClean="0"/>
-              <a:t>F.AddWindowListener</a:t>
-            </a:r>
-            <a:endParaRPr lang="ko-KR" altLang="en-US" dirty="0"/>
-          </a:p>
-        </p:txBody>
-      </p:sp>
-      <p:sp>
-        <p:nvSpPr>
-          <p:cNvPr id="3" name="내용 개체 틀 2"/>
-          <p:cNvSpPr>
-            <a:spLocks noGrp="1"/>
-          </p:cNvSpPr>
-          <p:nvPr>
-            <p:ph idx="1"/>
-          </p:nvPr>
-        </p:nvSpPr>
-        <p:spPr>
-          <a:xfrm>
-            <a:off x="822960" y="1100628"/>
-            <a:ext cx="7520940" cy="4920660"/>
-          </a:xfrm>
-        </p:spPr>
-        <p:txBody>
-          <a:bodyPr/>
-          <a:lstStyle/>
-          <a:p>
-            <a:endParaRPr lang="ko-KR" altLang="en-US"/>
-          </a:p>
-        </p:txBody>
-      </p:sp>
-    </p:spTree>
-    <p:extLst>
-      <p:ext uri="{BB962C8B-B14F-4D97-AF65-F5344CB8AC3E}">
-        <p14:creationId xmlns:p14="http://schemas.microsoft.com/office/powerpoint/2010/main" val="2180749487"/>
-      </p:ext>
-    </p:extLst>
-  </p:cSld>
-  <p:clrMapOvr>
-    <a:masterClrMapping/>
-  </p:clrMapOvr>
-  <mc:AlternateContent xmlns:mc="http://schemas.openxmlformats.org/markup-compatibility/2006" xmlns:p14="http://schemas.microsoft.com/office/powerpoint/2010/main">
-    <mc:Choice Requires="p14">
-      <p:transition spd="slow" p14:dur="2000"/>
-    </mc:Choice>
-    <mc:Fallback xmlns="">
-      <p:transition spd="slow"/>
-    </mc:Fallback>
-  </mc:AlternateContent>
-  <p:timing>
-    <p:tnLst>
-      <p:par>
-        <p:cTn id="1" dur="indefinite" restart="never" nodeType="tmRoot"/>
-      </p:par>
-    </p:tnLst>
-  </p:timing>
-</p:sld>
-</file>
-
-<file path=ppt/slides/slide14.xml><?xml version="1.0" encoding="utf-8"?>
-<p:sld xmlns:a="http://schemas.openxmlformats.org/drawingml/2006/main" xmlns:r="http://schemas.openxmlformats.org/officeDocument/2006/relationships" xmlns:p="http://schemas.openxmlformats.org/presentationml/2006/main" show="0">
-  <p:cSld>
-    <p:spTree>
-      <p:nvGrpSpPr>
-        <p:cNvPr id="1" name=""/>
-        <p:cNvGrpSpPr/>
-        <p:nvPr/>
-      </p:nvGrpSpPr>
-      <p:grpSpPr>
-        <a:xfrm>
-          <a:off x="0" y="0"/>
-          <a:ext cx="0" cy="0"/>
-          <a:chOff x="0" y="0"/>
-          <a:chExt cx="0" cy="0"/>
-        </a:xfrm>
-      </p:grpSpPr>
-      <p:sp>
-        <p:nvSpPr>
-          <p:cNvPr id="2" name="제목 1"/>
-          <p:cNvSpPr>
-            <a:spLocks noGrp="1"/>
-          </p:cNvSpPr>
-          <p:nvPr>
-            <p:ph type="title"/>
-          </p:nvPr>
-        </p:nvSpPr>
-        <p:spPr/>
-        <p:txBody>
-          <a:bodyPr/>
-          <a:lstStyle/>
-          <a:p>
-            <a:r>
-              <a:rPr lang="en-US" altLang="ko-KR" dirty="0" smtClean="0"/>
-              <a:t>Automatic cursor transfer</a:t>
-            </a:r>
-            <a:endParaRPr lang="ko-KR" altLang="en-US" dirty="0"/>
-          </a:p>
-        </p:txBody>
-      </p:sp>
-      <p:sp>
-        <p:nvSpPr>
-          <p:cNvPr id="3" name="내용 개체 틀 2"/>
-          <p:cNvSpPr>
-            <a:spLocks noGrp="1"/>
-          </p:cNvSpPr>
-          <p:nvPr>
-            <p:ph idx="1"/>
-          </p:nvPr>
-        </p:nvSpPr>
-        <p:spPr/>
-        <p:txBody>
-          <a:bodyPr/>
-          <a:lstStyle/>
-          <a:p>
-            <a:endParaRPr lang="ko-KR" altLang="en-US"/>
-          </a:p>
-        </p:txBody>
-      </p:sp>
-    </p:spTree>
-    <p:extLst>
-      <p:ext uri="{BB962C8B-B14F-4D97-AF65-F5344CB8AC3E}">
-        <p14:creationId xmlns:p14="http://schemas.microsoft.com/office/powerpoint/2010/main" val="3383701645"/>
-      </p:ext>
-    </p:extLst>
-  </p:cSld>
-  <p:clrMapOvr>
-    <a:masterClrMapping/>
-  </p:clrMapOvr>
-  <mc:AlternateContent xmlns:mc="http://schemas.openxmlformats.org/markup-compatibility/2006" xmlns:p14="http://schemas.microsoft.com/office/powerpoint/2010/main">
-    <mc:Choice Requires="p14">
-      <p:transition spd="slow" p14:dur="2000"/>
-    </mc:Choice>
-    <mc:Fallback xmlns="">
-      <p:transition spd="slow"/>
-    </mc:Fallback>
-  </mc:AlternateContent>
-  <p:timing>
-    <p:tnLst>
-      <p:par>
-        <p:cTn id="1" dur="indefinite" restart="never" nodeType="tmRoot"/>
-      </p:par>
-    </p:tnLst>
-  </p:timing>
-</p:sld>
-</file>
-
-<file path=ppt/slides/slide15.xml><?xml version="1.0" encoding="utf-8"?>
-<p:sld xmlns:a="http://schemas.openxmlformats.org/drawingml/2006/main" xmlns:r="http://schemas.openxmlformats.org/officeDocument/2006/relationships" xmlns:p="http://schemas.openxmlformats.org/presentationml/2006/main">
-  <p:cSld>
-    <p:spTree>
-      <p:nvGrpSpPr>
-        <p:cNvPr id="1" name=""/>
-        <p:cNvGrpSpPr/>
-        <p:nvPr/>
-      </p:nvGrpSpPr>
-      <p:grpSpPr>
-        <a:xfrm>
-          <a:off x="0" y="0"/>
-          <a:ext cx="0" cy="0"/>
-          <a:chOff x="0" y="0"/>
-          <a:chExt cx="0" cy="0"/>
-        </a:xfrm>
-      </p:grpSpPr>
-      <p:sp>
-        <p:nvSpPr>
-          <p:cNvPr id="2" name="제목 1"/>
-          <p:cNvSpPr>
-            <a:spLocks noGrp="1"/>
-          </p:cNvSpPr>
-          <p:nvPr>
-            <p:ph type="title"/>
-          </p:nvPr>
-        </p:nvSpPr>
-        <p:spPr/>
-        <p:txBody>
-          <a:bodyPr/>
-          <a:lstStyle/>
-          <a:p>
-            <a:r>
-              <a:rPr lang="ko-KR" altLang="en-US" dirty="0" smtClean="0"/>
-              <a:t>핵심구현내용</a:t>
-            </a:r>
-            <a:endParaRPr lang="ko-KR" altLang="en-US" dirty="0"/>
-          </a:p>
-        </p:txBody>
-      </p:sp>
-      <p:sp>
-        <p:nvSpPr>
-          <p:cNvPr id="3" name="내용 개체 틀 2"/>
-          <p:cNvSpPr>
-            <a:spLocks noGrp="1"/>
-          </p:cNvSpPr>
-          <p:nvPr>
-            <p:ph idx="1"/>
-          </p:nvPr>
-        </p:nvSpPr>
-        <p:spPr/>
-        <p:txBody>
-          <a:bodyPr/>
-          <a:lstStyle/>
-          <a:p>
-            <a:endParaRPr lang="ko-KR" altLang="en-US"/>
-          </a:p>
-        </p:txBody>
-      </p:sp>
-    </p:spTree>
-    <p:extLst>
-      <p:ext uri="{BB962C8B-B14F-4D97-AF65-F5344CB8AC3E}">
-        <p14:creationId xmlns:p14="http://schemas.microsoft.com/office/powerpoint/2010/main" val="824570909"/>
-      </p:ext>
-    </p:extLst>
-  </p:cSld>
-  <p:clrMapOvr>
-    <a:masterClrMapping/>
-  </p:clrMapOvr>
-  <p:timing>
-    <p:tnLst>
-      <p:par>
-        <p:cTn id="1" dur="indefinite" restart="never" nodeType="tmRoot"/>
-      </p:par>
-    </p:tnLst>
-  </p:timing>
-</p:sld>
-</file>
-
-<file path=ppt/slides/slide16.xml><?xml version="1.0" encoding="utf-8"?>
-<p:sld xmlns:a="http://schemas.openxmlformats.org/drawingml/2006/main" xmlns:r="http://schemas.openxmlformats.org/officeDocument/2006/relationships" xmlns:p="http://schemas.openxmlformats.org/presentationml/2006/main">
-  <p:cSld>
-    <p:spTree>
-      <p:nvGrpSpPr>
-        <p:cNvPr id="1" name=""/>
-        <p:cNvGrpSpPr/>
-        <p:nvPr/>
-      </p:nvGrpSpPr>
-      <p:grpSpPr>
-        <a:xfrm>
-          <a:off x="0" y="0"/>
-          <a:ext cx="0" cy="0"/>
-          <a:chOff x="0" y="0"/>
-          <a:chExt cx="0" cy="0"/>
-        </a:xfrm>
-      </p:grpSpPr>
-      <p:sp>
-        <p:nvSpPr>
-          <p:cNvPr id="2" name="제목 1"/>
-          <p:cNvSpPr>
-            <a:spLocks noGrp="1"/>
-          </p:cNvSpPr>
-          <p:nvPr>
-            <p:ph type="title"/>
-          </p:nvPr>
-        </p:nvSpPr>
-        <p:spPr/>
-        <p:txBody>
-          <a:bodyPr/>
-          <a:lstStyle/>
-          <a:p>
-            <a:r>
-              <a:rPr lang="ko-KR" altLang="en-US" dirty="0" smtClean="0"/>
-              <a:t>시연행</a:t>
-            </a:r>
-            <a:r>
-              <a:rPr lang="ko-KR" altLang="en-US" dirty="0"/>
-              <a:t>사</a:t>
-            </a:r>
-          </a:p>
-        </p:txBody>
-      </p:sp>
-      <p:sp>
-        <p:nvSpPr>
-          <p:cNvPr id="3" name="내용 개체 틀 2"/>
-          <p:cNvSpPr>
-            <a:spLocks noGrp="1"/>
-          </p:cNvSpPr>
-          <p:nvPr>
-            <p:ph idx="1"/>
-          </p:nvPr>
-        </p:nvSpPr>
-        <p:spPr/>
-        <p:txBody>
-          <a:bodyPr/>
-          <a:lstStyle/>
-          <a:p>
-            <a:endParaRPr lang="ko-KR" altLang="en-US" dirty="0"/>
-          </a:p>
-        </p:txBody>
-      </p:sp>
       <p:pic>
         <p:nvPicPr>
-          <p:cNvPr id="6146" name="Picture 2"/>
+          <p:cNvPr id="1026" name="Picture 2"/>
           <p:cNvPicPr>
             <a:picLocks noChangeAspect="1" noChangeArrowheads="1"/>
           </p:cNvPicPr>
           <p:nvPr/>
         </p:nvPicPr>
         <p:blipFill>
-          <a:blip r:embed="rId2">
+          <a:blip r:embed="rId4">
             <a:extLst>
               <a:ext uri="{28A0092B-C50C-407E-A947-70E740481C1C}">
                 <a14:useLocalDpi xmlns:a14="http://schemas.microsoft.com/office/drawing/2010/main" val="0"/>
@@ -5100,8 +4288,8 @@
         </p:blipFill>
         <p:spPr bwMode="auto">
           <a:xfrm>
-            <a:off x="2123728" y="1916832"/>
-            <a:ext cx="4845918" cy="4153644"/>
+            <a:off x="573460" y="3173048"/>
+            <a:ext cx="4430588" cy="216714"/>
           </a:xfrm>
           <a:prstGeom prst="rect">
             <a:avLst/>
@@ -5141,166 +4329,9 @@
           </a:extLst>
         </p:spPr>
       </p:pic>
-    </p:spTree>
-    <p:extLst>
-      <p:ext uri="{BB962C8B-B14F-4D97-AF65-F5344CB8AC3E}">
-        <p14:creationId xmlns:p14="http://schemas.microsoft.com/office/powerpoint/2010/main" val="1056049080"/>
-      </p:ext>
-    </p:extLst>
-  </p:cSld>
-  <p:clrMapOvr>
-    <a:masterClrMapping/>
-  </p:clrMapOvr>
-  <p:timing>
-    <p:tnLst>
-      <p:par>
-        <p:cTn id="1" dur="indefinite" restart="never" nodeType="tmRoot"/>
-      </p:par>
-    </p:tnLst>
-  </p:timing>
-</p:sld>
-</file>
-
-<file path=ppt/slides/slide17.xml><?xml version="1.0" encoding="utf-8"?>
-<p:sld xmlns:a="http://schemas.openxmlformats.org/drawingml/2006/main" xmlns:r="http://schemas.openxmlformats.org/officeDocument/2006/relationships" xmlns:p="http://schemas.openxmlformats.org/presentationml/2006/main">
-  <p:cSld>
-    <p:spTree>
-      <p:nvGrpSpPr>
-        <p:cNvPr id="1" name=""/>
-        <p:cNvGrpSpPr/>
-        <p:nvPr/>
-      </p:nvGrpSpPr>
-      <p:grpSpPr>
-        <a:xfrm>
-          <a:off x="0" y="0"/>
-          <a:ext cx="0" cy="0"/>
-          <a:chOff x="0" y="0"/>
-          <a:chExt cx="0" cy="0"/>
-        </a:xfrm>
-      </p:grpSpPr>
-      <p:sp>
-        <p:nvSpPr>
-          <p:cNvPr id="2" name="제목 1"/>
-          <p:cNvSpPr>
-            <a:spLocks noGrp="1"/>
-          </p:cNvSpPr>
-          <p:nvPr>
-            <p:ph type="title"/>
-          </p:nvPr>
-        </p:nvSpPr>
-        <p:spPr/>
-        <p:txBody>
-          <a:bodyPr/>
-          <a:lstStyle/>
-          <a:p>
-            <a:r>
-              <a:rPr lang="ko-KR" altLang="en-US" dirty="0" smtClean="0"/>
-              <a:t>개발환경</a:t>
-            </a:r>
-            <a:endParaRPr lang="ko-KR" altLang="en-US" dirty="0"/>
-          </a:p>
-        </p:txBody>
-      </p:sp>
-      <p:sp>
-        <p:nvSpPr>
-          <p:cNvPr id="3" name="내용 개체 틀 2"/>
-          <p:cNvSpPr>
-            <a:spLocks noGrp="1"/>
-          </p:cNvSpPr>
-          <p:nvPr>
-            <p:ph idx="1"/>
-          </p:nvPr>
-        </p:nvSpPr>
-        <p:spPr/>
-        <p:txBody>
-          <a:bodyPr/>
-          <a:lstStyle/>
-          <a:p>
-            <a:endParaRPr lang="ko-KR" altLang="en-US" dirty="0"/>
-          </a:p>
-        </p:txBody>
-      </p:sp>
       <p:pic>
         <p:nvPicPr>
-          <p:cNvPr id="4" name="_x132804408" descr="EMB0000256845de"/>
-          <p:cNvPicPr>
-            <a:picLocks noChangeAspect="1" noChangeArrowheads="1"/>
-          </p:cNvPicPr>
-          <p:nvPr/>
-        </p:nvPicPr>
-        <p:blipFill>
-          <a:blip r:embed="rId2"/>
-          <a:srcRect l="39427" t="29942" r="54169" b="61066"/>
-          <a:stretch>
-            <a:fillRect/>
-          </a:stretch>
-        </p:blipFill>
-        <p:spPr bwMode="auto">
-          <a:xfrm>
-            <a:off x="683568" y="1700808"/>
-            <a:ext cx="1958975" cy="1547812"/>
-          </a:xfrm>
-          <a:prstGeom prst="rect">
-            <a:avLst/>
-          </a:prstGeom>
-          <a:noFill/>
-        </p:spPr>
-      </p:pic>
-      <p:pic>
-        <p:nvPicPr>
-          <p:cNvPr id="5" name="_x133002616" descr="EMB0000256845df"/>
-          <p:cNvPicPr>
-            <a:picLocks noChangeAspect="1" noChangeArrowheads="1"/>
-          </p:cNvPicPr>
-          <p:nvPr/>
-        </p:nvPicPr>
-        <p:blipFill>
-          <a:blip r:embed="rId3"/>
-          <a:srcRect l="11835" t="50485" r="46875" b="32840"/>
-          <a:stretch>
-            <a:fillRect/>
-          </a:stretch>
-        </p:blipFill>
-        <p:spPr bwMode="auto">
-          <a:xfrm>
-            <a:off x="3995936" y="1380477"/>
-            <a:ext cx="4087422" cy="928694"/>
-          </a:xfrm>
-          <a:prstGeom prst="rect">
-            <a:avLst/>
-          </a:prstGeom>
-          <a:noFill/>
-        </p:spPr>
-      </p:pic>
-      <p:pic>
-        <p:nvPicPr>
-          <p:cNvPr id="6" name="_x132791880" descr="EMB0000256845e0"/>
-          <p:cNvPicPr>
-            <a:picLocks noChangeAspect="1" noChangeArrowheads="1"/>
-          </p:cNvPicPr>
-          <p:nvPr/>
-        </p:nvPicPr>
-        <p:blipFill>
-          <a:blip r:embed="rId4"/>
-          <a:srcRect l="632" t="8801" r="80090" b="75450"/>
-          <a:stretch>
-            <a:fillRect/>
-          </a:stretch>
-        </p:blipFill>
-        <p:spPr bwMode="auto">
-          <a:xfrm>
-            <a:off x="683568" y="4581128"/>
-            <a:ext cx="2667887" cy="1224136"/>
-          </a:xfrm>
-          <a:prstGeom prst="rect">
-            <a:avLst/>
-          </a:prstGeom>
-          <a:noFill/>
-        </p:spPr>
-      </p:pic>
-      <p:pic>
-        <p:nvPicPr>
-          <p:cNvPr id="1026" name="Picture 2" descr="mysql에 대한 이미지 검색결과"/>
+          <p:cNvPr id="1027" name="Picture 3"/>
           <p:cNvPicPr>
             <a:picLocks noChangeAspect="1" noChangeArrowheads="1"/>
           </p:cNvPicPr>
@@ -5321,266 +4352,8 @@
         </p:blipFill>
         <p:spPr bwMode="auto">
           <a:xfrm>
-            <a:off x="4722521" y="3429000"/>
-            <a:ext cx="3333750" cy="2505076"/>
-          </a:xfrm>
-          <a:prstGeom prst="rect">
-            <a:avLst/>
-          </a:prstGeom>
-          <a:noFill/>
-          <a:extLst>
-            <a:ext uri="{909E8E84-426E-40DD-AFC4-6F175D3DCCD1}">
-              <a14:hiddenFill xmlns:a14="http://schemas.microsoft.com/office/drawing/2010/main">
-                <a:solidFill>
-                  <a:srgbClr val="FFFFFF"/>
-                </a:solidFill>
-              </a14:hiddenFill>
-            </a:ext>
-          </a:extLst>
-        </p:spPr>
-      </p:pic>
-      <p:pic>
-        <p:nvPicPr>
-          <p:cNvPr id="1028" name="Picture 4" descr="heidisql에 대한 이미지 검색결과"/>
-          <p:cNvPicPr>
-            <a:picLocks noChangeAspect="1" noChangeArrowheads="1"/>
-          </p:cNvPicPr>
-          <p:nvPr/>
-        </p:nvPicPr>
-        <p:blipFill>
-          <a:blip r:embed="rId6">
-            <a:extLst>
-              <a:ext uri="{28A0092B-C50C-407E-A947-70E740481C1C}">
-                <a14:useLocalDpi xmlns:a14="http://schemas.microsoft.com/office/drawing/2010/main" val="0"/>
-              </a:ext>
-            </a:extLst>
-          </a:blip>
-          <a:srcRect/>
-          <a:stretch>
-            <a:fillRect/>
-          </a:stretch>
-        </p:blipFill>
-        <p:spPr bwMode="auto">
-          <a:xfrm>
-            <a:off x="3563147" y="3300188"/>
-            <a:ext cx="2476500" cy="628651"/>
-          </a:xfrm>
-          <a:prstGeom prst="rect">
-            <a:avLst/>
-          </a:prstGeom>
-          <a:noFill/>
-          <a:extLst>
-            <a:ext uri="{909E8E84-426E-40DD-AFC4-6F175D3DCCD1}">
-              <a14:hiddenFill xmlns:a14="http://schemas.microsoft.com/office/drawing/2010/main">
-                <a:solidFill>
-                  <a:srgbClr val="FFFFFF"/>
-                </a:solidFill>
-              </a14:hiddenFill>
-            </a:ext>
-          </a:extLst>
-        </p:spPr>
-      </p:pic>
-    </p:spTree>
-    <p:extLst>
-      <p:ext uri="{BB962C8B-B14F-4D97-AF65-F5344CB8AC3E}">
-        <p14:creationId xmlns:p14="http://schemas.microsoft.com/office/powerpoint/2010/main" val="2556381479"/>
-      </p:ext>
-    </p:extLst>
-  </p:cSld>
-  <p:clrMapOvr>
-    <a:masterClrMapping/>
-  </p:clrMapOvr>
-  <p:timing>
-    <p:tnLst>
-      <p:par>
-        <p:cTn id="1" dur="indefinite" restart="never" nodeType="tmRoot"/>
-      </p:par>
-    </p:tnLst>
-  </p:timing>
-</p:sld>
-</file>
-
-<file path=ppt/slides/slide18.xml><?xml version="1.0" encoding="utf-8"?>
-<p:sld xmlns:a="http://schemas.openxmlformats.org/drawingml/2006/main" xmlns:r="http://schemas.openxmlformats.org/officeDocument/2006/relationships" xmlns:p="http://schemas.openxmlformats.org/presentationml/2006/main">
-  <p:cSld>
-    <p:spTree>
-      <p:nvGrpSpPr>
-        <p:cNvPr id="1" name=""/>
-        <p:cNvGrpSpPr/>
-        <p:nvPr/>
-      </p:nvGrpSpPr>
-      <p:grpSpPr>
-        <a:xfrm>
-          <a:off x="0" y="0"/>
-          <a:ext cx="0" cy="0"/>
-          <a:chOff x="0" y="0"/>
-          <a:chExt cx="0" cy="0"/>
-        </a:xfrm>
-      </p:grpSpPr>
-      <p:sp>
-        <p:nvSpPr>
-          <p:cNvPr id="2" name="제목 1"/>
-          <p:cNvSpPr>
-            <a:spLocks noGrp="1"/>
-          </p:cNvSpPr>
-          <p:nvPr>
-            <p:ph type="title"/>
-          </p:nvPr>
-        </p:nvSpPr>
-        <p:spPr/>
-        <p:txBody>
-          <a:bodyPr/>
-          <a:lstStyle/>
-          <a:p>
-            <a:r>
-              <a:rPr lang="ko-KR" altLang="en-US" dirty="0" smtClean="0"/>
-              <a:t>소감</a:t>
-            </a:r>
-            <a:endParaRPr lang="ko-KR" altLang="en-US" dirty="0"/>
-          </a:p>
-        </p:txBody>
-      </p:sp>
-      <p:sp>
-        <p:nvSpPr>
-          <p:cNvPr id="3" name="내용 개체 틀 2"/>
-          <p:cNvSpPr>
-            <a:spLocks noGrp="1"/>
-          </p:cNvSpPr>
-          <p:nvPr>
-            <p:ph idx="1"/>
-          </p:nvPr>
-        </p:nvSpPr>
-        <p:spPr/>
-        <p:txBody>
-          <a:bodyPr/>
-          <a:lstStyle/>
-          <a:p>
-            <a:r>
-              <a:rPr lang="ko-KR" altLang="en-US" dirty="0" smtClean="0"/>
-              <a:t>에러와의 지속되는 싸움으로 지쳤지만 뭐가 하나 구현될 때마다 카타르시스를 느꼈습니다</a:t>
-            </a:r>
-            <a:r>
-              <a:rPr lang="en-US" altLang="ko-KR" dirty="0" smtClean="0"/>
-              <a:t>.</a:t>
-            </a:r>
-          </a:p>
-          <a:p>
-            <a:r>
-              <a:rPr lang="ko-KR" altLang="en-US" dirty="0" smtClean="0"/>
-              <a:t>건강관리를 잘 해야겠습니다</a:t>
-            </a:r>
-            <a:r>
-              <a:rPr lang="en-US" altLang="ko-KR" dirty="0" smtClean="0"/>
-              <a:t>.</a:t>
-            </a:r>
-            <a:endParaRPr lang="ko-KR" altLang="en-US" dirty="0"/>
-          </a:p>
-        </p:txBody>
-      </p:sp>
-    </p:spTree>
-    <p:extLst>
-      <p:ext uri="{BB962C8B-B14F-4D97-AF65-F5344CB8AC3E}">
-        <p14:creationId xmlns:p14="http://schemas.microsoft.com/office/powerpoint/2010/main" val="367682305"/>
-      </p:ext>
-    </p:extLst>
-  </p:cSld>
-  <p:clrMapOvr>
-    <a:masterClrMapping/>
-  </p:clrMapOvr>
-  <p:timing>
-    <p:tnLst>
-      <p:par>
-        <p:cTn id="1" dur="indefinite" restart="never" nodeType="tmRoot"/>
-      </p:par>
-    </p:tnLst>
-  </p:timing>
-</p:sld>
-</file>
-
-<file path=ppt/slides/slide19.xml><?xml version="1.0" encoding="utf-8"?>
-<p:sld xmlns:a="http://schemas.openxmlformats.org/drawingml/2006/main" xmlns:r="http://schemas.openxmlformats.org/officeDocument/2006/relationships" xmlns:p="http://schemas.openxmlformats.org/presentationml/2006/main">
-  <p:cSld>
-    <p:spTree>
-      <p:nvGrpSpPr>
-        <p:cNvPr id="1" name=""/>
-        <p:cNvGrpSpPr/>
-        <p:nvPr/>
-      </p:nvGrpSpPr>
-      <p:grpSpPr>
-        <a:xfrm>
-          <a:off x="0" y="0"/>
-          <a:ext cx="0" cy="0"/>
-          <a:chOff x="0" y="0"/>
-          <a:chExt cx="0" cy="0"/>
-        </a:xfrm>
-      </p:grpSpPr>
-      <p:sp>
-        <p:nvSpPr>
-          <p:cNvPr id="2" name="제목 1"/>
-          <p:cNvSpPr>
-            <a:spLocks noGrp="1"/>
-          </p:cNvSpPr>
-          <p:nvPr>
-            <p:ph type="title"/>
-          </p:nvPr>
-        </p:nvSpPr>
-        <p:spPr/>
-        <p:txBody>
-          <a:bodyPr/>
-          <a:lstStyle/>
-          <a:p>
-            <a:r>
-              <a:rPr lang="en-US" altLang="ko-KR" dirty="0" smtClean="0"/>
-              <a:t>Special thanks to:</a:t>
-            </a:r>
-            <a:endParaRPr lang="ko-KR" altLang="en-US" dirty="0"/>
-          </a:p>
-        </p:txBody>
-      </p:sp>
-      <p:sp>
-        <p:nvSpPr>
-          <p:cNvPr id="3" name="내용 개체 틀 2"/>
-          <p:cNvSpPr>
-            <a:spLocks noGrp="1"/>
-          </p:cNvSpPr>
-          <p:nvPr>
-            <p:ph idx="1"/>
-          </p:nvPr>
-        </p:nvSpPr>
-        <p:spPr/>
-        <p:txBody>
-          <a:bodyPr/>
-          <a:lstStyle/>
-          <a:p>
-            <a:endParaRPr lang="ko-KR" altLang="en-US" dirty="0"/>
-          </a:p>
-        </p:txBody>
-      </p:sp>
-      <p:pic>
-        <p:nvPicPr>
-          <p:cNvPr id="3074" name="Picture 2"/>
-          <p:cNvPicPr>
-            <a:picLocks noChangeAspect="1" noChangeArrowheads="1"/>
-          </p:cNvPicPr>
-          <p:nvPr/>
-        </p:nvPicPr>
-        <p:blipFill>
-          <a:blip r:embed="rId2">
-            <a:extLst>
-              <a:ext uri="{28A0092B-C50C-407E-A947-70E740481C1C}">
-                <a14:useLocalDpi xmlns:a14="http://schemas.microsoft.com/office/drawing/2010/main" val="0"/>
-              </a:ext>
-            </a:extLst>
-          </a:blip>
-          <a:srcRect/>
-          <a:stretch>
-            <a:fillRect/>
-          </a:stretch>
-        </p:blipFill>
-        <p:spPr bwMode="auto">
-          <a:xfrm>
-            <a:off x="485875" y="1556792"/>
-            <a:ext cx="6263672" cy="1512168"/>
+            <a:off x="573461" y="3439747"/>
+            <a:ext cx="2990428" cy="419553"/>
           </a:xfrm>
           <a:prstGeom prst="rect">
             <a:avLst/>
@@ -5622,14 +4395,14 @@
       </p:pic>
       <p:pic>
         <p:nvPicPr>
-          <p:cNvPr id="3075" name="Picture 3"/>
+          <p:cNvPr id="1028" name="Picture 4"/>
           <p:cNvPicPr>
             <a:picLocks noChangeAspect="1" noChangeArrowheads="1"/>
           </p:cNvPicPr>
           <p:nvPr/>
         </p:nvPicPr>
         <p:blipFill>
-          <a:blip r:embed="rId3">
+          <a:blip r:embed="rId6">
             <a:extLst>
               <a:ext uri="{28A0092B-C50C-407E-A947-70E740481C1C}">
                 <a14:useLocalDpi xmlns:a14="http://schemas.microsoft.com/office/drawing/2010/main" val="0"/>
@@ -5643,8 +4416,8 @@
         </p:blipFill>
         <p:spPr bwMode="auto">
           <a:xfrm>
-            <a:off x="485875" y="3068960"/>
-            <a:ext cx="6726138" cy="581176"/>
+            <a:off x="573461" y="3922116"/>
+            <a:ext cx="3096344" cy="1994255"/>
           </a:xfrm>
           <a:prstGeom prst="rect">
             <a:avLst/>
@@ -5684,16 +4457,159 @@
           </a:extLst>
         </p:spPr>
       </p:pic>
+    </p:spTree>
+    <p:extLst>
+      <p:ext uri="{BB962C8B-B14F-4D97-AF65-F5344CB8AC3E}">
+        <p14:creationId xmlns:p14="http://schemas.microsoft.com/office/powerpoint/2010/main" val="4205439488"/>
+      </p:ext>
+    </p:extLst>
+  </p:cSld>
+  <p:clrMapOvr>
+    <a:masterClrMapping/>
+  </p:clrMapOvr>
+  <p:timing>
+    <p:tnLst>
+      <p:par>
+        <p:cTn id="1" dur="indefinite" restart="never" nodeType="tmRoot"/>
+      </p:par>
+    </p:tnLst>
+  </p:timing>
+</p:sld>
+</file>
+
+<file path=ppt/slides/slide11.xml><?xml version="1.0" encoding="utf-8"?>
+<p:sld xmlns:a="http://schemas.openxmlformats.org/drawingml/2006/main" xmlns:r="http://schemas.openxmlformats.org/officeDocument/2006/relationships" xmlns:p="http://schemas.openxmlformats.org/presentationml/2006/main">
+  <p:cSld>
+    <p:spTree>
+      <p:nvGrpSpPr>
+        <p:cNvPr id="1" name=""/>
+        <p:cNvGrpSpPr/>
+        <p:nvPr/>
+      </p:nvGrpSpPr>
+      <p:grpSpPr>
+        <a:xfrm>
+          <a:off x="0" y="0"/>
+          <a:ext cx="0" cy="0"/>
+          <a:chOff x="0" y="0"/>
+          <a:chExt cx="0" cy="0"/>
+        </a:xfrm>
+      </p:grpSpPr>
+      <p:sp>
+        <p:nvSpPr>
+          <p:cNvPr id="2" name="제목 1"/>
+          <p:cNvSpPr>
+            <a:spLocks noGrp="1"/>
+          </p:cNvSpPr>
+          <p:nvPr>
+            <p:ph type="title"/>
+          </p:nvPr>
+        </p:nvSpPr>
+        <p:spPr/>
+        <p:txBody>
+          <a:bodyPr/>
+          <a:lstStyle/>
+          <a:p>
+            <a:r>
+              <a:rPr lang="ko-KR" altLang="en-US" dirty="0" smtClean="0"/>
+              <a:t>주요기능 </a:t>
+            </a:r>
+            <a:r>
+              <a:rPr lang="en-US" altLang="ko-KR" dirty="0" smtClean="0"/>
+              <a:t>- </a:t>
+            </a:r>
+            <a:r>
+              <a:rPr lang="ko-KR" altLang="en-US" dirty="0" smtClean="0"/>
+              <a:t>실행화면</a:t>
+            </a:r>
+            <a:endParaRPr lang="ko-KR" altLang="en-US" dirty="0"/>
+          </a:p>
+        </p:txBody>
+      </p:sp>
+      <p:sp>
+        <p:nvSpPr>
+          <p:cNvPr id="3" name="내용 개체 틀 2"/>
+          <p:cNvSpPr>
+            <a:spLocks noGrp="1"/>
+          </p:cNvSpPr>
+          <p:nvPr>
+            <p:ph idx="1"/>
+          </p:nvPr>
+        </p:nvSpPr>
+        <p:spPr>
+          <a:xfrm>
+            <a:off x="467544" y="4941168"/>
+            <a:ext cx="7620000" cy="1473027"/>
+          </a:xfrm>
+        </p:spPr>
+        <p:txBody>
+          <a:bodyPr/>
+          <a:lstStyle/>
+          <a:p>
+            <a:r>
+              <a:rPr lang="ko-KR" altLang="en-US" dirty="0" smtClean="0"/>
+              <a:t>타입 선택하고 </a:t>
+            </a:r>
+            <a:r>
+              <a:rPr lang="en-US" altLang="ko-KR" dirty="0" smtClean="0"/>
+              <a:t>start</a:t>
+            </a:r>
+            <a:r>
+              <a:rPr lang="ko-KR" altLang="en-US" dirty="0" smtClean="0"/>
+              <a:t>버튼을 클릭하면 서버에서 모든 클라이언트에</a:t>
+            </a:r>
+            <a:endParaRPr lang="en-US" altLang="ko-KR" dirty="0" smtClean="0"/>
+          </a:p>
+          <a:p>
+            <a:r>
+              <a:rPr lang="en-US" altLang="ko-KR" dirty="0" smtClean="0"/>
+              <a:t>DB</a:t>
+            </a:r>
+            <a:r>
+              <a:rPr lang="ko-KR" altLang="en-US" dirty="0" smtClean="0"/>
+              <a:t>에서 뽑아온 단어</a:t>
+            </a:r>
+            <a:r>
+              <a:rPr lang="en-US" altLang="ko-KR" dirty="0" smtClean="0"/>
+              <a:t>,  </a:t>
+            </a:r>
+            <a:r>
+              <a:rPr lang="en-US" altLang="ko-KR" dirty="0" err="1" smtClean="0"/>
+              <a:t>x,y</a:t>
+            </a:r>
+            <a:r>
+              <a:rPr lang="ko-KR" altLang="en-US" dirty="0" smtClean="0"/>
+              <a:t>좌표와 속도 조절을 위한 </a:t>
+            </a:r>
+            <a:r>
+              <a:rPr lang="en-US" altLang="ko-KR" dirty="0" err="1" smtClean="0"/>
+              <a:t>deltaY</a:t>
+            </a:r>
+            <a:r>
+              <a:rPr lang="ko-KR" altLang="en-US" dirty="0" smtClean="0"/>
+              <a:t>를 담은 </a:t>
+            </a:r>
+            <a:r>
+              <a:rPr lang="en-US" altLang="ko-KR" dirty="0" err="1" smtClean="0"/>
+              <a:t>ArrayList</a:t>
+            </a:r>
+            <a:r>
+              <a:rPr lang="ko-KR" altLang="en-US" dirty="0" smtClean="0"/>
+              <a:t>를 동일하게 뿌려준다</a:t>
+            </a:r>
+            <a:endParaRPr lang="ko-KR" altLang="en-US" dirty="0"/>
+          </a:p>
+        </p:txBody>
+      </p:sp>
       <p:pic>
         <p:nvPicPr>
-          <p:cNvPr id="3076" name="Picture 4"/>
+          <p:cNvPr id="5122" name="Picture 2"/>
           <p:cNvPicPr>
             <a:picLocks noChangeAspect="1" noChangeArrowheads="1"/>
           </p:cNvPicPr>
           <p:nvPr/>
         </p:nvPicPr>
         <p:blipFill>
-          <a:blip r:embed="rId4">
+          <a:blip r:embed="rId2">
             <a:extLst>
               <a:ext uri="{28A0092B-C50C-407E-A947-70E740481C1C}">
                 <a14:useLocalDpi xmlns:a14="http://schemas.microsoft.com/office/drawing/2010/main" val="0"/>
@@ -5707,8 +4623,8 @@
         </p:blipFill>
         <p:spPr bwMode="auto">
           <a:xfrm>
-            <a:off x="485875" y="3635629"/>
-            <a:ext cx="5616624" cy="509178"/>
+            <a:off x="207548" y="1844824"/>
+            <a:ext cx="8677275" cy="2881313"/>
           </a:xfrm>
           <a:prstGeom prst="rect">
             <a:avLst/>
@@ -5748,16 +4664,232 @@
           </a:extLst>
         </p:spPr>
       </p:pic>
+    </p:spTree>
+    <p:extLst>
+      <p:ext uri="{BB962C8B-B14F-4D97-AF65-F5344CB8AC3E}">
+        <p14:creationId xmlns:p14="http://schemas.microsoft.com/office/powerpoint/2010/main" val="3661848371"/>
+      </p:ext>
+    </p:extLst>
+  </p:cSld>
+  <p:clrMapOvr>
+    <a:masterClrMapping/>
+  </p:clrMapOvr>
+  <p:timing>
+    <p:tnLst>
+      <p:par>
+        <p:cTn id="1" dur="indefinite" restart="never" nodeType="tmRoot"/>
+      </p:par>
+    </p:tnLst>
+  </p:timing>
+</p:sld>
+</file>
+
+<file path=ppt/slides/slide12.xml><?xml version="1.0" encoding="utf-8"?>
+<p:sld xmlns:a="http://schemas.openxmlformats.org/drawingml/2006/main" xmlns:r="http://schemas.openxmlformats.org/officeDocument/2006/relationships" xmlns:p="http://schemas.openxmlformats.org/presentationml/2006/main">
+  <p:cSld>
+    <p:spTree>
+      <p:nvGrpSpPr>
+        <p:cNvPr id="1" name=""/>
+        <p:cNvGrpSpPr/>
+        <p:nvPr/>
+      </p:nvGrpSpPr>
+      <p:grpSpPr>
+        <a:xfrm>
+          <a:off x="0" y="0"/>
+          <a:ext cx="0" cy="0"/>
+          <a:chOff x="0" y="0"/>
+          <a:chExt cx="0" cy="0"/>
+        </a:xfrm>
+      </p:grpSpPr>
+      <p:sp>
+        <p:nvSpPr>
+          <p:cNvPr id="2" name="제목 1"/>
+          <p:cNvSpPr>
+            <a:spLocks noGrp="1"/>
+          </p:cNvSpPr>
+          <p:nvPr>
+            <p:ph type="title"/>
+          </p:nvPr>
+        </p:nvSpPr>
+        <p:spPr/>
+        <p:txBody>
+          <a:bodyPr/>
+          <a:lstStyle/>
+          <a:p>
+            <a:r>
+              <a:rPr lang="en-US" altLang="ko-KR" dirty="0" smtClean="0"/>
+              <a:t>Program flowchart</a:t>
+            </a:r>
+            <a:endParaRPr lang="ko-KR" altLang="en-US" dirty="0"/>
+          </a:p>
+        </p:txBody>
+      </p:sp>
+      <p:sp>
+        <p:nvSpPr>
+          <p:cNvPr id="3" name="내용 개체 틀 2"/>
+          <p:cNvSpPr>
+            <a:spLocks noGrp="1"/>
+          </p:cNvSpPr>
+          <p:nvPr>
+            <p:ph idx="1"/>
+          </p:nvPr>
+        </p:nvSpPr>
+        <p:spPr/>
+        <p:txBody>
+          <a:bodyPr/>
+          <a:lstStyle/>
+          <a:p>
+            <a:endParaRPr lang="ko-KR" altLang="en-US" dirty="0"/>
+          </a:p>
+        </p:txBody>
+      </p:sp>
       <p:pic>
         <p:nvPicPr>
-          <p:cNvPr id="3077" name="Picture 5"/>
+          <p:cNvPr id="4" name="_x132994824" descr="EMB0000256845e6"/>
           <p:cNvPicPr>
             <a:picLocks noChangeAspect="1" noChangeArrowheads="1"/>
           </p:cNvPicPr>
           <p:nvPr/>
         </p:nvPicPr>
         <p:blipFill>
-          <a:blip r:embed="rId5">
+          <a:blip r:embed="rId2"/>
+          <a:srcRect l="18217" t="20183" r="18347" b="6595"/>
+          <a:stretch>
+            <a:fillRect/>
+          </a:stretch>
+        </p:blipFill>
+        <p:spPr bwMode="auto">
+          <a:xfrm>
+            <a:off x="827584" y="1772816"/>
+            <a:ext cx="6822353" cy="4429156"/>
+          </a:xfrm>
+          <a:prstGeom prst="rect">
+            <a:avLst/>
+          </a:prstGeom>
+          <a:noFill/>
+        </p:spPr>
+      </p:pic>
+    </p:spTree>
+    <p:extLst>
+      <p:ext uri="{BB962C8B-B14F-4D97-AF65-F5344CB8AC3E}">
+        <p14:creationId xmlns:p14="http://schemas.microsoft.com/office/powerpoint/2010/main" val="1949211382"/>
+      </p:ext>
+    </p:extLst>
+  </p:cSld>
+  <p:clrMapOvr>
+    <a:masterClrMapping/>
+  </p:clrMapOvr>
+  <p:timing>
+    <p:tnLst>
+      <p:par>
+        <p:cTn id="1" dur="indefinite" restart="never" nodeType="tmRoot"/>
+      </p:par>
+    </p:tnLst>
+  </p:timing>
+</p:sld>
+</file>
+
+<file path=ppt/slides/slide13.xml><?xml version="1.0" encoding="utf-8"?>
+<p:sld xmlns:a="http://schemas.openxmlformats.org/drawingml/2006/main" xmlns:r="http://schemas.openxmlformats.org/officeDocument/2006/relationships" xmlns:p="http://schemas.openxmlformats.org/presentationml/2006/main">
+  <p:cSld>
+    <p:spTree>
+      <p:nvGrpSpPr>
+        <p:cNvPr id="1" name=""/>
+        <p:cNvGrpSpPr/>
+        <p:nvPr/>
+      </p:nvGrpSpPr>
+      <p:grpSpPr>
+        <a:xfrm>
+          <a:off x="0" y="0"/>
+          <a:ext cx="0" cy="0"/>
+          <a:chOff x="0" y="0"/>
+          <a:chExt cx="0" cy="0"/>
+        </a:xfrm>
+      </p:grpSpPr>
+      <p:sp>
+        <p:nvSpPr>
+          <p:cNvPr id="2074" name="모서리가 둥근 직사각형 2073"/>
+          <p:cNvSpPr/>
+          <p:nvPr/>
+        </p:nvSpPr>
+        <p:spPr>
+          <a:xfrm>
+            <a:off x="611560" y="1736812"/>
+            <a:ext cx="6306566" cy="1224136"/>
+          </a:xfrm>
+          <a:prstGeom prst="roundRect">
+            <a:avLst/>
+          </a:prstGeom>
+        </p:spPr>
+        <p:style>
+          <a:lnRef idx="1">
+            <a:schemeClr val="accent3"/>
+          </a:lnRef>
+          <a:fillRef idx="2">
+            <a:schemeClr val="accent3"/>
+          </a:fillRef>
+          <a:effectRef idx="1">
+            <a:schemeClr val="accent3"/>
+          </a:effectRef>
+          <a:fontRef idx="minor">
+            <a:schemeClr val="dk1"/>
+          </a:fontRef>
+        </p:style>
+        <p:txBody>
+          <a:bodyPr rtlCol="0" anchor="ctr"/>
+          <a:lstStyle/>
+          <a:p>
+            <a:pPr algn="ctr"/>
+            <a:endParaRPr lang="ko-KR" altLang="en-US"/>
+          </a:p>
+        </p:txBody>
+      </p:sp>
+      <p:sp>
+        <p:nvSpPr>
+          <p:cNvPr id="2" name="제목 1"/>
+          <p:cNvSpPr>
+            <a:spLocks noGrp="1"/>
+          </p:cNvSpPr>
+          <p:nvPr>
+            <p:ph type="title"/>
+          </p:nvPr>
+        </p:nvSpPr>
+        <p:spPr>
+          <a:xfrm>
+            <a:off x="457200" y="152718"/>
+            <a:ext cx="6347048" cy="1371600"/>
+          </a:xfrm>
+        </p:spPr>
+        <p:txBody>
+          <a:bodyPr/>
+          <a:lstStyle/>
+          <a:p>
+            <a:r>
+              <a:rPr lang="ko-KR" altLang="en-US" dirty="0" smtClean="0"/>
+              <a:t>주요기능 </a:t>
+            </a:r>
+            <a:r>
+              <a:rPr lang="en-US" altLang="ko-KR" dirty="0" smtClean="0"/>
+              <a:t>– </a:t>
+            </a:r>
+            <a:r>
+              <a:rPr lang="ko-KR" altLang="en-US" dirty="0" smtClean="0"/>
+              <a:t>구조도 및 관계도</a:t>
+            </a:r>
+            <a:endParaRPr lang="ko-KR" altLang="en-US" dirty="0"/>
+          </a:p>
+        </p:txBody>
+      </p:sp>
+      <p:pic>
+        <p:nvPicPr>
+          <p:cNvPr id="2051" name="Picture 3"/>
+          <p:cNvPicPr>
+            <a:picLocks noChangeAspect="1" noChangeArrowheads="1"/>
+          </p:cNvPicPr>
+          <p:nvPr/>
+        </p:nvPicPr>
+        <p:blipFill>
+          <a:blip r:embed="rId2">
             <a:extLst>
               <a:ext uri="{28A0092B-C50C-407E-A947-70E740481C1C}">
                 <a14:useLocalDpi xmlns:a14="http://schemas.microsoft.com/office/drawing/2010/main" val="0"/>
@@ -5771,8 +4903,8 @@
         </p:blipFill>
         <p:spPr bwMode="auto">
           <a:xfrm>
-            <a:off x="485875" y="4145551"/>
-            <a:ext cx="6263672" cy="490138"/>
+            <a:off x="7080423" y="980728"/>
+            <a:ext cx="1800225" cy="2781300"/>
           </a:xfrm>
           <a:prstGeom prst="rect">
             <a:avLst/>
@@ -5812,16 +4944,1115 @@
           </a:extLst>
         </p:spPr>
       </p:pic>
+      <p:sp>
+        <p:nvSpPr>
+          <p:cNvPr id="5" name="순서도: 처리 4"/>
+          <p:cNvSpPr/>
+          <p:nvPr/>
+        </p:nvSpPr>
+        <p:spPr>
+          <a:xfrm>
+            <a:off x="725438" y="1844824"/>
+            <a:ext cx="1728192" cy="1008112"/>
+          </a:xfrm>
+          <a:prstGeom prst="flowChartProcess">
+            <a:avLst/>
+          </a:prstGeom>
+        </p:spPr>
+        <p:style>
+          <a:lnRef idx="2">
+            <a:schemeClr val="accent3">
+              <a:shade val="50000"/>
+            </a:schemeClr>
+          </a:lnRef>
+          <a:fillRef idx="1">
+            <a:schemeClr val="accent3"/>
+          </a:fillRef>
+          <a:effectRef idx="0">
+            <a:schemeClr val="accent3"/>
+          </a:effectRef>
+          <a:fontRef idx="minor">
+            <a:schemeClr val="lt1"/>
+          </a:fontRef>
+        </p:style>
+        <p:txBody>
+          <a:bodyPr rtlCol="0" anchor="ctr"/>
+          <a:lstStyle/>
+          <a:p>
+            <a:pPr algn="ctr"/>
+            <a:r>
+              <a:rPr lang="ko-KR" altLang="en-US" sz="2800" dirty="0" smtClean="0">
+                <a:latin typeface="배달의민족 주아" pitchFamily="18" charset="-127"/>
+                <a:ea typeface="배달의민족 주아" pitchFamily="18" charset="-127"/>
+              </a:rPr>
+              <a:t>클라이언트</a:t>
+            </a:r>
+            <a:endParaRPr lang="ko-KR" altLang="en-US" sz="2800" dirty="0">
+              <a:latin typeface="배달의민족 주아" pitchFamily="18" charset="-127"/>
+              <a:ea typeface="배달의민족 주아" pitchFamily="18" charset="-127"/>
+            </a:endParaRPr>
+          </a:p>
+        </p:txBody>
+      </p:sp>
+      <p:sp>
+        <p:nvSpPr>
+          <p:cNvPr id="6" name="모서리가 둥근 직사각형 5"/>
+          <p:cNvSpPr/>
+          <p:nvPr/>
+        </p:nvSpPr>
+        <p:spPr>
+          <a:xfrm>
+            <a:off x="2838636" y="2024844"/>
+            <a:ext cx="1728192" cy="648072"/>
+          </a:xfrm>
+          <a:prstGeom prst="roundRect">
+            <a:avLst/>
+          </a:prstGeom>
+        </p:spPr>
+        <p:style>
+          <a:lnRef idx="2">
+            <a:schemeClr val="accent3"/>
+          </a:lnRef>
+          <a:fillRef idx="1">
+            <a:schemeClr val="lt1"/>
+          </a:fillRef>
+          <a:effectRef idx="0">
+            <a:schemeClr val="accent3"/>
+          </a:effectRef>
+          <a:fontRef idx="minor">
+            <a:schemeClr val="dk1"/>
+          </a:fontRef>
+        </p:style>
+        <p:txBody>
+          <a:bodyPr rtlCol="0" anchor="ctr"/>
+          <a:lstStyle/>
+          <a:p>
+            <a:pPr algn="ctr"/>
+            <a:r>
+              <a:rPr lang="ko-KR" altLang="en-US" dirty="0" smtClean="0">
+                <a:latin typeface="배달의민족 주아" pitchFamily="18" charset="-127"/>
+                <a:ea typeface="배달의민족 주아" pitchFamily="18" charset="-127"/>
+              </a:rPr>
+              <a:t>애니메이션 </a:t>
+            </a:r>
+            <a:endParaRPr lang="en-US" altLang="ko-KR" dirty="0" smtClean="0">
+              <a:latin typeface="배달의민족 주아" pitchFamily="18" charset="-127"/>
+              <a:ea typeface="배달의민족 주아" pitchFamily="18" charset="-127"/>
+            </a:endParaRPr>
+          </a:p>
+          <a:p>
+            <a:pPr algn="ctr"/>
+            <a:r>
+              <a:rPr lang="ko-KR" altLang="en-US" dirty="0" smtClean="0">
+                <a:latin typeface="배달의민족 주아" pitchFamily="18" charset="-127"/>
+                <a:ea typeface="배달의민족 주아" pitchFamily="18" charset="-127"/>
+              </a:rPr>
+              <a:t>패널 </a:t>
+            </a:r>
+            <a:r>
+              <a:rPr lang="ko-KR" altLang="en-US" dirty="0" err="1" smtClean="0">
+                <a:latin typeface="배달의민족 주아" pitchFamily="18" charset="-127"/>
+                <a:ea typeface="배달의민족 주아" pitchFamily="18" charset="-127"/>
+              </a:rPr>
+              <a:t>쓰레</a:t>
+            </a:r>
+            <a:r>
+              <a:rPr lang="ko-KR" altLang="en-US" dirty="0" err="1">
+                <a:latin typeface="배달의민족 주아" pitchFamily="18" charset="-127"/>
+                <a:ea typeface="배달의민족 주아" pitchFamily="18" charset="-127"/>
+              </a:rPr>
+              <a:t>드</a:t>
+            </a:r>
+            <a:endParaRPr lang="ko-KR" altLang="en-US" dirty="0">
+              <a:latin typeface="배달의민족 주아" pitchFamily="18" charset="-127"/>
+              <a:ea typeface="배달의민족 주아" pitchFamily="18" charset="-127"/>
+            </a:endParaRPr>
+          </a:p>
+        </p:txBody>
+      </p:sp>
+      <p:sp>
+        <p:nvSpPr>
+          <p:cNvPr id="9" name="모서리가 둥근 직사각형 8"/>
+          <p:cNvSpPr/>
+          <p:nvPr/>
+        </p:nvSpPr>
+        <p:spPr>
+          <a:xfrm>
+            <a:off x="4993332" y="2024844"/>
+            <a:ext cx="1728192" cy="648072"/>
+          </a:xfrm>
+          <a:prstGeom prst="roundRect">
+            <a:avLst/>
+          </a:prstGeom>
+        </p:spPr>
+        <p:style>
+          <a:lnRef idx="2">
+            <a:schemeClr val="accent3"/>
+          </a:lnRef>
+          <a:fillRef idx="1">
+            <a:schemeClr val="lt1"/>
+          </a:fillRef>
+          <a:effectRef idx="0">
+            <a:schemeClr val="accent3"/>
+          </a:effectRef>
+          <a:fontRef idx="minor">
+            <a:schemeClr val="dk1"/>
+          </a:fontRef>
+        </p:style>
+        <p:txBody>
+          <a:bodyPr rtlCol="0" anchor="ctr"/>
+          <a:lstStyle/>
+          <a:p>
+            <a:pPr algn="ctr"/>
+            <a:r>
+              <a:rPr lang="en-US" altLang="ko-KR" dirty="0" smtClean="0">
+                <a:latin typeface="배달의민족 주아" pitchFamily="18" charset="-127"/>
+                <a:ea typeface="배달의민족 주아" pitchFamily="18" charset="-127"/>
+              </a:rPr>
+              <a:t>Reader</a:t>
+            </a:r>
+          </a:p>
+          <a:p>
+            <a:pPr algn="ctr"/>
+            <a:r>
+              <a:rPr lang="en-US" altLang="ko-KR" dirty="0" smtClean="0">
+                <a:latin typeface="배달의민족 주아" pitchFamily="18" charset="-127"/>
+                <a:ea typeface="배달의민족 주아" pitchFamily="18" charset="-127"/>
+              </a:rPr>
+              <a:t>Thread</a:t>
+            </a:r>
+            <a:endParaRPr lang="ko-KR" altLang="en-US" dirty="0">
+              <a:latin typeface="배달의민족 주아" pitchFamily="18" charset="-127"/>
+              <a:ea typeface="배달의민족 주아" pitchFamily="18" charset="-127"/>
+            </a:endParaRPr>
+          </a:p>
+        </p:txBody>
+      </p:sp>
+      <p:sp>
+        <p:nvSpPr>
+          <p:cNvPr id="7" name="직사각형 6"/>
+          <p:cNvSpPr/>
+          <p:nvPr/>
+        </p:nvSpPr>
+        <p:spPr>
+          <a:xfrm>
+            <a:off x="2992735" y="3616263"/>
+            <a:ext cx="1944216" cy="864096"/>
+          </a:xfrm>
+          <a:prstGeom prst="rect">
+            <a:avLst/>
+          </a:prstGeom>
+        </p:spPr>
+        <p:style>
+          <a:lnRef idx="2">
+            <a:schemeClr val="accent6">
+              <a:shade val="50000"/>
+            </a:schemeClr>
+          </a:lnRef>
+          <a:fillRef idx="1">
+            <a:schemeClr val="accent6"/>
+          </a:fillRef>
+          <a:effectRef idx="0">
+            <a:schemeClr val="accent6"/>
+          </a:effectRef>
+          <a:fontRef idx="minor">
+            <a:schemeClr val="lt1"/>
+          </a:fontRef>
+        </p:style>
+        <p:txBody>
+          <a:bodyPr rtlCol="0" anchor="ctr"/>
+          <a:lstStyle/>
+          <a:p>
+            <a:pPr algn="ctr"/>
+            <a:r>
+              <a:rPr lang="en-US" altLang="ko-KR" sz="2800" dirty="0" smtClean="0">
+                <a:latin typeface="배달의민족 주아" pitchFamily="18" charset="-127"/>
+                <a:ea typeface="배달의민족 주아" pitchFamily="18" charset="-127"/>
+              </a:rPr>
+              <a:t>Message</a:t>
+            </a:r>
+          </a:p>
+          <a:p>
+            <a:pPr algn="ctr"/>
+            <a:r>
+              <a:rPr lang="en-US" altLang="ko-KR" dirty="0" smtClean="0">
+                <a:solidFill>
+                  <a:schemeClr val="bg1">
+                    <a:lumMod val="95000"/>
+                  </a:schemeClr>
+                </a:solidFill>
+                <a:latin typeface="배달의민족 주아" pitchFamily="18" charset="-127"/>
+                <a:ea typeface="배달의민족 주아" pitchFamily="18" charset="-127"/>
+              </a:rPr>
+              <a:t>Object </a:t>
+            </a:r>
+            <a:r>
+              <a:rPr lang="ko-KR" altLang="en-US" dirty="0" smtClean="0">
+                <a:solidFill>
+                  <a:schemeClr val="bg1">
+                    <a:lumMod val="95000"/>
+                  </a:schemeClr>
+                </a:solidFill>
+                <a:latin typeface="배달의민족 주아" pitchFamily="18" charset="-127"/>
+                <a:ea typeface="배달의민족 주아" pitchFamily="18" charset="-127"/>
+              </a:rPr>
+              <a:t>전달 객체</a:t>
+            </a:r>
+            <a:endParaRPr lang="ko-KR" altLang="en-US" dirty="0">
+              <a:solidFill>
+                <a:schemeClr val="bg1">
+                  <a:lumMod val="95000"/>
+                </a:schemeClr>
+              </a:solidFill>
+              <a:latin typeface="배달의민족 주아" pitchFamily="18" charset="-127"/>
+              <a:ea typeface="배달의민족 주아" pitchFamily="18" charset="-127"/>
+            </a:endParaRPr>
+          </a:p>
+        </p:txBody>
+      </p:sp>
+      <p:sp>
+        <p:nvSpPr>
+          <p:cNvPr id="8" name="직사각형 7"/>
+          <p:cNvSpPr/>
+          <p:nvPr/>
+        </p:nvSpPr>
+        <p:spPr>
+          <a:xfrm>
+            <a:off x="725438" y="5008599"/>
+            <a:ext cx="1728192" cy="1008112"/>
+          </a:xfrm>
+          <a:prstGeom prst="rect">
+            <a:avLst/>
+          </a:prstGeom>
+        </p:spPr>
+        <p:style>
+          <a:lnRef idx="2">
+            <a:schemeClr val="accent1">
+              <a:shade val="50000"/>
+            </a:schemeClr>
+          </a:lnRef>
+          <a:fillRef idx="1">
+            <a:schemeClr val="accent1"/>
+          </a:fillRef>
+          <a:effectRef idx="0">
+            <a:schemeClr val="accent1"/>
+          </a:effectRef>
+          <a:fontRef idx="minor">
+            <a:schemeClr val="lt1"/>
+          </a:fontRef>
+        </p:style>
+        <p:txBody>
+          <a:bodyPr rtlCol="0" anchor="ctr"/>
+          <a:lstStyle/>
+          <a:p>
+            <a:pPr algn="ctr"/>
+            <a:r>
+              <a:rPr lang="ko-KR" altLang="en-US" sz="2800" dirty="0" smtClean="0">
+                <a:latin typeface="배달의민족 주아" pitchFamily="18" charset="-127"/>
+                <a:ea typeface="배달의민족 주아" pitchFamily="18" charset="-127"/>
+              </a:rPr>
+              <a:t>서버</a:t>
+            </a:r>
+            <a:endParaRPr lang="ko-KR" altLang="en-US" sz="2800" dirty="0">
+              <a:latin typeface="배달의민족 주아" pitchFamily="18" charset="-127"/>
+              <a:ea typeface="배달의민족 주아" pitchFamily="18" charset="-127"/>
+            </a:endParaRPr>
+          </a:p>
+        </p:txBody>
+      </p:sp>
+      <p:sp>
+        <p:nvSpPr>
+          <p:cNvPr id="12" name="모서리가 둥근 직사각형 11"/>
+          <p:cNvSpPr/>
+          <p:nvPr/>
+        </p:nvSpPr>
+        <p:spPr>
+          <a:xfrm>
+            <a:off x="3208759" y="5238700"/>
+            <a:ext cx="1728192" cy="648072"/>
+          </a:xfrm>
+          <a:prstGeom prst="roundRect">
+            <a:avLst/>
+          </a:prstGeom>
+        </p:spPr>
+        <p:style>
+          <a:lnRef idx="2">
+            <a:schemeClr val="accent1"/>
+          </a:lnRef>
+          <a:fillRef idx="1">
+            <a:schemeClr val="lt1"/>
+          </a:fillRef>
+          <a:effectRef idx="0">
+            <a:schemeClr val="accent1"/>
+          </a:effectRef>
+          <a:fontRef idx="minor">
+            <a:schemeClr val="dk1"/>
+          </a:fontRef>
+        </p:style>
+        <p:txBody>
+          <a:bodyPr rtlCol="0" anchor="ctr"/>
+          <a:lstStyle/>
+          <a:p>
+            <a:pPr algn="ctr"/>
+            <a:r>
+              <a:rPr lang="ko-KR" altLang="en-US" dirty="0" smtClean="0">
+                <a:latin typeface="배달의민족 주아" pitchFamily="18" charset="-127"/>
+                <a:ea typeface="배달의민족 주아" pitchFamily="18" charset="-127"/>
+              </a:rPr>
+              <a:t>클라이언트 통신 </a:t>
+            </a:r>
+            <a:r>
+              <a:rPr lang="en-US" altLang="ko-KR" dirty="0" smtClean="0">
+                <a:latin typeface="배달의민족 주아" pitchFamily="18" charset="-127"/>
+                <a:ea typeface="배달의민족 주아" pitchFamily="18" charset="-127"/>
+              </a:rPr>
+              <a:t>Com </a:t>
+            </a:r>
+            <a:r>
+              <a:rPr lang="ko-KR" altLang="en-US" dirty="0" smtClean="0">
+                <a:latin typeface="배달의민족 주아" pitchFamily="18" charset="-127"/>
+                <a:ea typeface="배달의민족 주아" pitchFamily="18" charset="-127"/>
+              </a:rPr>
+              <a:t>클래스</a:t>
+            </a:r>
+            <a:endParaRPr lang="ko-KR" altLang="en-US" dirty="0">
+              <a:latin typeface="배달의민족 주아" pitchFamily="18" charset="-127"/>
+              <a:ea typeface="배달의민족 주아" pitchFamily="18" charset="-127"/>
+            </a:endParaRPr>
+          </a:p>
+        </p:txBody>
+      </p:sp>
+      <p:sp>
+        <p:nvSpPr>
+          <p:cNvPr id="13" name="직사각형 12"/>
+          <p:cNvSpPr/>
+          <p:nvPr/>
+        </p:nvSpPr>
+        <p:spPr>
+          <a:xfrm>
+            <a:off x="6588224" y="5373216"/>
+            <a:ext cx="1728192" cy="1008112"/>
+          </a:xfrm>
+          <a:prstGeom prst="rect">
+            <a:avLst/>
+          </a:prstGeom>
+        </p:spPr>
+        <p:style>
+          <a:lnRef idx="2">
+            <a:schemeClr val="accent2">
+              <a:shade val="50000"/>
+            </a:schemeClr>
+          </a:lnRef>
+          <a:fillRef idx="1">
+            <a:schemeClr val="accent2"/>
+          </a:fillRef>
+          <a:effectRef idx="0">
+            <a:schemeClr val="accent2"/>
+          </a:effectRef>
+          <a:fontRef idx="minor">
+            <a:schemeClr val="lt1"/>
+          </a:fontRef>
+        </p:style>
+        <p:txBody>
+          <a:bodyPr rtlCol="0" anchor="ctr"/>
+          <a:lstStyle/>
+          <a:p>
+            <a:pPr algn="ctr"/>
+            <a:r>
+              <a:rPr lang="en-US" altLang="ko-KR" sz="2800" dirty="0" smtClean="0">
+                <a:latin typeface="배달의민족 주아" pitchFamily="18" charset="-127"/>
+                <a:ea typeface="배달의민족 주아" pitchFamily="18" charset="-127"/>
+              </a:rPr>
+              <a:t>DB</a:t>
+            </a:r>
+          </a:p>
+        </p:txBody>
+      </p:sp>
+      <p:sp>
+        <p:nvSpPr>
+          <p:cNvPr id="15" name="직사각형 14"/>
+          <p:cNvSpPr/>
+          <p:nvPr/>
+        </p:nvSpPr>
+        <p:spPr>
+          <a:xfrm>
+            <a:off x="6707621" y="4121621"/>
+            <a:ext cx="1503784" cy="665684"/>
+          </a:xfrm>
+          <a:prstGeom prst="rect">
+            <a:avLst/>
+          </a:prstGeom>
+        </p:spPr>
+        <p:style>
+          <a:lnRef idx="2">
+            <a:schemeClr val="accent5">
+              <a:shade val="50000"/>
+            </a:schemeClr>
+          </a:lnRef>
+          <a:fillRef idx="1">
+            <a:schemeClr val="accent5"/>
+          </a:fillRef>
+          <a:effectRef idx="0">
+            <a:schemeClr val="accent5"/>
+          </a:effectRef>
+          <a:fontRef idx="minor">
+            <a:schemeClr val="lt1"/>
+          </a:fontRef>
+        </p:style>
+        <p:txBody>
+          <a:bodyPr rtlCol="0" anchor="ctr"/>
+          <a:lstStyle/>
+          <a:p>
+            <a:pPr algn="ctr"/>
+            <a:r>
+              <a:rPr lang="en-US" altLang="ko-KR" sz="3200" dirty="0" smtClean="0">
+                <a:solidFill>
+                  <a:schemeClr val="bg1">
+                    <a:lumMod val="95000"/>
+                  </a:schemeClr>
+                </a:solidFill>
+                <a:latin typeface="배달의민족 주아" pitchFamily="18" charset="-127"/>
+                <a:ea typeface="배달의민족 주아" pitchFamily="18" charset="-127"/>
+              </a:rPr>
+              <a:t>DAO</a:t>
+            </a:r>
+            <a:endParaRPr lang="ko-KR" altLang="en-US" sz="3200" dirty="0">
+              <a:solidFill>
+                <a:schemeClr val="bg1">
+                  <a:lumMod val="95000"/>
+                </a:schemeClr>
+              </a:solidFill>
+              <a:latin typeface="배달의민족 주아" pitchFamily="18" charset="-127"/>
+              <a:ea typeface="배달의민족 주아" pitchFamily="18" charset="-127"/>
+            </a:endParaRPr>
+          </a:p>
+        </p:txBody>
+      </p:sp>
+      <p:cxnSp>
+        <p:nvCxnSpPr>
+          <p:cNvPr id="11" name="직선 화살표 연결선 10"/>
+          <p:cNvCxnSpPr>
+            <a:stCxn id="15" idx="2"/>
+            <a:endCxn id="13" idx="0"/>
+          </p:cNvCxnSpPr>
+          <p:nvPr/>
+        </p:nvCxnSpPr>
+        <p:spPr>
+          <a:xfrm flipH="1">
+            <a:off x="7452320" y="4787305"/>
+            <a:ext cx="7193" cy="585911"/>
+          </a:xfrm>
+          <a:prstGeom prst="straightConnector1">
+            <a:avLst/>
+          </a:prstGeom>
+          <a:ln>
+            <a:headEnd type="arrow"/>
+            <a:tailEnd type="arrow"/>
+          </a:ln>
+        </p:spPr>
+        <p:style>
+          <a:lnRef idx="2">
+            <a:schemeClr val="accent5"/>
+          </a:lnRef>
+          <a:fillRef idx="0">
+            <a:schemeClr val="accent5"/>
+          </a:fillRef>
+          <a:effectRef idx="1">
+            <a:schemeClr val="accent5"/>
+          </a:effectRef>
+          <a:fontRef idx="minor">
+            <a:schemeClr val="tx1"/>
+          </a:fontRef>
+        </p:style>
+      </p:cxnSp>
+      <p:cxnSp>
+        <p:nvCxnSpPr>
+          <p:cNvPr id="2067" name="직선 화살표 연결선 2066"/>
+          <p:cNvCxnSpPr>
+            <a:stCxn id="7" idx="2"/>
+          </p:cNvCxnSpPr>
+          <p:nvPr/>
+        </p:nvCxnSpPr>
+        <p:spPr>
+          <a:xfrm>
+            <a:off x="3964843" y="4480359"/>
+            <a:ext cx="0" cy="758341"/>
+          </a:xfrm>
+          <a:prstGeom prst="straightConnector1">
+            <a:avLst/>
+          </a:prstGeom>
+          <a:ln w="28575">
+            <a:tailEnd type="arrow"/>
+          </a:ln>
+        </p:spPr>
+        <p:style>
+          <a:lnRef idx="1">
+            <a:schemeClr val="accent6"/>
+          </a:lnRef>
+          <a:fillRef idx="0">
+            <a:schemeClr val="accent6"/>
+          </a:fillRef>
+          <a:effectRef idx="0">
+            <a:schemeClr val="accent6"/>
+          </a:effectRef>
+          <a:fontRef idx="minor">
+            <a:schemeClr val="tx1"/>
+          </a:fontRef>
+        </p:style>
+      </p:cxnSp>
+      <p:cxnSp>
+        <p:nvCxnSpPr>
+          <p:cNvPr id="2069" name="직선 화살표 연결선 2068"/>
+          <p:cNvCxnSpPr/>
+          <p:nvPr/>
+        </p:nvCxnSpPr>
+        <p:spPr>
+          <a:xfrm>
+            <a:off x="2225874" y="5592452"/>
+            <a:ext cx="970930" cy="0"/>
+          </a:xfrm>
+          <a:prstGeom prst="straightConnector1">
+            <a:avLst/>
+          </a:prstGeom>
+          <a:ln w="28575">
+            <a:headEnd type="arrow"/>
+            <a:tailEnd type="arrow"/>
+          </a:ln>
+        </p:spPr>
+        <p:style>
+          <a:lnRef idx="1">
+            <a:schemeClr val="accent1"/>
+          </a:lnRef>
+          <a:fillRef idx="0">
+            <a:schemeClr val="accent1"/>
+          </a:fillRef>
+          <a:effectRef idx="0">
+            <a:schemeClr val="accent1"/>
+          </a:effectRef>
+          <a:fontRef idx="minor">
+            <a:schemeClr val="tx1"/>
+          </a:fontRef>
+        </p:style>
+      </p:cxnSp>
+      <p:cxnSp>
+        <p:nvCxnSpPr>
+          <p:cNvPr id="57" name="직선 화살표 연결선 56"/>
+          <p:cNvCxnSpPr>
+            <a:stCxn id="12" idx="3"/>
+            <a:endCxn id="15" idx="1"/>
+          </p:cNvCxnSpPr>
+          <p:nvPr/>
+        </p:nvCxnSpPr>
+        <p:spPr>
+          <a:xfrm flipV="1">
+            <a:off x="4936951" y="4454463"/>
+            <a:ext cx="1770670" cy="1108273"/>
+          </a:xfrm>
+          <a:prstGeom prst="straightConnector1">
+            <a:avLst/>
+          </a:prstGeom>
+          <a:ln w="28575">
+            <a:headEnd type="arrow"/>
+            <a:tailEnd type="arrow"/>
+          </a:ln>
+        </p:spPr>
+        <p:style>
+          <a:lnRef idx="1">
+            <a:schemeClr val="accent1"/>
+          </a:lnRef>
+          <a:fillRef idx="0">
+            <a:schemeClr val="accent1"/>
+          </a:fillRef>
+          <a:effectRef idx="0">
+            <a:schemeClr val="accent1"/>
+          </a:effectRef>
+          <a:fontRef idx="minor">
+            <a:schemeClr val="tx1"/>
+          </a:fontRef>
+        </p:style>
+      </p:cxnSp>
+      <p:cxnSp>
+        <p:nvCxnSpPr>
+          <p:cNvPr id="2076" name="직선 화살표 연결선 2075"/>
+          <p:cNvCxnSpPr>
+            <a:endCxn id="7" idx="0"/>
+          </p:cNvCxnSpPr>
+          <p:nvPr/>
+        </p:nvCxnSpPr>
+        <p:spPr>
+          <a:xfrm>
+            <a:off x="3964843" y="2960948"/>
+            <a:ext cx="0" cy="655315"/>
+          </a:xfrm>
+          <a:prstGeom prst="straightConnector1">
+            <a:avLst/>
+          </a:prstGeom>
+          <a:ln w="28575">
+            <a:headEnd type="arrow"/>
+            <a:tailEnd type="arrow"/>
+          </a:ln>
+        </p:spPr>
+        <p:style>
+          <a:lnRef idx="1">
+            <a:schemeClr val="accent3"/>
+          </a:lnRef>
+          <a:fillRef idx="0">
+            <a:schemeClr val="accent3"/>
+          </a:fillRef>
+          <a:effectRef idx="0">
+            <a:schemeClr val="accent3"/>
+          </a:effectRef>
+          <a:fontRef idx="minor">
+            <a:schemeClr val="tx1"/>
+          </a:fontRef>
+        </p:style>
+      </p:cxnSp>
+      <p:sp>
+        <p:nvSpPr>
+          <p:cNvPr id="4" name="모서리가 둥근 직사각형 3"/>
+          <p:cNvSpPr/>
+          <p:nvPr/>
+        </p:nvSpPr>
+        <p:spPr>
+          <a:xfrm>
+            <a:off x="1761016" y="3818781"/>
+            <a:ext cx="858924" cy="459060"/>
+          </a:xfrm>
+          <a:prstGeom prst="roundRect">
+            <a:avLst/>
+          </a:prstGeom>
+        </p:spPr>
+        <p:style>
+          <a:lnRef idx="2">
+            <a:schemeClr val="accent6"/>
+          </a:lnRef>
+          <a:fillRef idx="1">
+            <a:schemeClr val="lt1"/>
+          </a:fillRef>
+          <a:effectRef idx="0">
+            <a:schemeClr val="accent6"/>
+          </a:effectRef>
+          <a:fontRef idx="minor">
+            <a:schemeClr val="dk1"/>
+          </a:fontRef>
+        </p:style>
+        <p:txBody>
+          <a:bodyPr rtlCol="0" anchor="ctr"/>
+          <a:lstStyle/>
+          <a:p>
+            <a:pPr algn="ctr"/>
+            <a:r>
+              <a:rPr lang="en-US" altLang="ko-KR" dirty="0" smtClean="0"/>
+              <a:t>VO’s</a:t>
+            </a:r>
+            <a:endParaRPr lang="ko-KR" altLang="en-US" dirty="0"/>
+          </a:p>
+        </p:txBody>
+      </p:sp>
+      <p:cxnSp>
+        <p:nvCxnSpPr>
+          <p:cNvPr id="14" name="직선 연결선 13"/>
+          <p:cNvCxnSpPr>
+            <a:stCxn id="4" idx="3"/>
+            <a:endCxn id="7" idx="1"/>
+          </p:cNvCxnSpPr>
+          <p:nvPr/>
+        </p:nvCxnSpPr>
+        <p:spPr>
+          <a:xfrm>
+            <a:off x="2619940" y="4048311"/>
+            <a:ext cx="372795" cy="0"/>
+          </a:xfrm>
+          <a:prstGeom prst="line">
+            <a:avLst/>
+          </a:prstGeom>
+          <a:ln w="28575">
+            <a:prstDash val="sysDot"/>
+          </a:ln>
+        </p:spPr>
+        <p:style>
+          <a:lnRef idx="1">
+            <a:schemeClr val="accent6"/>
+          </a:lnRef>
+          <a:fillRef idx="0">
+            <a:schemeClr val="accent6"/>
+          </a:fillRef>
+          <a:effectRef idx="0">
+            <a:schemeClr val="accent6"/>
+          </a:effectRef>
+          <a:fontRef idx="minor">
+            <a:schemeClr val="tx1"/>
+          </a:fontRef>
+        </p:style>
+      </p:cxnSp>
+    </p:spTree>
+    <p:extLst>
+      <p:ext uri="{BB962C8B-B14F-4D97-AF65-F5344CB8AC3E}">
+        <p14:creationId xmlns:p14="http://schemas.microsoft.com/office/powerpoint/2010/main" val="2969952495"/>
+      </p:ext>
+    </p:extLst>
+  </p:cSld>
+  <p:clrMapOvr>
+    <a:masterClrMapping/>
+  </p:clrMapOvr>
+  <p:timing>
+    <p:tnLst>
+      <p:par>
+        <p:cTn id="1" dur="indefinite" restart="never" nodeType="tmRoot"/>
+      </p:par>
+    </p:tnLst>
+  </p:timing>
+</p:sld>
+</file>
+
+<file path=ppt/slides/slide14.xml><?xml version="1.0" encoding="utf-8"?>
+<p:sld xmlns:a="http://schemas.openxmlformats.org/drawingml/2006/main" xmlns:r="http://schemas.openxmlformats.org/officeDocument/2006/relationships" xmlns:p="http://schemas.openxmlformats.org/presentationml/2006/main" show="0">
+  <p:cSld>
+    <p:spTree>
+      <p:nvGrpSpPr>
+        <p:cNvPr id="1" name=""/>
+        <p:cNvGrpSpPr/>
+        <p:nvPr/>
+      </p:nvGrpSpPr>
+      <p:grpSpPr>
+        <a:xfrm>
+          <a:off x="0" y="0"/>
+          <a:ext cx="0" cy="0"/>
+          <a:chOff x="0" y="0"/>
+          <a:chExt cx="0" cy="0"/>
+        </a:xfrm>
+      </p:grpSpPr>
+      <p:sp>
+        <p:nvSpPr>
+          <p:cNvPr id="2" name="제목 1"/>
+          <p:cNvSpPr>
+            <a:spLocks noGrp="1"/>
+          </p:cNvSpPr>
+          <p:nvPr>
+            <p:ph type="title"/>
+          </p:nvPr>
+        </p:nvSpPr>
+        <p:spPr/>
+        <p:txBody>
+          <a:bodyPr>
+            <a:normAutofit/>
+          </a:bodyPr>
+          <a:lstStyle/>
+          <a:p>
+            <a:r>
+              <a:rPr lang="en-US" altLang="ko-KR" dirty="0" err="1" smtClean="0"/>
+              <a:t>JOptionPane</a:t>
+            </a:r>
+            <a:r>
+              <a:rPr lang="en-US" altLang="ko-KR" dirty="0" smtClean="0"/>
+              <a:t>__</a:t>
+            </a:r>
+            <a:r>
+              <a:rPr lang="en-US" altLang="ko-KR" dirty="0" err="1" smtClean="0"/>
+              <a:t>F.AddWindowListener</a:t>
+            </a:r>
+            <a:endParaRPr lang="ko-KR" altLang="en-US" dirty="0"/>
+          </a:p>
+        </p:txBody>
+      </p:sp>
+      <p:sp>
+        <p:nvSpPr>
+          <p:cNvPr id="3" name="내용 개체 틀 2"/>
+          <p:cNvSpPr>
+            <a:spLocks noGrp="1"/>
+          </p:cNvSpPr>
+          <p:nvPr>
+            <p:ph idx="1"/>
+          </p:nvPr>
+        </p:nvSpPr>
+        <p:spPr>
+          <a:xfrm>
+            <a:off x="822960" y="1100628"/>
+            <a:ext cx="7520940" cy="4920660"/>
+          </a:xfrm>
+        </p:spPr>
+        <p:txBody>
+          <a:bodyPr/>
+          <a:lstStyle/>
+          <a:p>
+            <a:endParaRPr lang="ko-KR" altLang="en-US"/>
+          </a:p>
+        </p:txBody>
+      </p:sp>
+    </p:spTree>
+    <p:extLst>
+      <p:ext uri="{BB962C8B-B14F-4D97-AF65-F5344CB8AC3E}">
+        <p14:creationId xmlns:p14="http://schemas.microsoft.com/office/powerpoint/2010/main" val="2180749487"/>
+      </p:ext>
+    </p:extLst>
+  </p:cSld>
+  <p:clrMapOvr>
+    <a:masterClrMapping/>
+  </p:clrMapOvr>
+  <mc:AlternateContent xmlns:mc="http://schemas.openxmlformats.org/markup-compatibility/2006" xmlns:p14="http://schemas.microsoft.com/office/powerpoint/2010/main">
+    <mc:Choice Requires="p14">
+      <p:transition spd="slow" p14:dur="2000"/>
+    </mc:Choice>
+    <mc:Fallback xmlns="">
+      <p:transition spd="slow"/>
+    </mc:Fallback>
+  </mc:AlternateContent>
+  <p:timing>
+    <p:tnLst>
+      <p:par>
+        <p:cTn id="1" dur="indefinite" restart="never" nodeType="tmRoot"/>
+      </p:par>
+    </p:tnLst>
+  </p:timing>
+</p:sld>
+</file>
+
+<file path=ppt/slides/slide15.xml><?xml version="1.0" encoding="utf-8"?>
+<p:sld xmlns:a="http://schemas.openxmlformats.org/drawingml/2006/main" xmlns:r="http://schemas.openxmlformats.org/officeDocument/2006/relationships" xmlns:p="http://schemas.openxmlformats.org/presentationml/2006/main" show="0">
+  <p:cSld>
+    <p:spTree>
+      <p:nvGrpSpPr>
+        <p:cNvPr id="1" name=""/>
+        <p:cNvGrpSpPr/>
+        <p:nvPr/>
+      </p:nvGrpSpPr>
+      <p:grpSpPr>
+        <a:xfrm>
+          <a:off x="0" y="0"/>
+          <a:ext cx="0" cy="0"/>
+          <a:chOff x="0" y="0"/>
+          <a:chExt cx="0" cy="0"/>
+        </a:xfrm>
+      </p:grpSpPr>
+      <p:sp>
+        <p:nvSpPr>
+          <p:cNvPr id="2" name="제목 1"/>
+          <p:cNvSpPr>
+            <a:spLocks noGrp="1"/>
+          </p:cNvSpPr>
+          <p:nvPr>
+            <p:ph type="title"/>
+          </p:nvPr>
+        </p:nvSpPr>
+        <p:spPr/>
+        <p:txBody>
+          <a:bodyPr/>
+          <a:lstStyle/>
+          <a:p>
+            <a:r>
+              <a:rPr lang="en-US" altLang="ko-KR" dirty="0" smtClean="0"/>
+              <a:t>Automatic cursor transfer</a:t>
+            </a:r>
+            <a:endParaRPr lang="ko-KR" altLang="en-US" dirty="0"/>
+          </a:p>
+        </p:txBody>
+      </p:sp>
+      <p:sp>
+        <p:nvSpPr>
+          <p:cNvPr id="3" name="내용 개체 틀 2"/>
+          <p:cNvSpPr>
+            <a:spLocks noGrp="1"/>
+          </p:cNvSpPr>
+          <p:nvPr>
+            <p:ph idx="1"/>
+          </p:nvPr>
+        </p:nvSpPr>
+        <p:spPr/>
+        <p:txBody>
+          <a:bodyPr/>
+          <a:lstStyle/>
+          <a:p>
+            <a:endParaRPr lang="ko-KR" altLang="en-US"/>
+          </a:p>
+        </p:txBody>
+      </p:sp>
+    </p:spTree>
+    <p:extLst>
+      <p:ext uri="{BB962C8B-B14F-4D97-AF65-F5344CB8AC3E}">
+        <p14:creationId xmlns:p14="http://schemas.microsoft.com/office/powerpoint/2010/main" val="3383701645"/>
+      </p:ext>
+    </p:extLst>
+  </p:cSld>
+  <p:clrMapOvr>
+    <a:masterClrMapping/>
+  </p:clrMapOvr>
+  <mc:AlternateContent xmlns:mc="http://schemas.openxmlformats.org/markup-compatibility/2006" xmlns:p14="http://schemas.microsoft.com/office/powerpoint/2010/main">
+    <mc:Choice Requires="p14">
+      <p:transition spd="slow" p14:dur="2000"/>
+    </mc:Choice>
+    <mc:Fallback xmlns="">
+      <p:transition spd="slow"/>
+    </mc:Fallback>
+  </mc:AlternateContent>
+  <p:timing>
+    <p:tnLst>
+      <p:par>
+        <p:cTn id="1" dur="indefinite" restart="never" nodeType="tmRoot"/>
+      </p:par>
+    </p:tnLst>
+  </p:timing>
+</p:sld>
+</file>
+
+<file path=ppt/slides/slide16.xml><?xml version="1.0" encoding="utf-8"?>
+<p:sld xmlns:a="http://schemas.openxmlformats.org/drawingml/2006/main" xmlns:r="http://schemas.openxmlformats.org/officeDocument/2006/relationships" xmlns:p="http://schemas.openxmlformats.org/presentationml/2006/main">
+  <p:cSld>
+    <p:spTree>
+      <p:nvGrpSpPr>
+        <p:cNvPr id="1" name=""/>
+        <p:cNvGrpSpPr/>
+        <p:nvPr/>
+      </p:nvGrpSpPr>
+      <p:grpSpPr>
+        <a:xfrm>
+          <a:off x="0" y="0"/>
+          <a:ext cx="0" cy="0"/>
+          <a:chOff x="0" y="0"/>
+          <a:chExt cx="0" cy="0"/>
+        </a:xfrm>
+      </p:grpSpPr>
+      <p:sp>
+        <p:nvSpPr>
+          <p:cNvPr id="2" name="제목 1"/>
+          <p:cNvSpPr>
+            <a:spLocks noGrp="1"/>
+          </p:cNvSpPr>
+          <p:nvPr>
+            <p:ph type="title"/>
+          </p:nvPr>
+        </p:nvSpPr>
+        <p:spPr/>
+        <p:txBody>
+          <a:bodyPr/>
+          <a:lstStyle/>
+          <a:p>
+            <a:r>
+              <a:rPr lang="ko-KR" altLang="en-US" dirty="0" smtClean="0"/>
+              <a:t>핵심구현내용</a:t>
+            </a:r>
+            <a:endParaRPr lang="ko-KR" altLang="en-US" dirty="0"/>
+          </a:p>
+        </p:txBody>
+      </p:sp>
+      <p:sp>
+        <p:nvSpPr>
+          <p:cNvPr id="3" name="내용 개체 틀 2"/>
+          <p:cNvSpPr>
+            <a:spLocks noGrp="1"/>
+          </p:cNvSpPr>
+          <p:nvPr>
+            <p:ph idx="1"/>
+          </p:nvPr>
+        </p:nvSpPr>
+        <p:spPr>
+          <a:xfrm>
+            <a:off x="5220072" y="1700808"/>
+            <a:ext cx="3528392" cy="4425355"/>
+          </a:xfrm>
+        </p:spPr>
+        <p:txBody>
+          <a:bodyPr>
+            <a:normAutofit lnSpcReduction="10000"/>
+          </a:bodyPr>
+          <a:lstStyle/>
+          <a:p>
+            <a:r>
+              <a:rPr lang="ko-KR" altLang="en-US" dirty="0" smtClean="0"/>
+              <a:t>플레이어 선택에 따라</a:t>
+            </a:r>
+            <a:endParaRPr lang="en-US" altLang="ko-KR" dirty="0" smtClean="0"/>
+          </a:p>
+          <a:p>
+            <a:r>
+              <a:rPr lang="ko-KR" altLang="en-US" dirty="0" smtClean="0"/>
+              <a:t>단어 리스트를 가지며</a:t>
+            </a:r>
+            <a:endParaRPr lang="en-US" altLang="ko-KR" dirty="0" smtClean="0"/>
+          </a:p>
+          <a:p>
+            <a:r>
+              <a:rPr lang="en-US" altLang="ko-KR" dirty="0" smtClean="0"/>
+              <a:t>X</a:t>
+            </a:r>
+            <a:r>
+              <a:rPr lang="ko-KR" altLang="en-US" dirty="0" smtClean="0"/>
+              <a:t>좌표</a:t>
+            </a:r>
+            <a:r>
+              <a:rPr lang="en-US" altLang="ko-KR" dirty="0" smtClean="0"/>
+              <a:t>, y</a:t>
+            </a:r>
+            <a:r>
+              <a:rPr lang="ko-KR" altLang="en-US" dirty="0" smtClean="0"/>
+              <a:t>좌표</a:t>
+            </a:r>
+            <a:r>
+              <a:rPr lang="en-US" altLang="ko-KR" dirty="0" smtClean="0"/>
+              <a:t>, delta</a:t>
+            </a:r>
+            <a:r>
+              <a:rPr lang="ko-KR" altLang="en-US" dirty="0" smtClean="0"/>
+              <a:t>값을 </a:t>
+            </a:r>
+            <a:endParaRPr lang="en-US" altLang="ko-KR" dirty="0" smtClean="0"/>
+          </a:p>
+          <a:p>
+            <a:r>
+              <a:rPr lang="ko-KR" altLang="en-US" dirty="0" err="1" smtClean="0"/>
+              <a:t>단어별로</a:t>
+            </a:r>
+            <a:r>
+              <a:rPr lang="ko-KR" altLang="en-US" dirty="0" smtClean="0"/>
+              <a:t> 지정하여 리스트에 저장</a:t>
+            </a:r>
+            <a:endParaRPr lang="en-US" altLang="ko-KR" dirty="0" smtClean="0"/>
+          </a:p>
+          <a:p>
+            <a:endParaRPr lang="en-US" altLang="ko-KR" dirty="0" smtClean="0"/>
+          </a:p>
+          <a:p>
+            <a:r>
+              <a:rPr lang="en-US" altLang="ko-KR" dirty="0"/>
+              <a:t>	</a:t>
+            </a:r>
+            <a:endParaRPr lang="en-US" altLang="ko-KR" dirty="0" smtClean="0"/>
+          </a:p>
+          <a:p>
+            <a:endParaRPr lang="en-US" altLang="ko-KR" dirty="0"/>
+          </a:p>
+          <a:p>
+            <a:endParaRPr lang="en-US" altLang="ko-KR" dirty="0" smtClean="0"/>
+          </a:p>
+          <a:p>
+            <a:r>
+              <a:rPr lang="ko-KR" altLang="en-US" dirty="0" smtClean="0"/>
+              <a:t>모든 클라이언트에 </a:t>
+            </a:r>
+            <a:r>
+              <a:rPr lang="en-US" altLang="ko-KR" dirty="0"/>
+              <a:t> </a:t>
+            </a:r>
+            <a:r>
+              <a:rPr lang="ko-KR" altLang="en-US" dirty="0" smtClean="0"/>
+              <a:t>리스트를 뿌려준다</a:t>
+            </a:r>
+            <a:endParaRPr lang="en-US" altLang="ko-KR" dirty="0" smtClean="0"/>
+          </a:p>
+          <a:p>
+            <a:endParaRPr lang="ko-KR" altLang="en-US" dirty="0"/>
+          </a:p>
+        </p:txBody>
+      </p:sp>
       <p:pic>
         <p:nvPicPr>
-          <p:cNvPr id="3078" name="Picture 6"/>
+          <p:cNvPr id="5122" name="Picture 2"/>
           <p:cNvPicPr>
             <a:picLocks noChangeAspect="1" noChangeArrowheads="1"/>
           </p:cNvPicPr>
           <p:nvPr/>
         </p:nvPicPr>
         <p:blipFill>
-          <a:blip r:embed="rId6">
+          <a:blip r:embed="rId2">
             <a:extLst>
               <a:ext uri="{28A0092B-C50C-407E-A947-70E740481C1C}">
                 <a14:useLocalDpi xmlns:a14="http://schemas.microsoft.com/office/drawing/2010/main" val="0"/>
@@ -5835,8 +6066,8 @@
         </p:blipFill>
         <p:spPr bwMode="auto">
           <a:xfrm>
-            <a:off x="485875" y="4635689"/>
-            <a:ext cx="5184575" cy="613368"/>
+            <a:off x="467544" y="1700808"/>
+            <a:ext cx="4666633" cy="3096344"/>
           </a:xfrm>
           <a:prstGeom prst="rect">
             <a:avLst/>
@@ -5878,14 +6109,14 @@
       </p:pic>
       <p:pic>
         <p:nvPicPr>
-          <p:cNvPr id="3079" name="Picture 7"/>
+          <p:cNvPr id="5123" name="Picture 3"/>
           <p:cNvPicPr>
             <a:picLocks noChangeAspect="1" noChangeArrowheads="1"/>
           </p:cNvPicPr>
           <p:nvPr/>
         </p:nvPicPr>
         <p:blipFill>
-          <a:blip r:embed="rId7">
+          <a:blip r:embed="rId3">
             <a:extLst>
               <a:ext uri="{28A0092B-C50C-407E-A947-70E740481C1C}">
                 <a14:useLocalDpi xmlns:a14="http://schemas.microsoft.com/office/drawing/2010/main" val="0"/>
@@ -5899,8 +6130,8 @@
         </p:blipFill>
         <p:spPr bwMode="auto">
           <a:xfrm>
-            <a:off x="485875" y="5244334"/>
-            <a:ext cx="5184576" cy="511039"/>
+            <a:off x="2109841" y="5301208"/>
+            <a:ext cx="3024336" cy="526968"/>
           </a:xfrm>
           <a:prstGeom prst="rect">
             <a:avLst/>
@@ -5940,31 +6171,89 @@
           </a:extLst>
         </p:spPr>
       </p:pic>
+    </p:spTree>
+    <p:extLst>
+      <p:ext uri="{BB962C8B-B14F-4D97-AF65-F5344CB8AC3E}">
+        <p14:creationId xmlns:p14="http://schemas.microsoft.com/office/powerpoint/2010/main" val="824570909"/>
+      </p:ext>
+    </p:extLst>
+  </p:cSld>
+  <p:clrMapOvr>
+    <a:masterClrMapping/>
+  </p:clrMapOvr>
+  <p:timing>
+    <p:tnLst>
+      <p:par>
+        <p:cTn id="1" dur="indefinite" restart="never" nodeType="tmRoot"/>
+      </p:par>
+    </p:tnLst>
+  </p:timing>
+</p:sld>
+</file>
+
+<file path=ppt/slides/slide17.xml><?xml version="1.0" encoding="utf-8"?>
+<p:sld xmlns:a="http://schemas.openxmlformats.org/drawingml/2006/main" xmlns:r="http://schemas.openxmlformats.org/officeDocument/2006/relationships" xmlns:p="http://schemas.openxmlformats.org/presentationml/2006/main">
+  <p:cSld>
+    <p:spTree>
+      <p:nvGrpSpPr>
+        <p:cNvPr id="1" name=""/>
+        <p:cNvGrpSpPr/>
+        <p:nvPr/>
+      </p:nvGrpSpPr>
+      <p:grpSpPr>
+        <a:xfrm>
+          <a:off x="0" y="0"/>
+          <a:ext cx="0" cy="0"/>
+          <a:chOff x="0" y="0"/>
+          <a:chExt cx="0" cy="0"/>
+        </a:xfrm>
+      </p:grpSpPr>
+      <p:sp>
+        <p:nvSpPr>
+          <p:cNvPr id="2" name="제목 1"/>
+          <p:cNvSpPr>
+            <a:spLocks noGrp="1"/>
+          </p:cNvSpPr>
+          <p:nvPr>
+            <p:ph type="title"/>
+          </p:nvPr>
+        </p:nvSpPr>
+        <p:spPr/>
+        <p:txBody>
+          <a:bodyPr/>
+          <a:lstStyle/>
+          <a:p>
+            <a:r>
+              <a:rPr lang="ko-KR" altLang="en-US" dirty="0" smtClean="0"/>
+              <a:t>핵심구현내용</a:t>
+            </a:r>
+            <a:endParaRPr lang="ko-KR" altLang="en-US" dirty="0"/>
+          </a:p>
+        </p:txBody>
+      </p:sp>
       <p:pic>
         <p:nvPicPr>
-          <p:cNvPr id="3080" name="Picture 8"/>
+          <p:cNvPr id="6146" name="Picture 2"/>
           <p:cNvPicPr>
             <a:picLocks noChangeAspect="1" noChangeArrowheads="1"/>
           </p:cNvPicPr>
           <p:nvPr/>
         </p:nvPicPr>
-        <p:blipFill>
-          <a:blip r:embed="rId8">
+        <p:blipFill rotWithShape="1">
+          <a:blip r:embed="rId3">
             <a:extLst>
               <a:ext uri="{28A0092B-C50C-407E-A947-70E740481C1C}">
                 <a14:useLocalDpi xmlns:a14="http://schemas.microsoft.com/office/drawing/2010/main" val="0"/>
               </a:ext>
             </a:extLst>
           </a:blip>
-          <a:srcRect/>
-          <a:stretch>
-            <a:fillRect/>
-          </a:stretch>
+          <a:srcRect b="20337"/>
+          <a:stretch/>
         </p:blipFill>
         <p:spPr bwMode="auto">
           <a:xfrm>
-            <a:off x="485875" y="5755373"/>
-            <a:ext cx="4968551" cy="809145"/>
+            <a:off x="396330" y="2852935"/>
+            <a:ext cx="6715125" cy="2344663"/>
           </a:xfrm>
           <a:prstGeom prst="rect">
             <a:avLst/>
@@ -6004,10 +6293,573 @@
           </a:extLst>
         </p:spPr>
       </p:pic>
+      <p:pic>
+        <p:nvPicPr>
+          <p:cNvPr id="6148" name="Picture 4"/>
+          <p:cNvPicPr>
+            <a:picLocks noChangeAspect="1" noChangeArrowheads="1"/>
+          </p:cNvPicPr>
+          <p:nvPr/>
+        </p:nvPicPr>
+        <p:blipFill>
+          <a:blip r:embed="rId4">
+            <a:extLst>
+              <a:ext uri="{28A0092B-C50C-407E-A947-70E740481C1C}">
+                <a14:useLocalDpi xmlns:a14="http://schemas.microsoft.com/office/drawing/2010/main" val="0"/>
+              </a:ext>
+            </a:extLst>
+          </a:blip>
+          <a:srcRect/>
+          <a:stretch>
+            <a:fillRect/>
+          </a:stretch>
+        </p:blipFill>
+        <p:spPr bwMode="auto">
+          <a:xfrm>
+            <a:off x="396330" y="1772816"/>
+            <a:ext cx="4607718" cy="939438"/>
+          </a:xfrm>
+          <a:prstGeom prst="rect">
+            <a:avLst/>
+          </a:prstGeom>
+          <a:noFill/>
+          <a:ln>
+            <a:noFill/>
+          </a:ln>
+          <a:effectLst/>
+          <a:extLst>
+            <a:ext uri="{909E8E84-426E-40DD-AFC4-6F175D3DCCD1}">
+              <a14:hiddenFill xmlns:a14="http://schemas.microsoft.com/office/drawing/2010/main">
+                <a:solidFill>
+                  <a:schemeClr val="accent1"/>
+                </a:solidFill>
+              </a14:hiddenFill>
+            </a:ext>
+            <a:ext uri="{91240B29-F687-4F45-9708-019B960494DF}">
+              <a14:hiddenLine xmlns:a14="http://schemas.microsoft.com/office/drawing/2010/main" w="9525">
+                <a:solidFill>
+                  <a:schemeClr val="tx1"/>
+                </a:solidFill>
+                <a:miter lim="800000"/>
+                <a:headEnd/>
+                <a:tailEnd/>
+              </a14:hiddenLine>
+            </a:ext>
+            <a:ext uri="{AF507438-7753-43E0-B8FC-AC1667EBCBE1}">
+              <a14:hiddenEffects xmlns:a14="http://schemas.microsoft.com/office/drawing/2010/main">
+                <a:effectLst>
+                  <a:outerShdw dist="35921" dir="2700000" algn="ctr" rotWithShape="0">
+                    <a:schemeClr val="bg2"/>
+                  </a:outerShdw>
+                </a:effectLst>
+              </a14:hiddenEffects>
+            </a:ext>
+          </a:extLst>
+        </p:spPr>
+      </p:pic>
+      <p:sp>
+        <p:nvSpPr>
+          <p:cNvPr id="5" name="모서리가 둥근 직사각형 4"/>
+          <p:cNvSpPr/>
+          <p:nvPr/>
+        </p:nvSpPr>
+        <p:spPr>
+          <a:xfrm>
+            <a:off x="5580112" y="1810487"/>
+            <a:ext cx="2088232" cy="864096"/>
+          </a:xfrm>
+          <a:prstGeom prst="roundRect">
+            <a:avLst/>
+          </a:prstGeom>
+        </p:spPr>
+        <p:style>
+          <a:lnRef idx="1">
+            <a:schemeClr val="accent6"/>
+          </a:lnRef>
+          <a:fillRef idx="2">
+            <a:schemeClr val="accent6"/>
+          </a:fillRef>
+          <a:effectRef idx="1">
+            <a:schemeClr val="accent6"/>
+          </a:effectRef>
+          <a:fontRef idx="minor">
+            <a:schemeClr val="dk1"/>
+          </a:fontRef>
+        </p:style>
+        <p:txBody>
+          <a:bodyPr rtlCol="0" anchor="ctr"/>
+          <a:lstStyle/>
+          <a:p>
+            <a:pPr algn="ctr"/>
+            <a:r>
+              <a:rPr lang="en-US" altLang="ko-KR" dirty="0" err="1" smtClean="0"/>
+              <a:t>drawWords</a:t>
+            </a:r>
+            <a:r>
+              <a:rPr lang="en-US" altLang="ko-KR" dirty="0" smtClean="0"/>
+              <a:t>()</a:t>
+            </a:r>
+            <a:r>
+              <a:rPr lang="ko-KR" altLang="en-US" dirty="0" smtClean="0"/>
+              <a:t>로</a:t>
+            </a:r>
+            <a:endParaRPr lang="en-US" altLang="ko-KR" dirty="0" smtClean="0"/>
+          </a:p>
+          <a:p>
+            <a:pPr algn="ctr"/>
+            <a:r>
+              <a:rPr lang="en-US" altLang="ko-KR" dirty="0" err="1" smtClean="0"/>
+              <a:t>deltaY</a:t>
+            </a:r>
+            <a:r>
+              <a:rPr lang="ko-KR" altLang="en-US" dirty="0" smtClean="0"/>
+              <a:t>만큼 </a:t>
+            </a:r>
+            <a:r>
+              <a:rPr lang="en-US" altLang="ko-KR" dirty="0" smtClean="0"/>
+              <a:t>y </a:t>
+            </a:r>
+            <a:r>
+              <a:rPr lang="ko-KR" altLang="en-US" dirty="0" smtClean="0"/>
+              <a:t>값 변경</a:t>
+            </a:r>
+            <a:endParaRPr lang="ko-KR" altLang="en-US" dirty="0"/>
+          </a:p>
+        </p:txBody>
+      </p:sp>
+      <p:sp>
+        <p:nvSpPr>
+          <p:cNvPr id="6" name="모서리가 둥근 직사각형 5"/>
+          <p:cNvSpPr/>
+          <p:nvPr/>
+        </p:nvSpPr>
+        <p:spPr>
+          <a:xfrm>
+            <a:off x="1782863" y="5373216"/>
+            <a:ext cx="5328592" cy="1008112"/>
+          </a:xfrm>
+          <a:prstGeom prst="roundRect">
+            <a:avLst/>
+          </a:prstGeom>
+        </p:spPr>
+        <p:style>
+          <a:lnRef idx="1">
+            <a:schemeClr val="accent6"/>
+          </a:lnRef>
+          <a:fillRef idx="2">
+            <a:schemeClr val="accent6"/>
+          </a:fillRef>
+          <a:effectRef idx="1">
+            <a:schemeClr val="accent6"/>
+          </a:effectRef>
+          <a:fontRef idx="minor">
+            <a:schemeClr val="dk1"/>
+          </a:fontRef>
+        </p:style>
+        <p:txBody>
+          <a:bodyPr rtlCol="0" anchor="ctr"/>
+          <a:lstStyle/>
+          <a:p>
+            <a:pPr algn="ctr"/>
+            <a:r>
+              <a:rPr lang="en-US" altLang="ko-KR" dirty="0" smtClean="0"/>
+              <a:t>Repaint()</a:t>
+            </a:r>
+            <a:r>
+              <a:rPr lang="ko-KR" altLang="en-US" dirty="0" smtClean="0"/>
+              <a:t>로 </a:t>
+            </a:r>
+            <a:r>
+              <a:rPr lang="en-US" altLang="ko-KR" dirty="0" smtClean="0"/>
+              <a:t>paint()</a:t>
+            </a:r>
+            <a:r>
+              <a:rPr lang="ko-KR" altLang="en-US" dirty="0" smtClean="0"/>
+              <a:t>를 호출하여</a:t>
+            </a:r>
+            <a:endParaRPr lang="en-US" altLang="ko-KR" dirty="0" smtClean="0"/>
+          </a:p>
+          <a:p>
+            <a:pPr algn="ctr"/>
+            <a:r>
+              <a:rPr lang="ko-KR" altLang="en-US" dirty="0" smtClean="0"/>
+              <a:t>단어의 </a:t>
+            </a:r>
+            <a:r>
+              <a:rPr lang="en-US" altLang="ko-KR" dirty="0" err="1" smtClean="0"/>
+              <a:t>x,y</a:t>
+            </a:r>
+            <a:r>
+              <a:rPr lang="en-US" altLang="ko-KR" dirty="0" smtClean="0"/>
+              <a:t> </a:t>
+            </a:r>
+            <a:r>
+              <a:rPr lang="ko-KR" altLang="en-US" dirty="0" smtClean="0"/>
+              <a:t>좌표를 받아 해당 위치에 문자 출력</a:t>
+            </a:r>
+            <a:endParaRPr lang="ko-KR" altLang="en-US" dirty="0"/>
+          </a:p>
+        </p:txBody>
+      </p:sp>
     </p:spTree>
     <p:extLst>
       <p:ext uri="{BB962C8B-B14F-4D97-AF65-F5344CB8AC3E}">
-        <p14:creationId xmlns:p14="http://schemas.microsoft.com/office/powerpoint/2010/main" val="2110693140"/>
+        <p14:creationId xmlns:p14="http://schemas.microsoft.com/office/powerpoint/2010/main" val="891757070"/>
+      </p:ext>
+    </p:extLst>
+  </p:cSld>
+  <p:clrMapOvr>
+    <a:masterClrMapping/>
+  </p:clrMapOvr>
+</p:sld>
+</file>
+
+<file path=ppt/slides/slide18.xml><?xml version="1.0" encoding="utf-8"?>
+<p:sld xmlns:a="http://schemas.openxmlformats.org/drawingml/2006/main" xmlns:r="http://schemas.openxmlformats.org/officeDocument/2006/relationships" xmlns:p="http://schemas.openxmlformats.org/presentationml/2006/main">
+  <p:cSld>
+    <p:spTree>
+      <p:nvGrpSpPr>
+        <p:cNvPr id="1" name=""/>
+        <p:cNvGrpSpPr/>
+        <p:nvPr/>
+      </p:nvGrpSpPr>
+      <p:grpSpPr>
+        <a:xfrm>
+          <a:off x="0" y="0"/>
+          <a:ext cx="0" cy="0"/>
+          <a:chOff x="0" y="0"/>
+          <a:chExt cx="0" cy="0"/>
+        </a:xfrm>
+      </p:grpSpPr>
+      <p:sp>
+        <p:nvSpPr>
+          <p:cNvPr id="2" name="제목 1"/>
+          <p:cNvSpPr>
+            <a:spLocks noGrp="1"/>
+          </p:cNvSpPr>
+          <p:nvPr>
+            <p:ph type="title"/>
+          </p:nvPr>
+        </p:nvSpPr>
+        <p:spPr/>
+        <p:txBody>
+          <a:bodyPr/>
+          <a:lstStyle/>
+          <a:p>
+            <a:r>
+              <a:rPr lang="ko-KR" altLang="en-US" dirty="0" smtClean="0"/>
+              <a:t>부가내용</a:t>
+            </a:r>
+            <a:endParaRPr lang="ko-KR" altLang="en-US" dirty="0"/>
+          </a:p>
+        </p:txBody>
+      </p:sp>
+      <p:sp>
+        <p:nvSpPr>
+          <p:cNvPr id="3" name="내용 개체 틀 2"/>
+          <p:cNvSpPr>
+            <a:spLocks noGrp="1"/>
+          </p:cNvSpPr>
+          <p:nvPr>
+            <p:ph idx="1"/>
+          </p:nvPr>
+        </p:nvSpPr>
+        <p:spPr/>
+        <p:txBody>
+          <a:bodyPr/>
+          <a:lstStyle/>
+          <a:p>
+            <a:r>
+              <a:rPr lang="en-US" altLang="ko-KR" dirty="0" err="1" smtClean="0"/>
+              <a:t>JOptionPane</a:t>
+            </a:r>
+            <a:r>
+              <a:rPr lang="ko-KR" altLang="en-US" dirty="0" smtClean="0"/>
+              <a:t>을 이용한 </a:t>
+            </a:r>
+            <a:r>
+              <a:rPr lang="ko-KR" altLang="en-US" dirty="0" err="1" smtClean="0"/>
+              <a:t>상황별</a:t>
+            </a:r>
+            <a:r>
+              <a:rPr lang="ko-KR" altLang="en-US" dirty="0" smtClean="0"/>
+              <a:t> 팝업 출력</a:t>
+            </a:r>
+            <a:endParaRPr lang="ko-KR" altLang="en-US" dirty="0"/>
+          </a:p>
+        </p:txBody>
+      </p:sp>
+      <p:pic>
+        <p:nvPicPr>
+          <p:cNvPr id="3076" name="Picture 4"/>
+          <p:cNvPicPr>
+            <a:picLocks noChangeAspect="1" noChangeArrowheads="1"/>
+          </p:cNvPicPr>
+          <p:nvPr/>
+        </p:nvPicPr>
+        <p:blipFill>
+          <a:blip r:embed="rId2">
+            <a:extLst>
+              <a:ext uri="{28A0092B-C50C-407E-A947-70E740481C1C}">
+                <a14:useLocalDpi xmlns:a14="http://schemas.microsoft.com/office/drawing/2010/main" val="0"/>
+              </a:ext>
+            </a:extLst>
+          </a:blip>
+          <a:srcRect/>
+          <a:stretch>
+            <a:fillRect/>
+          </a:stretch>
+        </p:blipFill>
+        <p:spPr bwMode="auto">
+          <a:xfrm>
+            <a:off x="4283968" y="2350988"/>
+            <a:ext cx="4494776" cy="4439989"/>
+          </a:xfrm>
+          <a:prstGeom prst="rect">
+            <a:avLst/>
+          </a:prstGeom>
+          <a:noFill/>
+          <a:ln>
+            <a:noFill/>
+          </a:ln>
+          <a:effectLst/>
+          <a:extLst>
+            <a:ext uri="{909E8E84-426E-40DD-AFC4-6F175D3DCCD1}">
+              <a14:hiddenFill xmlns:a14="http://schemas.microsoft.com/office/drawing/2010/main">
+                <a:solidFill>
+                  <a:schemeClr val="accent1"/>
+                </a:solidFill>
+              </a14:hiddenFill>
+            </a:ext>
+            <a:ext uri="{91240B29-F687-4F45-9708-019B960494DF}">
+              <a14:hiddenLine xmlns:a14="http://schemas.microsoft.com/office/drawing/2010/main" w="9525">
+                <a:solidFill>
+                  <a:schemeClr val="tx1"/>
+                </a:solidFill>
+                <a:miter lim="800000"/>
+                <a:headEnd/>
+                <a:tailEnd/>
+              </a14:hiddenLine>
+            </a:ext>
+            <a:ext uri="{AF507438-7753-43E0-B8FC-AC1667EBCBE1}">
+              <a14:hiddenEffects xmlns:a14="http://schemas.microsoft.com/office/drawing/2010/main">
+                <a:effectLst>
+                  <a:outerShdw dist="35921" dir="2700000" algn="ctr" rotWithShape="0">
+                    <a:schemeClr val="bg2"/>
+                  </a:outerShdw>
+                </a:effectLst>
+              </a14:hiddenEffects>
+            </a:ext>
+          </a:extLst>
+        </p:spPr>
+      </p:pic>
+      <p:pic>
+        <p:nvPicPr>
+          <p:cNvPr id="3077" name="Picture 5"/>
+          <p:cNvPicPr>
+            <a:picLocks noChangeAspect="1" noChangeArrowheads="1"/>
+          </p:cNvPicPr>
+          <p:nvPr/>
+        </p:nvPicPr>
+        <p:blipFill>
+          <a:blip r:embed="rId3">
+            <a:extLst>
+              <a:ext uri="{28A0092B-C50C-407E-A947-70E740481C1C}">
+                <a14:useLocalDpi xmlns:a14="http://schemas.microsoft.com/office/drawing/2010/main" val="0"/>
+              </a:ext>
+            </a:extLst>
+          </a:blip>
+          <a:srcRect/>
+          <a:stretch>
+            <a:fillRect/>
+          </a:stretch>
+        </p:blipFill>
+        <p:spPr bwMode="auto">
+          <a:xfrm>
+            <a:off x="251520" y="2350989"/>
+            <a:ext cx="3888431" cy="4439989"/>
+          </a:xfrm>
+          <a:prstGeom prst="rect">
+            <a:avLst/>
+          </a:prstGeom>
+          <a:noFill/>
+          <a:ln>
+            <a:noFill/>
+          </a:ln>
+          <a:effectLst/>
+          <a:extLst>
+            <a:ext uri="{909E8E84-426E-40DD-AFC4-6F175D3DCCD1}">
+              <a14:hiddenFill xmlns:a14="http://schemas.microsoft.com/office/drawing/2010/main">
+                <a:solidFill>
+                  <a:schemeClr val="accent1"/>
+                </a:solidFill>
+              </a14:hiddenFill>
+            </a:ext>
+            <a:ext uri="{91240B29-F687-4F45-9708-019B960494DF}">
+              <a14:hiddenLine xmlns:a14="http://schemas.microsoft.com/office/drawing/2010/main" w="9525">
+                <a:solidFill>
+                  <a:schemeClr val="tx1"/>
+                </a:solidFill>
+                <a:miter lim="800000"/>
+                <a:headEnd/>
+                <a:tailEnd/>
+              </a14:hiddenLine>
+            </a:ext>
+            <a:ext uri="{AF507438-7753-43E0-B8FC-AC1667EBCBE1}">
+              <a14:hiddenEffects xmlns:a14="http://schemas.microsoft.com/office/drawing/2010/main">
+                <a:effectLst>
+                  <a:outerShdw dist="35921" dir="2700000" algn="ctr" rotWithShape="0">
+                    <a:schemeClr val="bg2"/>
+                  </a:outerShdw>
+                </a:effectLst>
+              </a14:hiddenEffects>
+            </a:ext>
+          </a:extLst>
+        </p:spPr>
+      </p:pic>
+    </p:spTree>
+    <p:extLst>
+      <p:ext uri="{BB962C8B-B14F-4D97-AF65-F5344CB8AC3E}">
+        <p14:creationId xmlns:p14="http://schemas.microsoft.com/office/powerpoint/2010/main" val="3331115244"/>
+      </p:ext>
+    </p:extLst>
+  </p:cSld>
+  <p:clrMapOvr>
+    <a:masterClrMapping/>
+  </p:clrMapOvr>
+</p:sld>
+</file>
+
+<file path=ppt/slides/slide19.xml><?xml version="1.0" encoding="utf-8"?>
+<p:sld xmlns:a="http://schemas.openxmlformats.org/drawingml/2006/main" xmlns:r="http://schemas.openxmlformats.org/officeDocument/2006/relationships" xmlns:p="http://schemas.openxmlformats.org/presentationml/2006/main">
+  <p:cSld>
+    <p:spTree>
+      <p:nvGrpSpPr>
+        <p:cNvPr id="1" name=""/>
+        <p:cNvGrpSpPr/>
+        <p:nvPr/>
+      </p:nvGrpSpPr>
+      <p:grpSpPr>
+        <a:xfrm>
+          <a:off x="0" y="0"/>
+          <a:ext cx="0" cy="0"/>
+          <a:chOff x="0" y="0"/>
+          <a:chExt cx="0" cy="0"/>
+        </a:xfrm>
+      </p:grpSpPr>
+      <p:sp>
+        <p:nvSpPr>
+          <p:cNvPr id="2" name="제목 1"/>
+          <p:cNvSpPr>
+            <a:spLocks noGrp="1"/>
+          </p:cNvSpPr>
+          <p:nvPr>
+            <p:ph type="title"/>
+          </p:nvPr>
+        </p:nvSpPr>
+        <p:spPr/>
+        <p:txBody>
+          <a:bodyPr/>
+          <a:lstStyle/>
+          <a:p>
+            <a:r>
+              <a:rPr lang="ko-KR" altLang="en-US" dirty="0" smtClean="0"/>
+              <a:t>시연행</a:t>
+            </a:r>
+            <a:r>
+              <a:rPr lang="ko-KR" altLang="en-US" dirty="0"/>
+              <a:t>사</a:t>
+            </a:r>
+          </a:p>
+        </p:txBody>
+      </p:sp>
+      <p:sp>
+        <p:nvSpPr>
+          <p:cNvPr id="3" name="내용 개체 틀 2"/>
+          <p:cNvSpPr>
+            <a:spLocks noGrp="1"/>
+          </p:cNvSpPr>
+          <p:nvPr>
+            <p:ph idx="1"/>
+          </p:nvPr>
+        </p:nvSpPr>
+        <p:spPr/>
+        <p:txBody>
+          <a:bodyPr/>
+          <a:lstStyle/>
+          <a:p>
+            <a:endParaRPr lang="ko-KR" altLang="en-US" dirty="0"/>
+          </a:p>
+        </p:txBody>
+      </p:sp>
+      <p:pic>
+        <p:nvPicPr>
+          <p:cNvPr id="6146" name="Picture 2"/>
+          <p:cNvPicPr>
+            <a:picLocks noChangeAspect="1" noChangeArrowheads="1"/>
+          </p:cNvPicPr>
+          <p:nvPr/>
+        </p:nvPicPr>
+        <p:blipFill>
+          <a:blip r:embed="rId2">
+            <a:extLst>
+              <a:ext uri="{28A0092B-C50C-407E-A947-70E740481C1C}">
+                <a14:useLocalDpi xmlns:a14="http://schemas.microsoft.com/office/drawing/2010/main" val="0"/>
+              </a:ext>
+            </a:extLst>
+          </a:blip>
+          <a:srcRect/>
+          <a:stretch>
+            <a:fillRect/>
+          </a:stretch>
+        </p:blipFill>
+        <p:spPr bwMode="auto">
+          <a:xfrm>
+            <a:off x="2123728" y="1916832"/>
+            <a:ext cx="4845918" cy="4153644"/>
+          </a:xfrm>
+          <a:prstGeom prst="rect">
+            <a:avLst/>
+          </a:prstGeom>
+          <a:noFill/>
+          <a:ln>
+            <a:noFill/>
+          </a:ln>
+          <a:effectLst/>
+          <a:extLst>
+            <a:ext uri="{909E8E84-426E-40DD-AFC4-6F175D3DCCD1}">
+              <a14:hiddenFill xmlns:a14="http://schemas.microsoft.com/office/drawing/2010/main">
+                <a:solidFill>
+                  <a:schemeClr val="accent1"/>
+                </a:solidFill>
+              </a14:hiddenFill>
+            </a:ext>
+            <a:ext uri="{91240B29-F687-4F45-9708-019B960494DF}">
+              <a14:hiddenLine xmlns:a14="http://schemas.microsoft.com/office/drawing/2010/main" w="9525">
+                <a:solidFill>
+                  <a:schemeClr val="tx1"/>
+                </a:solidFill>
+                <a:miter lim="800000"/>
+                <a:headEnd/>
+                <a:tailEnd/>
+              </a14:hiddenLine>
+            </a:ext>
+            <a:ext uri="{AF507438-7753-43E0-B8FC-AC1667EBCBE1}">
+              <a14:hiddenEffects xmlns:a14="http://schemas.microsoft.com/office/drawing/2010/main">
+                <a:effectLst>
+                  <a:outerShdw dist="35921" dir="2700000" algn="ctr" rotWithShape="0">
+                    <a:schemeClr val="bg2"/>
+                  </a:outerShdw>
+                </a:effectLst>
+              </a14:hiddenEffects>
+            </a:ext>
+          </a:extLst>
+        </p:spPr>
+      </p:pic>
+    </p:spTree>
+    <p:extLst>
+      <p:ext uri="{BB962C8B-B14F-4D97-AF65-F5344CB8AC3E}">
+        <p14:creationId xmlns:p14="http://schemas.microsoft.com/office/powerpoint/2010/main" val="1056049080"/>
       </p:ext>
     </p:extLst>
   </p:cSld>
@@ -6264,7 +7116,11 @@
           <a:p>
             <a:r>
               <a:rPr lang="ko-KR" altLang="en-US" dirty="0" smtClean="0"/>
-              <a:t> 프로젝트 소개</a:t>
+              <a:t> 프로젝트 소개 </a:t>
+            </a:r>
+            <a:r>
+              <a:rPr lang="ko-KR" altLang="en-US" dirty="0" smtClean="0"/>
+              <a:t>및 목표</a:t>
             </a:r>
             <a:endParaRPr lang="en-US" altLang="ko-KR" dirty="0" smtClean="0"/>
           </a:p>
@@ -6365,8 +7221,8 @@
           <a:lstStyle/>
           <a:p>
             <a:r>
-              <a:rPr lang="en-US" altLang="ko-KR" dirty="0" smtClean="0"/>
-              <a:t>Q&amp;A</a:t>
+              <a:rPr lang="ko-KR" altLang="en-US" dirty="0" smtClean="0"/>
+              <a:t>개발환경</a:t>
             </a:r>
             <a:endParaRPr lang="ko-KR" altLang="en-US" dirty="0"/>
           </a:p>
@@ -6393,14 +7249,92 @@
       </p:sp>
       <p:pic>
         <p:nvPicPr>
-          <p:cNvPr id="1026" name="Picture 2" descr="관련 이미지"/>
+          <p:cNvPr id="4" name="_x132804408" descr="EMB0000256845de"/>
           <p:cNvPicPr>
             <a:picLocks noChangeAspect="1" noChangeArrowheads="1"/>
           </p:cNvPicPr>
           <p:nvPr/>
         </p:nvPicPr>
         <p:blipFill>
-          <a:blip r:embed="rId2">
+          <a:blip r:embed="rId2"/>
+          <a:srcRect l="39427" t="29942" r="54169" b="61066"/>
+          <a:stretch>
+            <a:fillRect/>
+          </a:stretch>
+        </p:blipFill>
+        <p:spPr bwMode="auto">
+          <a:xfrm>
+            <a:off x="683568" y="1700808"/>
+            <a:ext cx="1958975" cy="1547812"/>
+          </a:xfrm>
+          <a:prstGeom prst="rect">
+            <a:avLst/>
+          </a:prstGeom>
+          <a:noFill/>
+        </p:spPr>
+      </p:pic>
+      <p:pic>
+        <p:nvPicPr>
+          <p:cNvPr id="5" name="_x133002616" descr="EMB0000256845df"/>
+          <p:cNvPicPr>
+            <a:picLocks noChangeAspect="1" noChangeArrowheads="1"/>
+          </p:cNvPicPr>
+          <p:nvPr/>
+        </p:nvPicPr>
+        <p:blipFill>
+          <a:blip r:embed="rId3"/>
+          <a:srcRect l="11835" t="50485" r="46875" b="32840"/>
+          <a:stretch>
+            <a:fillRect/>
+          </a:stretch>
+        </p:blipFill>
+        <p:spPr bwMode="auto">
+          <a:xfrm>
+            <a:off x="3995936" y="1380477"/>
+            <a:ext cx="4087422" cy="928694"/>
+          </a:xfrm>
+          <a:prstGeom prst="rect">
+            <a:avLst/>
+          </a:prstGeom>
+          <a:noFill/>
+        </p:spPr>
+      </p:pic>
+      <p:pic>
+        <p:nvPicPr>
+          <p:cNvPr id="6" name="_x132791880" descr="EMB0000256845e0"/>
+          <p:cNvPicPr>
+            <a:picLocks noChangeAspect="1" noChangeArrowheads="1"/>
+          </p:cNvPicPr>
+          <p:nvPr/>
+        </p:nvPicPr>
+        <p:blipFill>
+          <a:blip r:embed="rId4"/>
+          <a:srcRect l="632" t="8801" r="80090" b="75450"/>
+          <a:stretch>
+            <a:fillRect/>
+          </a:stretch>
+        </p:blipFill>
+        <p:spPr bwMode="auto">
+          <a:xfrm>
+            <a:off x="683568" y="4581128"/>
+            <a:ext cx="2667887" cy="1224136"/>
+          </a:xfrm>
+          <a:prstGeom prst="rect">
+            <a:avLst/>
+          </a:prstGeom>
+          <a:noFill/>
+        </p:spPr>
+      </p:pic>
+      <p:pic>
+        <p:nvPicPr>
+          <p:cNvPr id="1026" name="Picture 2" descr="mysql에 대한 이미지 검색결과"/>
+          <p:cNvPicPr>
+            <a:picLocks noChangeAspect="1" noChangeArrowheads="1"/>
+          </p:cNvPicPr>
+          <p:nvPr/>
+        </p:nvPicPr>
+        <p:blipFill>
+          <a:blip r:embed="rId5">
             <a:extLst>
               <a:ext uri="{28A0092B-C50C-407E-A947-70E740481C1C}">
                 <a14:useLocalDpi xmlns:a14="http://schemas.microsoft.com/office/drawing/2010/main" val="0"/>
@@ -6414,8 +7348,8 @@
         </p:blipFill>
         <p:spPr bwMode="auto">
           <a:xfrm>
-            <a:off x="2111747" y="2276872"/>
-            <a:ext cx="4327449" cy="3240360"/>
+            <a:off x="4722521" y="3429000"/>
+            <a:ext cx="3333750" cy="2505076"/>
           </a:xfrm>
           <a:prstGeom prst="rect">
             <a:avLst/>
@@ -6432,10 +7366,51 @@
           </a:extLst>
         </p:spPr>
       </p:pic>
+      <p:pic>
+        <p:nvPicPr>
+          <p:cNvPr id="1028" name="Picture 4" descr="heidisql에 대한 이미지 검색결과"/>
+          <p:cNvPicPr>
+            <a:picLocks noChangeAspect="1" noChangeArrowheads="1"/>
+          </p:cNvPicPr>
+          <p:nvPr/>
+        </p:nvPicPr>
+        <p:blipFill>
+          <a:blip r:embed="rId6">
+            <a:extLst>
+              <a:ext uri="{28A0092B-C50C-407E-A947-70E740481C1C}">
+                <a14:useLocalDpi xmlns:a14="http://schemas.microsoft.com/office/drawing/2010/main" val="0"/>
+              </a:ext>
+            </a:extLst>
+          </a:blip>
+          <a:srcRect/>
+          <a:stretch>
+            <a:fillRect/>
+          </a:stretch>
+        </p:blipFill>
+        <p:spPr bwMode="auto">
+          <a:xfrm>
+            <a:off x="3563147" y="3300188"/>
+            <a:ext cx="2476500" cy="628651"/>
+          </a:xfrm>
+          <a:prstGeom prst="rect">
+            <a:avLst/>
+          </a:prstGeom>
+          <a:noFill/>
+          <a:extLst>
+            <a:ext uri="{909E8E84-426E-40DD-AFC4-6F175D3DCCD1}">
+              <a14:hiddenFill xmlns:a14="http://schemas.microsoft.com/office/drawing/2010/main">
+                <a:solidFill>
+                  <a:srgbClr val="FFFFFF"/>
+                </a:solidFill>
+              </a14:hiddenFill>
+            </a:ext>
+          </a:extLst>
+        </p:spPr>
+      </p:pic>
     </p:spTree>
     <p:extLst>
       <p:ext uri="{BB962C8B-B14F-4D97-AF65-F5344CB8AC3E}">
-        <p14:creationId xmlns:p14="http://schemas.microsoft.com/office/powerpoint/2010/main" val="2990835546"/>
+        <p14:creationId xmlns:p14="http://schemas.microsoft.com/office/powerpoint/2010/main" val="2556381479"/>
       </p:ext>
     </p:extLst>
   </p:cSld>
@@ -6479,11 +7454,898 @@
             <p:ph type="title"/>
           </p:nvPr>
         </p:nvSpPr>
+        <p:spPr/>
+        <p:txBody>
+          <a:bodyPr/>
+          <a:lstStyle/>
+          <a:p>
+            <a:r>
+              <a:rPr lang="ko-KR" altLang="en-US" dirty="0" smtClean="0"/>
+              <a:t>소감</a:t>
+            </a:r>
+            <a:endParaRPr lang="ko-KR" altLang="en-US" dirty="0"/>
+          </a:p>
+        </p:txBody>
+      </p:sp>
+      <p:pic>
+        <p:nvPicPr>
+          <p:cNvPr id="7171" name="Picture 3"/>
+          <p:cNvPicPr>
+            <a:picLocks noChangeAspect="1" noChangeArrowheads="1"/>
+          </p:cNvPicPr>
+          <p:nvPr/>
+        </p:nvPicPr>
+        <p:blipFill>
+          <a:blip r:embed="rId2">
+            <a:extLst>
+              <a:ext uri="{28A0092B-C50C-407E-A947-70E740481C1C}">
+                <a14:useLocalDpi xmlns:a14="http://schemas.microsoft.com/office/drawing/2010/main" val="0"/>
+              </a:ext>
+            </a:extLst>
+          </a:blip>
+          <a:srcRect/>
+          <a:stretch>
+            <a:fillRect/>
+          </a:stretch>
+        </p:blipFill>
+        <p:spPr bwMode="auto">
+          <a:xfrm>
+            <a:off x="3853433" y="1587"/>
+            <a:ext cx="5295900" cy="6856413"/>
+          </a:xfrm>
+          <a:prstGeom prst="rect">
+            <a:avLst/>
+          </a:prstGeom>
+          <a:noFill/>
+          <a:ln>
+            <a:noFill/>
+          </a:ln>
+          <a:effectLst/>
+          <a:extLst>
+            <a:ext uri="{909E8E84-426E-40DD-AFC4-6F175D3DCCD1}">
+              <a14:hiddenFill xmlns:a14="http://schemas.microsoft.com/office/drawing/2010/main">
+                <a:solidFill>
+                  <a:schemeClr val="accent1"/>
+                </a:solidFill>
+              </a14:hiddenFill>
+            </a:ext>
+            <a:ext uri="{91240B29-F687-4F45-9708-019B960494DF}">
+              <a14:hiddenLine xmlns:a14="http://schemas.microsoft.com/office/drawing/2010/main" w="9525">
+                <a:solidFill>
+                  <a:schemeClr val="tx1"/>
+                </a:solidFill>
+                <a:miter lim="800000"/>
+                <a:headEnd/>
+                <a:tailEnd/>
+              </a14:hiddenLine>
+            </a:ext>
+            <a:ext uri="{AF507438-7753-43E0-B8FC-AC1667EBCBE1}">
+              <a14:hiddenEffects xmlns:a14="http://schemas.microsoft.com/office/drawing/2010/main">
+                <a:effectLst>
+                  <a:outerShdw dist="35921" dir="2700000" algn="ctr" rotWithShape="0">
+                    <a:schemeClr val="bg2"/>
+                  </a:outerShdw>
+                </a:effectLst>
+              </a14:hiddenEffects>
+            </a:ext>
+          </a:extLst>
+        </p:spPr>
+      </p:pic>
+      <p:sp>
+        <p:nvSpPr>
+          <p:cNvPr id="3" name="내용 개체 틀 2"/>
+          <p:cNvSpPr>
+            <a:spLocks noGrp="1"/>
+          </p:cNvSpPr>
+          <p:nvPr>
+            <p:ph idx="1"/>
+          </p:nvPr>
+        </p:nvSpPr>
+        <p:spPr>
+          <a:xfrm>
+            <a:off x="457200" y="1752600"/>
+            <a:ext cx="5122912" cy="4373563"/>
+          </a:xfrm>
+        </p:spPr>
+        <p:txBody>
+          <a:bodyPr>
+            <a:normAutofit lnSpcReduction="10000"/>
+          </a:bodyPr>
+          <a:lstStyle/>
+          <a:p>
+            <a:r>
+              <a:rPr lang="ko-KR" altLang="en-US" dirty="0" smtClean="0"/>
+              <a:t>여태까지 배웠던 많은 것들을 통합하는 느낌으로 진행을 </a:t>
+            </a:r>
+            <a:r>
+              <a:rPr lang="ko-KR" altLang="en-US" dirty="0" err="1" smtClean="0"/>
+              <a:t>하다보니</a:t>
+            </a:r>
+            <a:r>
+              <a:rPr lang="ko-KR" altLang="en-US" dirty="0" smtClean="0"/>
+              <a:t> </a:t>
+            </a:r>
+            <a:r>
+              <a:rPr lang="ko-KR" altLang="en-US" dirty="0" smtClean="0"/>
+              <a:t>에러가 끊이질 않았습니다</a:t>
+            </a:r>
+            <a:r>
+              <a:rPr lang="en-US" altLang="ko-KR" dirty="0" smtClean="0"/>
+              <a:t>. </a:t>
+            </a:r>
+          </a:p>
+          <a:p>
+            <a:r>
+              <a:rPr lang="ko-KR" altLang="en-US" dirty="0" smtClean="0"/>
+              <a:t>건강문제까지 겹쳐 지치기도 했지만 문제를 하나 하나 해결해가며 기능들을 구현할 때마다 그 이상의 카타르시스를 느꼈습니다</a:t>
+            </a:r>
+            <a:r>
+              <a:rPr lang="en-US" altLang="ko-KR" dirty="0" smtClean="0"/>
+              <a:t>.</a:t>
+            </a:r>
+            <a:endParaRPr lang="en-US" altLang="ko-KR" dirty="0"/>
+          </a:p>
+          <a:p>
+            <a:r>
+              <a:rPr lang="ko-KR" altLang="en-US" dirty="0" smtClean="0"/>
+              <a:t>네트워크</a:t>
+            </a:r>
+            <a:r>
+              <a:rPr lang="en-US" altLang="ko-KR" dirty="0" smtClean="0"/>
+              <a:t>, JDBC</a:t>
+            </a:r>
+            <a:r>
+              <a:rPr lang="ko-KR" altLang="en-US" dirty="0" smtClean="0"/>
+              <a:t>연동</a:t>
+            </a:r>
+            <a:r>
+              <a:rPr lang="en-US" altLang="ko-KR" dirty="0" smtClean="0"/>
+              <a:t>, </a:t>
+            </a:r>
+            <a:r>
+              <a:rPr lang="ko-KR" altLang="en-US" dirty="0" err="1" smtClean="0"/>
+              <a:t>쓰레드</a:t>
+            </a:r>
+            <a:r>
+              <a:rPr lang="en-US" altLang="ko-KR" dirty="0" smtClean="0"/>
+              <a:t>, swing </a:t>
+            </a:r>
+            <a:r>
+              <a:rPr lang="ko-KR" altLang="en-US" dirty="0" smtClean="0"/>
+              <a:t>등 최대한 많은 것들을 구현해 보고 싶었지만 시간과 실력의 제약으로 인해 많은 부분을 포기해야 했던 것이 아쉽습니다</a:t>
+            </a:r>
+            <a:r>
+              <a:rPr lang="en-US" altLang="ko-KR" dirty="0" smtClean="0"/>
+              <a:t>.</a:t>
+            </a:r>
+          </a:p>
+          <a:p>
+            <a:r>
+              <a:rPr lang="ko-KR" altLang="en-US" dirty="0" smtClean="0"/>
+              <a:t>프로젝트를 진행하며 자바와 </a:t>
+            </a:r>
+            <a:r>
+              <a:rPr lang="en-US" altLang="ko-KR" dirty="0" smtClean="0"/>
+              <a:t>SQL</a:t>
+            </a:r>
+            <a:r>
+              <a:rPr lang="ko-KR" altLang="en-US" dirty="0" smtClean="0"/>
+              <a:t>의 중요성을 지속적으로 느꼈고</a:t>
+            </a:r>
+            <a:r>
+              <a:rPr lang="en-US" altLang="ko-KR" dirty="0" smtClean="0"/>
+              <a:t>, </a:t>
+            </a:r>
+            <a:r>
+              <a:rPr lang="ko-KR" altLang="en-US" dirty="0" smtClean="0"/>
+              <a:t>이후에도 꾸준히 공부를 해야겠다고 느꼈습니다</a:t>
+            </a:r>
+            <a:r>
+              <a:rPr lang="en-US" altLang="ko-KR" dirty="0" smtClean="0"/>
+              <a:t>.</a:t>
+            </a:r>
+            <a:r>
+              <a:rPr lang="en-US" altLang="ko-KR" dirty="0"/>
+              <a:t> </a:t>
+            </a:r>
+            <a:r>
+              <a:rPr lang="ko-KR" altLang="en-US" dirty="0" smtClean="0"/>
+              <a:t>그리고 건강관리도 철저히 하여 아프지 않도록 주의합시다</a:t>
+            </a:r>
+            <a:r>
+              <a:rPr lang="en-US" altLang="ko-KR" dirty="0" smtClean="0"/>
+              <a:t>.</a:t>
+            </a:r>
+          </a:p>
+        </p:txBody>
+      </p:sp>
+    </p:spTree>
+    <p:extLst>
+      <p:ext uri="{BB962C8B-B14F-4D97-AF65-F5344CB8AC3E}">
+        <p14:creationId xmlns:p14="http://schemas.microsoft.com/office/powerpoint/2010/main" val="367682305"/>
+      </p:ext>
+    </p:extLst>
+  </p:cSld>
+  <p:clrMapOvr>
+    <a:masterClrMapping/>
+  </p:clrMapOvr>
+  <p:timing>
+    <p:tnLst>
+      <p:par>
+        <p:cTn id="1" dur="indefinite" restart="never" nodeType="tmRoot"/>
+      </p:par>
+    </p:tnLst>
+  </p:timing>
+</p:sld>
+</file>
+
+<file path=ppt/slides/slide22.xml><?xml version="1.0" encoding="utf-8"?>
+<p:sld xmlns:a="http://schemas.openxmlformats.org/drawingml/2006/main" xmlns:r="http://schemas.openxmlformats.org/officeDocument/2006/relationships" xmlns:p="http://schemas.openxmlformats.org/presentationml/2006/main">
+  <p:cSld>
+    <p:spTree>
+      <p:nvGrpSpPr>
+        <p:cNvPr id="1" name=""/>
+        <p:cNvGrpSpPr/>
+        <p:nvPr/>
+      </p:nvGrpSpPr>
+      <p:grpSpPr>
+        <a:xfrm>
+          <a:off x="0" y="0"/>
+          <a:ext cx="0" cy="0"/>
+          <a:chOff x="0" y="0"/>
+          <a:chExt cx="0" cy="0"/>
+        </a:xfrm>
+      </p:grpSpPr>
+      <p:sp>
+        <p:nvSpPr>
+          <p:cNvPr id="2" name="제목 1"/>
+          <p:cNvSpPr>
+            <a:spLocks noGrp="1"/>
+          </p:cNvSpPr>
+          <p:nvPr>
+            <p:ph type="title"/>
+          </p:nvPr>
+        </p:nvSpPr>
+        <p:spPr/>
+        <p:txBody>
+          <a:bodyPr/>
+          <a:lstStyle/>
+          <a:p>
+            <a:r>
+              <a:rPr lang="en-US" altLang="ko-KR" dirty="0" smtClean="0"/>
+              <a:t>Special thanks to:</a:t>
+            </a:r>
+            <a:endParaRPr lang="ko-KR" altLang="en-US" dirty="0"/>
+          </a:p>
+        </p:txBody>
+      </p:sp>
+      <p:pic>
+        <p:nvPicPr>
+          <p:cNvPr id="3074" name="Picture 2"/>
+          <p:cNvPicPr>
+            <a:picLocks noChangeAspect="1" noChangeArrowheads="1"/>
+          </p:cNvPicPr>
+          <p:nvPr/>
+        </p:nvPicPr>
+        <p:blipFill>
+          <a:blip r:embed="rId2">
+            <a:extLst>
+              <a:ext uri="{28A0092B-C50C-407E-A947-70E740481C1C}">
+                <a14:useLocalDpi xmlns:a14="http://schemas.microsoft.com/office/drawing/2010/main" val="0"/>
+              </a:ext>
+            </a:extLst>
+          </a:blip>
+          <a:srcRect/>
+          <a:stretch>
+            <a:fillRect/>
+          </a:stretch>
+        </p:blipFill>
+        <p:spPr bwMode="auto">
+          <a:xfrm>
+            <a:off x="1115616" y="1757400"/>
+            <a:ext cx="6263672" cy="1512168"/>
+          </a:xfrm>
+          <a:prstGeom prst="rect">
+            <a:avLst/>
+          </a:prstGeom>
+          <a:noFill/>
+          <a:ln>
+            <a:noFill/>
+          </a:ln>
+          <a:effectLst/>
+          <a:extLst>
+            <a:ext uri="{909E8E84-426E-40DD-AFC4-6F175D3DCCD1}">
+              <a14:hiddenFill xmlns:a14="http://schemas.microsoft.com/office/drawing/2010/main">
+                <a:solidFill>
+                  <a:schemeClr val="accent1"/>
+                </a:solidFill>
+              </a14:hiddenFill>
+            </a:ext>
+            <a:ext uri="{91240B29-F687-4F45-9708-019B960494DF}">
+              <a14:hiddenLine xmlns:a14="http://schemas.microsoft.com/office/drawing/2010/main" w="9525">
+                <a:solidFill>
+                  <a:schemeClr val="tx1"/>
+                </a:solidFill>
+                <a:miter lim="800000"/>
+                <a:headEnd/>
+                <a:tailEnd/>
+              </a14:hiddenLine>
+            </a:ext>
+            <a:ext uri="{AF507438-7753-43E0-B8FC-AC1667EBCBE1}">
+              <a14:hiddenEffects xmlns:a14="http://schemas.microsoft.com/office/drawing/2010/main">
+                <a:effectLst>
+                  <a:outerShdw dist="35921" dir="2700000" algn="ctr" rotWithShape="0">
+                    <a:schemeClr val="bg2"/>
+                  </a:outerShdw>
+                </a:effectLst>
+              </a14:hiddenEffects>
+            </a:ext>
+          </a:extLst>
+        </p:spPr>
+      </p:pic>
+      <p:pic>
+        <p:nvPicPr>
+          <p:cNvPr id="3075" name="Picture 3"/>
+          <p:cNvPicPr>
+            <a:picLocks noChangeAspect="1" noChangeArrowheads="1"/>
+          </p:cNvPicPr>
+          <p:nvPr/>
+        </p:nvPicPr>
+        <p:blipFill>
+          <a:blip r:embed="rId3">
+            <a:extLst>
+              <a:ext uri="{28A0092B-C50C-407E-A947-70E740481C1C}">
+                <a14:useLocalDpi xmlns:a14="http://schemas.microsoft.com/office/drawing/2010/main" val="0"/>
+              </a:ext>
+            </a:extLst>
+          </a:blip>
+          <a:srcRect/>
+          <a:stretch>
+            <a:fillRect/>
+          </a:stretch>
+        </p:blipFill>
+        <p:spPr bwMode="auto">
+          <a:xfrm>
+            <a:off x="1115616" y="3269568"/>
+            <a:ext cx="6726138" cy="581176"/>
+          </a:xfrm>
+          <a:prstGeom prst="rect">
+            <a:avLst/>
+          </a:prstGeom>
+          <a:noFill/>
+          <a:ln>
+            <a:noFill/>
+          </a:ln>
+          <a:effectLst/>
+          <a:extLst>
+            <a:ext uri="{909E8E84-426E-40DD-AFC4-6F175D3DCCD1}">
+              <a14:hiddenFill xmlns:a14="http://schemas.microsoft.com/office/drawing/2010/main">
+                <a:solidFill>
+                  <a:schemeClr val="accent1"/>
+                </a:solidFill>
+              </a14:hiddenFill>
+            </a:ext>
+            <a:ext uri="{91240B29-F687-4F45-9708-019B960494DF}">
+              <a14:hiddenLine xmlns:a14="http://schemas.microsoft.com/office/drawing/2010/main" w="9525">
+                <a:solidFill>
+                  <a:schemeClr val="tx1"/>
+                </a:solidFill>
+                <a:miter lim="800000"/>
+                <a:headEnd/>
+                <a:tailEnd/>
+              </a14:hiddenLine>
+            </a:ext>
+            <a:ext uri="{AF507438-7753-43E0-B8FC-AC1667EBCBE1}">
+              <a14:hiddenEffects xmlns:a14="http://schemas.microsoft.com/office/drawing/2010/main">
+                <a:effectLst>
+                  <a:outerShdw dist="35921" dir="2700000" algn="ctr" rotWithShape="0">
+                    <a:schemeClr val="bg2"/>
+                  </a:outerShdw>
+                </a:effectLst>
+              </a14:hiddenEffects>
+            </a:ext>
+          </a:extLst>
+        </p:spPr>
+      </p:pic>
+      <p:pic>
+        <p:nvPicPr>
+          <p:cNvPr id="3076" name="Picture 4"/>
+          <p:cNvPicPr>
+            <a:picLocks noChangeAspect="1" noChangeArrowheads="1"/>
+          </p:cNvPicPr>
+          <p:nvPr/>
+        </p:nvPicPr>
+        <p:blipFill>
+          <a:blip r:embed="rId4">
+            <a:extLst>
+              <a:ext uri="{28A0092B-C50C-407E-A947-70E740481C1C}">
+                <a14:useLocalDpi xmlns:a14="http://schemas.microsoft.com/office/drawing/2010/main" val="0"/>
+              </a:ext>
+            </a:extLst>
+          </a:blip>
+          <a:srcRect/>
+          <a:stretch>
+            <a:fillRect/>
+          </a:stretch>
+        </p:blipFill>
+        <p:spPr bwMode="auto">
+          <a:xfrm>
+            <a:off x="1115616" y="3836237"/>
+            <a:ext cx="5616624" cy="509178"/>
+          </a:xfrm>
+          <a:prstGeom prst="rect">
+            <a:avLst/>
+          </a:prstGeom>
+          <a:noFill/>
+          <a:ln>
+            <a:noFill/>
+          </a:ln>
+          <a:effectLst/>
+          <a:extLst>
+            <a:ext uri="{909E8E84-426E-40DD-AFC4-6F175D3DCCD1}">
+              <a14:hiddenFill xmlns:a14="http://schemas.microsoft.com/office/drawing/2010/main">
+                <a:solidFill>
+                  <a:schemeClr val="accent1"/>
+                </a:solidFill>
+              </a14:hiddenFill>
+            </a:ext>
+            <a:ext uri="{91240B29-F687-4F45-9708-019B960494DF}">
+              <a14:hiddenLine xmlns:a14="http://schemas.microsoft.com/office/drawing/2010/main" w="9525">
+                <a:solidFill>
+                  <a:schemeClr val="tx1"/>
+                </a:solidFill>
+                <a:miter lim="800000"/>
+                <a:headEnd/>
+                <a:tailEnd/>
+              </a14:hiddenLine>
+            </a:ext>
+            <a:ext uri="{AF507438-7753-43E0-B8FC-AC1667EBCBE1}">
+              <a14:hiddenEffects xmlns:a14="http://schemas.microsoft.com/office/drawing/2010/main">
+                <a:effectLst>
+                  <a:outerShdw dist="35921" dir="2700000" algn="ctr" rotWithShape="0">
+                    <a:schemeClr val="bg2"/>
+                  </a:outerShdw>
+                </a:effectLst>
+              </a14:hiddenEffects>
+            </a:ext>
+          </a:extLst>
+        </p:spPr>
+      </p:pic>
+      <p:pic>
+        <p:nvPicPr>
+          <p:cNvPr id="3077" name="Picture 5"/>
+          <p:cNvPicPr>
+            <a:picLocks noChangeAspect="1" noChangeArrowheads="1"/>
+          </p:cNvPicPr>
+          <p:nvPr/>
+        </p:nvPicPr>
+        <p:blipFill>
+          <a:blip r:embed="rId5">
+            <a:extLst>
+              <a:ext uri="{28A0092B-C50C-407E-A947-70E740481C1C}">
+                <a14:useLocalDpi xmlns:a14="http://schemas.microsoft.com/office/drawing/2010/main" val="0"/>
+              </a:ext>
+            </a:extLst>
+          </a:blip>
+          <a:srcRect/>
+          <a:stretch>
+            <a:fillRect/>
+          </a:stretch>
+        </p:blipFill>
+        <p:spPr bwMode="auto">
+          <a:xfrm>
+            <a:off x="1115616" y="4346159"/>
+            <a:ext cx="6263672" cy="490138"/>
+          </a:xfrm>
+          <a:prstGeom prst="rect">
+            <a:avLst/>
+          </a:prstGeom>
+          <a:noFill/>
+          <a:ln>
+            <a:noFill/>
+          </a:ln>
+          <a:effectLst/>
+          <a:extLst>
+            <a:ext uri="{909E8E84-426E-40DD-AFC4-6F175D3DCCD1}">
+              <a14:hiddenFill xmlns:a14="http://schemas.microsoft.com/office/drawing/2010/main">
+                <a:solidFill>
+                  <a:schemeClr val="accent1"/>
+                </a:solidFill>
+              </a14:hiddenFill>
+            </a:ext>
+            <a:ext uri="{91240B29-F687-4F45-9708-019B960494DF}">
+              <a14:hiddenLine xmlns:a14="http://schemas.microsoft.com/office/drawing/2010/main" w="9525">
+                <a:solidFill>
+                  <a:schemeClr val="tx1"/>
+                </a:solidFill>
+                <a:miter lim="800000"/>
+                <a:headEnd/>
+                <a:tailEnd/>
+              </a14:hiddenLine>
+            </a:ext>
+            <a:ext uri="{AF507438-7753-43E0-B8FC-AC1667EBCBE1}">
+              <a14:hiddenEffects xmlns:a14="http://schemas.microsoft.com/office/drawing/2010/main">
+                <a:effectLst>
+                  <a:outerShdw dist="35921" dir="2700000" algn="ctr" rotWithShape="0">
+                    <a:schemeClr val="bg2"/>
+                  </a:outerShdw>
+                </a:effectLst>
+              </a14:hiddenEffects>
+            </a:ext>
+          </a:extLst>
+        </p:spPr>
+      </p:pic>
+      <p:pic>
+        <p:nvPicPr>
+          <p:cNvPr id="3078" name="Picture 6"/>
+          <p:cNvPicPr>
+            <a:picLocks noChangeAspect="1" noChangeArrowheads="1"/>
+          </p:cNvPicPr>
+          <p:nvPr/>
+        </p:nvPicPr>
+        <p:blipFill>
+          <a:blip r:embed="rId6">
+            <a:extLst>
+              <a:ext uri="{28A0092B-C50C-407E-A947-70E740481C1C}">
+                <a14:useLocalDpi xmlns:a14="http://schemas.microsoft.com/office/drawing/2010/main" val="0"/>
+              </a:ext>
+            </a:extLst>
+          </a:blip>
+          <a:srcRect/>
+          <a:stretch>
+            <a:fillRect/>
+          </a:stretch>
+        </p:blipFill>
+        <p:spPr bwMode="auto">
+          <a:xfrm>
+            <a:off x="1115616" y="4836297"/>
+            <a:ext cx="5184575" cy="613368"/>
+          </a:xfrm>
+          <a:prstGeom prst="rect">
+            <a:avLst/>
+          </a:prstGeom>
+          <a:noFill/>
+          <a:ln>
+            <a:noFill/>
+          </a:ln>
+          <a:effectLst/>
+          <a:extLst>
+            <a:ext uri="{909E8E84-426E-40DD-AFC4-6F175D3DCCD1}">
+              <a14:hiddenFill xmlns:a14="http://schemas.microsoft.com/office/drawing/2010/main">
+                <a:solidFill>
+                  <a:schemeClr val="accent1"/>
+                </a:solidFill>
+              </a14:hiddenFill>
+            </a:ext>
+            <a:ext uri="{91240B29-F687-4F45-9708-019B960494DF}">
+              <a14:hiddenLine xmlns:a14="http://schemas.microsoft.com/office/drawing/2010/main" w="9525">
+                <a:solidFill>
+                  <a:schemeClr val="tx1"/>
+                </a:solidFill>
+                <a:miter lim="800000"/>
+                <a:headEnd/>
+                <a:tailEnd/>
+              </a14:hiddenLine>
+            </a:ext>
+            <a:ext uri="{AF507438-7753-43E0-B8FC-AC1667EBCBE1}">
+              <a14:hiddenEffects xmlns:a14="http://schemas.microsoft.com/office/drawing/2010/main">
+                <a:effectLst>
+                  <a:outerShdw dist="35921" dir="2700000" algn="ctr" rotWithShape="0">
+                    <a:schemeClr val="bg2"/>
+                  </a:outerShdw>
+                </a:effectLst>
+              </a14:hiddenEffects>
+            </a:ext>
+          </a:extLst>
+        </p:spPr>
+      </p:pic>
+      <p:pic>
+        <p:nvPicPr>
+          <p:cNvPr id="3079" name="Picture 7"/>
+          <p:cNvPicPr>
+            <a:picLocks noChangeAspect="1" noChangeArrowheads="1"/>
+          </p:cNvPicPr>
+          <p:nvPr/>
+        </p:nvPicPr>
+        <p:blipFill>
+          <a:blip r:embed="rId7">
+            <a:extLst>
+              <a:ext uri="{28A0092B-C50C-407E-A947-70E740481C1C}">
+                <a14:useLocalDpi xmlns:a14="http://schemas.microsoft.com/office/drawing/2010/main" val="0"/>
+              </a:ext>
+            </a:extLst>
+          </a:blip>
+          <a:srcRect/>
+          <a:stretch>
+            <a:fillRect/>
+          </a:stretch>
+        </p:blipFill>
+        <p:spPr bwMode="auto">
+          <a:xfrm>
+            <a:off x="1115616" y="5444942"/>
+            <a:ext cx="5184576" cy="511039"/>
+          </a:xfrm>
+          <a:prstGeom prst="rect">
+            <a:avLst/>
+          </a:prstGeom>
+          <a:noFill/>
+          <a:ln>
+            <a:noFill/>
+          </a:ln>
+          <a:effectLst/>
+          <a:extLst>
+            <a:ext uri="{909E8E84-426E-40DD-AFC4-6F175D3DCCD1}">
+              <a14:hiddenFill xmlns:a14="http://schemas.microsoft.com/office/drawing/2010/main">
+                <a:solidFill>
+                  <a:schemeClr val="accent1"/>
+                </a:solidFill>
+              </a14:hiddenFill>
+            </a:ext>
+            <a:ext uri="{91240B29-F687-4F45-9708-019B960494DF}">
+              <a14:hiddenLine xmlns:a14="http://schemas.microsoft.com/office/drawing/2010/main" w="9525">
+                <a:solidFill>
+                  <a:schemeClr val="tx1"/>
+                </a:solidFill>
+                <a:miter lim="800000"/>
+                <a:headEnd/>
+                <a:tailEnd/>
+              </a14:hiddenLine>
+            </a:ext>
+            <a:ext uri="{AF507438-7753-43E0-B8FC-AC1667EBCBE1}">
+              <a14:hiddenEffects xmlns:a14="http://schemas.microsoft.com/office/drawing/2010/main">
+                <a:effectLst>
+                  <a:outerShdw dist="35921" dir="2700000" algn="ctr" rotWithShape="0">
+                    <a:schemeClr val="bg2"/>
+                  </a:outerShdw>
+                </a:effectLst>
+              </a14:hiddenEffects>
+            </a:ext>
+          </a:extLst>
+        </p:spPr>
+      </p:pic>
+      <p:pic>
+        <p:nvPicPr>
+          <p:cNvPr id="3080" name="Picture 8"/>
+          <p:cNvPicPr>
+            <a:picLocks noChangeAspect="1" noChangeArrowheads="1"/>
+          </p:cNvPicPr>
+          <p:nvPr/>
+        </p:nvPicPr>
+        <p:blipFill>
+          <a:blip r:embed="rId8">
+            <a:extLst>
+              <a:ext uri="{28A0092B-C50C-407E-A947-70E740481C1C}">
+                <a14:useLocalDpi xmlns:a14="http://schemas.microsoft.com/office/drawing/2010/main" val="0"/>
+              </a:ext>
+            </a:extLst>
+          </a:blip>
+          <a:srcRect/>
+          <a:stretch>
+            <a:fillRect/>
+          </a:stretch>
+        </p:blipFill>
+        <p:spPr bwMode="auto">
+          <a:xfrm>
+            <a:off x="1115616" y="5955981"/>
+            <a:ext cx="4968551" cy="809145"/>
+          </a:xfrm>
+          <a:prstGeom prst="rect">
+            <a:avLst/>
+          </a:prstGeom>
+          <a:noFill/>
+          <a:ln>
+            <a:noFill/>
+          </a:ln>
+          <a:effectLst/>
+          <a:extLst>
+            <a:ext uri="{909E8E84-426E-40DD-AFC4-6F175D3DCCD1}">
+              <a14:hiddenFill xmlns:a14="http://schemas.microsoft.com/office/drawing/2010/main">
+                <a:solidFill>
+                  <a:schemeClr val="accent1"/>
+                </a:solidFill>
+              </a14:hiddenFill>
+            </a:ext>
+            <a:ext uri="{91240B29-F687-4F45-9708-019B960494DF}">
+              <a14:hiddenLine xmlns:a14="http://schemas.microsoft.com/office/drawing/2010/main" w="9525">
+                <a:solidFill>
+                  <a:schemeClr val="tx1"/>
+                </a:solidFill>
+                <a:miter lim="800000"/>
+                <a:headEnd/>
+                <a:tailEnd/>
+              </a14:hiddenLine>
+            </a:ext>
+            <a:ext uri="{AF507438-7753-43E0-B8FC-AC1667EBCBE1}">
+              <a14:hiddenEffects xmlns:a14="http://schemas.microsoft.com/office/drawing/2010/main">
+                <a:effectLst>
+                  <a:outerShdw dist="35921" dir="2700000" algn="ctr" rotWithShape="0">
+                    <a:schemeClr val="bg2"/>
+                  </a:outerShdw>
+                </a:effectLst>
+              </a14:hiddenEffects>
+            </a:ext>
+          </a:extLst>
+        </p:spPr>
+      </p:pic>
+    </p:spTree>
+    <p:extLst>
+      <p:ext uri="{BB962C8B-B14F-4D97-AF65-F5344CB8AC3E}">
+        <p14:creationId xmlns:p14="http://schemas.microsoft.com/office/powerpoint/2010/main" val="2110693140"/>
+      </p:ext>
+    </p:extLst>
+  </p:cSld>
+  <p:clrMapOvr>
+    <a:masterClrMapping/>
+  </p:clrMapOvr>
+  <p:timing>
+    <p:tnLst>
+      <p:par>
+        <p:cTn id="1" dur="indefinite" restart="never" nodeType="tmRoot"/>
+      </p:par>
+    </p:tnLst>
+  </p:timing>
+</p:sld>
+</file>
+
+<file path=ppt/slides/slide23.xml><?xml version="1.0" encoding="utf-8"?>
+<p:sld xmlns:a="http://schemas.openxmlformats.org/drawingml/2006/main" xmlns:r="http://schemas.openxmlformats.org/officeDocument/2006/relationships" xmlns:p="http://schemas.openxmlformats.org/presentationml/2006/main">
+  <p:cSld>
+    <p:spTree>
+      <p:nvGrpSpPr>
+        <p:cNvPr id="1" name=""/>
+        <p:cNvGrpSpPr/>
+        <p:nvPr/>
+      </p:nvGrpSpPr>
+      <p:grpSpPr>
+        <a:xfrm>
+          <a:off x="0" y="0"/>
+          <a:ext cx="0" cy="0"/>
+          <a:chOff x="0" y="0"/>
+          <a:chExt cx="0" cy="0"/>
+        </a:xfrm>
+      </p:grpSpPr>
+      <p:sp>
+        <p:nvSpPr>
+          <p:cNvPr id="2" name="제목 1"/>
+          <p:cNvSpPr>
+            <a:spLocks noGrp="1"/>
+          </p:cNvSpPr>
+          <p:nvPr>
+            <p:ph type="title"/>
+          </p:nvPr>
+        </p:nvSpPr>
+        <p:spPr/>
+        <p:txBody>
+          <a:bodyPr/>
+          <a:lstStyle/>
+          <a:p>
+            <a:r>
+              <a:rPr lang="en-US" altLang="ko-KR" dirty="0" smtClean="0"/>
+              <a:t>Q&amp;A</a:t>
+            </a:r>
+            <a:endParaRPr lang="ko-KR" altLang="en-US" dirty="0"/>
+          </a:p>
+        </p:txBody>
+      </p:sp>
+      <p:sp>
+        <p:nvSpPr>
+          <p:cNvPr id="3" name="내용 개체 틀 2"/>
+          <p:cNvSpPr>
+            <a:spLocks noGrp="1"/>
+          </p:cNvSpPr>
+          <p:nvPr>
+            <p:ph idx="1"/>
+          </p:nvPr>
+        </p:nvSpPr>
+        <p:spPr/>
+        <p:txBody>
+          <a:bodyPr/>
+          <a:lstStyle/>
+          <a:p>
+            <a:endParaRPr lang="ko-KR" altLang="en-US" dirty="0"/>
+          </a:p>
+        </p:txBody>
+      </p:sp>
+      <p:pic>
+        <p:nvPicPr>
+          <p:cNvPr id="1026" name="Picture 2" descr="관련 이미지"/>
+          <p:cNvPicPr>
+            <a:picLocks noChangeAspect="1" noChangeArrowheads="1"/>
+          </p:cNvPicPr>
+          <p:nvPr/>
+        </p:nvPicPr>
+        <p:blipFill>
+          <a:blip r:embed="rId2">
+            <a:extLst>
+              <a:ext uri="{28A0092B-C50C-407E-A947-70E740481C1C}">
+                <a14:useLocalDpi xmlns:a14="http://schemas.microsoft.com/office/drawing/2010/main" val="0"/>
+              </a:ext>
+            </a:extLst>
+          </a:blip>
+          <a:srcRect/>
+          <a:stretch>
+            <a:fillRect/>
+          </a:stretch>
+        </p:blipFill>
+        <p:spPr bwMode="auto">
+          <a:xfrm>
+            <a:off x="2111747" y="2276872"/>
+            <a:ext cx="4327449" cy="3240360"/>
+          </a:xfrm>
+          <a:prstGeom prst="rect">
+            <a:avLst/>
+          </a:prstGeom>
+          <a:noFill/>
+          <a:extLst>
+            <a:ext uri="{909E8E84-426E-40DD-AFC4-6F175D3DCCD1}">
+              <a14:hiddenFill xmlns:a14="http://schemas.microsoft.com/office/drawing/2010/main">
+                <a:solidFill>
+                  <a:srgbClr val="FFFFFF"/>
+                </a:solidFill>
+              </a14:hiddenFill>
+            </a:ext>
+          </a:extLst>
+        </p:spPr>
+      </p:pic>
+    </p:spTree>
+    <p:extLst>
+      <p:ext uri="{BB962C8B-B14F-4D97-AF65-F5344CB8AC3E}">
+        <p14:creationId xmlns:p14="http://schemas.microsoft.com/office/powerpoint/2010/main" val="2990835546"/>
+      </p:ext>
+    </p:extLst>
+  </p:cSld>
+  <p:clrMapOvr>
+    <a:masterClrMapping/>
+  </p:clrMapOvr>
+  <p:timing>
+    <p:tnLst>
+      <p:par>
+        <p:cTn id="1" dur="indefinite" restart="never" nodeType="tmRoot"/>
+      </p:par>
+    </p:tnLst>
+  </p:timing>
+</p:sld>
+</file>
+
+<file path=ppt/slides/slide24.xml><?xml version="1.0" encoding="utf-8"?>
+<p:sld xmlns:a="http://schemas.openxmlformats.org/drawingml/2006/main" xmlns:r="http://schemas.openxmlformats.org/officeDocument/2006/relationships" xmlns:p="http://schemas.openxmlformats.org/presentationml/2006/main">
+  <p:cSld>
+    <p:spTree>
+      <p:nvGrpSpPr>
+        <p:cNvPr id="1" name=""/>
+        <p:cNvGrpSpPr/>
+        <p:nvPr/>
+      </p:nvGrpSpPr>
+      <p:grpSpPr>
+        <a:xfrm>
+          <a:off x="0" y="0"/>
+          <a:ext cx="0" cy="0"/>
+          <a:chOff x="0" y="0"/>
+          <a:chExt cx="0" cy="0"/>
+        </a:xfrm>
+      </p:grpSpPr>
+      <p:sp>
+        <p:nvSpPr>
+          <p:cNvPr id="2" name="제목 1"/>
+          <p:cNvSpPr>
+            <a:spLocks noGrp="1"/>
+          </p:cNvSpPr>
+          <p:nvPr>
+            <p:ph type="title"/>
+          </p:nvPr>
+        </p:nvSpPr>
         <p:spPr>
           <a:xfrm>
             <a:off x="1691680" y="2420888"/>
             <a:ext cx="5791200" cy="1371600"/>
           </a:xfrm>
+          <a:effectLst>
+            <a:outerShdw blurRad="50800" dist="38100" dir="2700000" algn="tl" rotWithShape="0">
+              <a:prstClr val="black">
+                <a:alpha val="40000"/>
+              </a:prstClr>
+            </a:outerShdw>
+          </a:effectLst>
         </p:spPr>
         <p:txBody>
           <a:bodyPr>
@@ -6493,14 +8355,46 @@
           <a:p>
             <a:pPr algn="ctr"/>
             <a:r>
-              <a:rPr lang="ko-KR" altLang="en-US" sz="8000" spc="600" dirty="0" smtClean="0">
+              <a:rPr lang="ko-KR" altLang="en-US" sz="8000" b="1" spc="0" dirty="0" smtClean="0">
+                <a:ln w="9000" cmpd="sng">
+                  <a:solidFill>
+                    <a:schemeClr val="accent4">
+                      <a:shade val="50000"/>
+                      <a:satMod val="120000"/>
+                    </a:schemeClr>
+                  </a:solidFill>
+                  <a:prstDash val="solid"/>
+                </a:ln>
+                <a:blipFill>
+                  <a:blip r:embed="rId2"/>
+                  <a:tile tx="0" ty="0" sx="100000" sy="100000" flip="none" algn="tl"/>
+                </a:blipFill>
+                <a:effectLst>
+                  <a:reflection blurRad="12700" stA="28000" endPos="45000" dist="1000" dir="5400000" sy="-100000" algn="bl" rotWithShape="0"/>
+                </a:effectLst>
                 <a:latin typeface="배달의민족 주아" pitchFamily="18" charset="-127"/>
                 <a:ea typeface="배달의민족 주아" pitchFamily="18" charset="-127"/>
               </a:rPr>
               <a:t>감사합니</a:t>
             </a:r>
             <a:r>
-              <a:rPr lang="ko-KR" altLang="en-US" sz="8000" spc="600" dirty="0">
+              <a:rPr lang="ko-KR" altLang="en-US" sz="8000" b="1" spc="0" dirty="0">
+                <a:ln w="9000" cmpd="sng">
+                  <a:solidFill>
+                    <a:schemeClr val="accent4">
+                      <a:shade val="50000"/>
+                      <a:satMod val="120000"/>
+                    </a:schemeClr>
+                  </a:solidFill>
+                  <a:prstDash val="solid"/>
+                </a:ln>
+                <a:blipFill>
+                  <a:blip r:embed="rId2"/>
+                  <a:tile tx="0" ty="0" sx="100000" sy="100000" flip="none" algn="tl"/>
+                </a:blipFill>
+                <a:effectLst>
+                  <a:reflection blurRad="12700" stA="28000" endPos="45000" dist="1000" dir="5400000" sy="-100000" algn="bl" rotWithShape="0"/>
+                </a:effectLst>
                 <a:latin typeface="배달의민족 주아" pitchFamily="18" charset="-127"/>
                 <a:ea typeface="배달의민족 주아" pitchFamily="18" charset="-127"/>
               </a:rPr>
@@ -6518,7 +8412,7 @@
           <p:nvPr/>
         </p:nvPicPr>
         <p:blipFill>
-          <a:blip r:embed="rId2" cstate="print">
+          <a:blip r:embed="rId3" cstate="print">
             <a:extLst>
               <a:ext uri="{28A0092B-C50C-407E-A947-70E740481C1C}">
                 <a14:useLocalDpi xmlns:a14="http://schemas.microsoft.com/office/drawing/2010/main" val="0"/>
@@ -6564,7 +8458,7 @@
 </file>
 
 <file path=ppt/slides/slide3.xml><?xml version="1.0" encoding="utf-8"?>
-<p:sld xmlns:a="http://schemas.openxmlformats.org/drawingml/2006/main" xmlns:r="http://schemas.openxmlformats.org/officeDocument/2006/relationships" xmlns:p="http://schemas.openxmlformats.org/presentationml/2006/main" show="0">
+<p:sld xmlns:a="http://schemas.openxmlformats.org/drawingml/2006/main" xmlns:r="http://schemas.openxmlformats.org/officeDocument/2006/relationships" xmlns:p="http://schemas.openxmlformats.org/presentationml/2006/main">
   <p:cSld>
     <p:spTree>
       <p:nvGrpSpPr>
@@ -6709,11 +8603,11 @@
   <p:clrMapOvr>
     <a:masterClrMapping/>
   </p:clrMapOvr>
-  <mc:AlternateContent xmlns:mc="http://schemas.openxmlformats.org/markup-compatibility/2006" xmlns:p14="http://schemas.microsoft.com/office/powerpoint/2010/main">
-    <mc:Choice Requires="p14">
+  <mc:AlternateContent xmlns:mc="http://schemas.openxmlformats.org/markup-compatibility/2006">
+    <mc:Choice xmlns:p14="http://schemas.microsoft.com/office/powerpoint/2010/main" Requires="p14">
       <p:transition spd="slow" p14:dur="2000"/>
     </mc:Choice>
-    <mc:Fallback xmlns="">
+    <mc:Fallback>
       <p:transition spd="slow"/>
     </mc:Fallback>
   </mc:AlternateContent>
@@ -6982,36 +8876,6 @@
           <a:bodyPr/>
           <a:lstStyle/>
           <a:p>
-            <a:r>
-              <a:rPr lang="ko-KR" altLang="en-US" dirty="0" smtClean="0"/>
-              <a:t>추억의 고전게임</a:t>
-            </a:r>
-            <a:r>
-              <a:rPr lang="en-US" altLang="ko-KR" dirty="0" smtClean="0"/>
-              <a:t>, </a:t>
-            </a:r>
-            <a:r>
-              <a:rPr lang="ko-KR" altLang="en-US" dirty="0" err="1" smtClean="0"/>
-              <a:t>한컴타자</a:t>
-            </a:r>
-            <a:r>
-              <a:rPr lang="ko-KR" altLang="en-US" dirty="0" smtClean="0"/>
-              <a:t> </a:t>
-            </a:r>
-            <a:r>
-              <a:rPr lang="ko-KR" altLang="en-US" dirty="0" err="1" smtClean="0"/>
-              <a:t>산정비</a:t>
-            </a:r>
-            <a:r>
-              <a:rPr lang="ko-KR" altLang="en-US" dirty="0" smtClean="0"/>
-              <a:t> 기반</a:t>
-            </a:r>
-            <a:endParaRPr lang="en-US" altLang="ko-KR" dirty="0" smtClean="0"/>
-          </a:p>
-          <a:p>
-            <a:endParaRPr lang="en-US" altLang="ko-KR" dirty="0" smtClean="0"/>
-          </a:p>
-          <a:p>
             <a:pPr marL="342900" indent="-342900">
               <a:buFontTx/>
               <a:buChar char="-"/>
@@ -7079,8 +8943,22 @@
             </a:r>
             <a:r>
               <a:rPr lang="en-US" altLang="ko-KR" dirty="0" smtClean="0"/>
-              <a:t>&lt;-&gt; DB</a:t>
-            </a:r>
+              <a:t>&lt;-&gt; </a:t>
+            </a:r>
+            <a:r>
+              <a:rPr lang="en-US" altLang="ko-KR" dirty="0" smtClean="0"/>
+              <a:t>DB</a:t>
+            </a:r>
+          </a:p>
+          <a:p>
+            <a:pPr marL="342900" indent="-342900">
+              <a:buFontTx/>
+              <a:buChar char="-"/>
+            </a:pPr>
+            <a:endParaRPr lang="en-US" altLang="ko-KR" dirty="0"/>
+          </a:p>
+          <a:p>
+            <a:endParaRPr lang="en-US" altLang="ko-KR" dirty="0" smtClean="0"/>
           </a:p>
         </p:txBody>
       </p:sp>
@@ -7105,8 +8983,8 @@
           <a:lstStyle/>
           <a:p>
             <a:r>
-              <a:rPr lang="ko-KR" altLang="en-US" dirty="0" err="1" smtClean="0"/>
-              <a:t>프로젝트명</a:t>
+              <a:rPr lang="ko-KR" altLang="en-US" dirty="0"/>
+              <a:t>프로젝트 소개 </a:t>
             </a:r>
             <a:r>
               <a:rPr lang="en-US" altLang="ko-KR" dirty="0" smtClean="0"/>
@@ -7261,6 +9139,180 @@
           <a:p>
             <a:r>
               <a:rPr lang="ko-KR" altLang="en-US" dirty="0" smtClean="0"/>
+              <a:t>프로젝트 구현 목표</a:t>
+            </a:r>
+            <a:endParaRPr lang="ko-KR" altLang="en-US" dirty="0"/>
+          </a:p>
+        </p:txBody>
+      </p:sp>
+      <p:sp>
+        <p:nvSpPr>
+          <p:cNvPr id="3" name="내용 개체 틀 2"/>
+          <p:cNvSpPr>
+            <a:spLocks noGrp="1"/>
+          </p:cNvSpPr>
+          <p:nvPr>
+            <p:ph idx="1"/>
+          </p:nvPr>
+        </p:nvSpPr>
+        <p:spPr/>
+        <p:txBody>
+          <a:bodyPr/>
+          <a:lstStyle/>
+          <a:p>
+            <a:r>
+              <a:rPr lang="en-US" altLang="ko-KR" dirty="0" smtClean="0"/>
+              <a:t>3 Tier system </a:t>
+            </a:r>
+            <a:r>
+              <a:rPr lang="ko-KR" altLang="en-US" dirty="0" smtClean="0"/>
+              <a:t>네트워크 통신</a:t>
+            </a:r>
+            <a:endParaRPr lang="en-US" altLang="ko-KR" dirty="0" smtClean="0"/>
+          </a:p>
+          <a:p>
+            <a:r>
+              <a:rPr lang="en-US" altLang="ko-KR" dirty="0" smtClean="0"/>
+              <a:t>DB </a:t>
+            </a:r>
+            <a:r>
+              <a:rPr lang="ko-KR" altLang="en-US" dirty="0" err="1" smtClean="0"/>
+              <a:t>쿼리문</a:t>
+            </a:r>
+            <a:r>
+              <a:rPr lang="ko-KR" altLang="en-US" dirty="0" smtClean="0"/>
+              <a:t> 실행을 통한 </a:t>
+            </a:r>
+            <a:r>
+              <a:rPr lang="en-US" altLang="ko-KR" dirty="0" smtClean="0"/>
+              <a:t>CRUD</a:t>
+            </a:r>
+            <a:r>
+              <a:rPr lang="ko-KR" altLang="en-US" dirty="0" smtClean="0"/>
+              <a:t>의 구현</a:t>
+            </a:r>
+            <a:endParaRPr lang="en-US" altLang="ko-KR" dirty="0" smtClean="0"/>
+          </a:p>
+          <a:p>
+            <a:r>
+              <a:rPr lang="ko-KR" altLang="en-US" dirty="0" smtClean="0"/>
+              <a:t>모든 </a:t>
+            </a:r>
+            <a:r>
+              <a:rPr lang="ko-KR" altLang="en-US" dirty="0" err="1" smtClean="0"/>
+              <a:t>클라에</a:t>
+            </a:r>
+            <a:r>
+              <a:rPr lang="ko-KR" altLang="en-US" dirty="0" smtClean="0"/>
+              <a:t> 동일한 화면을 보이게 함으로서 </a:t>
+            </a:r>
+            <a:endParaRPr lang="en-US" altLang="ko-KR" dirty="0" smtClean="0"/>
+          </a:p>
+          <a:p>
+            <a:r>
+              <a:rPr lang="ko-KR" altLang="en-US" dirty="0" smtClean="0"/>
+              <a:t>동시 실행 </a:t>
+            </a:r>
+            <a:r>
+              <a:rPr lang="ko-KR" altLang="en-US" dirty="0" err="1" smtClean="0"/>
+              <a:t>개념에대한</a:t>
+            </a:r>
+            <a:r>
+              <a:rPr lang="ko-KR" altLang="en-US" dirty="0" smtClean="0"/>
+              <a:t> 이해</a:t>
+            </a:r>
+            <a:endParaRPr lang="ko-KR" altLang="en-US" dirty="0"/>
+          </a:p>
+        </p:txBody>
+      </p:sp>
+      <p:pic>
+        <p:nvPicPr>
+          <p:cNvPr id="2050" name="Picture 2" descr="3 tier에 대한 이미지 검색결과"/>
+          <p:cNvPicPr>
+            <a:picLocks noChangeAspect="1" noChangeArrowheads="1"/>
+          </p:cNvPicPr>
+          <p:nvPr/>
+        </p:nvPicPr>
+        <p:blipFill>
+          <a:blip r:embed="rId2">
+            <a:extLst>
+              <a:ext uri="{28A0092B-C50C-407E-A947-70E740481C1C}">
+                <a14:useLocalDpi xmlns:a14="http://schemas.microsoft.com/office/drawing/2010/main" val="0"/>
+              </a:ext>
+            </a:extLst>
+          </a:blip>
+          <a:srcRect/>
+          <a:stretch>
+            <a:fillRect/>
+          </a:stretch>
+        </p:blipFill>
+        <p:spPr bwMode="auto">
+          <a:xfrm>
+            <a:off x="3995936" y="3779118"/>
+            <a:ext cx="4791075" cy="3076575"/>
+          </a:xfrm>
+          <a:prstGeom prst="rect">
+            <a:avLst/>
+          </a:prstGeom>
+          <a:noFill/>
+          <a:extLst>
+            <a:ext uri="{909E8E84-426E-40DD-AFC4-6F175D3DCCD1}">
+              <a14:hiddenFill xmlns:a14="http://schemas.microsoft.com/office/drawing/2010/main">
+                <a:solidFill>
+                  <a:srgbClr val="FFFFFF"/>
+                </a:solidFill>
+              </a14:hiddenFill>
+            </a:ext>
+          </a:extLst>
+        </p:spPr>
+      </p:pic>
+    </p:spTree>
+    <p:extLst>
+      <p:ext uri="{BB962C8B-B14F-4D97-AF65-F5344CB8AC3E}">
+        <p14:creationId xmlns:p14="http://schemas.microsoft.com/office/powerpoint/2010/main" val="3975987839"/>
+      </p:ext>
+    </p:extLst>
+  </p:cSld>
+  <p:clrMapOvr>
+    <a:masterClrMapping/>
+  </p:clrMapOvr>
+</p:sld>
+</file>
+
+<file path=ppt/slides/slide7.xml><?xml version="1.0" encoding="utf-8"?>
+<p:sld xmlns:a="http://schemas.openxmlformats.org/drawingml/2006/main" xmlns:r="http://schemas.openxmlformats.org/officeDocument/2006/relationships" xmlns:p="http://schemas.openxmlformats.org/presentationml/2006/main">
+  <p:cSld>
+    <p:spTree>
+      <p:nvGrpSpPr>
+        <p:cNvPr id="1" name=""/>
+        <p:cNvGrpSpPr/>
+        <p:nvPr/>
+      </p:nvGrpSpPr>
+      <p:grpSpPr>
+        <a:xfrm>
+          <a:off x="0" y="0"/>
+          <a:ext cx="0" cy="0"/>
+          <a:chOff x="0" y="0"/>
+          <a:chExt cx="0" cy="0"/>
+        </a:xfrm>
+      </p:grpSpPr>
+      <p:sp>
+        <p:nvSpPr>
+          <p:cNvPr id="2" name="제목 1"/>
+          <p:cNvSpPr>
+            <a:spLocks noGrp="1"/>
+          </p:cNvSpPr>
+          <p:nvPr>
+            <p:ph type="title"/>
+          </p:nvPr>
+        </p:nvSpPr>
+        <p:spPr/>
+        <p:txBody>
+          <a:bodyPr/>
+          <a:lstStyle/>
+          <a:p>
+            <a:r>
+              <a:rPr lang="ko-KR" altLang="en-US" dirty="0" smtClean="0"/>
               <a:t>개발일정</a:t>
             </a:r>
             <a:endParaRPr lang="ko-KR" altLang="en-US" dirty="0"/>
@@ -7370,7 +9422,7 @@
 </p:sld>
 </file>
 
-<file path=ppt/slides/slide7.xml><?xml version="1.0" encoding="utf-8"?>
+<file path=ppt/slides/slide8.xml><?xml version="1.0" encoding="utf-8"?>
 <p:sld xmlns:a="http://schemas.openxmlformats.org/drawingml/2006/main" xmlns:r="http://schemas.openxmlformats.org/officeDocument/2006/relationships" xmlns:p="http://schemas.openxmlformats.org/presentationml/2006/main">
   <p:cSld>
     <p:spTree>
@@ -7667,7 +9719,7 @@
 </p:sld>
 </file>
 
-<file path=ppt/slides/slide8.xml><?xml version="1.0" encoding="utf-8"?>
+<file path=ppt/slides/slide9.xml><?xml version="1.0" encoding="utf-8"?>
 <p:sld xmlns:a="http://schemas.openxmlformats.org/drawingml/2006/main" xmlns:r="http://schemas.openxmlformats.org/officeDocument/2006/relationships" xmlns:p="http://schemas.openxmlformats.org/presentationml/2006/main">
   <p:cSld>
     <p:spTree>
@@ -7724,38 +9776,39 @@
             <p:ph idx="1"/>
           </p:nvPr>
         </p:nvSpPr>
-        <p:spPr/>
+        <p:spPr>
+          <a:xfrm>
+            <a:off x="4788024" y="1700808"/>
+            <a:ext cx="3888432" cy="4373563"/>
+          </a:xfrm>
+        </p:spPr>
         <p:txBody>
           <a:bodyPr/>
           <a:lstStyle/>
           <a:p>
             <a:r>
+              <a:rPr lang="ko-KR" altLang="en-US" dirty="0" err="1" smtClean="0"/>
+              <a:t>유저명</a:t>
+            </a:r>
+            <a:r>
+              <a:rPr lang="ko-KR" altLang="en-US" dirty="0" smtClean="0"/>
+              <a:t> 입력하고 등록을 누르면 </a:t>
+            </a:r>
+            <a:r>
               <a:rPr lang="en-US" altLang="ko-KR" dirty="0" smtClean="0"/>
-              <a:t> 				</a:t>
-            </a:r>
-            <a:r>
-              <a:rPr lang="en-US" altLang="ko-KR" dirty="0"/>
-              <a:t> </a:t>
-            </a:r>
-            <a:r>
-              <a:rPr lang="en-US" altLang="ko-KR" dirty="0" smtClean="0"/>
-              <a:t>     </a:t>
+              <a:t>DB</a:t>
             </a:r>
             <a:r>
               <a:rPr lang="ko-KR" altLang="en-US" dirty="0" smtClean="0"/>
-              <a:t>정상적으로 </a:t>
+              <a:t>에 </a:t>
             </a:r>
             <a:r>
               <a:rPr lang="en-US" altLang="ko-KR" dirty="0" smtClean="0"/>
               <a:t>insert</a:t>
             </a:r>
             <a:r>
-              <a:rPr lang="ko-KR" altLang="en-US" dirty="0"/>
-              <a:t> </a:t>
-            </a:r>
-            <a:r>
               <a:rPr lang="ko-KR" altLang="en-US" dirty="0" smtClean="0"/>
-              <a:t>되었다</a:t>
+              <a:t>가 되도록 구현</a:t>
             </a:r>
             <a:endParaRPr lang="ko-KR" altLang="en-US" dirty="0"/>
           </a:p>
@@ -7848,8 +9901,8 @@
         </p:blipFill>
         <p:spPr bwMode="auto">
           <a:xfrm>
-            <a:off x="2843808" y="5346415"/>
-            <a:ext cx="4838700" cy="257175"/>
+            <a:off x="246540" y="5949280"/>
+            <a:ext cx="8633159" cy="458849"/>
           </a:xfrm>
           <a:prstGeom prst="rect">
             <a:avLst/>
@@ -7889,145 +9942,6 @@
           </a:extLst>
         </p:spPr>
       </p:pic>
-    </p:spTree>
-    <p:extLst>
-      <p:ext uri="{BB962C8B-B14F-4D97-AF65-F5344CB8AC3E}">
-        <p14:creationId xmlns:p14="http://schemas.microsoft.com/office/powerpoint/2010/main" val="4042713725"/>
-      </p:ext>
-    </p:extLst>
-  </p:cSld>
-  <p:clrMapOvr>
-    <a:masterClrMapping/>
-  </p:clrMapOvr>
-  <p:timing>
-    <p:tnLst>
-      <p:par>
-        <p:cTn id="1" dur="indefinite" restart="never" nodeType="tmRoot"/>
-      </p:par>
-    </p:tnLst>
-  </p:timing>
-</p:sld>
-</file>
-
-<file path=ppt/slides/slide9.xml><?xml version="1.0" encoding="utf-8"?>
-<p:sld xmlns:a="http://schemas.openxmlformats.org/drawingml/2006/main" xmlns:r="http://schemas.openxmlformats.org/officeDocument/2006/relationships" xmlns:p="http://schemas.openxmlformats.org/presentationml/2006/main">
-  <p:cSld>
-    <p:spTree>
-      <p:nvGrpSpPr>
-        <p:cNvPr id="1" name=""/>
-        <p:cNvGrpSpPr/>
-        <p:nvPr/>
-      </p:nvGrpSpPr>
-      <p:grpSpPr>
-        <a:xfrm>
-          <a:off x="0" y="0"/>
-          <a:ext cx="0" cy="0"/>
-          <a:chOff x="0" y="0"/>
-          <a:chExt cx="0" cy="0"/>
-        </a:xfrm>
-      </p:grpSpPr>
-      <p:sp>
-        <p:nvSpPr>
-          <p:cNvPr id="2" name="제목 1"/>
-          <p:cNvSpPr>
-            <a:spLocks noGrp="1"/>
-          </p:cNvSpPr>
-          <p:nvPr>
-            <p:ph type="title"/>
-          </p:nvPr>
-        </p:nvSpPr>
-        <p:spPr/>
-        <p:txBody>
-          <a:bodyPr/>
-          <a:lstStyle/>
-          <a:p>
-            <a:r>
-              <a:rPr lang="ko-KR" altLang="en-US" dirty="0"/>
-              <a:t>주요기능 </a:t>
-            </a:r>
-            <a:r>
-              <a:rPr lang="en-US" altLang="ko-KR" dirty="0"/>
-              <a:t>- </a:t>
-            </a:r>
-            <a:r>
-              <a:rPr lang="ko-KR" altLang="en-US" dirty="0"/>
-              <a:t>실행화면</a:t>
-            </a:r>
-          </a:p>
-        </p:txBody>
-      </p:sp>
-      <p:sp>
-        <p:nvSpPr>
-          <p:cNvPr id="3" name="내용 개체 틀 2"/>
-          <p:cNvSpPr>
-            <a:spLocks noGrp="1"/>
-          </p:cNvSpPr>
-          <p:nvPr>
-            <p:ph idx="1"/>
-          </p:nvPr>
-        </p:nvSpPr>
-        <p:spPr/>
-        <p:txBody>
-          <a:bodyPr/>
-          <a:lstStyle/>
-          <a:p>
-            <a:r>
-              <a:rPr lang="ko-KR" altLang="en-US" dirty="0" smtClean="0"/>
-              <a:t>동일한 버튼에 </a:t>
-            </a:r>
-            <a:r>
-              <a:rPr lang="en-US" altLang="ko-KR" dirty="0" smtClean="0"/>
-              <a:t>Flag</a:t>
-            </a:r>
-            <a:r>
-              <a:rPr lang="ko-KR" altLang="en-US" dirty="0" smtClean="0"/>
-              <a:t>를 나누어 처음 </a:t>
-            </a:r>
-            <a:r>
-              <a:rPr lang="ko-KR" altLang="en-US" dirty="0" err="1" smtClean="0"/>
-              <a:t>눌렀을시</a:t>
-            </a:r>
-            <a:r>
-              <a:rPr lang="ko-KR" altLang="en-US" dirty="0" smtClean="0"/>
-              <a:t> </a:t>
-            </a:r>
-            <a:r>
-              <a:rPr lang="en-US" altLang="ko-KR" dirty="0" smtClean="0"/>
-              <a:t>DB</a:t>
-            </a:r>
-            <a:r>
-              <a:rPr lang="ko-KR" altLang="en-US" dirty="0" smtClean="0"/>
-              <a:t>에 </a:t>
-            </a:r>
-            <a:r>
-              <a:rPr lang="en-US" altLang="ko-KR" dirty="0" smtClean="0"/>
-              <a:t>insert,</a:t>
-            </a:r>
-          </a:p>
-          <a:p>
-            <a:r>
-              <a:rPr lang="ko-KR" altLang="en-US" dirty="0" smtClean="0"/>
-              <a:t>그 이후로는 지속적으로 </a:t>
-            </a:r>
-            <a:r>
-              <a:rPr lang="en-US" altLang="ko-KR" dirty="0" smtClean="0"/>
-              <a:t>update</a:t>
-            </a:r>
-            <a:r>
-              <a:rPr lang="ko-KR" altLang="en-US" dirty="0" smtClean="0"/>
-              <a:t>가</a:t>
-            </a:r>
-            <a:endParaRPr lang="en-US" altLang="ko-KR" dirty="0" smtClean="0"/>
-          </a:p>
-          <a:p>
-            <a:r>
-              <a:rPr lang="ko-KR" altLang="en-US" dirty="0" smtClean="0"/>
-              <a:t>되도록  구현</a:t>
-            </a:r>
-            <a:endParaRPr lang="ko-KR" altLang="en-US" dirty="0"/>
-          </a:p>
-        </p:txBody>
-      </p:sp>
       <p:pic>
         <p:nvPicPr>
           <p:cNvPr id="4098" name="Picture 2"/>
@@ -8037,7 +9951,7 @@
           <p:nvPr/>
         </p:nvPicPr>
         <p:blipFill>
-          <a:blip r:embed="rId2">
+          <a:blip r:embed="rId4">
             <a:extLst>
               <a:ext uri="{28A0092B-C50C-407E-A947-70E740481C1C}">
                 <a14:useLocalDpi xmlns:a14="http://schemas.microsoft.com/office/drawing/2010/main" val="0"/>
@@ -8051,8 +9965,8 @@
         </p:blipFill>
         <p:spPr bwMode="auto">
           <a:xfrm>
-            <a:off x="5373960" y="2459125"/>
-            <a:ext cx="3124200" cy="2800350"/>
+            <a:off x="246540" y="5085184"/>
+            <a:ext cx="5610225" cy="495300"/>
           </a:xfrm>
           <a:prstGeom prst="rect">
             <a:avLst/>
@@ -8092,266 +10006,98 @@
           </a:extLst>
         </p:spPr>
       </p:pic>
-      <p:pic>
-        <p:nvPicPr>
-          <p:cNvPr id="4099" name="Picture 3"/>
-          <p:cNvPicPr>
-            <a:picLocks noChangeAspect="1" noChangeArrowheads="1"/>
-          </p:cNvPicPr>
+      <p:sp>
+        <p:nvSpPr>
+          <p:cNvPr id="4" name="왼쪽으로 구부러진 화살표 3"/>
+          <p:cNvSpPr/>
           <p:nvPr/>
-        </p:nvPicPr>
-        <p:blipFill>
-          <a:blip r:embed="rId3">
-            <a:extLst>
-              <a:ext uri="{28A0092B-C50C-407E-A947-70E740481C1C}">
-                <a14:useLocalDpi xmlns:a14="http://schemas.microsoft.com/office/drawing/2010/main" val="0"/>
-              </a:ext>
-            </a:extLst>
-          </a:blip>
-          <a:srcRect/>
-          <a:stretch>
-            <a:fillRect/>
-          </a:stretch>
-        </p:blipFill>
-        <p:spPr bwMode="auto">
-          <a:xfrm>
-            <a:off x="3419872" y="6084873"/>
-            <a:ext cx="5219700" cy="276225"/>
-          </a:xfrm>
-          <a:prstGeom prst="rect">
+        </p:nvSpPr>
+        <p:spPr>
+          <a:xfrm rot="19269420">
+            <a:off x="5281809" y="3092763"/>
+            <a:ext cx="633107" cy="1580379"/>
+          </a:xfrm>
+          <a:prstGeom prst="curvedLeftArrow">
             <a:avLst/>
           </a:prstGeom>
-          <a:noFill/>
-          <a:ln>
-            <a:noFill/>
-          </a:ln>
-          <a:effectLst/>
-          <a:extLst>
-            <a:ext uri="{909E8E84-426E-40DD-AFC4-6F175D3DCCD1}">
-              <a14:hiddenFill xmlns:a14="http://schemas.microsoft.com/office/drawing/2010/main">
-                <a:solidFill>
-                  <a:schemeClr val="accent1"/>
-                </a:solidFill>
-              </a14:hiddenFill>
-            </a:ext>
-            <a:ext uri="{91240B29-F687-4F45-9708-019B960494DF}">
-              <a14:hiddenLine xmlns:a14="http://schemas.microsoft.com/office/drawing/2010/main" w="9525">
-                <a:solidFill>
-                  <a:schemeClr val="tx1"/>
-                </a:solidFill>
-                <a:miter lim="800000"/>
-                <a:headEnd/>
-                <a:tailEnd/>
-              </a14:hiddenLine>
-            </a:ext>
-            <a:ext uri="{AF507438-7753-43E0-B8FC-AC1667EBCBE1}">
-              <a14:hiddenEffects xmlns:a14="http://schemas.microsoft.com/office/drawing/2010/main">
-                <a:effectLst>
-                  <a:outerShdw dist="35921" dir="2700000" algn="ctr" rotWithShape="0">
-                    <a:schemeClr val="bg2"/>
-                  </a:outerShdw>
-                </a:effectLst>
-              </a14:hiddenEffects>
-            </a:ext>
-          </a:extLst>
-        </p:spPr>
-      </p:pic>
-      <p:pic>
-        <p:nvPicPr>
-          <p:cNvPr id="1026" name="Picture 2"/>
-          <p:cNvPicPr>
-            <a:picLocks noChangeAspect="1" noChangeArrowheads="1"/>
-          </p:cNvPicPr>
+        </p:spPr>
+        <p:style>
+          <a:lnRef idx="2">
+            <a:schemeClr val="accent5">
+              <a:shade val="50000"/>
+            </a:schemeClr>
+          </a:lnRef>
+          <a:fillRef idx="1">
+            <a:schemeClr val="accent5"/>
+          </a:fillRef>
+          <a:effectRef idx="0">
+            <a:schemeClr val="accent5"/>
+          </a:effectRef>
+          <a:fontRef idx="minor">
+            <a:schemeClr val="lt1"/>
+          </a:fontRef>
+        </p:style>
+        <p:txBody>
+          <a:bodyPr rtlCol="0" anchor="ctr"/>
+          <a:lstStyle/>
+          <a:p>
+            <a:pPr algn="ctr"/>
+            <a:endParaRPr lang="ko-KR" altLang="en-US">
+              <a:solidFill>
+                <a:schemeClr val="tx1"/>
+              </a:solidFill>
+            </a:endParaRPr>
+          </a:p>
+        </p:txBody>
+      </p:sp>
+      <p:sp>
+        <p:nvSpPr>
+          <p:cNvPr id="8" name="왼쪽으로 구부러진 화살표 7"/>
+          <p:cNvSpPr/>
           <p:nvPr/>
-        </p:nvPicPr>
-        <p:blipFill>
-          <a:blip r:embed="rId4">
-            <a:extLst>
-              <a:ext uri="{28A0092B-C50C-407E-A947-70E740481C1C}">
-                <a14:useLocalDpi xmlns:a14="http://schemas.microsoft.com/office/drawing/2010/main" val="0"/>
-              </a:ext>
-            </a:extLst>
-          </a:blip>
-          <a:srcRect/>
-          <a:stretch>
-            <a:fillRect/>
-          </a:stretch>
-        </p:blipFill>
-        <p:spPr bwMode="auto">
-          <a:xfrm>
-            <a:off x="573460" y="3173048"/>
-            <a:ext cx="4430588" cy="216714"/>
-          </a:xfrm>
-          <a:prstGeom prst="rect">
+        </p:nvSpPr>
+        <p:spPr>
+          <a:xfrm rot="17747848">
+            <a:off x="6862030" y="4422132"/>
+            <a:ext cx="538639" cy="1496393"/>
+          </a:xfrm>
+          <a:prstGeom prst="curvedLeftArrow">
             <a:avLst/>
           </a:prstGeom>
-          <a:noFill/>
-          <a:ln>
-            <a:noFill/>
-          </a:ln>
-          <a:effectLst/>
-          <a:extLst>
-            <a:ext uri="{909E8E84-426E-40DD-AFC4-6F175D3DCCD1}">
-              <a14:hiddenFill xmlns:a14="http://schemas.microsoft.com/office/drawing/2010/main">
-                <a:solidFill>
-                  <a:schemeClr val="accent1"/>
-                </a:solidFill>
-              </a14:hiddenFill>
-            </a:ext>
-            <a:ext uri="{91240B29-F687-4F45-9708-019B960494DF}">
-              <a14:hiddenLine xmlns:a14="http://schemas.microsoft.com/office/drawing/2010/main" w="9525">
-                <a:solidFill>
-                  <a:schemeClr val="tx1"/>
-                </a:solidFill>
-                <a:miter lim="800000"/>
-                <a:headEnd/>
-                <a:tailEnd/>
-              </a14:hiddenLine>
-            </a:ext>
-            <a:ext uri="{AF507438-7753-43E0-B8FC-AC1667EBCBE1}">
-              <a14:hiddenEffects xmlns:a14="http://schemas.microsoft.com/office/drawing/2010/main">
-                <a:effectLst>
-                  <a:outerShdw dist="35921" dir="2700000" algn="ctr" rotWithShape="0">
-                    <a:schemeClr val="bg2"/>
-                  </a:outerShdw>
-                </a:effectLst>
-              </a14:hiddenEffects>
-            </a:ext>
-          </a:extLst>
-        </p:spPr>
-      </p:pic>
-      <p:pic>
-        <p:nvPicPr>
-          <p:cNvPr id="1027" name="Picture 3"/>
-          <p:cNvPicPr>
-            <a:picLocks noChangeAspect="1" noChangeArrowheads="1"/>
-          </p:cNvPicPr>
-          <p:nvPr/>
-        </p:nvPicPr>
-        <p:blipFill>
-          <a:blip r:embed="rId5">
-            <a:extLst>
-              <a:ext uri="{28A0092B-C50C-407E-A947-70E740481C1C}">
-                <a14:useLocalDpi xmlns:a14="http://schemas.microsoft.com/office/drawing/2010/main" val="0"/>
-              </a:ext>
-            </a:extLst>
-          </a:blip>
-          <a:srcRect/>
-          <a:stretch>
-            <a:fillRect/>
-          </a:stretch>
-        </p:blipFill>
-        <p:spPr bwMode="auto">
-          <a:xfrm>
-            <a:off x="573461" y="3439747"/>
-            <a:ext cx="2990428" cy="419553"/>
-          </a:xfrm>
-          <a:prstGeom prst="rect">
-            <a:avLst/>
-          </a:prstGeom>
-          <a:noFill/>
-          <a:ln>
-            <a:noFill/>
-          </a:ln>
-          <a:effectLst/>
-          <a:extLst>
-            <a:ext uri="{909E8E84-426E-40DD-AFC4-6F175D3DCCD1}">
-              <a14:hiddenFill xmlns:a14="http://schemas.microsoft.com/office/drawing/2010/main">
-                <a:solidFill>
-                  <a:schemeClr val="accent1"/>
-                </a:solidFill>
-              </a14:hiddenFill>
-            </a:ext>
-            <a:ext uri="{91240B29-F687-4F45-9708-019B960494DF}">
-              <a14:hiddenLine xmlns:a14="http://schemas.microsoft.com/office/drawing/2010/main" w="9525">
-                <a:solidFill>
-                  <a:schemeClr val="tx1"/>
-                </a:solidFill>
-                <a:miter lim="800000"/>
-                <a:headEnd/>
-                <a:tailEnd/>
-              </a14:hiddenLine>
-            </a:ext>
-            <a:ext uri="{AF507438-7753-43E0-B8FC-AC1667EBCBE1}">
-              <a14:hiddenEffects xmlns:a14="http://schemas.microsoft.com/office/drawing/2010/main">
-                <a:effectLst>
-                  <a:outerShdw dist="35921" dir="2700000" algn="ctr" rotWithShape="0">
-                    <a:schemeClr val="bg2"/>
-                  </a:outerShdw>
-                </a:effectLst>
-              </a14:hiddenEffects>
-            </a:ext>
-          </a:extLst>
-        </p:spPr>
-      </p:pic>
-      <p:pic>
-        <p:nvPicPr>
-          <p:cNvPr id="1028" name="Picture 4"/>
-          <p:cNvPicPr>
-            <a:picLocks noChangeAspect="1" noChangeArrowheads="1"/>
-          </p:cNvPicPr>
-          <p:nvPr/>
-        </p:nvPicPr>
-        <p:blipFill>
-          <a:blip r:embed="rId6">
-            <a:extLst>
-              <a:ext uri="{28A0092B-C50C-407E-A947-70E740481C1C}">
-                <a14:useLocalDpi xmlns:a14="http://schemas.microsoft.com/office/drawing/2010/main" val="0"/>
-              </a:ext>
-            </a:extLst>
-          </a:blip>
-          <a:srcRect/>
-          <a:stretch>
-            <a:fillRect/>
-          </a:stretch>
-        </p:blipFill>
-        <p:spPr bwMode="auto">
-          <a:xfrm>
-            <a:off x="573461" y="3922116"/>
-            <a:ext cx="3096344" cy="1994255"/>
-          </a:xfrm>
-          <a:prstGeom prst="rect">
-            <a:avLst/>
-          </a:prstGeom>
-          <a:noFill/>
-          <a:ln>
-            <a:noFill/>
-          </a:ln>
-          <a:effectLst/>
-          <a:extLst>
-            <a:ext uri="{909E8E84-426E-40DD-AFC4-6F175D3DCCD1}">
-              <a14:hiddenFill xmlns:a14="http://schemas.microsoft.com/office/drawing/2010/main">
-                <a:solidFill>
-                  <a:schemeClr val="accent1"/>
-                </a:solidFill>
-              </a14:hiddenFill>
-            </a:ext>
-            <a:ext uri="{91240B29-F687-4F45-9708-019B960494DF}">
-              <a14:hiddenLine xmlns:a14="http://schemas.microsoft.com/office/drawing/2010/main" w="9525">
-                <a:solidFill>
-                  <a:schemeClr val="tx1"/>
-                </a:solidFill>
-                <a:miter lim="800000"/>
-                <a:headEnd/>
-                <a:tailEnd/>
-              </a14:hiddenLine>
-            </a:ext>
-            <a:ext uri="{AF507438-7753-43E0-B8FC-AC1667EBCBE1}">
-              <a14:hiddenEffects xmlns:a14="http://schemas.microsoft.com/office/drawing/2010/main">
-                <a:effectLst>
-                  <a:outerShdw dist="35921" dir="2700000" algn="ctr" rotWithShape="0">
-                    <a:schemeClr val="bg2"/>
-                  </a:outerShdw>
-                </a:effectLst>
-              </a14:hiddenEffects>
-            </a:ext>
-          </a:extLst>
-        </p:spPr>
-      </p:pic>
+        </p:spPr>
+        <p:style>
+          <a:lnRef idx="2">
+            <a:schemeClr val="accent5">
+              <a:shade val="50000"/>
+            </a:schemeClr>
+          </a:lnRef>
+          <a:fillRef idx="1">
+            <a:schemeClr val="accent5"/>
+          </a:fillRef>
+          <a:effectRef idx="0">
+            <a:schemeClr val="accent5"/>
+          </a:effectRef>
+          <a:fontRef idx="minor">
+            <a:schemeClr val="lt1"/>
+          </a:fontRef>
+        </p:style>
+        <p:txBody>
+          <a:bodyPr rtlCol="0" anchor="ctr"/>
+          <a:lstStyle/>
+          <a:p>
+            <a:pPr algn="ctr"/>
+            <a:endParaRPr lang="ko-KR" altLang="en-US">
+              <a:solidFill>
+                <a:schemeClr val="tx1"/>
+              </a:solidFill>
+            </a:endParaRPr>
+          </a:p>
+        </p:txBody>
+      </p:sp>
     </p:spTree>
     <p:extLst>
       <p:ext uri="{BB962C8B-B14F-4D97-AF65-F5344CB8AC3E}">
-        <p14:creationId xmlns:p14="http://schemas.microsoft.com/office/powerpoint/2010/main" val="4205439488"/>
+        <p14:creationId xmlns:p14="http://schemas.microsoft.com/office/powerpoint/2010/main" val="4042713725"/>
       </p:ext>
     </p:extLst>
   </p:cSld>
@@ -8619,4 +10365,289 @@
   <a:objectDefaults/>
   <a:extraClrSchemeLst/>
 </a:theme>
+</file>
+
+<file path=ppt/theme/theme2.xml><?xml version="1.0" encoding="utf-8"?>
+<a:theme xmlns:a="http://schemas.openxmlformats.org/drawingml/2006/main" name="Office 테마">
+  <a:themeElements>
+    <a:clrScheme name="Office">
+      <a:dk1>
+        <a:sysClr val="windowText" lastClr="000000"/>
+      </a:dk1>
+      <a:lt1>
+        <a:sysClr val="window" lastClr="FFFFFF"/>
+      </a:lt1>
+      <a:dk2>
+        <a:srgbClr val="1F497D"/>
+      </a:dk2>
+      <a:lt2>
+        <a:srgbClr val="EEECE1"/>
+      </a:lt2>
+      <a:accent1>
+        <a:srgbClr val="4F81BD"/>
+      </a:accent1>
+      <a:accent2>
+        <a:srgbClr val="C0504D"/>
+      </a:accent2>
+      <a:accent3>
+        <a:srgbClr val="9BBB59"/>
+      </a:accent3>
+      <a:accent4>
+        <a:srgbClr val="8064A2"/>
+      </a:accent4>
+      <a:accent5>
+        <a:srgbClr val="4BACC6"/>
+      </a:accent5>
+      <a:accent6>
+        <a:srgbClr val="F79646"/>
+      </a:accent6>
+      <a:hlink>
+        <a:srgbClr val="0000FF"/>
+      </a:hlink>
+      <a:folHlink>
+        <a:srgbClr val="800080"/>
+      </a:folHlink>
+    </a:clrScheme>
+    <a:fontScheme name="Office">
+      <a:majorFont>
+        <a:latin typeface="맑은 고딕"/>
+        <a:ea typeface=""/>
+        <a:cs typeface=""/>
+        <a:font script="Jpan" typeface="ＭＳ Ｐゴシック"/>
+        <a:font script="Hang" typeface="맑은 고딕"/>
+        <a:font script="Hans" typeface="宋体"/>
+        <a:font script="Hant" typeface="新細明體"/>
+        <a:font script="Arab" typeface="Times New Roman"/>
+        <a:font script="Hebr" typeface="Times New Roman"/>
+        <a:font script="Thai" typeface="Angsana New"/>
+        <a:font script="Ethi" typeface="Nyala"/>
+        <a:font script="Beng" typeface="Vrinda"/>
+        <a:font script="Gujr" typeface="Shruti"/>
+        <a:font script="Khmr" typeface="MoolBoran"/>
+        <a:font script="Knda" typeface="Tunga"/>
+        <a:font script="Guru" typeface="Raavi"/>
+        <a:font script="Cans" typeface="Euphemia"/>
+        <a:font script="Cher" typeface="Plantagenet Cherokee"/>
+        <a:font script="Yiii" typeface="Microsoft Yi Baiti"/>
+        <a:font script="Tibt" typeface="Microsoft Himalaya"/>
+        <a:font script="Thaa" typeface="MV Boli"/>
+        <a:font script="Deva" typeface="Mangal"/>
+        <a:font script="Telu" typeface="Gautami"/>
+        <a:font script="Taml" typeface="Latha"/>
+        <a:font script="Syrc" typeface="Estrangelo Edessa"/>
+        <a:font script="Orya" typeface="Kalinga"/>
+        <a:font script="Mlym" typeface="Kartika"/>
+        <a:font script="Laoo" typeface="DokChampa"/>
+        <a:font script="Sinh" typeface="Iskoola Pota"/>
+        <a:font script="Mong" typeface="Mongolian Baiti"/>
+        <a:font script="Viet" typeface="Times New Roman"/>
+        <a:font script="Uigh" typeface="Microsoft Uighur"/>
+        <a:font script="Geor" typeface="Sylfaen"/>
+      </a:majorFont>
+      <a:minorFont>
+        <a:latin typeface="맑은 고딕"/>
+        <a:ea typeface=""/>
+        <a:cs typeface=""/>
+        <a:font script="Jpan" typeface="ＭＳ Ｐゴシック"/>
+        <a:font script="Hang" typeface="맑은 고딕"/>
+        <a:font script="Hans" typeface="宋体"/>
+        <a:font script="Hant" typeface="新細明體"/>
+        <a:font script="Arab" typeface="Arial"/>
+        <a:font script="Hebr" typeface="Arial"/>
+        <a:font script="Thai" typeface="Cordia New"/>
+        <a:font script="Ethi" typeface="Nyala"/>
+        <a:font script="Beng" typeface="Vrinda"/>
+        <a:font script="Gujr" typeface="Shruti"/>
+        <a:font script="Khmr" typeface="DaunPenh"/>
+        <a:font script="Knda" typeface="Tunga"/>
+        <a:font script="Guru" typeface="Raavi"/>
+        <a:font script="Cans" typeface="Euphemia"/>
+        <a:font script="Cher" typeface="Plantagenet Cherokee"/>
+        <a:font script="Yiii" typeface="Microsoft Yi Baiti"/>
+        <a:font script="Tibt" typeface="Microsoft Himalaya"/>
+        <a:font script="Thaa" typeface="MV Boli"/>
+        <a:font script="Deva" typeface="Mangal"/>
+        <a:font script="Telu" typeface="Gautami"/>
+        <a:font script="Taml" typeface="Latha"/>
+        <a:font script="Syrc" typeface="Estrangelo Edessa"/>
+        <a:font script="Orya" typeface="Kalinga"/>
+        <a:font script="Mlym" typeface="Kartika"/>
+        <a:font script="Laoo" typeface="DokChampa"/>
+        <a:font script="Sinh" typeface="Iskoola Pota"/>
+        <a:font script="Mong" typeface="Mongolian Baiti"/>
+        <a:font script="Viet" typeface="Arial"/>
+        <a:font script="Uigh" typeface="Microsoft Uighur"/>
+        <a:font script="Geor" typeface="Sylfaen"/>
+      </a:minorFont>
+    </a:fontScheme>
+    <a:fmtScheme name="Office">
+      <a:fillStyleLst>
+        <a:solidFill>
+          <a:schemeClr val="phClr"/>
+        </a:solidFill>
+        <a:gradFill rotWithShape="1">
+          <a:gsLst>
+            <a:gs pos="0">
+              <a:schemeClr val="phClr">
+                <a:tint val="50000"/>
+                <a:satMod val="300000"/>
+              </a:schemeClr>
+            </a:gs>
+            <a:gs pos="35000">
+              <a:schemeClr val="phClr">
+                <a:tint val="37000"/>
+                <a:satMod val="300000"/>
+              </a:schemeClr>
+            </a:gs>
+            <a:gs pos="100000">
+              <a:schemeClr val="phClr">
+                <a:tint val="15000"/>
+                <a:satMod val="350000"/>
+              </a:schemeClr>
+            </a:gs>
+          </a:gsLst>
+          <a:lin ang="16200000" scaled="1"/>
+        </a:gradFill>
+        <a:gradFill rotWithShape="1">
+          <a:gsLst>
+            <a:gs pos="0">
+              <a:schemeClr val="phClr">
+                <a:shade val="51000"/>
+                <a:satMod val="130000"/>
+              </a:schemeClr>
+            </a:gs>
+            <a:gs pos="80000">
+              <a:schemeClr val="phClr">
+                <a:shade val="93000"/>
+                <a:satMod val="130000"/>
+              </a:schemeClr>
+            </a:gs>
+            <a:gs pos="100000">
+              <a:schemeClr val="phClr">
+                <a:shade val="94000"/>
+                <a:satMod val="135000"/>
+              </a:schemeClr>
+            </a:gs>
+          </a:gsLst>
+          <a:lin ang="16200000" scaled="0"/>
+        </a:gradFill>
+      </a:fillStyleLst>
+      <a:lnStyleLst>
+        <a:ln w="9525" cap="flat" cmpd="sng" algn="ctr">
+          <a:solidFill>
+            <a:schemeClr val="phClr">
+              <a:shade val="95000"/>
+              <a:satMod val="105000"/>
+            </a:schemeClr>
+          </a:solidFill>
+          <a:prstDash val="solid"/>
+        </a:ln>
+        <a:ln w="25400" cap="flat" cmpd="sng" algn="ctr">
+          <a:solidFill>
+            <a:schemeClr val="phClr"/>
+          </a:solidFill>
+          <a:prstDash val="solid"/>
+        </a:ln>
+        <a:ln w="38100" cap="flat" cmpd="sng" algn="ctr">
+          <a:solidFill>
+            <a:schemeClr val="phClr"/>
+          </a:solidFill>
+          <a:prstDash val="solid"/>
+        </a:ln>
+      </a:lnStyleLst>
+      <a:effectStyleLst>
+        <a:effectStyle>
+          <a:effectLst>
+            <a:outerShdw blurRad="40000" dist="20000" dir="5400000" rotWithShape="0">
+              <a:srgbClr val="000000">
+                <a:alpha val="38000"/>
+              </a:srgbClr>
+            </a:outerShdw>
+          </a:effectLst>
+        </a:effectStyle>
+        <a:effectStyle>
+          <a:effectLst>
+            <a:outerShdw blurRad="40000" dist="23000" dir="5400000" rotWithShape="0">
+              <a:srgbClr val="000000">
+                <a:alpha val="35000"/>
+              </a:srgbClr>
+            </a:outerShdw>
+          </a:effectLst>
+        </a:effectStyle>
+        <a:effectStyle>
+          <a:effectLst>
+            <a:outerShdw blurRad="40000" dist="23000" dir="5400000" rotWithShape="0">
+              <a:srgbClr val="000000">
+                <a:alpha val="35000"/>
+              </a:srgbClr>
+            </a:outerShdw>
+          </a:effectLst>
+          <a:scene3d>
+            <a:camera prst="orthographicFront">
+              <a:rot lat="0" lon="0" rev="0"/>
+            </a:camera>
+            <a:lightRig rig="threePt" dir="t">
+              <a:rot lat="0" lon="0" rev="1200000"/>
+            </a:lightRig>
+          </a:scene3d>
+          <a:sp3d>
+            <a:bevelT w="63500" h="25400"/>
+          </a:sp3d>
+        </a:effectStyle>
+      </a:effectStyleLst>
+      <a:bgFillStyleLst>
+        <a:solidFill>
+          <a:schemeClr val="phClr"/>
+        </a:solidFill>
+        <a:gradFill rotWithShape="1">
+          <a:gsLst>
+            <a:gs pos="0">
+              <a:schemeClr val="phClr">
+                <a:tint val="40000"/>
+                <a:satMod val="350000"/>
+              </a:schemeClr>
+            </a:gs>
+            <a:gs pos="40000">
+              <a:schemeClr val="phClr">
+                <a:tint val="45000"/>
+                <a:shade val="99000"/>
+                <a:satMod val="350000"/>
+              </a:schemeClr>
+            </a:gs>
+            <a:gs pos="100000">
+              <a:schemeClr val="phClr">
+                <a:shade val="20000"/>
+                <a:satMod val="255000"/>
+              </a:schemeClr>
+            </a:gs>
+          </a:gsLst>
+          <a:path path="circle">
+            <a:fillToRect l="50000" t="-80000" r="50000" b="180000"/>
+          </a:path>
+        </a:gradFill>
+        <a:gradFill rotWithShape="1">
+          <a:gsLst>
+            <a:gs pos="0">
+              <a:schemeClr val="phClr">
+                <a:tint val="80000"/>
+                <a:satMod val="300000"/>
+              </a:schemeClr>
+            </a:gs>
+            <a:gs pos="100000">
+              <a:schemeClr val="phClr">
+                <a:shade val="30000"/>
+                <a:satMod val="200000"/>
+              </a:schemeClr>
+            </a:gs>
+          </a:gsLst>
+          <a:path path="circle">
+            <a:fillToRect l="50000" t="50000" r="50000" b="50000"/>
+          </a:path>
+        </a:gradFill>
+      </a:bgFillStyleLst>
+    </a:fmtScheme>
+  </a:themeElements>
+  <a:objectDefaults/>
+  <a:extraClrSchemeLst/>
+</a:theme>
 </file>